--- a/ppt/3차 기획안.pptx
+++ b/ppt/3차 기획안.pptx
@@ -214,7 +214,7 @@
           <a:p>
             <a:fld id="{AADB3846-BCFA-4800-BA06-61723393EE83}" type="datetimeFigureOut">
               <a:rPr lang="en-US" smtClean="0"/>
-              <a:t>11/18/2020</a:t>
+              <a:t>12/8/2020</a:t>
             </a:fld>
             <a:endParaRPr lang="en-US"/>
           </a:p>
@@ -20694,14 +20694,14 @@
           <p:nvPr>
             <p:extLst>
               <p:ext uri="{D42A27DB-BD31-4B8C-83A1-F6EECF244321}">
-                <p14:modId xmlns:p14="http://schemas.microsoft.com/office/powerpoint/2010/main" val="3125506962"/>
+                <p14:modId xmlns:p14="http://schemas.microsoft.com/office/powerpoint/2010/main" val="1797754255"/>
               </p:ext>
             </p:extLst>
           </p:nvPr>
         </p:nvGraphicFramePr>
         <p:xfrm>
           <a:off x="2345604" y="8989920"/>
-          <a:ext cx="37441767" cy="11840512"/>
+          <a:ext cx="37441767" cy="10392347"/>
         </p:xfrm>
         <a:graphic>
           <a:graphicData uri="http://schemas.openxmlformats.org/drawingml/2006/table">
@@ -21914,16 +21914,6 @@
                     <a:p>
                       <a:pPr algn="ctr" latinLnBrk="1"/>
                       <a:r>
-                        <a:rPr lang="en-US" altLang="ko-KR" sz="4400" dirty="0">
-                          <a:solidFill>
-                            <a:schemeClr val="tx1"/>
-                          </a:solidFill>
-                          <a:latin typeface="맑은 고딕" panose="020B0503020000020004" pitchFamily="50" charset="-127"/>
-                          <a:ea typeface="맑은 고딕" panose="020B0503020000020004" pitchFamily="50" charset="-127"/>
-                        </a:rPr>
-                        <a:t>IOCP </a:t>
-                      </a:r>
-                      <a:r>
                         <a:rPr lang="ko-KR" altLang="en-US" sz="4400" dirty="0">
                           <a:solidFill>
                             <a:schemeClr val="tx1"/>
@@ -21931,7 +21921,7 @@
                           <a:latin typeface="맑은 고딕" panose="020B0503020000020004" pitchFamily="50" charset="-127"/>
                           <a:ea typeface="맑은 고딕" panose="020B0503020000020004" pitchFamily="50" charset="-127"/>
                         </a:rPr>
-                        <a:t>다중 접속 구현</a:t>
+                        <a:t>서버 프레임워크</a:t>
                       </a:r>
                     </a:p>
                   </a:txBody>
@@ -22482,6 +22472,9 @@
                       <a:headEnd type="none" w="med" len="med"/>
                       <a:tailEnd type="none" w="med" len="med"/>
                     </a:lnB>
+                    <a:solidFill>
+                      <a:srgbClr val="05B0EE"/>
+                    </a:solidFill>
                   </a:tcPr>
                 </a:tc>
                 <a:tc>
@@ -22536,6 +22529,9 @@
                       <a:headEnd type="none" w="med" len="med"/>
                       <a:tailEnd type="none" w="med" len="med"/>
                     </a:lnB>
+                    <a:solidFill>
+                      <a:srgbClr val="05B0EE"/>
+                    </a:solidFill>
                   </a:tcPr>
                 </a:tc>
                 <a:tc>
@@ -22590,6 +22586,9 @@
                       <a:headEnd type="none" w="med" len="med"/>
                       <a:tailEnd type="none" w="med" len="med"/>
                     </a:lnB>
+                    <a:solidFill>
+                      <a:srgbClr val="05B0EE"/>
+                    </a:solidFill>
                   </a:tcPr>
                 </a:tc>
                 <a:tc>
@@ -22644,6 +22643,9 @@
                       <a:headEnd type="none" w="med" len="med"/>
                       <a:tailEnd type="none" w="med" len="med"/>
                     </a:lnB>
+                    <a:solidFill>
+                      <a:srgbClr val="05B0EE"/>
+                    </a:solidFill>
                   </a:tcPr>
                 </a:tc>
                 <a:tc>
@@ -22698,6 +22700,11 @@
                       <a:headEnd type="none" w="med" len="med"/>
                       <a:tailEnd type="none" w="med" len="med"/>
                     </a:lnB>
+                    <a:solidFill>
+                      <a:srgbClr val="05B0EE">
+                        <a:alpha val="40000"/>
+                      </a:srgbClr>
+                    </a:solidFill>
                   </a:tcPr>
                 </a:tc>
                 <a:tc>
@@ -22752,6 +22759,11 @@
                       <a:headEnd type="none" w="med" len="med"/>
                       <a:tailEnd type="none" w="med" len="med"/>
                     </a:lnB>
+                    <a:solidFill>
+                      <a:srgbClr val="05B0EE">
+                        <a:alpha val="40000"/>
+                      </a:srgbClr>
+                    </a:solidFill>
                   </a:tcPr>
                 </a:tc>
                 <a:tc>
@@ -22806,6 +22818,11 @@
                       <a:headEnd type="none" w="med" len="med"/>
                       <a:tailEnd type="none" w="med" len="med"/>
                     </a:lnB>
+                    <a:solidFill>
+                      <a:srgbClr val="05B0EE">
+                        <a:alpha val="40000"/>
+                      </a:srgbClr>
+                    </a:solidFill>
                   </a:tcPr>
                 </a:tc>
                 <a:tc>
@@ -22860,6 +22877,11 @@
                       <a:headEnd type="none" w="med" len="med"/>
                       <a:tailEnd type="none" w="med" len="med"/>
                     </a:lnB>
+                    <a:solidFill>
+                      <a:srgbClr val="05B0EE">
+                        <a:alpha val="40000"/>
+                      </a:srgbClr>
+                    </a:solidFill>
                   </a:tcPr>
                 </a:tc>
                 <a:tc>
@@ -22914,6 +22936,11 @@
                       <a:headEnd type="none" w="med" len="med"/>
                       <a:tailEnd type="none" w="med" len="med"/>
                     </a:lnB>
+                    <a:solidFill>
+                      <a:srgbClr val="05B0EE">
+                        <a:alpha val="40000"/>
+                      </a:srgbClr>
+                    </a:solidFill>
                   </a:tcPr>
                 </a:tc>
                 <a:tc>
@@ -22968,6 +22995,11 @@
                       <a:headEnd type="none" w="med" len="med"/>
                       <a:tailEnd type="none" w="med" len="med"/>
                     </a:lnB>
+                    <a:solidFill>
+                      <a:srgbClr val="05B0EE">
+                        <a:alpha val="40000"/>
+                      </a:srgbClr>
+                    </a:solidFill>
                   </a:tcPr>
                 </a:tc>
                 <a:tc>
@@ -23022,6 +23054,11 @@
                       <a:headEnd type="none" w="med" len="med"/>
                       <a:tailEnd type="none" w="med" len="med"/>
                     </a:lnB>
+                    <a:solidFill>
+                      <a:srgbClr val="05B0EE">
+                        <a:alpha val="40000"/>
+                      </a:srgbClr>
+                    </a:solidFill>
                   </a:tcPr>
                 </a:tc>
                 <a:tc>
@@ -23076,6 +23113,11 @@
                       <a:headEnd type="none" w="med" len="med"/>
                       <a:tailEnd type="none" w="med" len="med"/>
                     </a:lnB>
+                    <a:solidFill>
+                      <a:srgbClr val="05B0EE">
+                        <a:alpha val="40000"/>
+                      </a:srgbClr>
+                    </a:solidFill>
                   </a:tcPr>
                 </a:tc>
                 <a:tc>
@@ -23130,6 +23172,11 @@
                       <a:headEnd type="none" w="med" len="med"/>
                       <a:tailEnd type="none" w="med" len="med"/>
                     </a:lnB>
+                    <a:solidFill>
+                      <a:srgbClr val="05B0EE">
+                        <a:alpha val="40000"/>
+                      </a:srgbClr>
+                    </a:solidFill>
                   </a:tcPr>
                 </a:tc>
                 <a:tc>
@@ -23184,6 +23231,11 @@
                       <a:headEnd type="none" w="med" len="med"/>
                       <a:tailEnd type="none" w="med" len="med"/>
                     </a:lnB>
+                    <a:solidFill>
+                      <a:srgbClr val="05B0EE">
+                        <a:alpha val="40000"/>
+                      </a:srgbClr>
+                    </a:solidFill>
                   </a:tcPr>
                 </a:tc>
                 <a:tc>
@@ -23238,6 +23290,11 @@
                       <a:headEnd type="none" w="med" len="med"/>
                       <a:tailEnd type="none" w="med" len="med"/>
                     </a:lnB>
+                    <a:solidFill>
+                      <a:srgbClr val="05B0EE">
+                        <a:alpha val="40000"/>
+                      </a:srgbClr>
+                    </a:solidFill>
                   </a:tcPr>
                 </a:tc>
                 <a:tc>
@@ -23292,6 +23349,11 @@
                       <a:headEnd type="none" w="med" len="med"/>
                       <a:tailEnd type="none" w="med" len="med"/>
                     </a:lnB>
+                    <a:solidFill>
+                      <a:srgbClr val="05B0EE">
+                        <a:alpha val="40000"/>
+                      </a:srgbClr>
+                    </a:solidFill>
                   </a:tcPr>
                 </a:tc>
                 <a:tc>
@@ -23963,7 +24025,7 @@
                           <a:latin typeface="맑은 고딕" panose="020B0503020000020004" pitchFamily="50" charset="-127"/>
                           <a:ea typeface="맑은 고딕" panose="020B0503020000020004" pitchFamily="50" charset="-127"/>
                         </a:rPr>
-                        <a:t>플레이어 이동</a:t>
+                        <a:t>게임 컨텐츠</a:t>
                       </a:r>
                     </a:p>
                   </a:txBody>
@@ -24274,9 +24336,7 @@
                       <a:headEnd type="none" w="med" len="med"/>
                       <a:tailEnd type="none" w="med" len="med"/>
                     </a:lnB>
-                    <a:solidFill>
-                      <a:srgbClr val="00B0F0"/>
-                    </a:solidFill>
+                    <a:noFill/>
                   </a:tcPr>
                 </a:tc>
                 <a:tc>
@@ -24331,9 +24391,7 @@
                       <a:headEnd type="none" w="med" len="med"/>
                       <a:tailEnd type="none" w="med" len="med"/>
                     </a:lnB>
-                    <a:solidFill>
-                      <a:srgbClr val="00B0F0"/>
-                    </a:solidFill>
+                    <a:noFill/>
                   </a:tcPr>
                 </a:tc>
                 <a:tc>
@@ -24388,9 +24446,7 @@
                       <a:headEnd type="none" w="med" len="med"/>
                       <a:tailEnd type="none" w="med" len="med"/>
                     </a:lnB>
-                    <a:solidFill>
-                      <a:srgbClr val="00B0F0"/>
-                    </a:solidFill>
+                    <a:noFill/>
                   </a:tcPr>
                 </a:tc>
                 <a:tc>
@@ -24445,9 +24501,7 @@
                       <a:headEnd type="none" w="med" len="med"/>
                       <a:tailEnd type="none" w="med" len="med"/>
                     </a:lnB>
-                    <a:solidFill>
-                      <a:srgbClr val="00B0F0"/>
-                    </a:solidFill>
+                    <a:noFill/>
                   </a:tcPr>
                 </a:tc>
                 <a:tc>
@@ -24502,6 +24556,9 @@
                       <a:headEnd type="none" w="med" len="med"/>
                       <a:tailEnd type="none" w="med" len="med"/>
                     </a:lnB>
+                    <a:solidFill>
+                      <a:srgbClr val="05B0EE"/>
+                    </a:solidFill>
                   </a:tcPr>
                 </a:tc>
                 <a:tc>
@@ -24556,6 +24613,9 @@
                       <a:headEnd type="none" w="med" len="med"/>
                       <a:tailEnd type="none" w="med" len="med"/>
                     </a:lnB>
+                    <a:solidFill>
+                      <a:srgbClr val="05B0EE"/>
+                    </a:solidFill>
                   </a:tcPr>
                 </a:tc>
                 <a:tc>
@@ -24610,6 +24670,9 @@
                       <a:headEnd type="none" w="med" len="med"/>
                       <a:tailEnd type="none" w="med" len="med"/>
                     </a:lnB>
+                    <a:solidFill>
+                      <a:srgbClr val="05B0EE"/>
+                    </a:solidFill>
                   </a:tcPr>
                 </a:tc>
                 <a:tc>
@@ -24664,6 +24727,9 @@
                       <a:headEnd type="none" w="med" len="med"/>
                       <a:tailEnd type="none" w="med" len="med"/>
                     </a:lnB>
+                    <a:solidFill>
+                      <a:srgbClr val="05B0EE"/>
+                    </a:solidFill>
                   </a:tcPr>
                 </a:tc>
                 <a:tc>
@@ -24718,6 +24784,9 @@
                       <a:headEnd type="none" w="med" len="med"/>
                       <a:tailEnd type="none" w="med" len="med"/>
                     </a:lnB>
+                    <a:solidFill>
+                      <a:srgbClr val="05B0EE"/>
+                    </a:solidFill>
                   </a:tcPr>
                 </a:tc>
                 <a:tc>
@@ -24772,6 +24841,9 @@
                       <a:headEnd type="none" w="med" len="med"/>
                       <a:tailEnd type="none" w="med" len="med"/>
                     </a:lnB>
+                    <a:solidFill>
+                      <a:srgbClr val="05B0EE"/>
+                    </a:solidFill>
                   </a:tcPr>
                 </a:tc>
                 <a:tc>
@@ -24826,6 +24898,9 @@
                       <a:headEnd type="none" w="med" len="med"/>
                       <a:tailEnd type="none" w="med" len="med"/>
                     </a:lnB>
+                    <a:solidFill>
+                      <a:srgbClr val="05B0EE"/>
+                    </a:solidFill>
                   </a:tcPr>
                 </a:tc>
                 <a:tc>
@@ -24880,6 +24955,9 @@
                       <a:headEnd type="none" w="med" len="med"/>
                       <a:tailEnd type="none" w="med" len="med"/>
                     </a:lnB>
+                    <a:solidFill>
+                      <a:srgbClr val="05B0EE"/>
+                    </a:solidFill>
                   </a:tcPr>
                 </a:tc>
                 <a:tc>
@@ -24934,6 +25012,9 @@
                       <a:headEnd type="none" w="med" len="med"/>
                       <a:tailEnd type="none" w="med" len="med"/>
                     </a:lnB>
+                    <a:solidFill>
+                      <a:srgbClr val="05B0EE"/>
+                    </a:solidFill>
                   </a:tcPr>
                 </a:tc>
                 <a:tc>
@@ -24988,6 +25069,9 @@
                       <a:headEnd type="none" w="med" len="med"/>
                       <a:tailEnd type="none" w="med" len="med"/>
                     </a:lnB>
+                    <a:solidFill>
+                      <a:srgbClr val="05B0EE"/>
+                    </a:solidFill>
                   </a:tcPr>
                 </a:tc>
                 <a:tc>
@@ -25042,6 +25126,9 @@
                       <a:headEnd type="none" w="med" len="med"/>
                       <a:tailEnd type="none" w="med" len="med"/>
                     </a:lnB>
+                    <a:solidFill>
+                      <a:srgbClr val="05B0EE"/>
+                    </a:solidFill>
                   </a:tcPr>
                 </a:tc>
                 <a:tc>
@@ -25096,60 +25183,9 @@
                       <a:headEnd type="none" w="med" len="med"/>
                       <a:tailEnd type="none" w="med" len="med"/>
                     </a:lnB>
-                  </a:tcPr>
-                </a:tc>
-                <a:tc>
-                  <a:txBody>
-                    <a:bodyPr/>
-                    <a:lstStyle/>
-                    <a:p>
-                      <a:pPr algn="ctr" latinLnBrk="1"/>
-                      <a:endParaRPr lang="ko-KR" altLang="en-US" sz="3900">
-                        <a:solidFill>
-                          <a:schemeClr val="tx1"/>
-                        </a:solidFill>
-                        <a:latin typeface="배달의민족 한나체 Pro" panose="020B0600000101010101" pitchFamily="50" charset="-127"/>
-                        <a:ea typeface="배달의민족 한나체 Pro" panose="020B0600000101010101" pitchFamily="50" charset="-127"/>
-                      </a:endParaRPr>
-                    </a:p>
-                  </a:txBody>
-                  <a:tcPr marL="299444" marR="299444" marT="149722" marB="149722" anchor="ctr">
-                    <a:lnL w="12700" cap="flat" cmpd="sng" algn="ctr">
-                      <a:solidFill>
-                        <a:schemeClr val="tx1"/>
-                      </a:solidFill>
-                      <a:prstDash val="solid"/>
-                      <a:round/>
-                      <a:headEnd type="none" w="med" len="med"/>
-                      <a:tailEnd type="none" w="med" len="med"/>
-                    </a:lnL>
-                    <a:lnR w="12700" cap="flat" cmpd="sng" algn="ctr">
-                      <a:solidFill>
-                        <a:schemeClr val="tx1"/>
-                      </a:solidFill>
-                      <a:prstDash val="solid"/>
-                      <a:round/>
-                      <a:headEnd type="none" w="med" len="med"/>
-                      <a:tailEnd type="none" w="med" len="med"/>
-                    </a:lnR>
-                    <a:lnT w="12700" cap="flat" cmpd="sng" algn="ctr">
-                      <a:solidFill>
-                        <a:schemeClr val="tx1"/>
-                      </a:solidFill>
-                      <a:prstDash val="solid"/>
-                      <a:round/>
-                      <a:headEnd type="none" w="med" len="med"/>
-                      <a:tailEnd type="none" w="med" len="med"/>
-                    </a:lnT>
-                    <a:lnB w="12700" cap="flat" cmpd="sng" algn="ctr">
-                      <a:solidFill>
-                        <a:schemeClr val="tx1"/>
-                      </a:solidFill>
-                      <a:prstDash val="solid"/>
-                      <a:round/>
-                      <a:headEnd type="none" w="med" len="med"/>
-                      <a:tailEnd type="none" w="med" len="med"/>
-                    </a:lnB>
+                    <a:solidFill>
+                      <a:srgbClr val="05B0EE"/>
+                    </a:solidFill>
                   </a:tcPr>
                 </a:tc>
                 <a:tc>
@@ -25204,114 +25240,9 @@
                       <a:headEnd type="none" w="med" len="med"/>
                       <a:tailEnd type="none" w="med" len="med"/>
                     </a:lnB>
-                  </a:tcPr>
-                </a:tc>
-                <a:tc>
-                  <a:txBody>
-                    <a:bodyPr/>
-                    <a:lstStyle/>
-                    <a:p>
-                      <a:pPr algn="ctr" latinLnBrk="1"/>
-                      <a:endParaRPr lang="ko-KR" altLang="en-US" sz="3900">
-                        <a:solidFill>
-                          <a:schemeClr val="tx1"/>
-                        </a:solidFill>
-                        <a:latin typeface="배달의민족 한나체 Pro" panose="020B0600000101010101" pitchFamily="50" charset="-127"/>
-                        <a:ea typeface="배달의민족 한나체 Pro" panose="020B0600000101010101" pitchFamily="50" charset="-127"/>
-                      </a:endParaRPr>
-                    </a:p>
-                  </a:txBody>
-                  <a:tcPr marL="299444" marR="299444" marT="149722" marB="149722" anchor="ctr">
-                    <a:lnL w="12700" cap="flat" cmpd="sng" algn="ctr">
-                      <a:solidFill>
-                        <a:schemeClr val="tx1"/>
-                      </a:solidFill>
-                      <a:prstDash val="solid"/>
-                      <a:round/>
-                      <a:headEnd type="none" w="med" len="med"/>
-                      <a:tailEnd type="none" w="med" len="med"/>
-                    </a:lnL>
-                    <a:lnR w="12700" cap="flat" cmpd="sng" algn="ctr">
-                      <a:solidFill>
-                        <a:schemeClr val="tx1"/>
-                      </a:solidFill>
-                      <a:prstDash val="solid"/>
-                      <a:round/>
-                      <a:headEnd type="none" w="med" len="med"/>
-                      <a:tailEnd type="none" w="med" len="med"/>
-                    </a:lnR>
-                    <a:lnT w="12700" cap="flat" cmpd="sng" algn="ctr">
-                      <a:solidFill>
-                        <a:schemeClr val="tx1"/>
-                      </a:solidFill>
-                      <a:prstDash val="solid"/>
-                      <a:round/>
-                      <a:headEnd type="none" w="med" len="med"/>
-                      <a:tailEnd type="none" w="med" len="med"/>
-                    </a:lnT>
-                    <a:lnB w="12700" cap="flat" cmpd="sng" algn="ctr">
-                      <a:solidFill>
-                        <a:schemeClr val="tx1"/>
-                      </a:solidFill>
-                      <a:prstDash val="solid"/>
-                      <a:round/>
-                      <a:headEnd type="none" w="med" len="med"/>
-                      <a:tailEnd type="none" w="med" len="med"/>
-                    </a:lnB>
-                  </a:tcPr>
-                </a:tc>
-                <a:tc>
-                  <a:txBody>
-                    <a:bodyPr/>
-                    <a:lstStyle/>
-                    <a:p>
-                      <a:pPr algn="ctr" latinLnBrk="1"/>
-                      <a:endParaRPr lang="ko-KR" altLang="en-US" sz="3900">
-                        <a:solidFill>
-                          <a:schemeClr val="tx1"/>
-                        </a:solidFill>
-                        <a:latin typeface="배달의민족 한나체 Pro" panose="020B0600000101010101" pitchFamily="50" charset="-127"/>
-                        <a:ea typeface="배달의민족 한나체 Pro" panose="020B0600000101010101" pitchFamily="50" charset="-127"/>
-                      </a:endParaRPr>
-                    </a:p>
-                  </a:txBody>
-                  <a:tcPr marL="299444" marR="299444" marT="149722" marB="149722" anchor="ctr">
-                    <a:lnL w="12700" cap="flat" cmpd="sng" algn="ctr">
-                      <a:solidFill>
-                        <a:schemeClr val="tx1"/>
-                      </a:solidFill>
-                      <a:prstDash val="solid"/>
-                      <a:round/>
-                      <a:headEnd type="none" w="med" len="med"/>
-                      <a:tailEnd type="none" w="med" len="med"/>
-                    </a:lnL>
-                    <a:lnR w="12700" cap="flat" cmpd="sng" algn="ctr">
-                      <a:solidFill>
-                        <a:schemeClr val="tx1"/>
-                      </a:solidFill>
-                      <a:prstDash val="solid"/>
-                      <a:round/>
-                      <a:headEnd type="none" w="med" len="med"/>
-                      <a:tailEnd type="none" w="med" len="med"/>
-                    </a:lnR>
-                    <a:lnT w="12700" cap="flat" cmpd="sng" algn="ctr">
-                      <a:solidFill>
-                        <a:schemeClr val="tx1"/>
-                      </a:solidFill>
-                      <a:prstDash val="solid"/>
-                      <a:round/>
-                      <a:headEnd type="none" w="med" len="med"/>
-                      <a:tailEnd type="none" w="med" len="med"/>
-                    </a:lnT>
-                    <a:lnB w="12700" cap="flat" cmpd="sng" algn="ctr">
-                      <a:solidFill>
-                        <a:schemeClr val="tx1"/>
-                      </a:solidFill>
-                      <a:prstDash val="solid"/>
-                      <a:round/>
-                      <a:headEnd type="none" w="med" len="med"/>
-                      <a:tailEnd type="none" w="med" len="med"/>
-                    </a:lnB>
+                    <a:solidFill>
+                      <a:srgbClr val="05B0EE"/>
+                    </a:solidFill>
                   </a:tcPr>
                 </a:tc>
                 <a:tc>
@@ -25366,6 +25297,9 @@
                       <a:headEnd type="none" w="med" len="med"/>
                       <a:tailEnd type="none" w="med" len="med"/>
                     </a:lnB>
+                    <a:solidFill>
+                      <a:srgbClr val="05B0EE"/>
+                    </a:solidFill>
                   </a:tcPr>
                 </a:tc>
                 <a:tc>
@@ -25420,6 +25354,9 @@
                       <a:headEnd type="none" w="med" len="med"/>
                       <a:tailEnd type="none" w="med" len="med"/>
                     </a:lnB>
+                    <a:solidFill>
+                      <a:srgbClr val="05B0EE"/>
+                    </a:solidFill>
                   </a:tcPr>
                 </a:tc>
                 <a:tc>
@@ -25474,6 +25411,9 @@
                       <a:headEnd type="none" w="med" len="med"/>
                       <a:tailEnd type="none" w="med" len="med"/>
                     </a:lnB>
+                    <a:solidFill>
+                      <a:srgbClr val="05B0EE"/>
+                    </a:solidFill>
                   </a:tcPr>
                 </a:tc>
                 <a:tc>
@@ -25528,6 +25468,11 @@
                       <a:headEnd type="none" w="med" len="med"/>
                       <a:tailEnd type="none" w="med" len="med"/>
                     </a:lnB>
+                    <a:solidFill>
+                      <a:srgbClr val="05B0EE">
+                        <a:alpha val="40000"/>
+                      </a:srgbClr>
+                    </a:solidFill>
                   </a:tcPr>
                 </a:tc>
                 <a:tc>
@@ -25582,6 +25527,11 @@
                       <a:headEnd type="none" w="med" len="med"/>
                       <a:tailEnd type="none" w="med" len="med"/>
                     </a:lnB>
+                    <a:solidFill>
+                      <a:srgbClr val="05B0EE">
+                        <a:alpha val="40000"/>
+                      </a:srgbClr>
+                    </a:solidFill>
                   </a:tcPr>
                 </a:tc>
                 <a:tc>
@@ -25636,114 +25586,11 @@
                       <a:headEnd type="none" w="med" len="med"/>
                       <a:tailEnd type="none" w="med" len="med"/>
                     </a:lnB>
-                  </a:tcPr>
-                </a:tc>
-                <a:tc>
-                  <a:txBody>
-                    <a:bodyPr/>
-                    <a:lstStyle/>
-                    <a:p>
-                      <a:pPr algn="ctr" latinLnBrk="1"/>
-                      <a:endParaRPr lang="ko-KR" altLang="en-US" sz="3900">
-                        <a:solidFill>
-                          <a:schemeClr val="tx1"/>
-                        </a:solidFill>
-                        <a:latin typeface="배달의민족 한나체 Pro" panose="020B0600000101010101" pitchFamily="50" charset="-127"/>
-                        <a:ea typeface="배달의민족 한나체 Pro" panose="020B0600000101010101" pitchFamily="50" charset="-127"/>
-                      </a:endParaRPr>
-                    </a:p>
-                  </a:txBody>
-                  <a:tcPr marL="299444" marR="299444" marT="149722" marB="149722" anchor="ctr">
-                    <a:lnL w="12700" cap="flat" cmpd="sng" algn="ctr">
-                      <a:solidFill>
-                        <a:schemeClr val="tx1"/>
-                      </a:solidFill>
-                      <a:prstDash val="solid"/>
-                      <a:round/>
-                      <a:headEnd type="none" w="med" len="med"/>
-                      <a:tailEnd type="none" w="med" len="med"/>
-                    </a:lnL>
-                    <a:lnR w="12700" cap="flat" cmpd="sng" algn="ctr">
-                      <a:solidFill>
-                        <a:schemeClr val="tx1"/>
-                      </a:solidFill>
-                      <a:prstDash val="solid"/>
-                      <a:round/>
-                      <a:headEnd type="none" w="med" len="med"/>
-                      <a:tailEnd type="none" w="med" len="med"/>
-                    </a:lnR>
-                    <a:lnT w="12700" cap="flat" cmpd="sng" algn="ctr">
-                      <a:solidFill>
-                        <a:schemeClr val="tx1"/>
-                      </a:solidFill>
-                      <a:prstDash val="solid"/>
-                      <a:round/>
-                      <a:headEnd type="none" w="med" len="med"/>
-                      <a:tailEnd type="none" w="med" len="med"/>
-                    </a:lnT>
-                    <a:lnB w="12700" cap="flat" cmpd="sng" algn="ctr">
-                      <a:solidFill>
-                        <a:schemeClr val="tx1"/>
-                      </a:solidFill>
-                      <a:prstDash val="solid"/>
-                      <a:round/>
-                      <a:headEnd type="none" w="med" len="med"/>
-                      <a:tailEnd type="none" w="med" len="med"/>
-                    </a:lnB>
-                  </a:tcPr>
-                </a:tc>
-                <a:tc>
-                  <a:txBody>
-                    <a:bodyPr/>
-                    <a:lstStyle/>
-                    <a:p>
-                      <a:pPr algn="ctr" latinLnBrk="1"/>
-                      <a:endParaRPr lang="ko-KR" altLang="en-US" sz="3900">
-                        <a:solidFill>
-                          <a:schemeClr val="tx1"/>
-                        </a:solidFill>
-                        <a:latin typeface="배달의민족 한나체 Pro" panose="020B0600000101010101" pitchFamily="50" charset="-127"/>
-                        <a:ea typeface="배달의민족 한나체 Pro" panose="020B0600000101010101" pitchFamily="50" charset="-127"/>
-                      </a:endParaRPr>
-                    </a:p>
-                  </a:txBody>
-                  <a:tcPr marL="299444" marR="299444" marT="149722" marB="149722" anchor="ctr">
-                    <a:lnL w="12700" cap="flat" cmpd="sng" algn="ctr">
-                      <a:solidFill>
-                        <a:schemeClr val="tx1"/>
-                      </a:solidFill>
-                      <a:prstDash val="solid"/>
-                      <a:round/>
-                      <a:headEnd type="none" w="med" len="med"/>
-                      <a:tailEnd type="none" w="med" len="med"/>
-                    </a:lnL>
-                    <a:lnR w="12700" cap="flat" cmpd="sng" algn="ctr">
-                      <a:solidFill>
-                        <a:schemeClr val="tx1"/>
-                      </a:solidFill>
-                      <a:prstDash val="solid"/>
-                      <a:round/>
-                      <a:headEnd type="none" w="med" len="med"/>
-                      <a:tailEnd type="none" w="med" len="med"/>
-                    </a:lnR>
-                    <a:lnT w="12700" cap="flat" cmpd="sng" algn="ctr">
-                      <a:solidFill>
-                        <a:schemeClr val="tx1"/>
-                      </a:solidFill>
-                      <a:prstDash val="solid"/>
-                      <a:round/>
-                      <a:headEnd type="none" w="med" len="med"/>
-                      <a:tailEnd type="none" w="med" len="med"/>
-                    </a:lnT>
-                    <a:lnB w="12700" cap="flat" cmpd="sng" algn="ctr">
-                      <a:solidFill>
-                        <a:schemeClr val="tx1"/>
-                      </a:solidFill>
-                      <a:prstDash val="solid"/>
-                      <a:round/>
-                      <a:headEnd type="none" w="med" len="med"/>
-                      <a:tailEnd type="none" w="med" len="med"/>
-                    </a:lnB>
+                    <a:solidFill>
+                      <a:srgbClr val="05B0EE">
+                        <a:alpha val="40000"/>
+                      </a:srgbClr>
+                    </a:solidFill>
                   </a:tcPr>
                 </a:tc>
                 <a:tc>
@@ -25798,6 +25645,11 @@
                       <a:headEnd type="none" w="med" len="med"/>
                       <a:tailEnd type="none" w="med" len="med"/>
                     </a:lnB>
+                    <a:solidFill>
+                      <a:srgbClr val="05B0EE">
+                        <a:alpha val="40000"/>
+                      </a:srgbClr>
+                    </a:solidFill>
                   </a:tcPr>
                 </a:tc>
                 <a:tc>
@@ -25806,7 +25658,7 @@
                     <a:lstStyle/>
                     <a:p>
                       <a:pPr algn="ctr" latinLnBrk="1"/>
-                      <a:endParaRPr lang="ko-KR" altLang="en-US" sz="3900">
+                      <a:endParaRPr lang="ko-KR" altLang="en-US" sz="3900" dirty="0">
                         <a:solidFill>
                           <a:schemeClr val="tx1"/>
                         </a:solidFill>
@@ -25852,6 +25704,11 @@
                       <a:headEnd type="none" w="med" len="med"/>
                       <a:tailEnd type="none" w="med" len="med"/>
                     </a:lnB>
+                    <a:solidFill>
+                      <a:srgbClr val="05B0EE">
+                        <a:alpha val="40000"/>
+                      </a:srgbClr>
+                    </a:solidFill>
                   </a:tcPr>
                 </a:tc>
                 <a:tc>
@@ -25860,7 +25717,7 @@
                     <a:lstStyle/>
                     <a:p>
                       <a:pPr algn="ctr" latinLnBrk="1"/>
-                      <a:endParaRPr lang="ko-KR" altLang="en-US" sz="3900">
+                      <a:endParaRPr lang="ko-KR" altLang="en-US" sz="3900" dirty="0">
                         <a:solidFill>
                           <a:schemeClr val="tx1"/>
                         </a:solidFill>
@@ -25906,6 +25763,11 @@
                       <a:headEnd type="none" w="med" len="med"/>
                       <a:tailEnd type="none" w="med" len="med"/>
                     </a:lnB>
+                    <a:solidFill>
+                      <a:srgbClr val="05B0EE">
+                        <a:alpha val="40000"/>
+                      </a:srgbClr>
+                    </a:solidFill>
                   </a:tcPr>
                 </a:tc>
                 <a:tc>
@@ -25914,7 +25776,7 @@
                     <a:lstStyle/>
                     <a:p>
                       <a:pPr algn="ctr" latinLnBrk="1"/>
-                      <a:endParaRPr lang="ko-KR" altLang="en-US" sz="3900">
+                      <a:endParaRPr lang="ko-KR" altLang="en-US" sz="3900" dirty="0">
                         <a:solidFill>
                           <a:schemeClr val="tx1"/>
                         </a:solidFill>
@@ -25960,6 +25822,306 @@
                       <a:headEnd type="none" w="med" len="med"/>
                       <a:tailEnd type="none" w="med" len="med"/>
                     </a:lnB>
+                    <a:solidFill>
+                      <a:srgbClr val="05B0EE">
+                        <a:alpha val="40000"/>
+                      </a:srgbClr>
+                    </a:solidFill>
+                  </a:tcPr>
+                </a:tc>
+                <a:tc>
+                  <a:txBody>
+                    <a:bodyPr/>
+                    <a:lstStyle/>
+                    <a:p>
+                      <a:pPr algn="ctr" latinLnBrk="1"/>
+                      <a:endParaRPr lang="ko-KR" altLang="en-US" sz="3900" dirty="0">
+                        <a:solidFill>
+                          <a:schemeClr val="tx1"/>
+                        </a:solidFill>
+                        <a:latin typeface="배달의민족 한나체 Pro" panose="020B0600000101010101" pitchFamily="50" charset="-127"/>
+                        <a:ea typeface="배달의민족 한나체 Pro" panose="020B0600000101010101" pitchFamily="50" charset="-127"/>
+                      </a:endParaRPr>
+                    </a:p>
+                  </a:txBody>
+                  <a:tcPr marL="299444" marR="299444" marT="149722" marB="149722" anchor="ctr">
+                    <a:lnL w="12700" cap="flat" cmpd="sng" algn="ctr">
+                      <a:solidFill>
+                        <a:schemeClr val="tx1"/>
+                      </a:solidFill>
+                      <a:prstDash val="solid"/>
+                      <a:round/>
+                      <a:headEnd type="none" w="med" len="med"/>
+                      <a:tailEnd type="none" w="med" len="med"/>
+                    </a:lnL>
+                    <a:lnR w="12700" cap="flat" cmpd="sng" algn="ctr">
+                      <a:solidFill>
+                        <a:schemeClr val="tx1"/>
+                      </a:solidFill>
+                      <a:prstDash val="solid"/>
+                      <a:round/>
+                      <a:headEnd type="none" w="med" len="med"/>
+                      <a:tailEnd type="none" w="med" len="med"/>
+                    </a:lnR>
+                    <a:lnT w="12700" cap="flat" cmpd="sng" algn="ctr">
+                      <a:solidFill>
+                        <a:schemeClr val="tx1"/>
+                      </a:solidFill>
+                      <a:prstDash val="solid"/>
+                      <a:round/>
+                      <a:headEnd type="none" w="med" len="med"/>
+                      <a:tailEnd type="none" w="med" len="med"/>
+                    </a:lnT>
+                    <a:lnB w="12700" cap="flat" cmpd="sng" algn="ctr">
+                      <a:solidFill>
+                        <a:schemeClr val="tx1"/>
+                      </a:solidFill>
+                      <a:prstDash val="solid"/>
+                      <a:round/>
+                      <a:headEnd type="none" w="med" len="med"/>
+                      <a:tailEnd type="none" w="med" len="med"/>
+                    </a:lnB>
+                    <a:solidFill>
+                      <a:srgbClr val="05B0EE">
+                        <a:alpha val="40000"/>
+                      </a:srgbClr>
+                    </a:solidFill>
+                  </a:tcPr>
+                </a:tc>
+                <a:tc>
+                  <a:txBody>
+                    <a:bodyPr/>
+                    <a:lstStyle/>
+                    <a:p>
+                      <a:pPr algn="ctr" latinLnBrk="1"/>
+                      <a:endParaRPr lang="ko-KR" altLang="en-US" sz="3900" dirty="0">
+                        <a:solidFill>
+                          <a:schemeClr val="tx1"/>
+                        </a:solidFill>
+                        <a:latin typeface="배달의민족 한나체 Pro" panose="020B0600000101010101" pitchFamily="50" charset="-127"/>
+                        <a:ea typeface="배달의민족 한나체 Pro" panose="020B0600000101010101" pitchFamily="50" charset="-127"/>
+                      </a:endParaRPr>
+                    </a:p>
+                  </a:txBody>
+                  <a:tcPr marL="299444" marR="299444" marT="149722" marB="149722" anchor="ctr">
+                    <a:lnL w="12700" cap="flat" cmpd="sng" algn="ctr">
+                      <a:solidFill>
+                        <a:schemeClr val="tx1"/>
+                      </a:solidFill>
+                      <a:prstDash val="solid"/>
+                      <a:round/>
+                      <a:headEnd type="none" w="med" len="med"/>
+                      <a:tailEnd type="none" w="med" len="med"/>
+                    </a:lnL>
+                    <a:lnR w="12700" cap="flat" cmpd="sng" algn="ctr">
+                      <a:solidFill>
+                        <a:schemeClr val="tx1"/>
+                      </a:solidFill>
+                      <a:prstDash val="solid"/>
+                      <a:round/>
+                      <a:headEnd type="none" w="med" len="med"/>
+                      <a:tailEnd type="none" w="med" len="med"/>
+                    </a:lnR>
+                    <a:lnT w="12700" cap="flat" cmpd="sng" algn="ctr">
+                      <a:solidFill>
+                        <a:schemeClr val="tx1"/>
+                      </a:solidFill>
+                      <a:prstDash val="solid"/>
+                      <a:round/>
+                      <a:headEnd type="none" w="med" len="med"/>
+                      <a:tailEnd type="none" w="med" len="med"/>
+                    </a:lnT>
+                    <a:lnB w="12700" cap="flat" cmpd="sng" algn="ctr">
+                      <a:solidFill>
+                        <a:schemeClr val="tx1"/>
+                      </a:solidFill>
+                      <a:prstDash val="solid"/>
+                      <a:round/>
+                      <a:headEnd type="none" w="med" len="med"/>
+                      <a:tailEnd type="none" w="med" len="med"/>
+                    </a:lnB>
+                    <a:solidFill>
+                      <a:srgbClr val="05B0EE">
+                        <a:alpha val="40000"/>
+                      </a:srgbClr>
+                    </a:solidFill>
+                  </a:tcPr>
+                </a:tc>
+                <a:tc>
+                  <a:txBody>
+                    <a:bodyPr/>
+                    <a:lstStyle/>
+                    <a:p>
+                      <a:pPr algn="ctr" latinLnBrk="1"/>
+                      <a:endParaRPr lang="ko-KR" altLang="en-US" sz="3900" dirty="0">
+                        <a:solidFill>
+                          <a:schemeClr val="tx1"/>
+                        </a:solidFill>
+                        <a:latin typeface="배달의민족 한나체 Pro" panose="020B0600000101010101" pitchFamily="50" charset="-127"/>
+                        <a:ea typeface="배달의민족 한나체 Pro" panose="020B0600000101010101" pitchFamily="50" charset="-127"/>
+                      </a:endParaRPr>
+                    </a:p>
+                  </a:txBody>
+                  <a:tcPr marL="299444" marR="299444" marT="149722" marB="149722" anchor="ctr">
+                    <a:lnL w="12700" cap="flat" cmpd="sng" algn="ctr">
+                      <a:solidFill>
+                        <a:schemeClr val="tx1"/>
+                      </a:solidFill>
+                      <a:prstDash val="solid"/>
+                      <a:round/>
+                      <a:headEnd type="none" w="med" len="med"/>
+                      <a:tailEnd type="none" w="med" len="med"/>
+                    </a:lnL>
+                    <a:lnR w="12700" cap="flat" cmpd="sng" algn="ctr">
+                      <a:solidFill>
+                        <a:schemeClr val="tx1"/>
+                      </a:solidFill>
+                      <a:prstDash val="solid"/>
+                      <a:round/>
+                      <a:headEnd type="none" w="med" len="med"/>
+                      <a:tailEnd type="none" w="med" len="med"/>
+                    </a:lnR>
+                    <a:lnT w="12700" cap="flat" cmpd="sng" algn="ctr">
+                      <a:solidFill>
+                        <a:schemeClr val="tx1"/>
+                      </a:solidFill>
+                      <a:prstDash val="solid"/>
+                      <a:round/>
+                      <a:headEnd type="none" w="med" len="med"/>
+                      <a:tailEnd type="none" w="med" len="med"/>
+                    </a:lnT>
+                    <a:lnB w="12700" cap="flat" cmpd="sng" algn="ctr">
+                      <a:solidFill>
+                        <a:schemeClr val="tx1"/>
+                      </a:solidFill>
+                      <a:prstDash val="solid"/>
+                      <a:round/>
+                      <a:headEnd type="none" w="med" len="med"/>
+                      <a:tailEnd type="none" w="med" len="med"/>
+                    </a:lnB>
+                    <a:solidFill>
+                      <a:srgbClr val="05B0EE">
+                        <a:alpha val="40000"/>
+                      </a:srgbClr>
+                    </a:solidFill>
+                  </a:tcPr>
+                </a:tc>
+                <a:tc>
+                  <a:txBody>
+                    <a:bodyPr/>
+                    <a:lstStyle/>
+                    <a:p>
+                      <a:pPr algn="ctr" latinLnBrk="1"/>
+                      <a:endParaRPr lang="ko-KR" altLang="en-US" sz="3900" dirty="0">
+                        <a:solidFill>
+                          <a:schemeClr val="tx1"/>
+                        </a:solidFill>
+                        <a:latin typeface="배달의민족 한나체 Pro" panose="020B0600000101010101" pitchFamily="50" charset="-127"/>
+                        <a:ea typeface="배달의민족 한나체 Pro" panose="020B0600000101010101" pitchFamily="50" charset="-127"/>
+                      </a:endParaRPr>
+                    </a:p>
+                  </a:txBody>
+                  <a:tcPr marL="299444" marR="299444" marT="149722" marB="149722" anchor="ctr">
+                    <a:lnL w="12700" cap="flat" cmpd="sng" algn="ctr">
+                      <a:solidFill>
+                        <a:schemeClr val="tx1"/>
+                      </a:solidFill>
+                      <a:prstDash val="solid"/>
+                      <a:round/>
+                      <a:headEnd type="none" w="med" len="med"/>
+                      <a:tailEnd type="none" w="med" len="med"/>
+                    </a:lnL>
+                    <a:lnR w="12700" cap="flat" cmpd="sng" algn="ctr">
+                      <a:solidFill>
+                        <a:schemeClr val="tx1"/>
+                      </a:solidFill>
+                      <a:prstDash val="solid"/>
+                      <a:round/>
+                      <a:headEnd type="none" w="med" len="med"/>
+                      <a:tailEnd type="none" w="med" len="med"/>
+                    </a:lnR>
+                    <a:lnT w="12700" cap="flat" cmpd="sng" algn="ctr">
+                      <a:solidFill>
+                        <a:schemeClr val="tx1"/>
+                      </a:solidFill>
+                      <a:prstDash val="solid"/>
+                      <a:round/>
+                      <a:headEnd type="none" w="med" len="med"/>
+                      <a:tailEnd type="none" w="med" len="med"/>
+                    </a:lnT>
+                    <a:lnB w="12700" cap="flat" cmpd="sng" algn="ctr">
+                      <a:solidFill>
+                        <a:schemeClr val="tx1"/>
+                      </a:solidFill>
+                      <a:prstDash val="solid"/>
+                      <a:round/>
+                      <a:headEnd type="none" w="med" len="med"/>
+                      <a:tailEnd type="none" w="med" len="med"/>
+                    </a:lnB>
+                    <a:solidFill>
+                      <a:srgbClr val="05B0EE">
+                        <a:alpha val="40000"/>
+                      </a:srgbClr>
+                    </a:solidFill>
+                  </a:tcPr>
+                </a:tc>
+                <a:tc>
+                  <a:txBody>
+                    <a:bodyPr/>
+                    <a:lstStyle/>
+                    <a:p>
+                      <a:pPr algn="ctr" latinLnBrk="1"/>
+                      <a:endParaRPr lang="ko-KR" altLang="en-US" sz="3900" dirty="0">
+                        <a:solidFill>
+                          <a:schemeClr val="tx1"/>
+                        </a:solidFill>
+                        <a:latin typeface="배달의민족 한나체 Pro" panose="020B0600000101010101" pitchFamily="50" charset="-127"/>
+                        <a:ea typeface="배달의민족 한나체 Pro" panose="020B0600000101010101" pitchFamily="50" charset="-127"/>
+                      </a:endParaRPr>
+                    </a:p>
+                  </a:txBody>
+                  <a:tcPr marL="299444" marR="299444" marT="149722" marB="149722" anchor="ctr">
+                    <a:lnL w="12700" cap="flat" cmpd="sng" algn="ctr">
+                      <a:solidFill>
+                        <a:schemeClr val="tx1"/>
+                      </a:solidFill>
+                      <a:prstDash val="solid"/>
+                      <a:round/>
+                      <a:headEnd type="none" w="med" len="med"/>
+                      <a:tailEnd type="none" w="med" len="med"/>
+                    </a:lnL>
+                    <a:lnR w="12700" cap="flat" cmpd="sng" algn="ctr">
+                      <a:solidFill>
+                        <a:schemeClr val="tx1"/>
+                      </a:solidFill>
+                      <a:prstDash val="solid"/>
+                      <a:round/>
+                      <a:headEnd type="none" w="med" len="med"/>
+                      <a:tailEnd type="none" w="med" len="med"/>
+                    </a:lnR>
+                    <a:lnT w="12700" cap="flat" cmpd="sng" algn="ctr">
+                      <a:solidFill>
+                        <a:schemeClr val="tx1"/>
+                      </a:solidFill>
+                      <a:prstDash val="solid"/>
+                      <a:round/>
+                      <a:headEnd type="none" w="med" len="med"/>
+                      <a:tailEnd type="none" w="med" len="med"/>
+                    </a:lnT>
+                    <a:lnB w="12700" cap="flat" cmpd="sng" algn="ctr">
+                      <a:solidFill>
+                        <a:schemeClr val="tx1"/>
+                      </a:solidFill>
+                      <a:prstDash val="solid"/>
+                      <a:round/>
+                      <a:headEnd type="none" w="med" len="med"/>
+                      <a:tailEnd type="none" w="med" len="med"/>
+                    </a:lnB>
+                    <a:solidFill>
+                      <a:srgbClr val="05B0EE">
+                        <a:alpha val="40000"/>
+                      </a:srgbClr>
+                    </a:solidFill>
                   </a:tcPr>
                 </a:tc>
                 <a:extLst>
@@ -25993,7 +26155,7 @@
                           <a:latin typeface="맑은 고딕" panose="020B0503020000020004" pitchFamily="50" charset="-127"/>
                           <a:ea typeface="맑은 고딕" panose="020B0503020000020004" pitchFamily="50" charset="-127"/>
                         </a:rPr>
-                        <a:t>설계 및 연동</a:t>
+                        <a:t>설계 </a:t>
                       </a:r>
                     </a:p>
                   </a:txBody>
@@ -26748,6 +26910,11 @@
                       <a:headEnd type="none" w="med" len="med"/>
                       <a:tailEnd type="none" w="med" len="med"/>
                     </a:lnB>
+                    <a:solidFill>
+                      <a:srgbClr val="05B0EE">
+                        <a:alpha val="40000"/>
+                      </a:srgbClr>
+                    </a:solidFill>
                   </a:tcPr>
                 </a:tc>
                 <a:tc>
@@ -26802,6 +26969,11 @@
                       <a:headEnd type="none" w="med" len="med"/>
                       <a:tailEnd type="none" w="med" len="med"/>
                     </a:lnB>
+                    <a:solidFill>
+                      <a:srgbClr val="05B0EE">
+                        <a:alpha val="40000"/>
+                      </a:srgbClr>
+                    </a:solidFill>
                   </a:tcPr>
                 </a:tc>
                 <a:tc>
@@ -26856,6 +27028,11 @@
                       <a:headEnd type="none" w="med" len="med"/>
                       <a:tailEnd type="none" w="med" len="med"/>
                     </a:lnB>
+                    <a:solidFill>
+                      <a:srgbClr val="05B0EE">
+                        <a:alpha val="40000"/>
+                      </a:srgbClr>
+                    </a:solidFill>
                   </a:tcPr>
                 </a:tc>
                 <a:tc>
@@ -26910,6 +27087,11 @@
                       <a:headEnd type="none" w="med" len="med"/>
                       <a:tailEnd type="none" w="med" len="med"/>
                     </a:lnB>
+                    <a:solidFill>
+                      <a:srgbClr val="05B0EE">
+                        <a:alpha val="40000"/>
+                      </a:srgbClr>
+                    </a:solidFill>
                   </a:tcPr>
                 </a:tc>
                 <a:tc>
@@ -27134,7 +27316,61 @@
                     <a:lstStyle/>
                     <a:p>
                       <a:pPr algn="ctr" latinLnBrk="1"/>
-                      <a:endParaRPr lang="ko-KR" altLang="en-US" sz="3900">
+                      <a:endParaRPr lang="ko-KR" altLang="en-US" sz="3900" dirty="0">
+                        <a:solidFill>
+                          <a:schemeClr val="tx1"/>
+                        </a:solidFill>
+                        <a:latin typeface="배달의민족 한나체 Pro" panose="020B0600000101010101" pitchFamily="50" charset="-127"/>
+                        <a:ea typeface="배달의민족 한나체 Pro" panose="020B0600000101010101" pitchFamily="50" charset="-127"/>
+                      </a:endParaRPr>
+                    </a:p>
+                  </a:txBody>
+                  <a:tcPr marL="299444" marR="299444" marT="149722" marB="149722" anchor="ctr">
+                    <a:lnL w="12700" cap="flat" cmpd="sng" algn="ctr">
+                      <a:solidFill>
+                        <a:schemeClr val="tx1"/>
+                      </a:solidFill>
+                      <a:prstDash val="solid"/>
+                      <a:round/>
+                      <a:headEnd type="none" w="med" len="med"/>
+                      <a:tailEnd type="none" w="med" len="med"/>
+                    </a:lnL>
+                    <a:lnR w="12700" cap="flat" cmpd="sng" algn="ctr">
+                      <a:solidFill>
+                        <a:schemeClr val="tx1"/>
+                      </a:solidFill>
+                      <a:prstDash val="solid"/>
+                      <a:round/>
+                      <a:headEnd type="none" w="med" len="med"/>
+                      <a:tailEnd type="none" w="med" len="med"/>
+                    </a:lnR>
+                    <a:lnT w="12700" cap="flat" cmpd="sng" algn="ctr">
+                      <a:solidFill>
+                        <a:schemeClr val="tx1"/>
+                      </a:solidFill>
+                      <a:prstDash val="solid"/>
+                      <a:round/>
+                      <a:headEnd type="none" w="med" len="med"/>
+                      <a:tailEnd type="none" w="med" len="med"/>
+                    </a:lnT>
+                    <a:lnB w="12700" cap="flat" cmpd="sng" algn="ctr">
+                      <a:solidFill>
+                        <a:schemeClr val="tx1"/>
+                      </a:solidFill>
+                      <a:prstDash val="solid"/>
+                      <a:round/>
+                      <a:headEnd type="none" w="med" len="med"/>
+                      <a:tailEnd type="none" w="med" len="med"/>
+                    </a:lnB>
+                  </a:tcPr>
+                </a:tc>
+                <a:tc>
+                  <a:txBody>
+                    <a:bodyPr/>
+                    <a:lstStyle/>
+                    <a:p>
+                      <a:pPr algn="ctr" latinLnBrk="1"/>
+                      <a:endParaRPr lang="ko-KR" altLang="en-US" sz="3900" dirty="0">
                         <a:solidFill>
                           <a:schemeClr val="tx1"/>
                         </a:solidFill>
@@ -27350,6 +27586,168 @@
                     <a:lstStyle/>
                     <a:p>
                       <a:pPr algn="ctr" latinLnBrk="1"/>
+                      <a:endParaRPr lang="ko-KR" altLang="en-US" sz="3900" dirty="0">
+                        <a:solidFill>
+                          <a:schemeClr val="tx1"/>
+                        </a:solidFill>
+                        <a:latin typeface="배달의민족 한나체 Pro" panose="020B0600000101010101" pitchFamily="50" charset="-127"/>
+                        <a:ea typeface="배달의민족 한나체 Pro" panose="020B0600000101010101" pitchFamily="50" charset="-127"/>
+                      </a:endParaRPr>
+                    </a:p>
+                  </a:txBody>
+                  <a:tcPr marL="299444" marR="299444" marT="149722" marB="149722" anchor="ctr">
+                    <a:lnL w="12700" cap="flat" cmpd="sng" algn="ctr">
+                      <a:solidFill>
+                        <a:schemeClr val="tx1"/>
+                      </a:solidFill>
+                      <a:prstDash val="solid"/>
+                      <a:round/>
+                      <a:headEnd type="none" w="med" len="med"/>
+                      <a:tailEnd type="none" w="med" len="med"/>
+                    </a:lnL>
+                    <a:lnR w="12700" cap="flat" cmpd="sng" algn="ctr">
+                      <a:solidFill>
+                        <a:schemeClr val="tx1"/>
+                      </a:solidFill>
+                      <a:prstDash val="solid"/>
+                      <a:round/>
+                      <a:headEnd type="none" w="med" len="med"/>
+                      <a:tailEnd type="none" w="med" len="med"/>
+                    </a:lnR>
+                    <a:lnT w="12700" cap="flat" cmpd="sng" algn="ctr">
+                      <a:solidFill>
+                        <a:schemeClr val="tx1"/>
+                      </a:solidFill>
+                      <a:prstDash val="solid"/>
+                      <a:round/>
+                      <a:headEnd type="none" w="med" len="med"/>
+                      <a:tailEnd type="none" w="med" len="med"/>
+                    </a:lnT>
+                    <a:lnB w="12700" cap="flat" cmpd="sng" algn="ctr">
+                      <a:solidFill>
+                        <a:schemeClr val="tx1"/>
+                      </a:solidFill>
+                      <a:prstDash val="solid"/>
+                      <a:round/>
+                      <a:headEnd type="none" w="med" len="med"/>
+                      <a:tailEnd type="none" w="med" len="med"/>
+                    </a:lnB>
+                  </a:tcPr>
+                </a:tc>
+                <a:tc>
+                  <a:txBody>
+                    <a:bodyPr/>
+                    <a:lstStyle/>
+                    <a:p>
+                      <a:pPr algn="ctr" latinLnBrk="1"/>
+                      <a:endParaRPr lang="ko-KR" altLang="en-US" sz="3900">
+                        <a:solidFill>
+                          <a:schemeClr val="tx1"/>
+                        </a:solidFill>
+                        <a:latin typeface="배달의민족 한나체 Pro" panose="020B0600000101010101" pitchFamily="50" charset="-127"/>
+                        <a:ea typeface="배달의민족 한나체 Pro" panose="020B0600000101010101" pitchFamily="50" charset="-127"/>
+                      </a:endParaRPr>
+                    </a:p>
+                  </a:txBody>
+                  <a:tcPr marL="299444" marR="299444" marT="149722" marB="149722" anchor="ctr">
+                    <a:lnL w="12700" cap="flat" cmpd="sng" algn="ctr">
+                      <a:solidFill>
+                        <a:schemeClr val="tx1"/>
+                      </a:solidFill>
+                      <a:prstDash val="solid"/>
+                      <a:round/>
+                      <a:headEnd type="none" w="med" len="med"/>
+                      <a:tailEnd type="none" w="med" len="med"/>
+                    </a:lnL>
+                    <a:lnR w="12700" cap="flat" cmpd="sng" algn="ctr">
+                      <a:solidFill>
+                        <a:schemeClr val="tx1"/>
+                      </a:solidFill>
+                      <a:prstDash val="solid"/>
+                      <a:round/>
+                      <a:headEnd type="none" w="med" len="med"/>
+                      <a:tailEnd type="none" w="med" len="med"/>
+                    </a:lnR>
+                    <a:lnT w="12700" cap="flat" cmpd="sng" algn="ctr">
+                      <a:solidFill>
+                        <a:schemeClr val="tx1"/>
+                      </a:solidFill>
+                      <a:prstDash val="solid"/>
+                      <a:round/>
+                      <a:headEnd type="none" w="med" len="med"/>
+                      <a:tailEnd type="none" w="med" len="med"/>
+                    </a:lnT>
+                    <a:lnB w="12700" cap="flat" cmpd="sng" algn="ctr">
+                      <a:solidFill>
+                        <a:schemeClr val="tx1"/>
+                      </a:solidFill>
+                      <a:prstDash val="solid"/>
+                      <a:round/>
+                      <a:headEnd type="none" w="med" len="med"/>
+                      <a:tailEnd type="none" w="med" len="med"/>
+                    </a:lnB>
+                  </a:tcPr>
+                </a:tc>
+                <a:tc>
+                  <a:txBody>
+                    <a:bodyPr/>
+                    <a:lstStyle/>
+                    <a:p>
+                      <a:pPr algn="ctr" latinLnBrk="1"/>
+                      <a:endParaRPr lang="ko-KR" altLang="en-US" sz="3900">
+                        <a:solidFill>
+                          <a:schemeClr val="tx1"/>
+                        </a:solidFill>
+                        <a:latin typeface="배달의민족 한나체 Pro" panose="020B0600000101010101" pitchFamily="50" charset="-127"/>
+                        <a:ea typeface="배달의민족 한나체 Pro" panose="020B0600000101010101" pitchFamily="50" charset="-127"/>
+                      </a:endParaRPr>
+                    </a:p>
+                  </a:txBody>
+                  <a:tcPr marL="299444" marR="299444" marT="149722" marB="149722" anchor="ctr">
+                    <a:lnL w="12700" cap="flat" cmpd="sng" algn="ctr">
+                      <a:solidFill>
+                        <a:schemeClr val="tx1"/>
+                      </a:solidFill>
+                      <a:prstDash val="solid"/>
+                      <a:round/>
+                      <a:headEnd type="none" w="med" len="med"/>
+                      <a:tailEnd type="none" w="med" len="med"/>
+                    </a:lnL>
+                    <a:lnR w="12700" cap="flat" cmpd="sng" algn="ctr">
+                      <a:solidFill>
+                        <a:schemeClr val="tx1"/>
+                      </a:solidFill>
+                      <a:prstDash val="solid"/>
+                      <a:round/>
+                      <a:headEnd type="none" w="med" len="med"/>
+                      <a:tailEnd type="none" w="med" len="med"/>
+                    </a:lnR>
+                    <a:lnT w="12700" cap="flat" cmpd="sng" algn="ctr">
+                      <a:solidFill>
+                        <a:schemeClr val="tx1"/>
+                      </a:solidFill>
+                      <a:prstDash val="solid"/>
+                      <a:round/>
+                      <a:headEnd type="none" w="med" len="med"/>
+                      <a:tailEnd type="none" w="med" len="med"/>
+                    </a:lnT>
+                    <a:lnB w="12700" cap="flat" cmpd="sng" algn="ctr">
+                      <a:solidFill>
+                        <a:schemeClr val="tx1"/>
+                      </a:solidFill>
+                      <a:prstDash val="solid"/>
+                      <a:round/>
+                      <a:headEnd type="none" w="med" len="med"/>
+                      <a:tailEnd type="none" w="med" len="med"/>
+                    </a:lnB>
+                  </a:tcPr>
+                </a:tc>
+                <a:tc>
+                  <a:txBody>
+                    <a:bodyPr/>
+                    <a:lstStyle/>
+                    <a:p>
+                      <a:pPr algn="ctr" latinLnBrk="1"/>
                       <a:endParaRPr lang="ko-KR" altLang="en-US" sz="3900">
                         <a:solidFill>
                           <a:schemeClr val="tx1"/>
@@ -27728,13 +28126,87 @@
                     <a:lstStyle/>
                     <a:p>
                       <a:pPr algn="ctr" latinLnBrk="1"/>
-                      <a:endParaRPr lang="ko-KR" altLang="en-US" sz="3900">
+                      <a:endParaRPr lang="ko-KR" altLang="en-US" sz="3900" dirty="0">
                         <a:solidFill>
                           <a:schemeClr val="tx1"/>
                         </a:solidFill>
                         <a:latin typeface="배달의민족 한나체 Pro" panose="020B0600000101010101" pitchFamily="50" charset="-127"/>
                         <a:ea typeface="배달의민족 한나체 Pro" panose="020B0600000101010101" pitchFamily="50" charset="-127"/>
                       </a:endParaRPr>
+                    </a:p>
+                  </a:txBody>
+                  <a:tcPr marL="299444" marR="299444" marT="149722" marB="149722" anchor="ctr">
+                    <a:lnL w="12700" cap="flat" cmpd="sng" algn="ctr">
+                      <a:solidFill>
+                        <a:schemeClr val="tx1"/>
+                      </a:solidFill>
+                      <a:prstDash val="solid"/>
+                      <a:round/>
+                      <a:headEnd type="none" w="med" len="med"/>
+                      <a:tailEnd type="none" w="med" len="med"/>
+                    </a:lnL>
+                    <a:lnR w="12700" cap="flat" cmpd="sng" algn="ctr">
+                      <a:solidFill>
+                        <a:schemeClr val="tx1"/>
+                      </a:solidFill>
+                      <a:prstDash val="solid"/>
+                      <a:round/>
+                      <a:headEnd type="none" w="med" len="med"/>
+                      <a:tailEnd type="none" w="med" len="med"/>
+                    </a:lnR>
+                    <a:lnT w="12700" cap="flat" cmpd="sng" algn="ctr">
+                      <a:solidFill>
+                        <a:schemeClr val="tx1"/>
+                      </a:solidFill>
+                      <a:prstDash val="solid"/>
+                      <a:round/>
+                      <a:headEnd type="none" w="med" len="med"/>
+                      <a:tailEnd type="none" w="med" len="med"/>
+                    </a:lnT>
+                    <a:lnB w="12700" cap="flat" cmpd="sng" algn="ctr">
+                      <a:solidFill>
+                        <a:schemeClr val="tx1"/>
+                      </a:solidFill>
+                      <a:prstDash val="solid"/>
+                      <a:round/>
+                      <a:headEnd type="none" w="med" len="med"/>
+                      <a:tailEnd type="none" w="med" len="med"/>
+                    </a:lnB>
+                  </a:tcPr>
+                </a:tc>
+                <a:extLst>
+                  <a:ext uri="{0D108BD9-81ED-4DB2-BD59-A6C34878D82A}">
+                    <a16:rowId xmlns:a16="http://schemas.microsoft.com/office/drawing/2014/main" val="3164051810"/>
+                  </a:ext>
+                </a:extLst>
+              </a:tr>
+              <a:tr h="1448165">
+                <a:tc>
+                  <a:txBody>
+                    <a:bodyPr/>
+                    <a:lstStyle/>
+                    <a:p>
+                      <a:pPr algn="ctr" latinLnBrk="1"/>
+                      <a:r>
+                        <a:rPr lang="en-US" altLang="ko-KR" sz="4400" dirty="0">
+                          <a:solidFill>
+                            <a:schemeClr val="tx1"/>
+                          </a:solidFill>
+                          <a:latin typeface="맑은 고딕" panose="020B0503020000020004" pitchFamily="50" charset="-127"/>
+                          <a:ea typeface="맑은 고딕" panose="020B0503020000020004" pitchFamily="50" charset="-127"/>
+                        </a:rPr>
+                        <a:t>DB </a:t>
+                      </a:r>
+                      <a:r>
+                        <a:rPr lang="ko-KR" altLang="en-US" sz="4400" dirty="0">
+                          <a:solidFill>
+                            <a:schemeClr val="tx1"/>
+                          </a:solidFill>
+                          <a:latin typeface="맑은 고딕" panose="020B0503020000020004" pitchFamily="50" charset="-127"/>
+                          <a:ea typeface="맑은 고딕" panose="020B0503020000020004" pitchFamily="50" charset="-127"/>
+                        </a:rPr>
+                        <a:t>연동</a:t>
+                      </a:r>
                     </a:p>
                   </a:txBody>
                   <a:tcPr marL="299444" marR="299444" marT="149722" marB="149722" anchor="ctr">
@@ -27836,6 +28308,60 @@
                     <a:lstStyle/>
                     <a:p>
                       <a:pPr algn="ctr" latinLnBrk="1"/>
+                      <a:endParaRPr lang="ko-KR" altLang="en-US" sz="3900">
+                        <a:solidFill>
+                          <a:schemeClr val="tx1"/>
+                        </a:solidFill>
+                        <a:latin typeface="배달의민족 한나체 Pro" panose="020B0600000101010101" pitchFamily="50" charset="-127"/>
+                        <a:ea typeface="배달의민족 한나체 Pro" panose="020B0600000101010101" pitchFamily="50" charset="-127"/>
+                      </a:endParaRPr>
+                    </a:p>
+                  </a:txBody>
+                  <a:tcPr marL="299444" marR="299444" marT="149722" marB="149722" anchor="ctr">
+                    <a:lnL w="12700" cap="flat" cmpd="sng" algn="ctr">
+                      <a:solidFill>
+                        <a:schemeClr val="tx1"/>
+                      </a:solidFill>
+                      <a:prstDash val="solid"/>
+                      <a:round/>
+                      <a:headEnd type="none" w="med" len="med"/>
+                      <a:tailEnd type="none" w="med" len="med"/>
+                    </a:lnL>
+                    <a:lnR w="12700" cap="flat" cmpd="sng" algn="ctr">
+                      <a:solidFill>
+                        <a:schemeClr val="tx1"/>
+                      </a:solidFill>
+                      <a:prstDash val="solid"/>
+                      <a:round/>
+                      <a:headEnd type="none" w="med" len="med"/>
+                      <a:tailEnd type="none" w="med" len="med"/>
+                    </a:lnR>
+                    <a:lnT w="12700" cap="flat" cmpd="sng" algn="ctr">
+                      <a:solidFill>
+                        <a:schemeClr val="tx1"/>
+                      </a:solidFill>
+                      <a:prstDash val="solid"/>
+                      <a:round/>
+                      <a:headEnd type="none" w="med" len="med"/>
+                      <a:tailEnd type="none" w="med" len="med"/>
+                    </a:lnT>
+                    <a:lnB w="12700" cap="flat" cmpd="sng" algn="ctr">
+                      <a:solidFill>
+                        <a:schemeClr val="tx1"/>
+                      </a:solidFill>
+                      <a:prstDash val="solid"/>
+                      <a:round/>
+                      <a:headEnd type="none" w="med" len="med"/>
+                      <a:tailEnd type="none" w="med" len="med"/>
+                    </a:lnB>
+                  </a:tcPr>
+                </a:tc>
+                <a:tc>
+                  <a:txBody>
+                    <a:bodyPr/>
+                    <a:lstStyle/>
+                    <a:p>
+                      <a:pPr algn="ctr" latinLnBrk="1"/>
                       <a:endParaRPr lang="ko-KR" altLang="en-US" sz="3900" dirty="0">
                         <a:solidFill>
                           <a:schemeClr val="tx1"/>
@@ -27944,6 +28470,1208 @@
                     <a:lstStyle/>
                     <a:p>
                       <a:pPr algn="ctr" latinLnBrk="1"/>
+                      <a:endParaRPr lang="ko-KR" altLang="en-US" sz="3900" dirty="0">
+                        <a:solidFill>
+                          <a:schemeClr val="tx1"/>
+                        </a:solidFill>
+                        <a:latin typeface="배달의민족 한나체 Pro" panose="020B0600000101010101" pitchFamily="50" charset="-127"/>
+                        <a:ea typeface="배달의민족 한나체 Pro" panose="020B0600000101010101" pitchFamily="50" charset="-127"/>
+                      </a:endParaRPr>
+                    </a:p>
+                  </a:txBody>
+                  <a:tcPr marL="299444" marR="299444" marT="149722" marB="149722" anchor="ctr">
+                    <a:lnL w="12700" cap="flat" cmpd="sng" algn="ctr">
+                      <a:solidFill>
+                        <a:schemeClr val="tx1"/>
+                      </a:solidFill>
+                      <a:prstDash val="solid"/>
+                      <a:round/>
+                      <a:headEnd type="none" w="med" len="med"/>
+                      <a:tailEnd type="none" w="med" len="med"/>
+                    </a:lnL>
+                    <a:lnR w="12700" cap="flat" cmpd="sng" algn="ctr">
+                      <a:solidFill>
+                        <a:schemeClr val="tx1"/>
+                      </a:solidFill>
+                      <a:prstDash val="solid"/>
+                      <a:round/>
+                      <a:headEnd type="none" w="med" len="med"/>
+                      <a:tailEnd type="none" w="med" len="med"/>
+                    </a:lnR>
+                    <a:lnT w="12700" cap="flat" cmpd="sng" algn="ctr">
+                      <a:solidFill>
+                        <a:schemeClr val="tx1"/>
+                      </a:solidFill>
+                      <a:prstDash val="solid"/>
+                      <a:round/>
+                      <a:headEnd type="none" w="med" len="med"/>
+                      <a:tailEnd type="none" w="med" len="med"/>
+                    </a:lnT>
+                    <a:lnB w="12700" cap="flat" cmpd="sng" algn="ctr">
+                      <a:solidFill>
+                        <a:schemeClr val="tx1"/>
+                      </a:solidFill>
+                      <a:prstDash val="solid"/>
+                      <a:round/>
+                      <a:headEnd type="none" w="med" len="med"/>
+                      <a:tailEnd type="none" w="med" len="med"/>
+                    </a:lnB>
+                  </a:tcPr>
+                </a:tc>
+                <a:tc>
+                  <a:txBody>
+                    <a:bodyPr/>
+                    <a:lstStyle/>
+                    <a:p>
+                      <a:pPr algn="ctr" latinLnBrk="1"/>
+                      <a:endParaRPr lang="ko-KR" altLang="en-US" sz="3900" dirty="0">
+                        <a:solidFill>
+                          <a:schemeClr val="tx1"/>
+                        </a:solidFill>
+                        <a:latin typeface="배달의민족 한나체 Pro" panose="020B0600000101010101" pitchFamily="50" charset="-127"/>
+                        <a:ea typeface="배달의민족 한나체 Pro" panose="020B0600000101010101" pitchFamily="50" charset="-127"/>
+                      </a:endParaRPr>
+                    </a:p>
+                  </a:txBody>
+                  <a:tcPr marL="299444" marR="299444" marT="149722" marB="149722" anchor="ctr">
+                    <a:lnL w="12700" cap="flat" cmpd="sng" algn="ctr">
+                      <a:solidFill>
+                        <a:schemeClr val="tx1"/>
+                      </a:solidFill>
+                      <a:prstDash val="solid"/>
+                      <a:round/>
+                      <a:headEnd type="none" w="med" len="med"/>
+                      <a:tailEnd type="none" w="med" len="med"/>
+                    </a:lnL>
+                    <a:lnR w="12700" cap="flat" cmpd="sng" algn="ctr">
+                      <a:solidFill>
+                        <a:schemeClr val="tx1"/>
+                      </a:solidFill>
+                      <a:prstDash val="solid"/>
+                      <a:round/>
+                      <a:headEnd type="none" w="med" len="med"/>
+                      <a:tailEnd type="none" w="med" len="med"/>
+                    </a:lnR>
+                    <a:lnT w="12700" cap="flat" cmpd="sng" algn="ctr">
+                      <a:solidFill>
+                        <a:schemeClr val="tx1"/>
+                      </a:solidFill>
+                      <a:prstDash val="solid"/>
+                      <a:round/>
+                      <a:headEnd type="none" w="med" len="med"/>
+                      <a:tailEnd type="none" w="med" len="med"/>
+                    </a:lnT>
+                    <a:lnB w="12700" cap="flat" cmpd="sng" algn="ctr">
+                      <a:solidFill>
+                        <a:schemeClr val="tx1"/>
+                      </a:solidFill>
+                      <a:prstDash val="solid"/>
+                      <a:round/>
+                      <a:headEnd type="none" w="med" len="med"/>
+                      <a:tailEnd type="none" w="med" len="med"/>
+                    </a:lnB>
+                  </a:tcPr>
+                </a:tc>
+                <a:tc>
+                  <a:txBody>
+                    <a:bodyPr/>
+                    <a:lstStyle/>
+                    <a:p>
+                      <a:pPr algn="ctr" latinLnBrk="1"/>
+                      <a:endParaRPr lang="ko-KR" altLang="en-US" sz="3900" dirty="0">
+                        <a:solidFill>
+                          <a:schemeClr val="tx1"/>
+                        </a:solidFill>
+                        <a:latin typeface="배달의민족 한나체 Pro" panose="020B0600000101010101" pitchFamily="50" charset="-127"/>
+                        <a:ea typeface="배달의민족 한나체 Pro" panose="020B0600000101010101" pitchFamily="50" charset="-127"/>
+                      </a:endParaRPr>
+                    </a:p>
+                  </a:txBody>
+                  <a:tcPr marL="299444" marR="299444" marT="149722" marB="149722" anchor="ctr">
+                    <a:lnL w="12700" cap="flat" cmpd="sng" algn="ctr">
+                      <a:solidFill>
+                        <a:schemeClr val="tx1"/>
+                      </a:solidFill>
+                      <a:prstDash val="solid"/>
+                      <a:round/>
+                      <a:headEnd type="none" w="med" len="med"/>
+                      <a:tailEnd type="none" w="med" len="med"/>
+                    </a:lnL>
+                    <a:lnR w="12700" cap="flat" cmpd="sng" algn="ctr">
+                      <a:solidFill>
+                        <a:schemeClr val="tx1"/>
+                      </a:solidFill>
+                      <a:prstDash val="solid"/>
+                      <a:round/>
+                      <a:headEnd type="none" w="med" len="med"/>
+                      <a:tailEnd type="none" w="med" len="med"/>
+                    </a:lnR>
+                    <a:lnT w="12700" cap="flat" cmpd="sng" algn="ctr">
+                      <a:solidFill>
+                        <a:schemeClr val="tx1"/>
+                      </a:solidFill>
+                      <a:prstDash val="solid"/>
+                      <a:round/>
+                      <a:headEnd type="none" w="med" len="med"/>
+                      <a:tailEnd type="none" w="med" len="med"/>
+                    </a:lnT>
+                    <a:lnB w="12700" cap="flat" cmpd="sng" algn="ctr">
+                      <a:solidFill>
+                        <a:schemeClr val="tx1"/>
+                      </a:solidFill>
+                      <a:prstDash val="solid"/>
+                      <a:round/>
+                      <a:headEnd type="none" w="med" len="med"/>
+                      <a:tailEnd type="none" w="med" len="med"/>
+                    </a:lnB>
+                  </a:tcPr>
+                </a:tc>
+                <a:tc>
+                  <a:txBody>
+                    <a:bodyPr/>
+                    <a:lstStyle/>
+                    <a:p>
+                      <a:pPr algn="ctr" latinLnBrk="1"/>
+                      <a:endParaRPr lang="ko-KR" altLang="en-US" sz="3900" dirty="0">
+                        <a:solidFill>
+                          <a:schemeClr val="tx1"/>
+                        </a:solidFill>
+                        <a:latin typeface="배달의민족 한나체 Pro" panose="020B0600000101010101" pitchFamily="50" charset="-127"/>
+                        <a:ea typeface="배달의민족 한나체 Pro" panose="020B0600000101010101" pitchFamily="50" charset="-127"/>
+                      </a:endParaRPr>
+                    </a:p>
+                  </a:txBody>
+                  <a:tcPr marL="299444" marR="299444" marT="149722" marB="149722" anchor="ctr">
+                    <a:lnL w="12700" cap="flat" cmpd="sng" algn="ctr">
+                      <a:solidFill>
+                        <a:schemeClr val="tx1"/>
+                      </a:solidFill>
+                      <a:prstDash val="solid"/>
+                      <a:round/>
+                      <a:headEnd type="none" w="med" len="med"/>
+                      <a:tailEnd type="none" w="med" len="med"/>
+                    </a:lnL>
+                    <a:lnR w="12700" cap="flat" cmpd="sng" algn="ctr">
+                      <a:solidFill>
+                        <a:schemeClr val="tx1"/>
+                      </a:solidFill>
+                      <a:prstDash val="solid"/>
+                      <a:round/>
+                      <a:headEnd type="none" w="med" len="med"/>
+                      <a:tailEnd type="none" w="med" len="med"/>
+                    </a:lnR>
+                    <a:lnT w="12700" cap="flat" cmpd="sng" algn="ctr">
+                      <a:solidFill>
+                        <a:schemeClr val="tx1"/>
+                      </a:solidFill>
+                      <a:prstDash val="solid"/>
+                      <a:round/>
+                      <a:headEnd type="none" w="med" len="med"/>
+                      <a:tailEnd type="none" w="med" len="med"/>
+                    </a:lnT>
+                    <a:lnB w="12700" cap="flat" cmpd="sng" algn="ctr">
+                      <a:solidFill>
+                        <a:schemeClr val="tx1"/>
+                      </a:solidFill>
+                      <a:prstDash val="solid"/>
+                      <a:round/>
+                      <a:headEnd type="none" w="med" len="med"/>
+                      <a:tailEnd type="none" w="med" len="med"/>
+                    </a:lnB>
+                  </a:tcPr>
+                </a:tc>
+                <a:tc>
+                  <a:txBody>
+                    <a:bodyPr/>
+                    <a:lstStyle/>
+                    <a:p>
+                      <a:pPr algn="ctr" latinLnBrk="1"/>
+                      <a:endParaRPr lang="ko-KR" altLang="en-US" sz="3900" dirty="0">
+                        <a:solidFill>
+                          <a:schemeClr val="tx1"/>
+                        </a:solidFill>
+                        <a:latin typeface="배달의민족 한나체 Pro" panose="020B0600000101010101" pitchFamily="50" charset="-127"/>
+                        <a:ea typeface="배달의민족 한나체 Pro" panose="020B0600000101010101" pitchFamily="50" charset="-127"/>
+                      </a:endParaRPr>
+                    </a:p>
+                  </a:txBody>
+                  <a:tcPr marL="299444" marR="299444" marT="149722" marB="149722" anchor="ctr">
+                    <a:lnL w="12700" cap="flat" cmpd="sng" algn="ctr">
+                      <a:solidFill>
+                        <a:schemeClr val="tx1"/>
+                      </a:solidFill>
+                      <a:prstDash val="solid"/>
+                      <a:round/>
+                      <a:headEnd type="none" w="med" len="med"/>
+                      <a:tailEnd type="none" w="med" len="med"/>
+                    </a:lnL>
+                    <a:lnR w="12700" cap="flat" cmpd="sng" algn="ctr">
+                      <a:solidFill>
+                        <a:schemeClr val="tx1"/>
+                      </a:solidFill>
+                      <a:prstDash val="solid"/>
+                      <a:round/>
+                      <a:headEnd type="none" w="med" len="med"/>
+                      <a:tailEnd type="none" w="med" len="med"/>
+                    </a:lnR>
+                    <a:lnT w="12700" cap="flat" cmpd="sng" algn="ctr">
+                      <a:solidFill>
+                        <a:schemeClr val="tx1"/>
+                      </a:solidFill>
+                      <a:prstDash val="solid"/>
+                      <a:round/>
+                      <a:headEnd type="none" w="med" len="med"/>
+                      <a:tailEnd type="none" w="med" len="med"/>
+                    </a:lnT>
+                    <a:lnB w="12700" cap="flat" cmpd="sng" algn="ctr">
+                      <a:solidFill>
+                        <a:schemeClr val="tx1"/>
+                      </a:solidFill>
+                      <a:prstDash val="solid"/>
+                      <a:round/>
+                      <a:headEnd type="none" w="med" len="med"/>
+                      <a:tailEnd type="none" w="med" len="med"/>
+                    </a:lnB>
+                  </a:tcPr>
+                </a:tc>
+                <a:tc>
+                  <a:txBody>
+                    <a:bodyPr/>
+                    <a:lstStyle/>
+                    <a:p>
+                      <a:pPr algn="ctr" latinLnBrk="1"/>
+                      <a:endParaRPr lang="ko-KR" altLang="en-US" sz="3900" dirty="0">
+                        <a:solidFill>
+                          <a:schemeClr val="tx1"/>
+                        </a:solidFill>
+                        <a:latin typeface="배달의민족 한나체 Pro" panose="020B0600000101010101" pitchFamily="50" charset="-127"/>
+                        <a:ea typeface="배달의민족 한나체 Pro" panose="020B0600000101010101" pitchFamily="50" charset="-127"/>
+                      </a:endParaRPr>
+                    </a:p>
+                  </a:txBody>
+                  <a:tcPr marL="299444" marR="299444" marT="149722" marB="149722" anchor="ctr">
+                    <a:lnL w="12700" cap="flat" cmpd="sng" algn="ctr">
+                      <a:solidFill>
+                        <a:schemeClr val="tx1"/>
+                      </a:solidFill>
+                      <a:prstDash val="solid"/>
+                      <a:round/>
+                      <a:headEnd type="none" w="med" len="med"/>
+                      <a:tailEnd type="none" w="med" len="med"/>
+                    </a:lnL>
+                    <a:lnR w="12700" cap="flat" cmpd="sng" algn="ctr">
+                      <a:solidFill>
+                        <a:schemeClr val="tx1"/>
+                      </a:solidFill>
+                      <a:prstDash val="solid"/>
+                      <a:round/>
+                      <a:headEnd type="none" w="med" len="med"/>
+                      <a:tailEnd type="none" w="med" len="med"/>
+                    </a:lnR>
+                    <a:lnT w="12700" cap="flat" cmpd="sng" algn="ctr">
+                      <a:solidFill>
+                        <a:schemeClr val="tx1"/>
+                      </a:solidFill>
+                      <a:prstDash val="solid"/>
+                      <a:round/>
+                      <a:headEnd type="none" w="med" len="med"/>
+                      <a:tailEnd type="none" w="med" len="med"/>
+                    </a:lnT>
+                    <a:lnB w="12700" cap="flat" cmpd="sng" algn="ctr">
+                      <a:solidFill>
+                        <a:schemeClr val="tx1"/>
+                      </a:solidFill>
+                      <a:prstDash val="solid"/>
+                      <a:round/>
+                      <a:headEnd type="none" w="med" len="med"/>
+                      <a:tailEnd type="none" w="med" len="med"/>
+                    </a:lnB>
+                  </a:tcPr>
+                </a:tc>
+                <a:tc>
+                  <a:txBody>
+                    <a:bodyPr/>
+                    <a:lstStyle/>
+                    <a:p>
+                      <a:pPr algn="ctr" latinLnBrk="1"/>
+                      <a:endParaRPr lang="ko-KR" altLang="en-US" sz="3900" dirty="0">
+                        <a:solidFill>
+                          <a:schemeClr val="tx1"/>
+                        </a:solidFill>
+                        <a:latin typeface="배달의민족 한나체 Pro" panose="020B0600000101010101" pitchFamily="50" charset="-127"/>
+                        <a:ea typeface="배달의민족 한나체 Pro" panose="020B0600000101010101" pitchFamily="50" charset="-127"/>
+                      </a:endParaRPr>
+                    </a:p>
+                  </a:txBody>
+                  <a:tcPr marL="299444" marR="299444" marT="149722" marB="149722" anchor="ctr">
+                    <a:lnL w="12700" cap="flat" cmpd="sng" algn="ctr">
+                      <a:solidFill>
+                        <a:schemeClr val="tx1"/>
+                      </a:solidFill>
+                      <a:prstDash val="solid"/>
+                      <a:round/>
+                      <a:headEnd type="none" w="med" len="med"/>
+                      <a:tailEnd type="none" w="med" len="med"/>
+                    </a:lnL>
+                    <a:lnR w="12700" cap="flat" cmpd="sng" algn="ctr">
+                      <a:solidFill>
+                        <a:schemeClr val="tx1"/>
+                      </a:solidFill>
+                      <a:prstDash val="solid"/>
+                      <a:round/>
+                      <a:headEnd type="none" w="med" len="med"/>
+                      <a:tailEnd type="none" w="med" len="med"/>
+                    </a:lnR>
+                    <a:lnT w="12700" cap="flat" cmpd="sng" algn="ctr">
+                      <a:solidFill>
+                        <a:schemeClr val="tx1"/>
+                      </a:solidFill>
+                      <a:prstDash val="solid"/>
+                      <a:round/>
+                      <a:headEnd type="none" w="med" len="med"/>
+                      <a:tailEnd type="none" w="med" len="med"/>
+                    </a:lnT>
+                    <a:lnB w="12700" cap="flat" cmpd="sng" algn="ctr">
+                      <a:solidFill>
+                        <a:schemeClr val="tx1"/>
+                      </a:solidFill>
+                      <a:prstDash val="solid"/>
+                      <a:round/>
+                      <a:headEnd type="none" w="med" len="med"/>
+                      <a:tailEnd type="none" w="med" len="med"/>
+                    </a:lnB>
+                  </a:tcPr>
+                </a:tc>
+                <a:tc>
+                  <a:txBody>
+                    <a:bodyPr/>
+                    <a:lstStyle/>
+                    <a:p>
+                      <a:pPr algn="ctr" latinLnBrk="1"/>
+                      <a:endParaRPr lang="ko-KR" altLang="en-US" sz="3900" dirty="0">
+                        <a:solidFill>
+                          <a:schemeClr val="tx1"/>
+                        </a:solidFill>
+                        <a:latin typeface="배달의민족 한나체 Pro" panose="020B0600000101010101" pitchFamily="50" charset="-127"/>
+                        <a:ea typeface="배달의민족 한나체 Pro" panose="020B0600000101010101" pitchFamily="50" charset="-127"/>
+                      </a:endParaRPr>
+                    </a:p>
+                  </a:txBody>
+                  <a:tcPr marL="299444" marR="299444" marT="149722" marB="149722" anchor="ctr">
+                    <a:lnL w="12700" cap="flat" cmpd="sng" algn="ctr">
+                      <a:solidFill>
+                        <a:schemeClr val="tx1"/>
+                      </a:solidFill>
+                      <a:prstDash val="solid"/>
+                      <a:round/>
+                      <a:headEnd type="none" w="med" len="med"/>
+                      <a:tailEnd type="none" w="med" len="med"/>
+                    </a:lnL>
+                    <a:lnR w="12700" cap="flat" cmpd="sng" algn="ctr">
+                      <a:solidFill>
+                        <a:schemeClr val="tx1"/>
+                      </a:solidFill>
+                      <a:prstDash val="solid"/>
+                      <a:round/>
+                      <a:headEnd type="none" w="med" len="med"/>
+                      <a:tailEnd type="none" w="med" len="med"/>
+                    </a:lnR>
+                    <a:lnT w="12700" cap="flat" cmpd="sng" algn="ctr">
+                      <a:solidFill>
+                        <a:schemeClr val="tx1"/>
+                      </a:solidFill>
+                      <a:prstDash val="solid"/>
+                      <a:round/>
+                      <a:headEnd type="none" w="med" len="med"/>
+                      <a:tailEnd type="none" w="med" len="med"/>
+                    </a:lnT>
+                    <a:lnB w="12700" cap="flat" cmpd="sng" algn="ctr">
+                      <a:solidFill>
+                        <a:schemeClr val="tx1"/>
+                      </a:solidFill>
+                      <a:prstDash val="solid"/>
+                      <a:round/>
+                      <a:headEnd type="none" w="med" len="med"/>
+                      <a:tailEnd type="none" w="med" len="med"/>
+                    </a:lnB>
+                  </a:tcPr>
+                </a:tc>
+                <a:tc>
+                  <a:txBody>
+                    <a:bodyPr/>
+                    <a:lstStyle/>
+                    <a:p>
+                      <a:pPr algn="ctr" latinLnBrk="1"/>
+                      <a:endParaRPr lang="ko-KR" altLang="en-US" sz="3900" dirty="0">
+                        <a:solidFill>
+                          <a:schemeClr val="tx1"/>
+                        </a:solidFill>
+                        <a:latin typeface="배달의민족 한나체 Pro" panose="020B0600000101010101" pitchFamily="50" charset="-127"/>
+                        <a:ea typeface="배달의민족 한나체 Pro" panose="020B0600000101010101" pitchFamily="50" charset="-127"/>
+                      </a:endParaRPr>
+                    </a:p>
+                  </a:txBody>
+                  <a:tcPr marL="299444" marR="299444" marT="149722" marB="149722" anchor="ctr">
+                    <a:lnL w="12700" cap="flat" cmpd="sng" algn="ctr">
+                      <a:solidFill>
+                        <a:schemeClr val="tx1"/>
+                      </a:solidFill>
+                      <a:prstDash val="solid"/>
+                      <a:round/>
+                      <a:headEnd type="none" w="med" len="med"/>
+                      <a:tailEnd type="none" w="med" len="med"/>
+                    </a:lnL>
+                    <a:lnR w="12700" cap="flat" cmpd="sng" algn="ctr">
+                      <a:solidFill>
+                        <a:schemeClr val="tx1"/>
+                      </a:solidFill>
+                      <a:prstDash val="solid"/>
+                      <a:round/>
+                      <a:headEnd type="none" w="med" len="med"/>
+                      <a:tailEnd type="none" w="med" len="med"/>
+                    </a:lnR>
+                    <a:lnT w="12700" cap="flat" cmpd="sng" algn="ctr">
+                      <a:solidFill>
+                        <a:schemeClr val="tx1"/>
+                      </a:solidFill>
+                      <a:prstDash val="solid"/>
+                      <a:round/>
+                      <a:headEnd type="none" w="med" len="med"/>
+                      <a:tailEnd type="none" w="med" len="med"/>
+                    </a:lnT>
+                    <a:lnB w="12700" cap="flat" cmpd="sng" algn="ctr">
+                      <a:solidFill>
+                        <a:schemeClr val="tx1"/>
+                      </a:solidFill>
+                      <a:prstDash val="solid"/>
+                      <a:round/>
+                      <a:headEnd type="none" w="med" len="med"/>
+                      <a:tailEnd type="none" w="med" len="med"/>
+                    </a:lnB>
+                    <a:lnTlToBr w="12700" cmpd="sng">
+                      <a:noFill/>
+                      <a:prstDash val="solid"/>
+                    </a:lnTlToBr>
+                    <a:lnBlToTr w="12700" cmpd="sng">
+                      <a:noFill/>
+                      <a:prstDash val="solid"/>
+                    </a:lnBlToTr>
+                    <a:noFill/>
+                  </a:tcPr>
+                </a:tc>
+                <a:tc>
+                  <a:txBody>
+                    <a:bodyPr/>
+                    <a:lstStyle/>
+                    <a:p>
+                      <a:pPr algn="ctr" latinLnBrk="1"/>
+                      <a:endParaRPr lang="ko-KR" altLang="en-US" sz="3900" dirty="0">
+                        <a:solidFill>
+                          <a:schemeClr val="tx1"/>
+                        </a:solidFill>
+                        <a:latin typeface="배달의민족 한나체 Pro" panose="020B0600000101010101" pitchFamily="50" charset="-127"/>
+                        <a:ea typeface="배달의민족 한나체 Pro" panose="020B0600000101010101" pitchFamily="50" charset="-127"/>
+                      </a:endParaRPr>
+                    </a:p>
+                  </a:txBody>
+                  <a:tcPr marL="299444" marR="299444" marT="149722" marB="149722" anchor="ctr">
+                    <a:lnL w="12700" cap="flat" cmpd="sng" algn="ctr">
+                      <a:solidFill>
+                        <a:schemeClr val="tx1"/>
+                      </a:solidFill>
+                      <a:prstDash val="solid"/>
+                      <a:round/>
+                      <a:headEnd type="none" w="med" len="med"/>
+                      <a:tailEnd type="none" w="med" len="med"/>
+                    </a:lnL>
+                    <a:lnR w="12700" cap="flat" cmpd="sng" algn="ctr">
+                      <a:solidFill>
+                        <a:schemeClr val="tx1"/>
+                      </a:solidFill>
+                      <a:prstDash val="solid"/>
+                      <a:round/>
+                      <a:headEnd type="none" w="med" len="med"/>
+                      <a:tailEnd type="none" w="med" len="med"/>
+                    </a:lnR>
+                    <a:lnT w="12700" cap="flat" cmpd="sng" algn="ctr">
+                      <a:solidFill>
+                        <a:schemeClr val="tx1"/>
+                      </a:solidFill>
+                      <a:prstDash val="solid"/>
+                      <a:round/>
+                      <a:headEnd type="none" w="med" len="med"/>
+                      <a:tailEnd type="none" w="med" len="med"/>
+                    </a:lnT>
+                    <a:lnB w="12700" cap="flat" cmpd="sng" algn="ctr">
+                      <a:solidFill>
+                        <a:schemeClr val="tx1"/>
+                      </a:solidFill>
+                      <a:prstDash val="solid"/>
+                      <a:round/>
+                      <a:headEnd type="none" w="med" len="med"/>
+                      <a:tailEnd type="none" w="med" len="med"/>
+                    </a:lnB>
+                    <a:lnTlToBr w="12700" cmpd="sng">
+                      <a:noFill/>
+                      <a:prstDash val="solid"/>
+                    </a:lnTlToBr>
+                    <a:lnBlToTr w="12700" cmpd="sng">
+                      <a:noFill/>
+                      <a:prstDash val="solid"/>
+                    </a:lnBlToTr>
+                    <a:noFill/>
+                  </a:tcPr>
+                </a:tc>
+                <a:tc>
+                  <a:txBody>
+                    <a:bodyPr/>
+                    <a:lstStyle/>
+                    <a:p>
+                      <a:pPr algn="ctr" latinLnBrk="1"/>
+                      <a:endParaRPr lang="ko-KR" altLang="en-US" sz="3900" dirty="0">
+                        <a:solidFill>
+                          <a:schemeClr val="tx1"/>
+                        </a:solidFill>
+                        <a:latin typeface="배달의민족 한나체 Pro" panose="020B0600000101010101" pitchFamily="50" charset="-127"/>
+                        <a:ea typeface="배달의민족 한나체 Pro" panose="020B0600000101010101" pitchFamily="50" charset="-127"/>
+                      </a:endParaRPr>
+                    </a:p>
+                  </a:txBody>
+                  <a:tcPr marL="299444" marR="299444" marT="149722" marB="149722" anchor="ctr">
+                    <a:lnL w="12700" cap="flat" cmpd="sng" algn="ctr">
+                      <a:solidFill>
+                        <a:schemeClr val="tx1"/>
+                      </a:solidFill>
+                      <a:prstDash val="solid"/>
+                      <a:round/>
+                      <a:headEnd type="none" w="med" len="med"/>
+                      <a:tailEnd type="none" w="med" len="med"/>
+                    </a:lnL>
+                    <a:lnR w="12700" cap="flat" cmpd="sng" algn="ctr">
+                      <a:solidFill>
+                        <a:schemeClr val="tx1"/>
+                      </a:solidFill>
+                      <a:prstDash val="solid"/>
+                      <a:round/>
+                      <a:headEnd type="none" w="med" len="med"/>
+                      <a:tailEnd type="none" w="med" len="med"/>
+                    </a:lnR>
+                    <a:lnT w="12700" cap="flat" cmpd="sng" algn="ctr">
+                      <a:solidFill>
+                        <a:schemeClr val="tx1"/>
+                      </a:solidFill>
+                      <a:prstDash val="solid"/>
+                      <a:round/>
+                      <a:headEnd type="none" w="med" len="med"/>
+                      <a:tailEnd type="none" w="med" len="med"/>
+                    </a:lnT>
+                    <a:lnB w="12700" cap="flat" cmpd="sng" algn="ctr">
+                      <a:solidFill>
+                        <a:schemeClr val="tx1"/>
+                      </a:solidFill>
+                      <a:prstDash val="solid"/>
+                      <a:round/>
+                      <a:headEnd type="none" w="med" len="med"/>
+                      <a:tailEnd type="none" w="med" len="med"/>
+                    </a:lnB>
+                    <a:lnTlToBr w="12700" cmpd="sng">
+                      <a:noFill/>
+                      <a:prstDash val="solid"/>
+                    </a:lnTlToBr>
+                    <a:lnBlToTr w="12700" cmpd="sng">
+                      <a:noFill/>
+                      <a:prstDash val="solid"/>
+                    </a:lnBlToTr>
+                    <a:noFill/>
+                  </a:tcPr>
+                </a:tc>
+                <a:tc>
+                  <a:txBody>
+                    <a:bodyPr/>
+                    <a:lstStyle/>
+                    <a:p>
+                      <a:pPr algn="ctr" latinLnBrk="1"/>
+                      <a:endParaRPr lang="ko-KR" altLang="en-US" sz="3900" dirty="0">
+                        <a:solidFill>
+                          <a:schemeClr val="tx1"/>
+                        </a:solidFill>
+                        <a:latin typeface="배달의민족 한나체 Pro" panose="020B0600000101010101" pitchFamily="50" charset="-127"/>
+                        <a:ea typeface="배달의민족 한나체 Pro" panose="020B0600000101010101" pitchFamily="50" charset="-127"/>
+                      </a:endParaRPr>
+                    </a:p>
+                  </a:txBody>
+                  <a:tcPr marL="299444" marR="299444" marT="149722" marB="149722" anchor="ctr">
+                    <a:lnL w="12700" cap="flat" cmpd="sng" algn="ctr">
+                      <a:solidFill>
+                        <a:schemeClr val="tx1"/>
+                      </a:solidFill>
+                      <a:prstDash val="solid"/>
+                      <a:round/>
+                      <a:headEnd type="none" w="med" len="med"/>
+                      <a:tailEnd type="none" w="med" len="med"/>
+                    </a:lnL>
+                    <a:lnR w="12700" cap="flat" cmpd="sng" algn="ctr">
+                      <a:solidFill>
+                        <a:schemeClr val="tx1"/>
+                      </a:solidFill>
+                      <a:prstDash val="solid"/>
+                      <a:round/>
+                      <a:headEnd type="none" w="med" len="med"/>
+                      <a:tailEnd type="none" w="med" len="med"/>
+                    </a:lnR>
+                    <a:lnT w="12700" cap="flat" cmpd="sng" algn="ctr">
+                      <a:solidFill>
+                        <a:schemeClr val="tx1"/>
+                      </a:solidFill>
+                      <a:prstDash val="solid"/>
+                      <a:round/>
+                      <a:headEnd type="none" w="med" len="med"/>
+                      <a:tailEnd type="none" w="med" len="med"/>
+                    </a:lnT>
+                    <a:lnB w="12700" cap="flat" cmpd="sng" algn="ctr">
+                      <a:solidFill>
+                        <a:schemeClr val="tx1"/>
+                      </a:solidFill>
+                      <a:prstDash val="solid"/>
+                      <a:round/>
+                      <a:headEnd type="none" w="med" len="med"/>
+                      <a:tailEnd type="none" w="med" len="med"/>
+                    </a:lnB>
+                    <a:lnTlToBr w="12700" cmpd="sng">
+                      <a:noFill/>
+                      <a:prstDash val="solid"/>
+                    </a:lnTlToBr>
+                    <a:lnBlToTr w="12700" cmpd="sng">
+                      <a:noFill/>
+                      <a:prstDash val="solid"/>
+                    </a:lnBlToTr>
+                    <a:noFill/>
+                  </a:tcPr>
+                </a:tc>
+                <a:tc>
+                  <a:txBody>
+                    <a:bodyPr/>
+                    <a:lstStyle/>
+                    <a:p>
+                      <a:pPr algn="ctr" latinLnBrk="1"/>
+                      <a:endParaRPr lang="ko-KR" altLang="en-US" sz="3900" dirty="0">
+                        <a:solidFill>
+                          <a:schemeClr val="tx1"/>
+                        </a:solidFill>
+                        <a:latin typeface="배달의민족 한나체 Pro" panose="020B0600000101010101" pitchFamily="50" charset="-127"/>
+                        <a:ea typeface="배달의민족 한나체 Pro" panose="020B0600000101010101" pitchFamily="50" charset="-127"/>
+                      </a:endParaRPr>
+                    </a:p>
+                  </a:txBody>
+                  <a:tcPr marL="299444" marR="299444" marT="149722" marB="149722" anchor="ctr">
+                    <a:lnL w="12700" cap="flat" cmpd="sng" algn="ctr">
+                      <a:solidFill>
+                        <a:schemeClr val="tx1"/>
+                      </a:solidFill>
+                      <a:prstDash val="solid"/>
+                      <a:round/>
+                      <a:headEnd type="none" w="med" len="med"/>
+                      <a:tailEnd type="none" w="med" len="med"/>
+                    </a:lnL>
+                    <a:lnR w="12700" cap="flat" cmpd="sng" algn="ctr">
+                      <a:solidFill>
+                        <a:schemeClr val="tx1"/>
+                      </a:solidFill>
+                      <a:prstDash val="solid"/>
+                      <a:round/>
+                      <a:headEnd type="none" w="med" len="med"/>
+                      <a:tailEnd type="none" w="med" len="med"/>
+                    </a:lnR>
+                    <a:lnT w="12700" cap="flat" cmpd="sng" algn="ctr">
+                      <a:solidFill>
+                        <a:schemeClr val="tx1"/>
+                      </a:solidFill>
+                      <a:prstDash val="solid"/>
+                      <a:round/>
+                      <a:headEnd type="none" w="med" len="med"/>
+                      <a:tailEnd type="none" w="med" len="med"/>
+                    </a:lnT>
+                    <a:lnB w="12700" cap="flat" cmpd="sng" algn="ctr">
+                      <a:solidFill>
+                        <a:schemeClr val="tx1"/>
+                      </a:solidFill>
+                      <a:prstDash val="solid"/>
+                      <a:round/>
+                      <a:headEnd type="none" w="med" len="med"/>
+                      <a:tailEnd type="none" w="med" len="med"/>
+                    </a:lnB>
+                    <a:solidFill>
+                      <a:srgbClr val="05B0EE"/>
+                    </a:solidFill>
+                  </a:tcPr>
+                </a:tc>
+                <a:tc>
+                  <a:txBody>
+                    <a:bodyPr/>
+                    <a:lstStyle/>
+                    <a:p>
+                      <a:pPr algn="ctr" latinLnBrk="1"/>
+                      <a:endParaRPr lang="ko-KR" altLang="en-US" sz="3900" dirty="0">
+                        <a:solidFill>
+                          <a:schemeClr val="tx1"/>
+                        </a:solidFill>
+                        <a:latin typeface="배달의민족 한나체 Pro" panose="020B0600000101010101" pitchFamily="50" charset="-127"/>
+                        <a:ea typeface="배달의민족 한나체 Pro" panose="020B0600000101010101" pitchFamily="50" charset="-127"/>
+                      </a:endParaRPr>
+                    </a:p>
+                  </a:txBody>
+                  <a:tcPr marL="299444" marR="299444" marT="149722" marB="149722" anchor="ctr">
+                    <a:lnL w="12700" cap="flat" cmpd="sng" algn="ctr">
+                      <a:solidFill>
+                        <a:schemeClr val="tx1"/>
+                      </a:solidFill>
+                      <a:prstDash val="solid"/>
+                      <a:round/>
+                      <a:headEnd type="none" w="med" len="med"/>
+                      <a:tailEnd type="none" w="med" len="med"/>
+                    </a:lnL>
+                    <a:lnR w="12700" cap="flat" cmpd="sng" algn="ctr">
+                      <a:solidFill>
+                        <a:schemeClr val="tx1"/>
+                      </a:solidFill>
+                      <a:prstDash val="solid"/>
+                      <a:round/>
+                      <a:headEnd type="none" w="med" len="med"/>
+                      <a:tailEnd type="none" w="med" len="med"/>
+                    </a:lnR>
+                    <a:lnT w="12700" cap="flat" cmpd="sng" algn="ctr">
+                      <a:solidFill>
+                        <a:schemeClr val="tx1"/>
+                      </a:solidFill>
+                      <a:prstDash val="solid"/>
+                      <a:round/>
+                      <a:headEnd type="none" w="med" len="med"/>
+                      <a:tailEnd type="none" w="med" len="med"/>
+                    </a:lnT>
+                    <a:lnB w="12700" cap="flat" cmpd="sng" algn="ctr">
+                      <a:solidFill>
+                        <a:schemeClr val="tx1"/>
+                      </a:solidFill>
+                      <a:prstDash val="solid"/>
+                      <a:round/>
+                      <a:headEnd type="none" w="med" len="med"/>
+                      <a:tailEnd type="none" w="med" len="med"/>
+                    </a:lnB>
+                    <a:solidFill>
+                      <a:srgbClr val="05B0EE"/>
+                    </a:solidFill>
+                  </a:tcPr>
+                </a:tc>
+                <a:tc>
+                  <a:txBody>
+                    <a:bodyPr/>
+                    <a:lstStyle/>
+                    <a:p>
+                      <a:pPr algn="ctr" latinLnBrk="1"/>
+                      <a:endParaRPr lang="ko-KR" altLang="en-US" sz="3900" dirty="0">
+                        <a:solidFill>
+                          <a:schemeClr val="tx1"/>
+                        </a:solidFill>
+                        <a:latin typeface="배달의민족 한나체 Pro" panose="020B0600000101010101" pitchFamily="50" charset="-127"/>
+                        <a:ea typeface="배달의민족 한나체 Pro" panose="020B0600000101010101" pitchFamily="50" charset="-127"/>
+                      </a:endParaRPr>
+                    </a:p>
+                  </a:txBody>
+                  <a:tcPr marL="299444" marR="299444" marT="149722" marB="149722" anchor="ctr">
+                    <a:lnL w="12700" cap="flat" cmpd="sng" algn="ctr">
+                      <a:solidFill>
+                        <a:schemeClr val="tx1"/>
+                      </a:solidFill>
+                      <a:prstDash val="solid"/>
+                      <a:round/>
+                      <a:headEnd type="none" w="med" len="med"/>
+                      <a:tailEnd type="none" w="med" len="med"/>
+                    </a:lnL>
+                    <a:lnR w="12700" cap="flat" cmpd="sng" algn="ctr">
+                      <a:solidFill>
+                        <a:schemeClr val="tx1"/>
+                      </a:solidFill>
+                      <a:prstDash val="solid"/>
+                      <a:round/>
+                      <a:headEnd type="none" w="med" len="med"/>
+                      <a:tailEnd type="none" w="med" len="med"/>
+                    </a:lnR>
+                    <a:lnT w="12700" cap="flat" cmpd="sng" algn="ctr">
+                      <a:solidFill>
+                        <a:schemeClr val="tx1"/>
+                      </a:solidFill>
+                      <a:prstDash val="solid"/>
+                      <a:round/>
+                      <a:headEnd type="none" w="med" len="med"/>
+                      <a:tailEnd type="none" w="med" len="med"/>
+                    </a:lnT>
+                    <a:lnB w="12700" cap="flat" cmpd="sng" algn="ctr">
+                      <a:solidFill>
+                        <a:schemeClr val="tx1"/>
+                      </a:solidFill>
+                      <a:prstDash val="solid"/>
+                      <a:round/>
+                      <a:headEnd type="none" w="med" len="med"/>
+                      <a:tailEnd type="none" w="med" len="med"/>
+                    </a:lnB>
+                    <a:solidFill>
+                      <a:srgbClr val="05B0EE"/>
+                    </a:solidFill>
+                  </a:tcPr>
+                </a:tc>
+                <a:tc>
+                  <a:txBody>
+                    <a:bodyPr/>
+                    <a:lstStyle/>
+                    <a:p>
+                      <a:pPr algn="ctr" latinLnBrk="1"/>
+                      <a:endParaRPr lang="ko-KR" altLang="en-US" sz="3900" dirty="0">
+                        <a:solidFill>
+                          <a:schemeClr val="tx1"/>
+                        </a:solidFill>
+                        <a:latin typeface="배달의민족 한나체 Pro" panose="020B0600000101010101" pitchFamily="50" charset="-127"/>
+                        <a:ea typeface="배달의민족 한나체 Pro" panose="020B0600000101010101" pitchFamily="50" charset="-127"/>
+                      </a:endParaRPr>
+                    </a:p>
+                  </a:txBody>
+                  <a:tcPr marL="299444" marR="299444" marT="149722" marB="149722" anchor="ctr">
+                    <a:lnL w="12700" cap="flat" cmpd="sng" algn="ctr">
+                      <a:solidFill>
+                        <a:schemeClr val="tx1"/>
+                      </a:solidFill>
+                      <a:prstDash val="solid"/>
+                      <a:round/>
+                      <a:headEnd type="none" w="med" len="med"/>
+                      <a:tailEnd type="none" w="med" len="med"/>
+                    </a:lnL>
+                    <a:lnR w="12700" cap="flat" cmpd="sng" algn="ctr">
+                      <a:solidFill>
+                        <a:schemeClr val="tx1"/>
+                      </a:solidFill>
+                      <a:prstDash val="solid"/>
+                      <a:round/>
+                      <a:headEnd type="none" w="med" len="med"/>
+                      <a:tailEnd type="none" w="med" len="med"/>
+                    </a:lnR>
+                    <a:lnT w="12700" cap="flat" cmpd="sng" algn="ctr">
+                      <a:solidFill>
+                        <a:schemeClr val="tx1"/>
+                      </a:solidFill>
+                      <a:prstDash val="solid"/>
+                      <a:round/>
+                      <a:headEnd type="none" w="med" len="med"/>
+                      <a:tailEnd type="none" w="med" len="med"/>
+                    </a:lnT>
+                    <a:lnB w="12700" cap="flat" cmpd="sng" algn="ctr">
+                      <a:solidFill>
+                        <a:schemeClr val="tx1"/>
+                      </a:solidFill>
+                      <a:prstDash val="solid"/>
+                      <a:round/>
+                      <a:headEnd type="none" w="med" len="med"/>
+                      <a:tailEnd type="none" w="med" len="med"/>
+                    </a:lnB>
+                    <a:solidFill>
+                      <a:srgbClr val="05B0EE"/>
+                    </a:solidFill>
+                  </a:tcPr>
+                </a:tc>
+                <a:tc>
+                  <a:txBody>
+                    <a:bodyPr/>
+                    <a:lstStyle/>
+                    <a:p>
+                      <a:pPr algn="ctr" latinLnBrk="1"/>
+                      <a:endParaRPr lang="ko-KR" altLang="en-US" sz="3900" dirty="0">
+                        <a:solidFill>
+                          <a:schemeClr val="tx1"/>
+                        </a:solidFill>
+                        <a:latin typeface="배달의민족 한나체 Pro" panose="020B0600000101010101" pitchFamily="50" charset="-127"/>
+                        <a:ea typeface="배달의민족 한나체 Pro" panose="020B0600000101010101" pitchFamily="50" charset="-127"/>
+                      </a:endParaRPr>
+                    </a:p>
+                  </a:txBody>
+                  <a:tcPr marL="299444" marR="299444" marT="149722" marB="149722" anchor="ctr">
+                    <a:lnL w="12700" cap="flat" cmpd="sng" algn="ctr">
+                      <a:solidFill>
+                        <a:schemeClr val="tx1"/>
+                      </a:solidFill>
+                      <a:prstDash val="solid"/>
+                      <a:round/>
+                      <a:headEnd type="none" w="med" len="med"/>
+                      <a:tailEnd type="none" w="med" len="med"/>
+                    </a:lnL>
+                    <a:lnR w="12700" cap="flat" cmpd="sng" algn="ctr">
+                      <a:solidFill>
+                        <a:schemeClr val="tx1"/>
+                      </a:solidFill>
+                      <a:prstDash val="solid"/>
+                      <a:round/>
+                      <a:headEnd type="none" w="med" len="med"/>
+                      <a:tailEnd type="none" w="med" len="med"/>
+                    </a:lnR>
+                    <a:lnT w="12700" cap="flat" cmpd="sng" algn="ctr">
+                      <a:solidFill>
+                        <a:schemeClr val="tx1"/>
+                      </a:solidFill>
+                      <a:prstDash val="solid"/>
+                      <a:round/>
+                      <a:headEnd type="none" w="med" len="med"/>
+                      <a:tailEnd type="none" w="med" len="med"/>
+                    </a:lnT>
+                    <a:lnB w="12700" cap="flat" cmpd="sng" algn="ctr">
+                      <a:solidFill>
+                        <a:schemeClr val="tx1"/>
+                      </a:solidFill>
+                      <a:prstDash val="solid"/>
+                      <a:round/>
+                      <a:headEnd type="none" w="med" len="med"/>
+                      <a:tailEnd type="none" w="med" len="med"/>
+                    </a:lnB>
+                    <a:solidFill>
+                      <a:srgbClr val="05B0EE">
+                        <a:alpha val="40000"/>
+                      </a:srgbClr>
+                    </a:solidFill>
+                  </a:tcPr>
+                </a:tc>
+                <a:tc>
+                  <a:txBody>
+                    <a:bodyPr/>
+                    <a:lstStyle/>
+                    <a:p>
+                      <a:pPr algn="ctr" latinLnBrk="1"/>
+                      <a:endParaRPr lang="ko-KR" altLang="en-US" sz="3900" dirty="0">
+                        <a:solidFill>
+                          <a:schemeClr val="tx1"/>
+                        </a:solidFill>
+                        <a:latin typeface="배달의민족 한나체 Pro" panose="020B0600000101010101" pitchFamily="50" charset="-127"/>
+                        <a:ea typeface="배달의민족 한나체 Pro" panose="020B0600000101010101" pitchFamily="50" charset="-127"/>
+                      </a:endParaRPr>
+                    </a:p>
+                  </a:txBody>
+                  <a:tcPr marL="299444" marR="299444" marT="149722" marB="149722" anchor="ctr">
+                    <a:lnL w="12700" cap="flat" cmpd="sng" algn="ctr">
+                      <a:solidFill>
+                        <a:schemeClr val="tx1"/>
+                      </a:solidFill>
+                      <a:prstDash val="solid"/>
+                      <a:round/>
+                      <a:headEnd type="none" w="med" len="med"/>
+                      <a:tailEnd type="none" w="med" len="med"/>
+                    </a:lnL>
+                    <a:lnR w="12700" cap="flat" cmpd="sng" algn="ctr">
+                      <a:solidFill>
+                        <a:schemeClr val="tx1"/>
+                      </a:solidFill>
+                      <a:prstDash val="solid"/>
+                      <a:round/>
+                      <a:headEnd type="none" w="med" len="med"/>
+                      <a:tailEnd type="none" w="med" len="med"/>
+                    </a:lnR>
+                    <a:lnT w="12700" cap="flat" cmpd="sng" algn="ctr">
+                      <a:solidFill>
+                        <a:schemeClr val="tx1"/>
+                      </a:solidFill>
+                      <a:prstDash val="solid"/>
+                      <a:round/>
+                      <a:headEnd type="none" w="med" len="med"/>
+                      <a:tailEnd type="none" w="med" len="med"/>
+                    </a:lnT>
+                    <a:lnB w="12700" cap="flat" cmpd="sng" algn="ctr">
+                      <a:solidFill>
+                        <a:schemeClr val="tx1"/>
+                      </a:solidFill>
+                      <a:prstDash val="solid"/>
+                      <a:round/>
+                      <a:headEnd type="none" w="med" len="med"/>
+                      <a:tailEnd type="none" w="med" len="med"/>
+                    </a:lnB>
+                    <a:solidFill>
+                      <a:srgbClr val="05B0EE">
+                        <a:alpha val="40000"/>
+                      </a:srgbClr>
+                    </a:solidFill>
+                  </a:tcPr>
+                </a:tc>
+                <a:tc>
+                  <a:txBody>
+                    <a:bodyPr/>
+                    <a:lstStyle/>
+                    <a:p>
+                      <a:pPr algn="ctr" latinLnBrk="1"/>
+                      <a:endParaRPr lang="ko-KR" altLang="en-US" sz="3900" dirty="0">
+                        <a:solidFill>
+                          <a:schemeClr val="tx1"/>
+                        </a:solidFill>
+                        <a:latin typeface="배달의민족 한나체 Pro" panose="020B0600000101010101" pitchFamily="50" charset="-127"/>
+                        <a:ea typeface="배달의민족 한나체 Pro" panose="020B0600000101010101" pitchFamily="50" charset="-127"/>
+                      </a:endParaRPr>
+                    </a:p>
+                  </a:txBody>
+                  <a:tcPr marL="299444" marR="299444" marT="149722" marB="149722" anchor="ctr">
+                    <a:lnL w="12700" cap="flat" cmpd="sng" algn="ctr">
+                      <a:solidFill>
+                        <a:schemeClr val="tx1"/>
+                      </a:solidFill>
+                      <a:prstDash val="solid"/>
+                      <a:round/>
+                      <a:headEnd type="none" w="med" len="med"/>
+                      <a:tailEnd type="none" w="med" len="med"/>
+                    </a:lnL>
+                    <a:lnR w="12700" cap="flat" cmpd="sng" algn="ctr">
+                      <a:solidFill>
+                        <a:schemeClr val="tx1"/>
+                      </a:solidFill>
+                      <a:prstDash val="solid"/>
+                      <a:round/>
+                      <a:headEnd type="none" w="med" len="med"/>
+                      <a:tailEnd type="none" w="med" len="med"/>
+                    </a:lnR>
+                    <a:lnT w="12700" cap="flat" cmpd="sng" algn="ctr">
+                      <a:solidFill>
+                        <a:schemeClr val="tx1"/>
+                      </a:solidFill>
+                      <a:prstDash val="solid"/>
+                      <a:round/>
+                      <a:headEnd type="none" w="med" len="med"/>
+                      <a:tailEnd type="none" w="med" len="med"/>
+                    </a:lnT>
+                    <a:lnB w="12700" cap="flat" cmpd="sng" algn="ctr">
+                      <a:solidFill>
+                        <a:schemeClr val="tx1"/>
+                      </a:solidFill>
+                      <a:prstDash val="solid"/>
+                      <a:round/>
+                      <a:headEnd type="none" w="med" len="med"/>
+                      <a:tailEnd type="none" w="med" len="med"/>
+                    </a:lnB>
+                    <a:solidFill>
+                      <a:srgbClr val="05B0EE">
+                        <a:alpha val="40000"/>
+                      </a:srgbClr>
+                    </a:solidFill>
+                  </a:tcPr>
+                </a:tc>
+                <a:tc>
+                  <a:txBody>
+                    <a:bodyPr/>
+                    <a:lstStyle/>
+                    <a:p>
+                      <a:pPr algn="ctr" latinLnBrk="1"/>
+                      <a:endParaRPr lang="ko-KR" altLang="en-US" sz="3900" dirty="0">
+                        <a:solidFill>
+                          <a:schemeClr val="tx1"/>
+                        </a:solidFill>
+                        <a:latin typeface="배달의민족 한나체 Pro" panose="020B0600000101010101" pitchFamily="50" charset="-127"/>
+                        <a:ea typeface="배달의민족 한나체 Pro" panose="020B0600000101010101" pitchFamily="50" charset="-127"/>
+                      </a:endParaRPr>
+                    </a:p>
+                  </a:txBody>
+                  <a:tcPr marL="299444" marR="299444" marT="149722" marB="149722" anchor="ctr">
+                    <a:lnL w="12700" cap="flat" cmpd="sng" algn="ctr">
+                      <a:solidFill>
+                        <a:schemeClr val="tx1"/>
+                      </a:solidFill>
+                      <a:prstDash val="solid"/>
+                      <a:round/>
+                      <a:headEnd type="none" w="med" len="med"/>
+                      <a:tailEnd type="none" w="med" len="med"/>
+                    </a:lnL>
+                    <a:lnR w="12700" cap="flat" cmpd="sng" algn="ctr">
+                      <a:solidFill>
+                        <a:schemeClr val="tx1"/>
+                      </a:solidFill>
+                      <a:prstDash val="solid"/>
+                      <a:round/>
+                      <a:headEnd type="none" w="med" len="med"/>
+                      <a:tailEnd type="none" w="med" len="med"/>
+                    </a:lnR>
+                    <a:lnT w="12700" cap="flat" cmpd="sng" algn="ctr">
+                      <a:solidFill>
+                        <a:schemeClr val="tx1"/>
+                      </a:solidFill>
+                      <a:prstDash val="solid"/>
+                      <a:round/>
+                      <a:headEnd type="none" w="med" len="med"/>
+                      <a:tailEnd type="none" w="med" len="med"/>
+                    </a:lnT>
+                    <a:lnB w="12700" cap="flat" cmpd="sng" algn="ctr">
+                      <a:solidFill>
+                        <a:schemeClr val="tx1"/>
+                      </a:solidFill>
+                      <a:prstDash val="solid"/>
+                      <a:round/>
+                      <a:headEnd type="none" w="med" len="med"/>
+                      <a:tailEnd type="none" w="med" len="med"/>
+                    </a:lnB>
+                    <a:solidFill>
+                      <a:srgbClr val="05B0EE">
+                        <a:alpha val="40000"/>
+                      </a:srgbClr>
+                    </a:solidFill>
+                  </a:tcPr>
+                </a:tc>
+                <a:tc>
+                  <a:txBody>
+                    <a:bodyPr/>
+                    <a:lstStyle/>
+                    <a:p>
+                      <a:pPr algn="ctr" latinLnBrk="1"/>
+                      <a:endParaRPr lang="ko-KR" altLang="en-US" sz="3900" dirty="0">
+                        <a:solidFill>
+                          <a:schemeClr val="tx1"/>
+                        </a:solidFill>
+                        <a:latin typeface="배달의민족 한나체 Pro" panose="020B0600000101010101" pitchFamily="50" charset="-127"/>
+                        <a:ea typeface="배달의민족 한나체 Pro" panose="020B0600000101010101" pitchFamily="50" charset="-127"/>
+                      </a:endParaRPr>
+                    </a:p>
+                  </a:txBody>
+                  <a:tcPr marL="299444" marR="299444" marT="149722" marB="149722" anchor="ctr">
+                    <a:lnL w="12700" cap="flat" cmpd="sng" algn="ctr">
+                      <a:solidFill>
+                        <a:schemeClr val="tx1"/>
+                      </a:solidFill>
+                      <a:prstDash val="solid"/>
+                      <a:round/>
+                      <a:headEnd type="none" w="med" len="med"/>
+                      <a:tailEnd type="none" w="med" len="med"/>
+                    </a:lnL>
+                    <a:lnR w="12700" cap="flat" cmpd="sng" algn="ctr">
+                      <a:solidFill>
+                        <a:schemeClr val="tx1"/>
+                      </a:solidFill>
+                      <a:prstDash val="solid"/>
+                      <a:round/>
+                      <a:headEnd type="none" w="med" len="med"/>
+                      <a:tailEnd type="none" w="med" len="med"/>
+                    </a:lnR>
+                    <a:lnT w="12700" cap="flat" cmpd="sng" algn="ctr">
+                      <a:solidFill>
+                        <a:schemeClr val="tx1"/>
+                      </a:solidFill>
+                      <a:prstDash val="solid"/>
+                      <a:round/>
+                      <a:headEnd type="none" w="med" len="med"/>
+                      <a:tailEnd type="none" w="med" len="med"/>
+                    </a:lnT>
+                    <a:lnB w="12700" cap="flat" cmpd="sng" algn="ctr">
+                      <a:solidFill>
+                        <a:schemeClr val="tx1"/>
+                      </a:solidFill>
+                      <a:prstDash val="solid"/>
+                      <a:round/>
+                      <a:headEnd type="none" w="med" len="med"/>
+                      <a:tailEnd type="none" w="med" len="med"/>
+                    </a:lnB>
+                  </a:tcPr>
+                </a:tc>
+                <a:tc>
+                  <a:txBody>
+                    <a:bodyPr/>
+                    <a:lstStyle/>
+                    <a:p>
+                      <a:pPr algn="ctr" latinLnBrk="1"/>
                       <a:endParaRPr lang="ko-KR" altLang="en-US" sz="3900">
                         <a:solidFill>
                           <a:schemeClr val="tx1"/>
@@ -27992,9 +29720,549 @@
                     </a:lnB>
                   </a:tcPr>
                 </a:tc>
+                <a:tc>
+                  <a:txBody>
+                    <a:bodyPr/>
+                    <a:lstStyle/>
+                    <a:p>
+                      <a:pPr algn="ctr" latinLnBrk="1"/>
+                      <a:endParaRPr lang="ko-KR" altLang="en-US" sz="3900" dirty="0">
+                        <a:solidFill>
+                          <a:schemeClr val="tx1"/>
+                        </a:solidFill>
+                        <a:latin typeface="배달의민족 한나체 Pro" panose="020B0600000101010101" pitchFamily="50" charset="-127"/>
+                        <a:ea typeface="배달의민족 한나체 Pro" panose="020B0600000101010101" pitchFamily="50" charset="-127"/>
+                      </a:endParaRPr>
+                    </a:p>
+                  </a:txBody>
+                  <a:tcPr marL="299444" marR="299444" marT="149722" marB="149722" anchor="ctr">
+                    <a:lnL w="12700" cap="flat" cmpd="sng" algn="ctr">
+                      <a:solidFill>
+                        <a:schemeClr val="tx1"/>
+                      </a:solidFill>
+                      <a:prstDash val="solid"/>
+                      <a:round/>
+                      <a:headEnd type="none" w="med" len="med"/>
+                      <a:tailEnd type="none" w="med" len="med"/>
+                    </a:lnL>
+                    <a:lnR w="12700" cap="flat" cmpd="sng" algn="ctr">
+                      <a:solidFill>
+                        <a:schemeClr val="tx1"/>
+                      </a:solidFill>
+                      <a:prstDash val="solid"/>
+                      <a:round/>
+                      <a:headEnd type="none" w="med" len="med"/>
+                      <a:tailEnd type="none" w="med" len="med"/>
+                    </a:lnR>
+                    <a:lnT w="12700" cap="flat" cmpd="sng" algn="ctr">
+                      <a:solidFill>
+                        <a:schemeClr val="tx1"/>
+                      </a:solidFill>
+                      <a:prstDash val="solid"/>
+                      <a:round/>
+                      <a:headEnd type="none" w="med" len="med"/>
+                      <a:tailEnd type="none" w="med" len="med"/>
+                    </a:lnT>
+                    <a:lnB w="12700" cap="flat" cmpd="sng" algn="ctr">
+                      <a:solidFill>
+                        <a:schemeClr val="tx1"/>
+                      </a:solidFill>
+                      <a:prstDash val="solid"/>
+                      <a:round/>
+                      <a:headEnd type="none" w="med" len="med"/>
+                      <a:tailEnd type="none" w="med" len="med"/>
+                    </a:lnB>
+                  </a:tcPr>
+                </a:tc>
+                <a:tc>
+                  <a:txBody>
+                    <a:bodyPr/>
+                    <a:lstStyle/>
+                    <a:p>
+                      <a:pPr algn="ctr" latinLnBrk="1"/>
+                      <a:endParaRPr lang="ko-KR" altLang="en-US" sz="3900">
+                        <a:solidFill>
+                          <a:schemeClr val="tx1"/>
+                        </a:solidFill>
+                        <a:latin typeface="배달의민족 한나체 Pro" panose="020B0600000101010101" pitchFamily="50" charset="-127"/>
+                        <a:ea typeface="배달의민족 한나체 Pro" panose="020B0600000101010101" pitchFamily="50" charset="-127"/>
+                      </a:endParaRPr>
+                    </a:p>
+                  </a:txBody>
+                  <a:tcPr marL="299444" marR="299444" marT="149722" marB="149722" anchor="ctr">
+                    <a:lnL w="12700" cap="flat" cmpd="sng" algn="ctr">
+                      <a:solidFill>
+                        <a:schemeClr val="tx1"/>
+                      </a:solidFill>
+                      <a:prstDash val="solid"/>
+                      <a:round/>
+                      <a:headEnd type="none" w="med" len="med"/>
+                      <a:tailEnd type="none" w="med" len="med"/>
+                    </a:lnL>
+                    <a:lnR w="12700" cap="flat" cmpd="sng" algn="ctr">
+                      <a:solidFill>
+                        <a:schemeClr val="tx1"/>
+                      </a:solidFill>
+                      <a:prstDash val="solid"/>
+                      <a:round/>
+                      <a:headEnd type="none" w="med" len="med"/>
+                      <a:tailEnd type="none" w="med" len="med"/>
+                    </a:lnR>
+                    <a:lnT w="12700" cap="flat" cmpd="sng" algn="ctr">
+                      <a:solidFill>
+                        <a:schemeClr val="tx1"/>
+                      </a:solidFill>
+                      <a:prstDash val="solid"/>
+                      <a:round/>
+                      <a:headEnd type="none" w="med" len="med"/>
+                      <a:tailEnd type="none" w="med" len="med"/>
+                    </a:lnT>
+                    <a:lnB w="12700" cap="flat" cmpd="sng" algn="ctr">
+                      <a:solidFill>
+                        <a:schemeClr val="tx1"/>
+                      </a:solidFill>
+                      <a:prstDash val="solid"/>
+                      <a:round/>
+                      <a:headEnd type="none" w="med" len="med"/>
+                      <a:tailEnd type="none" w="med" len="med"/>
+                    </a:lnB>
+                  </a:tcPr>
+                </a:tc>
+                <a:tc>
+                  <a:txBody>
+                    <a:bodyPr/>
+                    <a:lstStyle/>
+                    <a:p>
+                      <a:pPr algn="ctr" latinLnBrk="1"/>
+                      <a:endParaRPr lang="ko-KR" altLang="en-US" sz="3900">
+                        <a:solidFill>
+                          <a:schemeClr val="tx1"/>
+                        </a:solidFill>
+                        <a:latin typeface="배달의민족 한나체 Pro" panose="020B0600000101010101" pitchFamily="50" charset="-127"/>
+                        <a:ea typeface="배달의민족 한나체 Pro" panose="020B0600000101010101" pitchFamily="50" charset="-127"/>
+                      </a:endParaRPr>
+                    </a:p>
+                  </a:txBody>
+                  <a:tcPr marL="299444" marR="299444" marT="149722" marB="149722" anchor="ctr">
+                    <a:lnL w="12700" cap="flat" cmpd="sng" algn="ctr">
+                      <a:solidFill>
+                        <a:schemeClr val="tx1"/>
+                      </a:solidFill>
+                      <a:prstDash val="solid"/>
+                      <a:round/>
+                      <a:headEnd type="none" w="med" len="med"/>
+                      <a:tailEnd type="none" w="med" len="med"/>
+                    </a:lnL>
+                    <a:lnR w="12700" cap="flat" cmpd="sng" algn="ctr">
+                      <a:solidFill>
+                        <a:schemeClr val="tx1"/>
+                      </a:solidFill>
+                      <a:prstDash val="solid"/>
+                      <a:round/>
+                      <a:headEnd type="none" w="med" len="med"/>
+                      <a:tailEnd type="none" w="med" len="med"/>
+                    </a:lnR>
+                    <a:lnT w="12700" cap="flat" cmpd="sng" algn="ctr">
+                      <a:solidFill>
+                        <a:schemeClr val="tx1"/>
+                      </a:solidFill>
+                      <a:prstDash val="solid"/>
+                      <a:round/>
+                      <a:headEnd type="none" w="med" len="med"/>
+                      <a:tailEnd type="none" w="med" len="med"/>
+                    </a:lnT>
+                    <a:lnB w="12700" cap="flat" cmpd="sng" algn="ctr">
+                      <a:solidFill>
+                        <a:schemeClr val="tx1"/>
+                      </a:solidFill>
+                      <a:prstDash val="solid"/>
+                      <a:round/>
+                      <a:headEnd type="none" w="med" len="med"/>
+                      <a:tailEnd type="none" w="med" len="med"/>
+                    </a:lnB>
+                  </a:tcPr>
+                </a:tc>
+                <a:tc>
+                  <a:txBody>
+                    <a:bodyPr/>
+                    <a:lstStyle/>
+                    <a:p>
+                      <a:pPr algn="ctr" latinLnBrk="1"/>
+                      <a:endParaRPr lang="ko-KR" altLang="en-US" sz="3900">
+                        <a:solidFill>
+                          <a:schemeClr val="tx1"/>
+                        </a:solidFill>
+                        <a:latin typeface="배달의민족 한나체 Pro" panose="020B0600000101010101" pitchFamily="50" charset="-127"/>
+                        <a:ea typeface="배달의민족 한나체 Pro" panose="020B0600000101010101" pitchFamily="50" charset="-127"/>
+                      </a:endParaRPr>
+                    </a:p>
+                  </a:txBody>
+                  <a:tcPr marL="299444" marR="299444" marT="149722" marB="149722" anchor="ctr">
+                    <a:lnL w="12700" cap="flat" cmpd="sng" algn="ctr">
+                      <a:solidFill>
+                        <a:schemeClr val="tx1"/>
+                      </a:solidFill>
+                      <a:prstDash val="solid"/>
+                      <a:round/>
+                      <a:headEnd type="none" w="med" len="med"/>
+                      <a:tailEnd type="none" w="med" len="med"/>
+                    </a:lnL>
+                    <a:lnR w="12700" cap="flat" cmpd="sng" algn="ctr">
+                      <a:solidFill>
+                        <a:schemeClr val="tx1"/>
+                      </a:solidFill>
+                      <a:prstDash val="solid"/>
+                      <a:round/>
+                      <a:headEnd type="none" w="med" len="med"/>
+                      <a:tailEnd type="none" w="med" len="med"/>
+                    </a:lnR>
+                    <a:lnT w="12700" cap="flat" cmpd="sng" algn="ctr">
+                      <a:solidFill>
+                        <a:schemeClr val="tx1"/>
+                      </a:solidFill>
+                      <a:prstDash val="solid"/>
+                      <a:round/>
+                      <a:headEnd type="none" w="med" len="med"/>
+                      <a:tailEnd type="none" w="med" len="med"/>
+                    </a:lnT>
+                    <a:lnB w="12700" cap="flat" cmpd="sng" algn="ctr">
+                      <a:solidFill>
+                        <a:schemeClr val="tx1"/>
+                      </a:solidFill>
+                      <a:prstDash val="solid"/>
+                      <a:round/>
+                      <a:headEnd type="none" w="med" len="med"/>
+                      <a:tailEnd type="none" w="med" len="med"/>
+                    </a:lnB>
+                  </a:tcPr>
+                </a:tc>
+                <a:tc>
+                  <a:txBody>
+                    <a:bodyPr/>
+                    <a:lstStyle/>
+                    <a:p>
+                      <a:pPr algn="ctr" latinLnBrk="1"/>
+                      <a:endParaRPr lang="ko-KR" altLang="en-US" sz="3900" dirty="0">
+                        <a:solidFill>
+                          <a:schemeClr val="tx1"/>
+                        </a:solidFill>
+                        <a:latin typeface="배달의민족 한나체 Pro" panose="020B0600000101010101" pitchFamily="50" charset="-127"/>
+                        <a:ea typeface="배달의민족 한나체 Pro" panose="020B0600000101010101" pitchFamily="50" charset="-127"/>
+                      </a:endParaRPr>
+                    </a:p>
+                  </a:txBody>
+                  <a:tcPr marL="299444" marR="299444" marT="149722" marB="149722" anchor="ctr">
+                    <a:lnL w="12700" cap="flat" cmpd="sng" algn="ctr">
+                      <a:solidFill>
+                        <a:schemeClr val="tx1"/>
+                      </a:solidFill>
+                      <a:prstDash val="solid"/>
+                      <a:round/>
+                      <a:headEnd type="none" w="med" len="med"/>
+                      <a:tailEnd type="none" w="med" len="med"/>
+                    </a:lnL>
+                    <a:lnR w="12700" cap="flat" cmpd="sng" algn="ctr">
+                      <a:solidFill>
+                        <a:schemeClr val="tx1"/>
+                      </a:solidFill>
+                      <a:prstDash val="solid"/>
+                      <a:round/>
+                      <a:headEnd type="none" w="med" len="med"/>
+                      <a:tailEnd type="none" w="med" len="med"/>
+                    </a:lnR>
+                    <a:lnT w="12700" cap="flat" cmpd="sng" algn="ctr">
+                      <a:solidFill>
+                        <a:schemeClr val="tx1"/>
+                      </a:solidFill>
+                      <a:prstDash val="solid"/>
+                      <a:round/>
+                      <a:headEnd type="none" w="med" len="med"/>
+                      <a:tailEnd type="none" w="med" len="med"/>
+                    </a:lnT>
+                    <a:lnB w="12700" cap="flat" cmpd="sng" algn="ctr">
+                      <a:solidFill>
+                        <a:schemeClr val="tx1"/>
+                      </a:solidFill>
+                      <a:prstDash val="solid"/>
+                      <a:round/>
+                      <a:headEnd type="none" w="med" len="med"/>
+                      <a:tailEnd type="none" w="med" len="med"/>
+                    </a:lnB>
+                  </a:tcPr>
+                </a:tc>
+                <a:tc>
+                  <a:txBody>
+                    <a:bodyPr/>
+                    <a:lstStyle/>
+                    <a:p>
+                      <a:pPr algn="ctr" latinLnBrk="1"/>
+                      <a:endParaRPr lang="ko-KR" altLang="en-US" sz="3900">
+                        <a:solidFill>
+                          <a:schemeClr val="tx1"/>
+                        </a:solidFill>
+                        <a:latin typeface="배달의민족 한나체 Pro" panose="020B0600000101010101" pitchFamily="50" charset="-127"/>
+                        <a:ea typeface="배달의민족 한나체 Pro" panose="020B0600000101010101" pitchFamily="50" charset="-127"/>
+                      </a:endParaRPr>
+                    </a:p>
+                  </a:txBody>
+                  <a:tcPr marL="299444" marR="299444" marT="149722" marB="149722" anchor="ctr">
+                    <a:lnL w="12700" cap="flat" cmpd="sng" algn="ctr">
+                      <a:solidFill>
+                        <a:schemeClr val="tx1"/>
+                      </a:solidFill>
+                      <a:prstDash val="solid"/>
+                      <a:round/>
+                      <a:headEnd type="none" w="med" len="med"/>
+                      <a:tailEnd type="none" w="med" len="med"/>
+                    </a:lnL>
+                    <a:lnR w="12700" cap="flat" cmpd="sng" algn="ctr">
+                      <a:solidFill>
+                        <a:schemeClr val="tx1"/>
+                      </a:solidFill>
+                      <a:prstDash val="solid"/>
+                      <a:round/>
+                      <a:headEnd type="none" w="med" len="med"/>
+                      <a:tailEnd type="none" w="med" len="med"/>
+                    </a:lnR>
+                    <a:lnT w="12700" cap="flat" cmpd="sng" algn="ctr">
+                      <a:solidFill>
+                        <a:schemeClr val="tx1"/>
+                      </a:solidFill>
+                      <a:prstDash val="solid"/>
+                      <a:round/>
+                      <a:headEnd type="none" w="med" len="med"/>
+                      <a:tailEnd type="none" w="med" len="med"/>
+                    </a:lnT>
+                    <a:lnB w="12700" cap="flat" cmpd="sng" algn="ctr">
+                      <a:solidFill>
+                        <a:schemeClr val="tx1"/>
+                      </a:solidFill>
+                      <a:prstDash val="solid"/>
+                      <a:round/>
+                      <a:headEnd type="none" w="med" len="med"/>
+                      <a:tailEnd type="none" w="med" len="med"/>
+                    </a:lnB>
+                  </a:tcPr>
+                </a:tc>
+                <a:tc>
+                  <a:txBody>
+                    <a:bodyPr/>
+                    <a:lstStyle/>
+                    <a:p>
+                      <a:pPr algn="ctr" latinLnBrk="1"/>
+                      <a:endParaRPr lang="ko-KR" altLang="en-US" sz="3900">
+                        <a:solidFill>
+                          <a:schemeClr val="tx1"/>
+                        </a:solidFill>
+                        <a:latin typeface="배달의민족 한나체 Pro" panose="020B0600000101010101" pitchFamily="50" charset="-127"/>
+                        <a:ea typeface="배달의민족 한나체 Pro" panose="020B0600000101010101" pitchFamily="50" charset="-127"/>
+                      </a:endParaRPr>
+                    </a:p>
+                  </a:txBody>
+                  <a:tcPr marL="299444" marR="299444" marT="149722" marB="149722" anchor="ctr">
+                    <a:lnL w="12700" cap="flat" cmpd="sng" algn="ctr">
+                      <a:solidFill>
+                        <a:schemeClr val="tx1"/>
+                      </a:solidFill>
+                      <a:prstDash val="solid"/>
+                      <a:round/>
+                      <a:headEnd type="none" w="med" len="med"/>
+                      <a:tailEnd type="none" w="med" len="med"/>
+                    </a:lnL>
+                    <a:lnR w="12700" cap="flat" cmpd="sng" algn="ctr">
+                      <a:solidFill>
+                        <a:schemeClr val="tx1"/>
+                      </a:solidFill>
+                      <a:prstDash val="solid"/>
+                      <a:round/>
+                      <a:headEnd type="none" w="med" len="med"/>
+                      <a:tailEnd type="none" w="med" len="med"/>
+                    </a:lnR>
+                    <a:lnT w="12700" cap="flat" cmpd="sng" algn="ctr">
+                      <a:solidFill>
+                        <a:schemeClr val="tx1"/>
+                      </a:solidFill>
+                      <a:prstDash val="solid"/>
+                      <a:round/>
+                      <a:headEnd type="none" w="med" len="med"/>
+                      <a:tailEnd type="none" w="med" len="med"/>
+                    </a:lnT>
+                    <a:lnB w="12700" cap="flat" cmpd="sng" algn="ctr">
+                      <a:solidFill>
+                        <a:schemeClr val="tx1"/>
+                      </a:solidFill>
+                      <a:prstDash val="solid"/>
+                      <a:round/>
+                      <a:headEnd type="none" w="med" len="med"/>
+                      <a:tailEnd type="none" w="med" len="med"/>
+                    </a:lnB>
+                  </a:tcPr>
+                </a:tc>
+                <a:tc>
+                  <a:txBody>
+                    <a:bodyPr/>
+                    <a:lstStyle/>
+                    <a:p>
+                      <a:pPr algn="ctr" latinLnBrk="1"/>
+                      <a:endParaRPr lang="ko-KR" altLang="en-US" sz="3900" dirty="0">
+                        <a:solidFill>
+                          <a:schemeClr val="tx1"/>
+                        </a:solidFill>
+                        <a:latin typeface="배달의민족 한나체 Pro" panose="020B0600000101010101" pitchFamily="50" charset="-127"/>
+                        <a:ea typeface="배달의민족 한나체 Pro" panose="020B0600000101010101" pitchFamily="50" charset="-127"/>
+                      </a:endParaRPr>
+                    </a:p>
+                  </a:txBody>
+                  <a:tcPr marL="299444" marR="299444" marT="149722" marB="149722" anchor="ctr">
+                    <a:lnL w="12700" cap="flat" cmpd="sng" algn="ctr">
+                      <a:solidFill>
+                        <a:schemeClr val="tx1"/>
+                      </a:solidFill>
+                      <a:prstDash val="solid"/>
+                      <a:round/>
+                      <a:headEnd type="none" w="med" len="med"/>
+                      <a:tailEnd type="none" w="med" len="med"/>
+                    </a:lnL>
+                    <a:lnR w="12700" cap="flat" cmpd="sng" algn="ctr">
+                      <a:solidFill>
+                        <a:schemeClr val="tx1"/>
+                      </a:solidFill>
+                      <a:prstDash val="solid"/>
+                      <a:round/>
+                      <a:headEnd type="none" w="med" len="med"/>
+                      <a:tailEnd type="none" w="med" len="med"/>
+                    </a:lnR>
+                    <a:lnT w="12700" cap="flat" cmpd="sng" algn="ctr">
+                      <a:solidFill>
+                        <a:schemeClr val="tx1"/>
+                      </a:solidFill>
+                      <a:prstDash val="solid"/>
+                      <a:round/>
+                      <a:headEnd type="none" w="med" len="med"/>
+                      <a:tailEnd type="none" w="med" len="med"/>
+                    </a:lnT>
+                    <a:lnB w="12700" cap="flat" cmpd="sng" algn="ctr">
+                      <a:solidFill>
+                        <a:schemeClr val="tx1"/>
+                      </a:solidFill>
+                      <a:prstDash val="solid"/>
+                      <a:round/>
+                      <a:headEnd type="none" w="med" len="med"/>
+                      <a:tailEnd type="none" w="med" len="med"/>
+                    </a:lnB>
+                  </a:tcPr>
+                </a:tc>
+                <a:tc>
+                  <a:txBody>
+                    <a:bodyPr/>
+                    <a:lstStyle/>
+                    <a:p>
+                      <a:pPr algn="ctr" latinLnBrk="1"/>
+                      <a:endParaRPr lang="ko-KR" altLang="en-US" sz="3900">
+                        <a:solidFill>
+                          <a:schemeClr val="tx1"/>
+                        </a:solidFill>
+                        <a:latin typeface="배달의민족 한나체 Pro" panose="020B0600000101010101" pitchFamily="50" charset="-127"/>
+                        <a:ea typeface="배달의민족 한나체 Pro" panose="020B0600000101010101" pitchFamily="50" charset="-127"/>
+                      </a:endParaRPr>
+                    </a:p>
+                  </a:txBody>
+                  <a:tcPr marL="299444" marR="299444" marT="149722" marB="149722" anchor="ctr">
+                    <a:lnL w="12700" cap="flat" cmpd="sng" algn="ctr">
+                      <a:solidFill>
+                        <a:schemeClr val="tx1"/>
+                      </a:solidFill>
+                      <a:prstDash val="solid"/>
+                      <a:round/>
+                      <a:headEnd type="none" w="med" len="med"/>
+                      <a:tailEnd type="none" w="med" len="med"/>
+                    </a:lnL>
+                    <a:lnR w="12700" cap="flat" cmpd="sng" algn="ctr">
+                      <a:solidFill>
+                        <a:schemeClr val="tx1"/>
+                      </a:solidFill>
+                      <a:prstDash val="solid"/>
+                      <a:round/>
+                      <a:headEnd type="none" w="med" len="med"/>
+                      <a:tailEnd type="none" w="med" len="med"/>
+                    </a:lnR>
+                    <a:lnT w="12700" cap="flat" cmpd="sng" algn="ctr">
+                      <a:solidFill>
+                        <a:schemeClr val="tx1"/>
+                      </a:solidFill>
+                      <a:prstDash val="solid"/>
+                      <a:round/>
+                      <a:headEnd type="none" w="med" len="med"/>
+                      <a:tailEnd type="none" w="med" len="med"/>
+                    </a:lnT>
+                    <a:lnB w="12700" cap="flat" cmpd="sng" algn="ctr">
+                      <a:solidFill>
+                        <a:schemeClr val="tx1"/>
+                      </a:solidFill>
+                      <a:prstDash val="solid"/>
+                      <a:round/>
+                      <a:headEnd type="none" w="med" len="med"/>
+                      <a:tailEnd type="none" w="med" len="med"/>
+                    </a:lnB>
+                  </a:tcPr>
+                </a:tc>
+                <a:tc>
+                  <a:txBody>
+                    <a:bodyPr/>
+                    <a:lstStyle/>
+                    <a:p>
+                      <a:pPr algn="ctr" latinLnBrk="1"/>
+                      <a:endParaRPr lang="ko-KR" altLang="en-US" sz="3900" dirty="0">
+                        <a:solidFill>
+                          <a:schemeClr val="tx1"/>
+                        </a:solidFill>
+                        <a:latin typeface="배달의민족 한나체 Pro" panose="020B0600000101010101" pitchFamily="50" charset="-127"/>
+                        <a:ea typeface="배달의민족 한나체 Pro" panose="020B0600000101010101" pitchFamily="50" charset="-127"/>
+                      </a:endParaRPr>
+                    </a:p>
+                  </a:txBody>
+                  <a:tcPr marL="299444" marR="299444" marT="149722" marB="149722" anchor="ctr">
+                    <a:lnL w="12700" cap="flat" cmpd="sng" algn="ctr">
+                      <a:solidFill>
+                        <a:schemeClr val="tx1"/>
+                      </a:solidFill>
+                      <a:prstDash val="solid"/>
+                      <a:round/>
+                      <a:headEnd type="none" w="med" len="med"/>
+                      <a:tailEnd type="none" w="med" len="med"/>
+                    </a:lnL>
+                    <a:lnR w="12700" cap="flat" cmpd="sng" algn="ctr">
+                      <a:solidFill>
+                        <a:schemeClr val="tx1"/>
+                      </a:solidFill>
+                      <a:prstDash val="solid"/>
+                      <a:round/>
+                      <a:headEnd type="none" w="med" len="med"/>
+                      <a:tailEnd type="none" w="med" len="med"/>
+                    </a:lnR>
+                    <a:lnT w="12700" cap="flat" cmpd="sng" algn="ctr">
+                      <a:solidFill>
+                        <a:schemeClr val="tx1"/>
+                      </a:solidFill>
+                      <a:prstDash val="solid"/>
+                      <a:round/>
+                      <a:headEnd type="none" w="med" len="med"/>
+                      <a:tailEnd type="none" w="med" len="med"/>
+                    </a:lnT>
+                    <a:lnB w="12700" cap="flat" cmpd="sng" algn="ctr">
+                      <a:solidFill>
+                        <a:schemeClr val="tx1"/>
+                      </a:solidFill>
+                      <a:prstDash val="solid"/>
+                      <a:round/>
+                      <a:headEnd type="none" w="med" len="med"/>
+                      <a:tailEnd type="none" w="med" len="med"/>
+                    </a:lnB>
+                  </a:tcPr>
+                </a:tc>
                 <a:extLst>
                   <a:ext uri="{0D108BD9-81ED-4DB2-BD59-A6C34878D82A}">
-                    <a16:rowId xmlns:a16="http://schemas.microsoft.com/office/drawing/2014/main" val="3164051810"/>
+                    <a16:rowId xmlns:a16="http://schemas.microsoft.com/office/drawing/2014/main" val="3546897022"/>
                   </a:ext>
                 </a:extLst>
               </a:tr>
@@ -28013,7 +30281,7 @@
                           <a:latin typeface="맑은 고딕" panose="020B0503020000020004" pitchFamily="50" charset="-127"/>
                           <a:ea typeface="맑은 고딕" panose="020B0503020000020004" pitchFamily="50" charset="-127"/>
                         </a:rPr>
-                        <a:t>매칭 시스템</a:t>
+                        <a:t>충돌처리</a:t>
                       </a:r>
                     </a:p>
                   </a:txBody>
@@ -28278,7 +30546,61 @@
                     <a:lstStyle/>
                     <a:p>
                       <a:pPr algn="ctr" latinLnBrk="1"/>
-                      <a:endParaRPr lang="ko-KR" altLang="en-US" sz="3900" dirty="0">
+                      <a:endParaRPr lang="ko-KR" altLang="en-US" sz="3900">
+                        <a:solidFill>
+                          <a:schemeClr val="tx1"/>
+                        </a:solidFill>
+                        <a:latin typeface="배달의민족 한나체 Pro" panose="020B0600000101010101" pitchFamily="50" charset="-127"/>
+                        <a:ea typeface="배달의민족 한나체 Pro" panose="020B0600000101010101" pitchFamily="50" charset="-127"/>
+                      </a:endParaRPr>
+                    </a:p>
+                  </a:txBody>
+                  <a:tcPr marL="299444" marR="299444" marT="149722" marB="149722" anchor="ctr">
+                    <a:lnL w="12700" cap="flat" cmpd="sng" algn="ctr">
+                      <a:solidFill>
+                        <a:schemeClr val="tx1"/>
+                      </a:solidFill>
+                      <a:prstDash val="solid"/>
+                      <a:round/>
+                      <a:headEnd type="none" w="med" len="med"/>
+                      <a:tailEnd type="none" w="med" len="med"/>
+                    </a:lnL>
+                    <a:lnR w="12700" cap="flat" cmpd="sng" algn="ctr">
+                      <a:solidFill>
+                        <a:schemeClr val="tx1"/>
+                      </a:solidFill>
+                      <a:prstDash val="solid"/>
+                      <a:round/>
+                      <a:headEnd type="none" w="med" len="med"/>
+                      <a:tailEnd type="none" w="med" len="med"/>
+                    </a:lnR>
+                    <a:lnT w="12700" cap="flat" cmpd="sng" algn="ctr">
+                      <a:solidFill>
+                        <a:schemeClr val="tx1"/>
+                      </a:solidFill>
+                      <a:prstDash val="solid"/>
+                      <a:round/>
+                      <a:headEnd type="none" w="med" len="med"/>
+                      <a:tailEnd type="none" w="med" len="med"/>
+                    </a:lnT>
+                    <a:lnB w="12700" cap="flat" cmpd="sng" algn="ctr">
+                      <a:solidFill>
+                        <a:schemeClr val="tx1"/>
+                      </a:solidFill>
+                      <a:prstDash val="solid"/>
+                      <a:round/>
+                      <a:headEnd type="none" w="med" len="med"/>
+                      <a:tailEnd type="none" w="med" len="med"/>
+                    </a:lnB>
+                  </a:tcPr>
+                </a:tc>
+                <a:tc>
+                  <a:txBody>
+                    <a:bodyPr/>
+                    <a:lstStyle/>
+                    <a:p>
+                      <a:pPr algn="ctr" latinLnBrk="1"/>
+                      <a:endParaRPr lang="ko-KR" altLang="en-US" sz="3900">
                         <a:solidFill>
                           <a:schemeClr val="tx1"/>
                         </a:solidFill>
@@ -28486,6 +30808,66 @@
                       <a:headEnd type="none" w="med" len="med"/>
                       <a:tailEnd type="none" w="med" len="med"/>
                     </a:lnB>
+                    <a:solidFill>
+                      <a:srgbClr val="05B0EE"/>
+                    </a:solidFill>
+                  </a:tcPr>
+                </a:tc>
+                <a:tc>
+                  <a:txBody>
+                    <a:bodyPr/>
+                    <a:lstStyle/>
+                    <a:p>
+                      <a:pPr algn="ctr" latinLnBrk="1"/>
+                      <a:endParaRPr lang="ko-KR" altLang="en-US" sz="3900">
+                        <a:solidFill>
+                          <a:schemeClr val="tx1"/>
+                        </a:solidFill>
+                        <a:latin typeface="배달의민족 한나체 Pro" panose="020B0600000101010101" pitchFamily="50" charset="-127"/>
+                        <a:ea typeface="배달의민족 한나체 Pro" panose="020B0600000101010101" pitchFamily="50" charset="-127"/>
+                      </a:endParaRPr>
+                    </a:p>
+                  </a:txBody>
+                  <a:tcPr marL="299444" marR="299444" marT="149722" marB="149722" anchor="ctr">
+                    <a:lnL w="12700" cap="flat" cmpd="sng" algn="ctr">
+                      <a:solidFill>
+                        <a:schemeClr val="tx1"/>
+                      </a:solidFill>
+                      <a:prstDash val="solid"/>
+                      <a:round/>
+                      <a:headEnd type="none" w="med" len="med"/>
+                      <a:tailEnd type="none" w="med" len="med"/>
+                    </a:lnL>
+                    <a:lnR w="12700" cap="flat" cmpd="sng" algn="ctr">
+                      <a:solidFill>
+                        <a:schemeClr val="tx1"/>
+                      </a:solidFill>
+                      <a:prstDash val="solid"/>
+                      <a:round/>
+                      <a:headEnd type="none" w="med" len="med"/>
+                      <a:tailEnd type="none" w="med" len="med"/>
+                    </a:lnR>
+                    <a:lnT w="12700" cap="flat" cmpd="sng" algn="ctr">
+                      <a:solidFill>
+                        <a:schemeClr val="tx1"/>
+                      </a:solidFill>
+                      <a:prstDash val="solid"/>
+                      <a:round/>
+                      <a:headEnd type="none" w="med" len="med"/>
+                      <a:tailEnd type="none" w="med" len="med"/>
+                    </a:lnT>
+                    <a:lnB w="12700" cap="flat" cmpd="sng" algn="ctr">
+                      <a:solidFill>
+                        <a:schemeClr val="tx1"/>
+                      </a:solidFill>
+                      <a:prstDash val="solid"/>
+                      <a:round/>
+                      <a:headEnd type="none" w="med" len="med"/>
+                      <a:tailEnd type="none" w="med" len="med"/>
+                    </a:lnB>
+                    <a:solidFill>
+                      <a:srgbClr val="05B0EE"/>
+                    </a:solidFill>
                   </a:tcPr>
                 </a:tc>
                 <a:tc>
@@ -28540,6 +30922,9 @@
                       <a:headEnd type="none" w="med" len="med"/>
                       <a:tailEnd type="none" w="med" len="med"/>
                     </a:lnB>
+                    <a:solidFill>
+                      <a:srgbClr val="05B0EE"/>
+                    </a:solidFill>
                   </a:tcPr>
                 </a:tc>
                 <a:tc>
@@ -28594,6 +30979,9 @@
                       <a:headEnd type="none" w="med" len="med"/>
                       <a:tailEnd type="none" w="med" len="med"/>
                     </a:lnB>
+                    <a:solidFill>
+                      <a:srgbClr val="05B0EE"/>
+                    </a:solidFill>
                   </a:tcPr>
                 </a:tc>
                 <a:tc>
@@ -28648,6 +31036,9 @@
                       <a:headEnd type="none" w="med" len="med"/>
                       <a:tailEnd type="none" w="med" len="med"/>
                     </a:lnB>
+                    <a:solidFill>
+                      <a:srgbClr val="05B0EE"/>
+                    </a:solidFill>
                   </a:tcPr>
                 </a:tc>
                 <a:tc>
@@ -28702,6 +31093,9 @@
                       <a:headEnd type="none" w="med" len="med"/>
                       <a:tailEnd type="none" w="med" len="med"/>
                     </a:lnB>
+                    <a:solidFill>
+                      <a:srgbClr val="05B0EE"/>
+                    </a:solidFill>
                   </a:tcPr>
                 </a:tc>
                 <a:tc>
@@ -28757,7 +31151,7 @@
                       <a:tailEnd type="none" w="med" len="med"/>
                     </a:lnB>
                     <a:solidFill>
-                      <a:srgbClr val="00B0F0"/>
+                      <a:srgbClr val="05B0EE"/>
                     </a:solidFill>
                   </a:tcPr>
                 </a:tc>
@@ -28814,7 +31208,7 @@
                       <a:tailEnd type="none" w="med" len="med"/>
                     </a:lnB>
                     <a:solidFill>
-                      <a:srgbClr val="00B0F0"/>
+                      <a:srgbClr val="05B0EE"/>
                     </a:solidFill>
                   </a:tcPr>
                 </a:tc>
@@ -28984,6 +31378,9 @@
                       <a:headEnd type="none" w="med" len="med"/>
                       <a:tailEnd type="none" w="med" len="med"/>
                     </a:lnB>
+                    <a:solidFill>
+                      <a:srgbClr val="00B0F0"/>
+                    </a:solidFill>
                   </a:tcPr>
                 </a:tc>
                 <a:tc>
@@ -29038,6 +31435,9 @@
                       <a:headEnd type="none" w="med" len="med"/>
                       <a:tailEnd type="none" w="med" len="med"/>
                     </a:lnB>
+                    <a:solidFill>
+                      <a:srgbClr val="00B0F0"/>
+                    </a:solidFill>
                   </a:tcPr>
                 </a:tc>
                 <a:tc>
@@ -29092,6 +31492,9 @@
                       <a:headEnd type="none" w="med" len="med"/>
                       <a:tailEnd type="none" w="med" len="med"/>
                     </a:lnB>
+                    <a:solidFill>
+                      <a:srgbClr val="00B0F0"/>
+                    </a:solidFill>
                   </a:tcPr>
                 </a:tc>
                 <a:tc>
@@ -29146,6 +31549,9 @@
                       <a:headEnd type="none" w="med" len="med"/>
                       <a:tailEnd type="none" w="med" len="med"/>
                     </a:lnB>
+                    <a:solidFill>
+                      <a:srgbClr val="00B0F0"/>
+                    </a:solidFill>
                   </a:tcPr>
                 </a:tc>
                 <a:tc>
@@ -29200,6 +31606,9 @@
                       <a:headEnd type="none" w="med" len="med"/>
                       <a:tailEnd type="none" w="med" len="med"/>
                     </a:lnB>
+                    <a:solidFill>
+                      <a:srgbClr val="00B0F0"/>
+                    </a:solidFill>
                   </a:tcPr>
                 </a:tc>
                 <a:tc>
@@ -29254,6 +31663,9 @@
                       <a:headEnd type="none" w="med" len="med"/>
                       <a:tailEnd type="none" w="med" len="med"/>
                     </a:lnB>
+                    <a:solidFill>
+                      <a:srgbClr val="00B0F0"/>
+                    </a:solidFill>
                   </a:tcPr>
                 </a:tc>
                 <a:tc>
@@ -29308,6 +31720,11 @@
                       <a:headEnd type="none" w="med" len="med"/>
                       <a:tailEnd type="none" w="med" len="med"/>
                     </a:lnB>
+                    <a:solidFill>
+                      <a:srgbClr val="05B0EE">
+                        <a:alpha val="40000"/>
+                      </a:srgbClr>
+                    </a:solidFill>
                   </a:tcPr>
                 </a:tc>
                 <a:tc>
@@ -29362,6 +31779,11 @@
                       <a:headEnd type="none" w="med" len="med"/>
                       <a:tailEnd type="none" w="med" len="med"/>
                     </a:lnB>
+                    <a:solidFill>
+                      <a:srgbClr val="05B0EE">
+                        <a:alpha val="40000"/>
+                      </a:srgbClr>
+                    </a:solidFill>
                   </a:tcPr>
                 </a:tc>
                 <a:tc>
@@ -29416,60 +31838,11 @@
                       <a:headEnd type="none" w="med" len="med"/>
                       <a:tailEnd type="none" w="med" len="med"/>
                     </a:lnB>
-                  </a:tcPr>
-                </a:tc>
-                <a:tc>
-                  <a:txBody>
-                    <a:bodyPr/>
-                    <a:lstStyle/>
-                    <a:p>
-                      <a:pPr algn="ctr" latinLnBrk="1"/>
-                      <a:endParaRPr lang="ko-KR" altLang="en-US" sz="3900">
-                        <a:solidFill>
-                          <a:schemeClr val="tx1"/>
-                        </a:solidFill>
-                        <a:latin typeface="배달의민족 한나체 Pro" panose="020B0600000101010101" pitchFamily="50" charset="-127"/>
-                        <a:ea typeface="배달의민족 한나체 Pro" panose="020B0600000101010101" pitchFamily="50" charset="-127"/>
-                      </a:endParaRPr>
-                    </a:p>
-                  </a:txBody>
-                  <a:tcPr marL="299444" marR="299444" marT="149722" marB="149722" anchor="ctr">
-                    <a:lnL w="12700" cap="flat" cmpd="sng" algn="ctr">
-                      <a:solidFill>
-                        <a:schemeClr val="tx1"/>
-                      </a:solidFill>
-                      <a:prstDash val="solid"/>
-                      <a:round/>
-                      <a:headEnd type="none" w="med" len="med"/>
-                      <a:tailEnd type="none" w="med" len="med"/>
-                    </a:lnL>
-                    <a:lnR w="12700" cap="flat" cmpd="sng" algn="ctr">
-                      <a:solidFill>
-                        <a:schemeClr val="tx1"/>
-                      </a:solidFill>
-                      <a:prstDash val="solid"/>
-                      <a:round/>
-                      <a:headEnd type="none" w="med" len="med"/>
-                      <a:tailEnd type="none" w="med" len="med"/>
-                    </a:lnR>
-                    <a:lnT w="12700" cap="flat" cmpd="sng" algn="ctr">
-                      <a:solidFill>
-                        <a:schemeClr val="tx1"/>
-                      </a:solidFill>
-                      <a:prstDash val="solid"/>
-                      <a:round/>
-                      <a:headEnd type="none" w="med" len="med"/>
-                      <a:tailEnd type="none" w="med" len="med"/>
-                    </a:lnT>
-                    <a:lnB w="12700" cap="flat" cmpd="sng" algn="ctr">
-                      <a:solidFill>
-                        <a:schemeClr val="tx1"/>
-                      </a:solidFill>
-                      <a:prstDash val="solid"/>
-                      <a:round/>
-                      <a:headEnd type="none" w="med" len="med"/>
-                      <a:tailEnd type="none" w="med" len="med"/>
-                    </a:lnB>
+                    <a:solidFill>
+                      <a:srgbClr val="05B0EE">
+                        <a:alpha val="40000"/>
+                      </a:srgbClr>
+                    </a:solidFill>
                   </a:tcPr>
                 </a:tc>
                 <a:tc>
@@ -29524,168 +31897,11 @@
                       <a:headEnd type="none" w="med" len="med"/>
                       <a:tailEnd type="none" w="med" len="med"/>
                     </a:lnB>
-                  </a:tcPr>
-                </a:tc>
-                <a:tc>
-                  <a:txBody>
-                    <a:bodyPr/>
-                    <a:lstStyle/>
-                    <a:p>
-                      <a:pPr algn="ctr" latinLnBrk="1"/>
-                      <a:endParaRPr lang="ko-KR" altLang="en-US" sz="3900">
-                        <a:solidFill>
-                          <a:schemeClr val="tx1"/>
-                        </a:solidFill>
-                        <a:latin typeface="배달의민족 한나체 Pro" panose="020B0600000101010101" pitchFamily="50" charset="-127"/>
-                        <a:ea typeface="배달의민족 한나체 Pro" panose="020B0600000101010101" pitchFamily="50" charset="-127"/>
-                      </a:endParaRPr>
-                    </a:p>
-                  </a:txBody>
-                  <a:tcPr marL="299444" marR="299444" marT="149722" marB="149722" anchor="ctr">
-                    <a:lnL w="12700" cap="flat" cmpd="sng" algn="ctr">
-                      <a:solidFill>
-                        <a:schemeClr val="tx1"/>
-                      </a:solidFill>
-                      <a:prstDash val="solid"/>
-                      <a:round/>
-                      <a:headEnd type="none" w="med" len="med"/>
-                      <a:tailEnd type="none" w="med" len="med"/>
-                    </a:lnL>
-                    <a:lnR w="12700" cap="flat" cmpd="sng" algn="ctr">
-                      <a:solidFill>
-                        <a:schemeClr val="tx1"/>
-                      </a:solidFill>
-                      <a:prstDash val="solid"/>
-                      <a:round/>
-                      <a:headEnd type="none" w="med" len="med"/>
-                      <a:tailEnd type="none" w="med" len="med"/>
-                    </a:lnR>
-                    <a:lnT w="12700" cap="flat" cmpd="sng" algn="ctr">
-                      <a:solidFill>
-                        <a:schemeClr val="tx1"/>
-                      </a:solidFill>
-                      <a:prstDash val="solid"/>
-                      <a:round/>
-                      <a:headEnd type="none" w="med" len="med"/>
-                      <a:tailEnd type="none" w="med" len="med"/>
-                    </a:lnT>
-                    <a:lnB w="12700" cap="flat" cmpd="sng" algn="ctr">
-                      <a:solidFill>
-                        <a:schemeClr val="tx1"/>
-                      </a:solidFill>
-                      <a:prstDash val="solid"/>
-                      <a:round/>
-                      <a:headEnd type="none" w="med" len="med"/>
-                      <a:tailEnd type="none" w="med" len="med"/>
-                    </a:lnB>
-                  </a:tcPr>
-                </a:tc>
-                <a:tc>
-                  <a:txBody>
-                    <a:bodyPr/>
-                    <a:lstStyle/>
-                    <a:p>
-                      <a:pPr algn="ctr" latinLnBrk="1"/>
-                      <a:endParaRPr lang="ko-KR" altLang="en-US" sz="3900">
-                        <a:solidFill>
-                          <a:schemeClr val="tx1"/>
-                        </a:solidFill>
-                        <a:latin typeface="배달의민족 한나체 Pro" panose="020B0600000101010101" pitchFamily="50" charset="-127"/>
-                        <a:ea typeface="배달의민족 한나체 Pro" panose="020B0600000101010101" pitchFamily="50" charset="-127"/>
-                      </a:endParaRPr>
-                    </a:p>
-                  </a:txBody>
-                  <a:tcPr marL="299444" marR="299444" marT="149722" marB="149722" anchor="ctr">
-                    <a:lnL w="12700" cap="flat" cmpd="sng" algn="ctr">
-                      <a:solidFill>
-                        <a:schemeClr val="tx1"/>
-                      </a:solidFill>
-                      <a:prstDash val="solid"/>
-                      <a:round/>
-                      <a:headEnd type="none" w="med" len="med"/>
-                      <a:tailEnd type="none" w="med" len="med"/>
-                    </a:lnL>
-                    <a:lnR w="12700" cap="flat" cmpd="sng" algn="ctr">
-                      <a:solidFill>
-                        <a:schemeClr val="tx1"/>
-                      </a:solidFill>
-                      <a:prstDash val="solid"/>
-                      <a:round/>
-                      <a:headEnd type="none" w="med" len="med"/>
-                      <a:tailEnd type="none" w="med" len="med"/>
-                    </a:lnR>
-                    <a:lnT w="12700" cap="flat" cmpd="sng" algn="ctr">
-                      <a:solidFill>
-                        <a:schemeClr val="tx1"/>
-                      </a:solidFill>
-                      <a:prstDash val="solid"/>
-                      <a:round/>
-                      <a:headEnd type="none" w="med" len="med"/>
-                      <a:tailEnd type="none" w="med" len="med"/>
-                    </a:lnT>
-                    <a:lnB w="12700" cap="flat" cmpd="sng" algn="ctr">
-                      <a:solidFill>
-                        <a:schemeClr val="tx1"/>
-                      </a:solidFill>
-                      <a:prstDash val="solid"/>
-                      <a:round/>
-                      <a:headEnd type="none" w="med" len="med"/>
-                      <a:tailEnd type="none" w="med" len="med"/>
-                    </a:lnB>
-                  </a:tcPr>
-                </a:tc>
-                <a:tc>
-                  <a:txBody>
-                    <a:bodyPr/>
-                    <a:lstStyle/>
-                    <a:p>
-                      <a:pPr algn="ctr" latinLnBrk="1"/>
-                      <a:endParaRPr lang="ko-KR" altLang="en-US" sz="3900">
-                        <a:solidFill>
-                          <a:schemeClr val="tx1"/>
-                        </a:solidFill>
-                        <a:latin typeface="배달의민족 한나체 Pro" panose="020B0600000101010101" pitchFamily="50" charset="-127"/>
-                        <a:ea typeface="배달의민족 한나체 Pro" panose="020B0600000101010101" pitchFamily="50" charset="-127"/>
-                      </a:endParaRPr>
-                    </a:p>
-                  </a:txBody>
-                  <a:tcPr marL="299444" marR="299444" marT="149722" marB="149722" anchor="ctr">
-                    <a:lnL w="12700" cap="flat" cmpd="sng" algn="ctr">
-                      <a:solidFill>
-                        <a:schemeClr val="tx1"/>
-                      </a:solidFill>
-                      <a:prstDash val="solid"/>
-                      <a:round/>
-                      <a:headEnd type="none" w="med" len="med"/>
-                      <a:tailEnd type="none" w="med" len="med"/>
-                    </a:lnL>
-                    <a:lnR w="12700" cap="flat" cmpd="sng" algn="ctr">
-                      <a:solidFill>
-                        <a:schemeClr val="tx1"/>
-                      </a:solidFill>
-                      <a:prstDash val="solid"/>
-                      <a:round/>
-                      <a:headEnd type="none" w="med" len="med"/>
-                      <a:tailEnd type="none" w="med" len="med"/>
-                    </a:lnR>
-                    <a:lnT w="12700" cap="flat" cmpd="sng" algn="ctr">
-                      <a:solidFill>
-                        <a:schemeClr val="tx1"/>
-                      </a:solidFill>
-                      <a:prstDash val="solid"/>
-                      <a:round/>
-                      <a:headEnd type="none" w="med" len="med"/>
-                      <a:tailEnd type="none" w="med" len="med"/>
-                    </a:lnT>
-                    <a:lnB w="12700" cap="flat" cmpd="sng" algn="ctr">
-                      <a:solidFill>
-                        <a:schemeClr val="tx1"/>
-                      </a:solidFill>
-                      <a:prstDash val="solid"/>
-                      <a:round/>
-                      <a:headEnd type="none" w="med" len="med"/>
-                      <a:tailEnd type="none" w="med" len="med"/>
-                    </a:lnB>
+                    <a:solidFill>
+                      <a:srgbClr val="05B0EE">
+                        <a:alpha val="40000"/>
+                      </a:srgbClr>
+                    </a:solidFill>
                   </a:tcPr>
                 </a:tc>
                 <a:tc>
@@ -29740,114 +31956,11 @@
                       <a:headEnd type="none" w="med" len="med"/>
                       <a:tailEnd type="none" w="med" len="med"/>
                     </a:lnB>
-                  </a:tcPr>
-                </a:tc>
-                <a:tc>
-                  <a:txBody>
-                    <a:bodyPr/>
-                    <a:lstStyle/>
-                    <a:p>
-                      <a:pPr algn="ctr" latinLnBrk="1"/>
-                      <a:endParaRPr lang="ko-KR" altLang="en-US" sz="3900">
-                        <a:solidFill>
-                          <a:schemeClr val="tx1"/>
-                        </a:solidFill>
-                        <a:latin typeface="배달의민족 한나체 Pro" panose="020B0600000101010101" pitchFamily="50" charset="-127"/>
-                        <a:ea typeface="배달의민족 한나체 Pro" panose="020B0600000101010101" pitchFamily="50" charset="-127"/>
-                      </a:endParaRPr>
-                    </a:p>
-                  </a:txBody>
-                  <a:tcPr marL="299444" marR="299444" marT="149722" marB="149722" anchor="ctr">
-                    <a:lnL w="12700" cap="flat" cmpd="sng" algn="ctr">
-                      <a:solidFill>
-                        <a:schemeClr val="tx1"/>
-                      </a:solidFill>
-                      <a:prstDash val="solid"/>
-                      <a:round/>
-                      <a:headEnd type="none" w="med" len="med"/>
-                      <a:tailEnd type="none" w="med" len="med"/>
-                    </a:lnL>
-                    <a:lnR w="12700" cap="flat" cmpd="sng" algn="ctr">
-                      <a:solidFill>
-                        <a:schemeClr val="tx1"/>
-                      </a:solidFill>
-                      <a:prstDash val="solid"/>
-                      <a:round/>
-                      <a:headEnd type="none" w="med" len="med"/>
-                      <a:tailEnd type="none" w="med" len="med"/>
-                    </a:lnR>
-                    <a:lnT w="12700" cap="flat" cmpd="sng" algn="ctr">
-                      <a:solidFill>
-                        <a:schemeClr val="tx1"/>
-                      </a:solidFill>
-                      <a:prstDash val="solid"/>
-                      <a:round/>
-                      <a:headEnd type="none" w="med" len="med"/>
-                      <a:tailEnd type="none" w="med" len="med"/>
-                    </a:lnT>
-                    <a:lnB w="12700" cap="flat" cmpd="sng" algn="ctr">
-                      <a:solidFill>
-                        <a:schemeClr val="tx1"/>
-                      </a:solidFill>
-                      <a:prstDash val="solid"/>
-                      <a:round/>
-                      <a:headEnd type="none" w="med" len="med"/>
-                      <a:tailEnd type="none" w="med" len="med"/>
-                    </a:lnB>
-                  </a:tcPr>
-                </a:tc>
-                <a:tc>
-                  <a:txBody>
-                    <a:bodyPr/>
-                    <a:lstStyle/>
-                    <a:p>
-                      <a:pPr algn="ctr" latinLnBrk="1"/>
-                      <a:endParaRPr lang="ko-KR" altLang="en-US" sz="3900">
-                        <a:solidFill>
-                          <a:schemeClr val="tx1"/>
-                        </a:solidFill>
-                        <a:latin typeface="배달의민족 한나체 Pro" panose="020B0600000101010101" pitchFamily="50" charset="-127"/>
-                        <a:ea typeface="배달의민족 한나체 Pro" panose="020B0600000101010101" pitchFamily="50" charset="-127"/>
-                      </a:endParaRPr>
-                    </a:p>
-                  </a:txBody>
-                  <a:tcPr marL="299444" marR="299444" marT="149722" marB="149722" anchor="ctr">
-                    <a:lnL w="12700" cap="flat" cmpd="sng" algn="ctr">
-                      <a:solidFill>
-                        <a:schemeClr val="tx1"/>
-                      </a:solidFill>
-                      <a:prstDash val="solid"/>
-                      <a:round/>
-                      <a:headEnd type="none" w="med" len="med"/>
-                      <a:tailEnd type="none" w="med" len="med"/>
-                    </a:lnL>
-                    <a:lnR w="12700" cap="flat" cmpd="sng" algn="ctr">
-                      <a:solidFill>
-                        <a:schemeClr val="tx1"/>
-                      </a:solidFill>
-                      <a:prstDash val="solid"/>
-                      <a:round/>
-                      <a:headEnd type="none" w="med" len="med"/>
-                      <a:tailEnd type="none" w="med" len="med"/>
-                    </a:lnR>
-                    <a:lnT w="12700" cap="flat" cmpd="sng" algn="ctr">
-                      <a:solidFill>
-                        <a:schemeClr val="tx1"/>
-                      </a:solidFill>
-                      <a:prstDash val="solid"/>
-                      <a:round/>
-                      <a:headEnd type="none" w="med" len="med"/>
-                      <a:tailEnd type="none" w="med" len="med"/>
-                    </a:lnT>
-                    <a:lnB w="12700" cap="flat" cmpd="sng" algn="ctr">
-                      <a:solidFill>
-                        <a:schemeClr val="tx1"/>
-                      </a:solidFill>
-                      <a:prstDash val="solid"/>
-                      <a:round/>
-                      <a:headEnd type="none" w="med" len="med"/>
-                      <a:tailEnd type="none" w="med" len="med"/>
-                    </a:lnB>
+                    <a:solidFill>
+                      <a:srgbClr val="05B0EE">
+                        <a:alpha val="40000"/>
+                      </a:srgbClr>
+                    </a:solidFill>
                   </a:tcPr>
                 </a:tc>
                 <a:tc>
@@ -29902,60 +32015,11 @@
                       <a:headEnd type="none" w="med" len="med"/>
                       <a:tailEnd type="none" w="med" len="med"/>
                     </a:lnB>
-                  </a:tcPr>
-                </a:tc>
-                <a:tc>
-                  <a:txBody>
-                    <a:bodyPr/>
-                    <a:lstStyle/>
-                    <a:p>
-                      <a:pPr algn="ctr" latinLnBrk="1"/>
-                      <a:endParaRPr lang="ko-KR" altLang="en-US" sz="3900">
-                        <a:solidFill>
-                          <a:schemeClr val="tx1"/>
-                        </a:solidFill>
-                        <a:latin typeface="배달의민족 한나체 Pro" panose="020B0600000101010101" pitchFamily="50" charset="-127"/>
-                        <a:ea typeface="배달의민족 한나체 Pro" panose="020B0600000101010101" pitchFamily="50" charset="-127"/>
-                      </a:endParaRPr>
-                    </a:p>
-                  </a:txBody>
-                  <a:tcPr marL="299444" marR="299444" marT="149722" marB="149722" anchor="ctr">
-                    <a:lnL w="12700" cap="flat" cmpd="sng" algn="ctr">
-                      <a:solidFill>
-                        <a:schemeClr val="tx1"/>
-                      </a:solidFill>
-                      <a:prstDash val="solid"/>
-                      <a:round/>
-                      <a:headEnd type="none" w="med" len="med"/>
-                      <a:tailEnd type="none" w="med" len="med"/>
-                    </a:lnL>
-                    <a:lnR w="12700" cap="flat" cmpd="sng" algn="ctr">
-                      <a:solidFill>
-                        <a:schemeClr val="tx1"/>
-                      </a:solidFill>
-                      <a:prstDash val="solid"/>
-                      <a:round/>
-                      <a:headEnd type="none" w="med" len="med"/>
-                      <a:tailEnd type="none" w="med" len="med"/>
-                    </a:lnR>
-                    <a:lnT w="12700" cap="flat" cmpd="sng" algn="ctr">
-                      <a:solidFill>
-                        <a:schemeClr val="tx1"/>
-                      </a:solidFill>
-                      <a:prstDash val="solid"/>
-                      <a:round/>
-                      <a:headEnd type="none" w="med" len="med"/>
-                      <a:tailEnd type="none" w="med" len="med"/>
-                    </a:lnT>
-                    <a:lnB w="12700" cap="flat" cmpd="sng" algn="ctr">
-                      <a:solidFill>
-                        <a:schemeClr val="tx1"/>
-                      </a:solidFill>
-                      <a:prstDash val="solid"/>
-                      <a:round/>
-                      <a:headEnd type="none" w="med" len="med"/>
-                      <a:tailEnd type="none" w="med" len="med"/>
-                    </a:lnB>
+                    <a:solidFill>
+                      <a:srgbClr val="05B0EE">
+                        <a:alpha val="40000"/>
+                      </a:srgbClr>
+                    </a:solidFill>
                   </a:tcPr>
                 </a:tc>
                 <a:tc>
@@ -30010,11 +32074,311 @@
                       <a:headEnd type="none" w="med" len="med"/>
                       <a:tailEnd type="none" w="med" len="med"/>
                     </a:lnB>
+                    <a:solidFill>
+                      <a:srgbClr val="05B0EE">
+                        <a:alpha val="40000"/>
+                      </a:srgbClr>
+                    </a:solidFill>
+                  </a:tcPr>
+                </a:tc>
+                <a:tc>
+                  <a:txBody>
+                    <a:bodyPr/>
+                    <a:lstStyle/>
+                    <a:p>
+                      <a:pPr algn="ctr" latinLnBrk="1"/>
+                      <a:endParaRPr lang="ko-KR" altLang="en-US" sz="3900" dirty="0">
+                        <a:solidFill>
+                          <a:schemeClr val="tx1"/>
+                        </a:solidFill>
+                        <a:latin typeface="배달의민족 한나체 Pro" panose="020B0600000101010101" pitchFamily="50" charset="-127"/>
+                        <a:ea typeface="배달의민족 한나체 Pro" panose="020B0600000101010101" pitchFamily="50" charset="-127"/>
+                      </a:endParaRPr>
+                    </a:p>
+                  </a:txBody>
+                  <a:tcPr marL="299444" marR="299444" marT="149722" marB="149722" anchor="ctr">
+                    <a:lnL w="12700" cap="flat" cmpd="sng" algn="ctr">
+                      <a:solidFill>
+                        <a:schemeClr val="tx1"/>
+                      </a:solidFill>
+                      <a:prstDash val="solid"/>
+                      <a:round/>
+                      <a:headEnd type="none" w="med" len="med"/>
+                      <a:tailEnd type="none" w="med" len="med"/>
+                    </a:lnL>
+                    <a:lnR w="12700" cap="flat" cmpd="sng" algn="ctr">
+                      <a:solidFill>
+                        <a:schemeClr val="tx1"/>
+                      </a:solidFill>
+                      <a:prstDash val="solid"/>
+                      <a:round/>
+                      <a:headEnd type="none" w="med" len="med"/>
+                      <a:tailEnd type="none" w="med" len="med"/>
+                    </a:lnR>
+                    <a:lnT w="12700" cap="flat" cmpd="sng" algn="ctr">
+                      <a:solidFill>
+                        <a:schemeClr val="tx1"/>
+                      </a:solidFill>
+                      <a:prstDash val="solid"/>
+                      <a:round/>
+                      <a:headEnd type="none" w="med" len="med"/>
+                      <a:tailEnd type="none" w="med" len="med"/>
+                    </a:lnT>
+                    <a:lnB w="12700" cap="flat" cmpd="sng" algn="ctr">
+                      <a:solidFill>
+                        <a:schemeClr val="tx1"/>
+                      </a:solidFill>
+                      <a:prstDash val="solid"/>
+                      <a:round/>
+                      <a:headEnd type="none" w="med" len="med"/>
+                      <a:tailEnd type="none" w="med" len="med"/>
+                    </a:lnB>
+                    <a:solidFill>
+                      <a:srgbClr val="05B0EE">
+                        <a:alpha val="40000"/>
+                      </a:srgbClr>
+                    </a:solidFill>
+                  </a:tcPr>
+                </a:tc>
+                <a:tc>
+                  <a:txBody>
+                    <a:bodyPr/>
+                    <a:lstStyle/>
+                    <a:p>
+                      <a:pPr algn="ctr" latinLnBrk="1"/>
+                      <a:endParaRPr lang="ko-KR" altLang="en-US" sz="3900" dirty="0">
+                        <a:solidFill>
+                          <a:schemeClr val="tx1"/>
+                        </a:solidFill>
+                        <a:latin typeface="배달의민족 한나체 Pro" panose="020B0600000101010101" pitchFamily="50" charset="-127"/>
+                        <a:ea typeface="배달의민족 한나체 Pro" panose="020B0600000101010101" pitchFamily="50" charset="-127"/>
+                      </a:endParaRPr>
+                    </a:p>
+                  </a:txBody>
+                  <a:tcPr marL="299444" marR="299444" marT="149722" marB="149722" anchor="ctr">
+                    <a:lnL w="12700" cap="flat" cmpd="sng" algn="ctr">
+                      <a:solidFill>
+                        <a:schemeClr val="tx1"/>
+                      </a:solidFill>
+                      <a:prstDash val="solid"/>
+                      <a:round/>
+                      <a:headEnd type="none" w="med" len="med"/>
+                      <a:tailEnd type="none" w="med" len="med"/>
+                    </a:lnL>
+                    <a:lnR w="12700" cap="flat" cmpd="sng" algn="ctr">
+                      <a:solidFill>
+                        <a:schemeClr val="tx1"/>
+                      </a:solidFill>
+                      <a:prstDash val="solid"/>
+                      <a:round/>
+                      <a:headEnd type="none" w="med" len="med"/>
+                      <a:tailEnd type="none" w="med" len="med"/>
+                    </a:lnR>
+                    <a:lnT w="12700" cap="flat" cmpd="sng" algn="ctr">
+                      <a:solidFill>
+                        <a:schemeClr val="tx1"/>
+                      </a:solidFill>
+                      <a:prstDash val="solid"/>
+                      <a:round/>
+                      <a:headEnd type="none" w="med" len="med"/>
+                      <a:tailEnd type="none" w="med" len="med"/>
+                    </a:lnT>
+                    <a:lnB w="12700" cap="flat" cmpd="sng" algn="ctr">
+                      <a:solidFill>
+                        <a:schemeClr val="tx1"/>
+                      </a:solidFill>
+                      <a:prstDash val="solid"/>
+                      <a:round/>
+                      <a:headEnd type="none" w="med" len="med"/>
+                      <a:tailEnd type="none" w="med" len="med"/>
+                    </a:lnB>
+                    <a:solidFill>
+                      <a:srgbClr val="05B0EE">
+                        <a:alpha val="40000"/>
+                      </a:srgbClr>
+                    </a:solidFill>
+                  </a:tcPr>
+                </a:tc>
+                <a:tc>
+                  <a:txBody>
+                    <a:bodyPr/>
+                    <a:lstStyle/>
+                    <a:p>
+                      <a:pPr algn="ctr" latinLnBrk="1"/>
+                      <a:endParaRPr lang="ko-KR" altLang="en-US" sz="3900" dirty="0">
+                        <a:solidFill>
+                          <a:schemeClr val="tx1"/>
+                        </a:solidFill>
+                        <a:latin typeface="배달의민족 한나체 Pro" panose="020B0600000101010101" pitchFamily="50" charset="-127"/>
+                        <a:ea typeface="배달의민족 한나체 Pro" panose="020B0600000101010101" pitchFamily="50" charset="-127"/>
+                      </a:endParaRPr>
+                    </a:p>
+                  </a:txBody>
+                  <a:tcPr marL="299444" marR="299444" marT="149722" marB="149722" anchor="ctr">
+                    <a:lnL w="12700" cap="flat" cmpd="sng" algn="ctr">
+                      <a:solidFill>
+                        <a:schemeClr val="tx1"/>
+                      </a:solidFill>
+                      <a:prstDash val="solid"/>
+                      <a:round/>
+                      <a:headEnd type="none" w="med" len="med"/>
+                      <a:tailEnd type="none" w="med" len="med"/>
+                    </a:lnL>
+                    <a:lnR w="12700" cap="flat" cmpd="sng" algn="ctr">
+                      <a:solidFill>
+                        <a:schemeClr val="tx1"/>
+                      </a:solidFill>
+                      <a:prstDash val="solid"/>
+                      <a:round/>
+                      <a:headEnd type="none" w="med" len="med"/>
+                      <a:tailEnd type="none" w="med" len="med"/>
+                    </a:lnR>
+                    <a:lnT w="12700" cap="flat" cmpd="sng" algn="ctr">
+                      <a:solidFill>
+                        <a:schemeClr val="tx1"/>
+                      </a:solidFill>
+                      <a:prstDash val="solid"/>
+                      <a:round/>
+                      <a:headEnd type="none" w="med" len="med"/>
+                      <a:tailEnd type="none" w="med" len="med"/>
+                    </a:lnT>
+                    <a:lnB w="12700" cap="flat" cmpd="sng" algn="ctr">
+                      <a:solidFill>
+                        <a:schemeClr val="tx1"/>
+                      </a:solidFill>
+                      <a:prstDash val="solid"/>
+                      <a:round/>
+                      <a:headEnd type="none" w="med" len="med"/>
+                      <a:tailEnd type="none" w="med" len="med"/>
+                    </a:lnB>
+                    <a:solidFill>
+                      <a:srgbClr val="05B0EE">
+                        <a:alpha val="40000"/>
+                      </a:srgbClr>
+                    </a:solidFill>
+                  </a:tcPr>
+                </a:tc>
+                <a:tc>
+                  <a:txBody>
+                    <a:bodyPr/>
+                    <a:lstStyle/>
+                    <a:p>
+                      <a:pPr algn="ctr" latinLnBrk="1"/>
+                      <a:endParaRPr lang="ko-KR" altLang="en-US" sz="3900" dirty="0">
+                        <a:solidFill>
+                          <a:schemeClr val="tx1"/>
+                        </a:solidFill>
+                        <a:latin typeface="배달의민족 한나체 Pro" panose="020B0600000101010101" pitchFamily="50" charset="-127"/>
+                        <a:ea typeface="배달의민족 한나체 Pro" panose="020B0600000101010101" pitchFamily="50" charset="-127"/>
+                      </a:endParaRPr>
+                    </a:p>
+                  </a:txBody>
+                  <a:tcPr marL="299444" marR="299444" marT="149722" marB="149722" anchor="ctr">
+                    <a:lnL w="12700" cap="flat" cmpd="sng" algn="ctr">
+                      <a:solidFill>
+                        <a:schemeClr val="tx1"/>
+                      </a:solidFill>
+                      <a:prstDash val="solid"/>
+                      <a:round/>
+                      <a:headEnd type="none" w="med" len="med"/>
+                      <a:tailEnd type="none" w="med" len="med"/>
+                    </a:lnL>
+                    <a:lnR w="12700" cap="flat" cmpd="sng" algn="ctr">
+                      <a:solidFill>
+                        <a:schemeClr val="tx1"/>
+                      </a:solidFill>
+                      <a:prstDash val="solid"/>
+                      <a:round/>
+                      <a:headEnd type="none" w="med" len="med"/>
+                      <a:tailEnd type="none" w="med" len="med"/>
+                    </a:lnR>
+                    <a:lnT w="12700" cap="flat" cmpd="sng" algn="ctr">
+                      <a:solidFill>
+                        <a:schemeClr val="tx1"/>
+                      </a:solidFill>
+                      <a:prstDash val="solid"/>
+                      <a:round/>
+                      <a:headEnd type="none" w="med" len="med"/>
+                      <a:tailEnd type="none" w="med" len="med"/>
+                    </a:lnT>
+                    <a:lnB w="12700" cap="flat" cmpd="sng" algn="ctr">
+                      <a:solidFill>
+                        <a:schemeClr val="tx1"/>
+                      </a:solidFill>
+                      <a:prstDash val="solid"/>
+                      <a:round/>
+                      <a:headEnd type="none" w="med" len="med"/>
+                      <a:tailEnd type="none" w="med" len="med"/>
+                    </a:lnB>
+                    <a:solidFill>
+                      <a:srgbClr val="05B0EE">
+                        <a:alpha val="40000"/>
+                      </a:srgbClr>
+                    </a:solidFill>
+                  </a:tcPr>
+                </a:tc>
+                <a:tc>
+                  <a:txBody>
+                    <a:bodyPr/>
+                    <a:lstStyle/>
+                    <a:p>
+                      <a:pPr algn="ctr" latinLnBrk="1"/>
+                      <a:endParaRPr lang="ko-KR" altLang="en-US" sz="3900" dirty="0">
+                        <a:solidFill>
+                          <a:schemeClr val="tx1"/>
+                        </a:solidFill>
+                        <a:latin typeface="배달의민족 한나체 Pro" panose="020B0600000101010101" pitchFamily="50" charset="-127"/>
+                        <a:ea typeface="배달의민족 한나체 Pro" panose="020B0600000101010101" pitchFamily="50" charset="-127"/>
+                      </a:endParaRPr>
+                    </a:p>
+                  </a:txBody>
+                  <a:tcPr marL="299444" marR="299444" marT="149722" marB="149722" anchor="ctr">
+                    <a:lnL w="12700" cap="flat" cmpd="sng" algn="ctr">
+                      <a:solidFill>
+                        <a:schemeClr val="tx1"/>
+                      </a:solidFill>
+                      <a:prstDash val="solid"/>
+                      <a:round/>
+                      <a:headEnd type="none" w="med" len="med"/>
+                      <a:tailEnd type="none" w="med" len="med"/>
+                    </a:lnL>
+                    <a:lnR w="12700" cap="flat" cmpd="sng" algn="ctr">
+                      <a:solidFill>
+                        <a:schemeClr val="tx1"/>
+                      </a:solidFill>
+                      <a:prstDash val="solid"/>
+                      <a:round/>
+                      <a:headEnd type="none" w="med" len="med"/>
+                      <a:tailEnd type="none" w="med" len="med"/>
+                    </a:lnR>
+                    <a:lnT w="12700" cap="flat" cmpd="sng" algn="ctr">
+                      <a:solidFill>
+                        <a:schemeClr val="tx1"/>
+                      </a:solidFill>
+                      <a:prstDash val="solid"/>
+                      <a:round/>
+                      <a:headEnd type="none" w="med" len="med"/>
+                      <a:tailEnd type="none" w="med" len="med"/>
+                    </a:lnT>
+                    <a:lnB w="12700" cap="flat" cmpd="sng" algn="ctr">
+                      <a:solidFill>
+                        <a:schemeClr val="tx1"/>
+                      </a:solidFill>
+                      <a:prstDash val="solid"/>
+                      <a:round/>
+                      <a:headEnd type="none" w="med" len="med"/>
+                      <a:tailEnd type="none" w="med" len="med"/>
+                    </a:lnB>
+                    <a:solidFill>
+                      <a:srgbClr val="05B0EE">
+                        <a:alpha val="40000"/>
+                      </a:srgbClr>
+                    </a:solidFill>
                   </a:tcPr>
                 </a:tc>
                 <a:extLst>
                   <a:ext uri="{0D108BD9-81ED-4DB2-BD59-A6C34878D82A}">
-                    <a16:rowId xmlns:a16="http://schemas.microsoft.com/office/drawing/2014/main" val="3546897022"/>
+                    <a16:rowId xmlns:a16="http://schemas.microsoft.com/office/drawing/2014/main" val="1634810891"/>
                   </a:ext>
                 </a:extLst>
               </a:tr>
@@ -30033,2028 +32397,36 @@
                           <a:latin typeface="맑은 고딕" panose="020B0503020000020004" pitchFamily="50" charset="-127"/>
                           <a:ea typeface="맑은 고딕" panose="020B0503020000020004" pitchFamily="50" charset="-127"/>
                         </a:rPr>
-                        <a:t>스킬 구현</a:t>
+                        <a:t>서버 </a:t>
                       </a:r>
-                    </a:p>
-                  </a:txBody>
-                  <a:tcPr marL="299444" marR="299444" marT="149722" marB="149722" anchor="ctr">
-                    <a:lnL w="12700" cap="flat" cmpd="sng" algn="ctr">
-                      <a:solidFill>
-                        <a:schemeClr val="tx1"/>
-                      </a:solidFill>
-                      <a:prstDash val="solid"/>
-                      <a:round/>
-                      <a:headEnd type="none" w="med" len="med"/>
-                      <a:tailEnd type="none" w="med" len="med"/>
-                    </a:lnL>
-                    <a:lnR w="12700" cap="flat" cmpd="sng" algn="ctr">
-                      <a:solidFill>
-                        <a:schemeClr val="tx1"/>
-                      </a:solidFill>
-                      <a:prstDash val="solid"/>
-                      <a:round/>
-                      <a:headEnd type="none" w="med" len="med"/>
-                      <a:tailEnd type="none" w="med" len="med"/>
-                    </a:lnR>
-                    <a:lnT w="12700" cap="flat" cmpd="sng" algn="ctr">
-                      <a:solidFill>
-                        <a:schemeClr val="tx1"/>
-                      </a:solidFill>
-                      <a:prstDash val="solid"/>
-                      <a:round/>
-                      <a:headEnd type="none" w="med" len="med"/>
-                      <a:tailEnd type="none" w="med" len="med"/>
-                    </a:lnT>
-                    <a:lnB w="12700" cap="flat" cmpd="sng" algn="ctr">
-                      <a:solidFill>
-                        <a:schemeClr val="tx1"/>
-                      </a:solidFill>
-                      <a:prstDash val="solid"/>
-                      <a:round/>
-                      <a:headEnd type="none" w="med" len="med"/>
-                      <a:tailEnd type="none" w="med" len="med"/>
-                    </a:lnB>
-                  </a:tcPr>
-                </a:tc>
-                <a:tc>
-                  <a:txBody>
-                    <a:bodyPr/>
-                    <a:lstStyle/>
-                    <a:p>
-                      <a:pPr algn="ctr" latinLnBrk="1"/>
-                      <a:endParaRPr lang="ko-KR" altLang="en-US" sz="3900">
+                      <a:r>
+                        <a:rPr lang="en-US" altLang="ko-KR" sz="4400" dirty="0">
+                          <a:solidFill>
+                            <a:schemeClr val="tx1"/>
+                          </a:solidFill>
+                          <a:latin typeface="맑은 고딕" panose="020B0503020000020004" pitchFamily="50" charset="-127"/>
+                          <a:ea typeface="맑은 고딕" panose="020B0503020000020004" pitchFamily="50" charset="-127"/>
+                        </a:rPr>
+                        <a:t>– </a:t>
+                      </a:r>
+                      <a:r>
+                        <a:rPr lang="ko-KR" altLang="en-US" sz="4400" dirty="0">
+                          <a:solidFill>
+                            <a:schemeClr val="tx1"/>
+                          </a:solidFill>
+                          <a:latin typeface="맑은 고딕" panose="020B0503020000020004" pitchFamily="50" charset="-127"/>
+                          <a:ea typeface="맑은 고딕" panose="020B0503020000020004" pitchFamily="50" charset="-127"/>
+                        </a:rPr>
+                        <a:t>클라이언트</a:t>
+                      </a:r>
+                      <a:endParaRPr lang="en-US" altLang="ko-KR" sz="4400" dirty="0">
                         <a:solidFill>
                           <a:schemeClr val="tx1"/>
                         </a:solidFill>
-                        <a:latin typeface="배달의민족 한나체 Pro" panose="020B0600000101010101" pitchFamily="50" charset="-127"/>
-                        <a:ea typeface="배달의민족 한나체 Pro" panose="020B0600000101010101" pitchFamily="50" charset="-127"/>
+                        <a:latin typeface="맑은 고딕" panose="020B0503020000020004" pitchFamily="50" charset="-127"/>
+                        <a:ea typeface="맑은 고딕" panose="020B0503020000020004" pitchFamily="50" charset="-127"/>
                       </a:endParaRPr>
                     </a:p>
-                  </a:txBody>
-                  <a:tcPr marL="299444" marR="299444" marT="149722" marB="149722" anchor="ctr">
-                    <a:lnL w="12700" cap="flat" cmpd="sng" algn="ctr">
-                      <a:solidFill>
-                        <a:schemeClr val="tx1"/>
-                      </a:solidFill>
-                      <a:prstDash val="solid"/>
-                      <a:round/>
-                      <a:headEnd type="none" w="med" len="med"/>
-                      <a:tailEnd type="none" w="med" len="med"/>
-                    </a:lnL>
-                    <a:lnR w="12700" cap="flat" cmpd="sng" algn="ctr">
-                      <a:solidFill>
-                        <a:schemeClr val="tx1"/>
-                      </a:solidFill>
-                      <a:prstDash val="solid"/>
-                      <a:round/>
-                      <a:headEnd type="none" w="med" len="med"/>
-                      <a:tailEnd type="none" w="med" len="med"/>
-                    </a:lnR>
-                    <a:lnT w="12700" cap="flat" cmpd="sng" algn="ctr">
-                      <a:solidFill>
-                        <a:schemeClr val="tx1"/>
-                      </a:solidFill>
-                      <a:prstDash val="solid"/>
-                      <a:round/>
-                      <a:headEnd type="none" w="med" len="med"/>
-                      <a:tailEnd type="none" w="med" len="med"/>
-                    </a:lnT>
-                    <a:lnB w="12700" cap="flat" cmpd="sng" algn="ctr">
-                      <a:solidFill>
-                        <a:schemeClr val="tx1"/>
-                      </a:solidFill>
-                      <a:prstDash val="solid"/>
-                      <a:round/>
-                      <a:headEnd type="none" w="med" len="med"/>
-                      <a:tailEnd type="none" w="med" len="med"/>
-                    </a:lnB>
-                  </a:tcPr>
-                </a:tc>
-                <a:tc>
-                  <a:txBody>
-                    <a:bodyPr/>
-                    <a:lstStyle/>
-                    <a:p>
-                      <a:pPr algn="ctr" latinLnBrk="1"/>
-                      <a:endParaRPr lang="ko-KR" altLang="en-US" sz="3900">
-                        <a:solidFill>
-                          <a:schemeClr val="tx1"/>
-                        </a:solidFill>
-                        <a:latin typeface="배달의민족 한나체 Pro" panose="020B0600000101010101" pitchFamily="50" charset="-127"/>
-                        <a:ea typeface="배달의민족 한나체 Pro" panose="020B0600000101010101" pitchFamily="50" charset="-127"/>
-                      </a:endParaRPr>
-                    </a:p>
-                  </a:txBody>
-                  <a:tcPr marL="299444" marR="299444" marT="149722" marB="149722" anchor="ctr">
-                    <a:lnL w="12700" cap="flat" cmpd="sng" algn="ctr">
-                      <a:solidFill>
-                        <a:schemeClr val="tx1"/>
-                      </a:solidFill>
-                      <a:prstDash val="solid"/>
-                      <a:round/>
-                      <a:headEnd type="none" w="med" len="med"/>
-                      <a:tailEnd type="none" w="med" len="med"/>
-                    </a:lnL>
-                    <a:lnR w="12700" cap="flat" cmpd="sng" algn="ctr">
-                      <a:solidFill>
-                        <a:schemeClr val="tx1"/>
-                      </a:solidFill>
-                      <a:prstDash val="solid"/>
-                      <a:round/>
-                      <a:headEnd type="none" w="med" len="med"/>
-                      <a:tailEnd type="none" w="med" len="med"/>
-                    </a:lnR>
-                    <a:lnT w="12700" cap="flat" cmpd="sng" algn="ctr">
-                      <a:solidFill>
-                        <a:schemeClr val="tx1"/>
-                      </a:solidFill>
-                      <a:prstDash val="solid"/>
-                      <a:round/>
-                      <a:headEnd type="none" w="med" len="med"/>
-                      <a:tailEnd type="none" w="med" len="med"/>
-                    </a:lnT>
-                    <a:lnB w="12700" cap="flat" cmpd="sng" algn="ctr">
-                      <a:solidFill>
-                        <a:schemeClr val="tx1"/>
-                      </a:solidFill>
-                      <a:prstDash val="solid"/>
-                      <a:round/>
-                      <a:headEnd type="none" w="med" len="med"/>
-                      <a:tailEnd type="none" w="med" len="med"/>
-                    </a:lnB>
-                  </a:tcPr>
-                </a:tc>
-                <a:tc>
-                  <a:txBody>
-                    <a:bodyPr/>
-                    <a:lstStyle/>
-                    <a:p>
-                      <a:pPr algn="ctr" latinLnBrk="1"/>
-                      <a:endParaRPr lang="ko-KR" altLang="en-US" sz="3900" dirty="0">
-                        <a:solidFill>
-                          <a:schemeClr val="tx1"/>
-                        </a:solidFill>
-                        <a:latin typeface="배달의민족 한나체 Pro" panose="020B0600000101010101" pitchFamily="50" charset="-127"/>
-                        <a:ea typeface="배달의민족 한나체 Pro" panose="020B0600000101010101" pitchFamily="50" charset="-127"/>
-                      </a:endParaRPr>
-                    </a:p>
-                  </a:txBody>
-                  <a:tcPr marL="299444" marR="299444" marT="149722" marB="149722" anchor="ctr">
-                    <a:lnL w="12700" cap="flat" cmpd="sng" algn="ctr">
-                      <a:solidFill>
-                        <a:schemeClr val="tx1"/>
-                      </a:solidFill>
-                      <a:prstDash val="solid"/>
-                      <a:round/>
-                      <a:headEnd type="none" w="med" len="med"/>
-                      <a:tailEnd type="none" w="med" len="med"/>
-                    </a:lnL>
-                    <a:lnR w="12700" cap="flat" cmpd="sng" algn="ctr">
-                      <a:solidFill>
-                        <a:schemeClr val="tx1"/>
-                      </a:solidFill>
-                      <a:prstDash val="solid"/>
-                      <a:round/>
-                      <a:headEnd type="none" w="med" len="med"/>
-                      <a:tailEnd type="none" w="med" len="med"/>
-                    </a:lnR>
-                    <a:lnT w="12700" cap="flat" cmpd="sng" algn="ctr">
-                      <a:solidFill>
-                        <a:schemeClr val="tx1"/>
-                      </a:solidFill>
-                      <a:prstDash val="solid"/>
-                      <a:round/>
-                      <a:headEnd type="none" w="med" len="med"/>
-                      <a:tailEnd type="none" w="med" len="med"/>
-                    </a:lnT>
-                    <a:lnB w="12700" cap="flat" cmpd="sng" algn="ctr">
-                      <a:solidFill>
-                        <a:schemeClr val="tx1"/>
-                      </a:solidFill>
-                      <a:prstDash val="solid"/>
-                      <a:round/>
-                      <a:headEnd type="none" w="med" len="med"/>
-                      <a:tailEnd type="none" w="med" len="med"/>
-                    </a:lnB>
-                  </a:tcPr>
-                </a:tc>
-                <a:tc>
-                  <a:txBody>
-                    <a:bodyPr/>
-                    <a:lstStyle/>
-                    <a:p>
-                      <a:pPr algn="ctr" latinLnBrk="1"/>
-                      <a:endParaRPr lang="ko-KR" altLang="en-US" sz="3900">
-                        <a:solidFill>
-                          <a:schemeClr val="tx1"/>
-                        </a:solidFill>
-                        <a:latin typeface="배달의민족 한나체 Pro" panose="020B0600000101010101" pitchFamily="50" charset="-127"/>
-                        <a:ea typeface="배달의민족 한나체 Pro" panose="020B0600000101010101" pitchFamily="50" charset="-127"/>
-                      </a:endParaRPr>
-                    </a:p>
-                  </a:txBody>
-                  <a:tcPr marL="299444" marR="299444" marT="149722" marB="149722" anchor="ctr">
-                    <a:lnL w="12700" cap="flat" cmpd="sng" algn="ctr">
-                      <a:solidFill>
-                        <a:schemeClr val="tx1"/>
-                      </a:solidFill>
-                      <a:prstDash val="solid"/>
-                      <a:round/>
-                      <a:headEnd type="none" w="med" len="med"/>
-                      <a:tailEnd type="none" w="med" len="med"/>
-                    </a:lnL>
-                    <a:lnR w="12700" cap="flat" cmpd="sng" algn="ctr">
-                      <a:solidFill>
-                        <a:schemeClr val="tx1"/>
-                      </a:solidFill>
-                      <a:prstDash val="solid"/>
-                      <a:round/>
-                      <a:headEnd type="none" w="med" len="med"/>
-                      <a:tailEnd type="none" w="med" len="med"/>
-                    </a:lnR>
-                    <a:lnT w="12700" cap="flat" cmpd="sng" algn="ctr">
-                      <a:solidFill>
-                        <a:schemeClr val="tx1"/>
-                      </a:solidFill>
-                      <a:prstDash val="solid"/>
-                      <a:round/>
-                      <a:headEnd type="none" w="med" len="med"/>
-                      <a:tailEnd type="none" w="med" len="med"/>
-                    </a:lnT>
-                    <a:lnB w="12700" cap="flat" cmpd="sng" algn="ctr">
-                      <a:solidFill>
-                        <a:schemeClr val="tx1"/>
-                      </a:solidFill>
-                      <a:prstDash val="solid"/>
-                      <a:round/>
-                      <a:headEnd type="none" w="med" len="med"/>
-                      <a:tailEnd type="none" w="med" len="med"/>
-                    </a:lnB>
-                  </a:tcPr>
-                </a:tc>
-                <a:tc>
-                  <a:txBody>
-                    <a:bodyPr/>
-                    <a:lstStyle/>
-                    <a:p>
-                      <a:pPr algn="ctr" latinLnBrk="1"/>
-                      <a:endParaRPr lang="ko-KR" altLang="en-US" sz="3900">
-                        <a:solidFill>
-                          <a:schemeClr val="tx1"/>
-                        </a:solidFill>
-                        <a:latin typeface="배달의민족 한나체 Pro" panose="020B0600000101010101" pitchFamily="50" charset="-127"/>
-                        <a:ea typeface="배달의민족 한나체 Pro" panose="020B0600000101010101" pitchFamily="50" charset="-127"/>
-                      </a:endParaRPr>
-                    </a:p>
-                  </a:txBody>
-                  <a:tcPr marL="299444" marR="299444" marT="149722" marB="149722" anchor="ctr">
-                    <a:lnL w="12700" cap="flat" cmpd="sng" algn="ctr">
-                      <a:solidFill>
-                        <a:schemeClr val="tx1"/>
-                      </a:solidFill>
-                      <a:prstDash val="solid"/>
-                      <a:round/>
-                      <a:headEnd type="none" w="med" len="med"/>
-                      <a:tailEnd type="none" w="med" len="med"/>
-                    </a:lnL>
-                    <a:lnR w="12700" cap="flat" cmpd="sng" algn="ctr">
-                      <a:solidFill>
-                        <a:schemeClr val="tx1"/>
-                      </a:solidFill>
-                      <a:prstDash val="solid"/>
-                      <a:round/>
-                      <a:headEnd type="none" w="med" len="med"/>
-                      <a:tailEnd type="none" w="med" len="med"/>
-                    </a:lnR>
-                    <a:lnT w="12700" cap="flat" cmpd="sng" algn="ctr">
-                      <a:solidFill>
-                        <a:schemeClr val="tx1"/>
-                      </a:solidFill>
-                      <a:prstDash val="solid"/>
-                      <a:round/>
-                      <a:headEnd type="none" w="med" len="med"/>
-                      <a:tailEnd type="none" w="med" len="med"/>
-                    </a:lnT>
-                    <a:lnB w="12700" cap="flat" cmpd="sng" algn="ctr">
-                      <a:solidFill>
-                        <a:schemeClr val="tx1"/>
-                      </a:solidFill>
-                      <a:prstDash val="solid"/>
-                      <a:round/>
-                      <a:headEnd type="none" w="med" len="med"/>
-                      <a:tailEnd type="none" w="med" len="med"/>
-                    </a:lnB>
-                  </a:tcPr>
-                </a:tc>
-                <a:tc>
-                  <a:txBody>
-                    <a:bodyPr/>
-                    <a:lstStyle/>
-                    <a:p>
-                      <a:pPr algn="ctr" latinLnBrk="1"/>
-                      <a:endParaRPr lang="ko-KR" altLang="en-US" sz="3900">
-                        <a:solidFill>
-                          <a:schemeClr val="tx1"/>
-                        </a:solidFill>
-                        <a:latin typeface="배달의민족 한나체 Pro" panose="020B0600000101010101" pitchFamily="50" charset="-127"/>
-                        <a:ea typeface="배달의민족 한나체 Pro" panose="020B0600000101010101" pitchFamily="50" charset="-127"/>
-                      </a:endParaRPr>
-                    </a:p>
-                  </a:txBody>
-                  <a:tcPr marL="299444" marR="299444" marT="149722" marB="149722" anchor="ctr">
-                    <a:lnL w="12700" cap="flat" cmpd="sng" algn="ctr">
-                      <a:solidFill>
-                        <a:schemeClr val="tx1"/>
-                      </a:solidFill>
-                      <a:prstDash val="solid"/>
-                      <a:round/>
-                      <a:headEnd type="none" w="med" len="med"/>
-                      <a:tailEnd type="none" w="med" len="med"/>
-                    </a:lnL>
-                    <a:lnR w="12700" cap="flat" cmpd="sng" algn="ctr">
-                      <a:solidFill>
-                        <a:schemeClr val="tx1"/>
-                      </a:solidFill>
-                      <a:prstDash val="solid"/>
-                      <a:round/>
-                      <a:headEnd type="none" w="med" len="med"/>
-                      <a:tailEnd type="none" w="med" len="med"/>
-                    </a:lnR>
-                    <a:lnT w="12700" cap="flat" cmpd="sng" algn="ctr">
-                      <a:solidFill>
-                        <a:schemeClr val="tx1"/>
-                      </a:solidFill>
-                      <a:prstDash val="solid"/>
-                      <a:round/>
-                      <a:headEnd type="none" w="med" len="med"/>
-                      <a:tailEnd type="none" w="med" len="med"/>
-                    </a:lnT>
-                    <a:lnB w="12700" cap="flat" cmpd="sng" algn="ctr">
-                      <a:solidFill>
-                        <a:schemeClr val="tx1"/>
-                      </a:solidFill>
-                      <a:prstDash val="solid"/>
-                      <a:round/>
-                      <a:headEnd type="none" w="med" len="med"/>
-                      <a:tailEnd type="none" w="med" len="med"/>
-                    </a:lnB>
-                  </a:tcPr>
-                </a:tc>
-                <a:tc>
-                  <a:txBody>
-                    <a:bodyPr/>
-                    <a:lstStyle/>
-                    <a:p>
-                      <a:pPr algn="ctr" latinLnBrk="1"/>
-                      <a:endParaRPr lang="ko-KR" altLang="en-US" sz="3900" dirty="0">
-                        <a:solidFill>
-                          <a:schemeClr val="tx1"/>
-                        </a:solidFill>
-                        <a:latin typeface="배달의민족 한나체 Pro" panose="020B0600000101010101" pitchFamily="50" charset="-127"/>
-                        <a:ea typeface="배달의민족 한나체 Pro" panose="020B0600000101010101" pitchFamily="50" charset="-127"/>
-                      </a:endParaRPr>
-                    </a:p>
-                  </a:txBody>
-                  <a:tcPr marL="299444" marR="299444" marT="149722" marB="149722" anchor="ctr">
-                    <a:lnL w="12700" cap="flat" cmpd="sng" algn="ctr">
-                      <a:solidFill>
-                        <a:schemeClr val="tx1"/>
-                      </a:solidFill>
-                      <a:prstDash val="solid"/>
-                      <a:round/>
-                      <a:headEnd type="none" w="med" len="med"/>
-                      <a:tailEnd type="none" w="med" len="med"/>
-                    </a:lnL>
-                    <a:lnR w="12700" cap="flat" cmpd="sng" algn="ctr">
-                      <a:solidFill>
-                        <a:schemeClr val="tx1"/>
-                      </a:solidFill>
-                      <a:prstDash val="solid"/>
-                      <a:round/>
-                      <a:headEnd type="none" w="med" len="med"/>
-                      <a:tailEnd type="none" w="med" len="med"/>
-                    </a:lnR>
-                    <a:lnT w="12700" cap="flat" cmpd="sng" algn="ctr">
-                      <a:solidFill>
-                        <a:schemeClr val="tx1"/>
-                      </a:solidFill>
-                      <a:prstDash val="solid"/>
-                      <a:round/>
-                      <a:headEnd type="none" w="med" len="med"/>
-                      <a:tailEnd type="none" w="med" len="med"/>
-                    </a:lnT>
-                    <a:lnB w="12700" cap="flat" cmpd="sng" algn="ctr">
-                      <a:solidFill>
-                        <a:schemeClr val="tx1"/>
-                      </a:solidFill>
-                      <a:prstDash val="solid"/>
-                      <a:round/>
-                      <a:headEnd type="none" w="med" len="med"/>
-                      <a:tailEnd type="none" w="med" len="med"/>
-                    </a:lnB>
-                  </a:tcPr>
-                </a:tc>
-                <a:tc>
-                  <a:txBody>
-                    <a:bodyPr/>
-                    <a:lstStyle/>
-                    <a:p>
-                      <a:pPr algn="ctr" latinLnBrk="1"/>
-                      <a:endParaRPr lang="ko-KR" altLang="en-US" sz="3900" dirty="0">
-                        <a:solidFill>
-                          <a:schemeClr val="tx1"/>
-                        </a:solidFill>
-                        <a:latin typeface="배달의민족 한나체 Pro" panose="020B0600000101010101" pitchFamily="50" charset="-127"/>
-                        <a:ea typeface="배달의민족 한나체 Pro" panose="020B0600000101010101" pitchFamily="50" charset="-127"/>
-                      </a:endParaRPr>
-                    </a:p>
-                  </a:txBody>
-                  <a:tcPr marL="299444" marR="299444" marT="149722" marB="149722" anchor="ctr">
-                    <a:lnL w="12700" cap="flat" cmpd="sng" algn="ctr">
-                      <a:solidFill>
-                        <a:schemeClr val="tx1"/>
-                      </a:solidFill>
-                      <a:prstDash val="solid"/>
-                      <a:round/>
-                      <a:headEnd type="none" w="med" len="med"/>
-                      <a:tailEnd type="none" w="med" len="med"/>
-                    </a:lnL>
-                    <a:lnR w="12700" cap="flat" cmpd="sng" algn="ctr">
-                      <a:solidFill>
-                        <a:schemeClr val="tx1"/>
-                      </a:solidFill>
-                      <a:prstDash val="solid"/>
-                      <a:round/>
-                      <a:headEnd type="none" w="med" len="med"/>
-                      <a:tailEnd type="none" w="med" len="med"/>
-                    </a:lnR>
-                    <a:lnT w="12700" cap="flat" cmpd="sng" algn="ctr">
-                      <a:solidFill>
-                        <a:schemeClr val="tx1"/>
-                      </a:solidFill>
-                      <a:prstDash val="solid"/>
-                      <a:round/>
-                      <a:headEnd type="none" w="med" len="med"/>
-                      <a:tailEnd type="none" w="med" len="med"/>
-                    </a:lnT>
-                    <a:lnB w="12700" cap="flat" cmpd="sng" algn="ctr">
-                      <a:solidFill>
-                        <a:schemeClr val="tx1"/>
-                      </a:solidFill>
-                      <a:prstDash val="solid"/>
-                      <a:round/>
-                      <a:headEnd type="none" w="med" len="med"/>
-                      <a:tailEnd type="none" w="med" len="med"/>
-                    </a:lnB>
-                  </a:tcPr>
-                </a:tc>
-                <a:tc>
-                  <a:txBody>
-                    <a:bodyPr/>
-                    <a:lstStyle/>
-                    <a:p>
-                      <a:pPr algn="ctr" latinLnBrk="1"/>
-                      <a:endParaRPr lang="ko-KR" altLang="en-US" sz="3900" dirty="0">
-                        <a:solidFill>
-                          <a:schemeClr val="tx1"/>
-                        </a:solidFill>
-                        <a:latin typeface="배달의민족 한나체 Pro" panose="020B0600000101010101" pitchFamily="50" charset="-127"/>
-                        <a:ea typeface="배달의민족 한나체 Pro" panose="020B0600000101010101" pitchFamily="50" charset="-127"/>
-                      </a:endParaRPr>
-                    </a:p>
-                  </a:txBody>
-                  <a:tcPr marL="299444" marR="299444" marT="149722" marB="149722" anchor="ctr">
-                    <a:lnL w="12700" cap="flat" cmpd="sng" algn="ctr">
-                      <a:solidFill>
-                        <a:schemeClr val="tx1"/>
-                      </a:solidFill>
-                      <a:prstDash val="solid"/>
-                      <a:round/>
-                      <a:headEnd type="none" w="med" len="med"/>
-                      <a:tailEnd type="none" w="med" len="med"/>
-                    </a:lnL>
-                    <a:lnR w="12700" cap="flat" cmpd="sng" algn="ctr">
-                      <a:solidFill>
-                        <a:schemeClr val="tx1"/>
-                      </a:solidFill>
-                      <a:prstDash val="solid"/>
-                      <a:round/>
-                      <a:headEnd type="none" w="med" len="med"/>
-                      <a:tailEnd type="none" w="med" len="med"/>
-                    </a:lnR>
-                    <a:lnT w="12700" cap="flat" cmpd="sng" algn="ctr">
-                      <a:solidFill>
-                        <a:schemeClr val="tx1"/>
-                      </a:solidFill>
-                      <a:prstDash val="solid"/>
-                      <a:round/>
-                      <a:headEnd type="none" w="med" len="med"/>
-                      <a:tailEnd type="none" w="med" len="med"/>
-                    </a:lnT>
-                    <a:lnB w="12700" cap="flat" cmpd="sng" algn="ctr">
-                      <a:solidFill>
-                        <a:schemeClr val="tx1"/>
-                      </a:solidFill>
-                      <a:prstDash val="solid"/>
-                      <a:round/>
-                      <a:headEnd type="none" w="med" len="med"/>
-                      <a:tailEnd type="none" w="med" len="med"/>
-                    </a:lnB>
-                  </a:tcPr>
-                </a:tc>
-                <a:tc>
-                  <a:txBody>
-                    <a:bodyPr/>
-                    <a:lstStyle/>
-                    <a:p>
-                      <a:pPr algn="ctr" latinLnBrk="1"/>
-                      <a:endParaRPr lang="ko-KR" altLang="en-US" sz="3900">
-                        <a:solidFill>
-                          <a:schemeClr val="tx1"/>
-                        </a:solidFill>
-                        <a:latin typeface="배달의민족 한나체 Pro" panose="020B0600000101010101" pitchFamily="50" charset="-127"/>
-                        <a:ea typeface="배달의민족 한나체 Pro" panose="020B0600000101010101" pitchFamily="50" charset="-127"/>
-                      </a:endParaRPr>
-                    </a:p>
-                  </a:txBody>
-                  <a:tcPr marL="299444" marR="299444" marT="149722" marB="149722" anchor="ctr">
-                    <a:lnL w="12700" cap="flat" cmpd="sng" algn="ctr">
-                      <a:solidFill>
-                        <a:schemeClr val="tx1"/>
-                      </a:solidFill>
-                      <a:prstDash val="solid"/>
-                      <a:round/>
-                      <a:headEnd type="none" w="med" len="med"/>
-                      <a:tailEnd type="none" w="med" len="med"/>
-                    </a:lnL>
-                    <a:lnR w="12700" cap="flat" cmpd="sng" algn="ctr">
-                      <a:solidFill>
-                        <a:schemeClr val="tx1"/>
-                      </a:solidFill>
-                      <a:prstDash val="solid"/>
-                      <a:round/>
-                      <a:headEnd type="none" w="med" len="med"/>
-                      <a:tailEnd type="none" w="med" len="med"/>
-                    </a:lnR>
-                    <a:lnT w="12700" cap="flat" cmpd="sng" algn="ctr">
-                      <a:solidFill>
-                        <a:schemeClr val="tx1"/>
-                      </a:solidFill>
-                      <a:prstDash val="solid"/>
-                      <a:round/>
-                      <a:headEnd type="none" w="med" len="med"/>
-                      <a:tailEnd type="none" w="med" len="med"/>
-                    </a:lnT>
-                    <a:lnB w="12700" cap="flat" cmpd="sng" algn="ctr">
-                      <a:solidFill>
-                        <a:schemeClr val="tx1"/>
-                      </a:solidFill>
-                      <a:prstDash val="solid"/>
-                      <a:round/>
-                      <a:headEnd type="none" w="med" len="med"/>
-                      <a:tailEnd type="none" w="med" len="med"/>
-                    </a:lnB>
-                  </a:tcPr>
-                </a:tc>
-                <a:tc>
-                  <a:txBody>
-                    <a:bodyPr/>
-                    <a:lstStyle/>
-                    <a:p>
-                      <a:pPr algn="ctr" latinLnBrk="1"/>
-                      <a:endParaRPr lang="ko-KR" altLang="en-US" sz="3900">
-                        <a:solidFill>
-                          <a:schemeClr val="tx1"/>
-                        </a:solidFill>
-                        <a:latin typeface="배달의민족 한나체 Pro" panose="020B0600000101010101" pitchFamily="50" charset="-127"/>
-                        <a:ea typeface="배달의민족 한나체 Pro" panose="020B0600000101010101" pitchFamily="50" charset="-127"/>
-                      </a:endParaRPr>
-                    </a:p>
-                  </a:txBody>
-                  <a:tcPr marL="299444" marR="299444" marT="149722" marB="149722" anchor="ctr">
-                    <a:lnL w="12700" cap="flat" cmpd="sng" algn="ctr">
-                      <a:solidFill>
-                        <a:schemeClr val="tx1"/>
-                      </a:solidFill>
-                      <a:prstDash val="solid"/>
-                      <a:round/>
-                      <a:headEnd type="none" w="med" len="med"/>
-                      <a:tailEnd type="none" w="med" len="med"/>
-                    </a:lnL>
-                    <a:lnR w="12700" cap="flat" cmpd="sng" algn="ctr">
-                      <a:solidFill>
-                        <a:schemeClr val="tx1"/>
-                      </a:solidFill>
-                      <a:prstDash val="solid"/>
-                      <a:round/>
-                      <a:headEnd type="none" w="med" len="med"/>
-                      <a:tailEnd type="none" w="med" len="med"/>
-                    </a:lnR>
-                    <a:lnT w="12700" cap="flat" cmpd="sng" algn="ctr">
-                      <a:solidFill>
-                        <a:schemeClr val="tx1"/>
-                      </a:solidFill>
-                      <a:prstDash val="solid"/>
-                      <a:round/>
-                      <a:headEnd type="none" w="med" len="med"/>
-                      <a:tailEnd type="none" w="med" len="med"/>
-                    </a:lnT>
-                    <a:lnB w="12700" cap="flat" cmpd="sng" algn="ctr">
-                      <a:solidFill>
-                        <a:schemeClr val="tx1"/>
-                      </a:solidFill>
-                      <a:prstDash val="solid"/>
-                      <a:round/>
-                      <a:headEnd type="none" w="med" len="med"/>
-                      <a:tailEnd type="none" w="med" len="med"/>
-                    </a:lnB>
-                  </a:tcPr>
-                </a:tc>
-                <a:tc>
-                  <a:txBody>
-                    <a:bodyPr/>
-                    <a:lstStyle/>
-                    <a:p>
-                      <a:pPr algn="ctr" latinLnBrk="1"/>
-                      <a:endParaRPr lang="ko-KR" altLang="en-US" sz="3900" dirty="0">
-                        <a:solidFill>
-                          <a:schemeClr val="tx1"/>
-                        </a:solidFill>
-                        <a:latin typeface="배달의민족 한나체 Pro" panose="020B0600000101010101" pitchFamily="50" charset="-127"/>
-                        <a:ea typeface="배달의민족 한나체 Pro" panose="020B0600000101010101" pitchFamily="50" charset="-127"/>
-                      </a:endParaRPr>
-                    </a:p>
-                  </a:txBody>
-                  <a:tcPr marL="299444" marR="299444" marT="149722" marB="149722" anchor="ctr">
-                    <a:lnL w="12700" cap="flat" cmpd="sng" algn="ctr">
-                      <a:solidFill>
-                        <a:schemeClr val="tx1"/>
-                      </a:solidFill>
-                      <a:prstDash val="solid"/>
-                      <a:round/>
-                      <a:headEnd type="none" w="med" len="med"/>
-                      <a:tailEnd type="none" w="med" len="med"/>
-                    </a:lnL>
-                    <a:lnR w="12700" cap="flat" cmpd="sng" algn="ctr">
-                      <a:solidFill>
-                        <a:schemeClr val="tx1"/>
-                      </a:solidFill>
-                      <a:prstDash val="solid"/>
-                      <a:round/>
-                      <a:headEnd type="none" w="med" len="med"/>
-                      <a:tailEnd type="none" w="med" len="med"/>
-                    </a:lnR>
-                    <a:lnT w="12700" cap="flat" cmpd="sng" algn="ctr">
-                      <a:solidFill>
-                        <a:schemeClr val="tx1"/>
-                      </a:solidFill>
-                      <a:prstDash val="solid"/>
-                      <a:round/>
-                      <a:headEnd type="none" w="med" len="med"/>
-                      <a:tailEnd type="none" w="med" len="med"/>
-                    </a:lnT>
-                    <a:lnB w="12700" cap="flat" cmpd="sng" algn="ctr">
-                      <a:solidFill>
-                        <a:schemeClr val="tx1"/>
-                      </a:solidFill>
-                      <a:prstDash val="solid"/>
-                      <a:round/>
-                      <a:headEnd type="none" w="med" len="med"/>
-                      <a:tailEnd type="none" w="med" len="med"/>
-                    </a:lnB>
-                  </a:tcPr>
-                </a:tc>
-                <a:tc>
-                  <a:txBody>
-                    <a:bodyPr/>
-                    <a:lstStyle/>
-                    <a:p>
-                      <a:pPr algn="ctr" latinLnBrk="1"/>
-                      <a:endParaRPr lang="ko-KR" altLang="en-US" sz="3900" dirty="0">
-                        <a:solidFill>
-                          <a:schemeClr val="tx1"/>
-                        </a:solidFill>
-                        <a:latin typeface="배달의민족 한나체 Pro" panose="020B0600000101010101" pitchFamily="50" charset="-127"/>
-                        <a:ea typeface="배달의민족 한나체 Pro" panose="020B0600000101010101" pitchFamily="50" charset="-127"/>
-                      </a:endParaRPr>
-                    </a:p>
-                  </a:txBody>
-                  <a:tcPr marL="299444" marR="299444" marT="149722" marB="149722" anchor="ctr">
-                    <a:lnL w="12700" cap="flat" cmpd="sng" algn="ctr">
-                      <a:solidFill>
-                        <a:schemeClr val="tx1"/>
-                      </a:solidFill>
-                      <a:prstDash val="solid"/>
-                      <a:round/>
-                      <a:headEnd type="none" w="med" len="med"/>
-                      <a:tailEnd type="none" w="med" len="med"/>
-                    </a:lnL>
-                    <a:lnR w="12700" cap="flat" cmpd="sng" algn="ctr">
-                      <a:solidFill>
-                        <a:schemeClr val="tx1"/>
-                      </a:solidFill>
-                      <a:prstDash val="solid"/>
-                      <a:round/>
-                      <a:headEnd type="none" w="med" len="med"/>
-                      <a:tailEnd type="none" w="med" len="med"/>
-                    </a:lnR>
-                    <a:lnT w="12700" cap="flat" cmpd="sng" algn="ctr">
-                      <a:solidFill>
-                        <a:schemeClr val="tx1"/>
-                      </a:solidFill>
-                      <a:prstDash val="solid"/>
-                      <a:round/>
-                      <a:headEnd type="none" w="med" len="med"/>
-                      <a:tailEnd type="none" w="med" len="med"/>
-                    </a:lnT>
-                    <a:lnB w="12700" cap="flat" cmpd="sng" algn="ctr">
-                      <a:solidFill>
-                        <a:schemeClr val="tx1"/>
-                      </a:solidFill>
-                      <a:prstDash val="solid"/>
-                      <a:round/>
-                      <a:headEnd type="none" w="med" len="med"/>
-                      <a:tailEnd type="none" w="med" len="med"/>
-                    </a:lnB>
-                  </a:tcPr>
-                </a:tc>
-                <a:tc>
-                  <a:txBody>
-                    <a:bodyPr/>
-                    <a:lstStyle/>
-                    <a:p>
-                      <a:pPr algn="ctr" latinLnBrk="1"/>
-                      <a:endParaRPr lang="ko-KR" altLang="en-US" sz="3900" dirty="0">
-                        <a:solidFill>
-                          <a:schemeClr val="tx1"/>
-                        </a:solidFill>
-                        <a:latin typeface="배달의민족 한나체 Pro" panose="020B0600000101010101" pitchFamily="50" charset="-127"/>
-                        <a:ea typeface="배달의민족 한나체 Pro" panose="020B0600000101010101" pitchFamily="50" charset="-127"/>
-                      </a:endParaRPr>
-                    </a:p>
-                  </a:txBody>
-                  <a:tcPr marL="299444" marR="299444" marT="149722" marB="149722" anchor="ctr">
-                    <a:lnL w="12700" cap="flat" cmpd="sng" algn="ctr">
-                      <a:solidFill>
-                        <a:schemeClr val="tx1"/>
-                      </a:solidFill>
-                      <a:prstDash val="solid"/>
-                      <a:round/>
-                      <a:headEnd type="none" w="med" len="med"/>
-                      <a:tailEnd type="none" w="med" len="med"/>
-                    </a:lnL>
-                    <a:lnR w="12700" cap="flat" cmpd="sng" algn="ctr">
-                      <a:solidFill>
-                        <a:schemeClr val="tx1"/>
-                      </a:solidFill>
-                      <a:prstDash val="solid"/>
-                      <a:round/>
-                      <a:headEnd type="none" w="med" len="med"/>
-                      <a:tailEnd type="none" w="med" len="med"/>
-                    </a:lnR>
-                    <a:lnT w="12700" cap="flat" cmpd="sng" algn="ctr">
-                      <a:solidFill>
-                        <a:schemeClr val="tx1"/>
-                      </a:solidFill>
-                      <a:prstDash val="solid"/>
-                      <a:round/>
-                      <a:headEnd type="none" w="med" len="med"/>
-                      <a:tailEnd type="none" w="med" len="med"/>
-                    </a:lnT>
-                    <a:lnB w="12700" cap="flat" cmpd="sng" algn="ctr">
-                      <a:solidFill>
-                        <a:schemeClr val="tx1"/>
-                      </a:solidFill>
-                      <a:prstDash val="solid"/>
-                      <a:round/>
-                      <a:headEnd type="none" w="med" len="med"/>
-                      <a:tailEnd type="none" w="med" len="med"/>
-                    </a:lnB>
-                  </a:tcPr>
-                </a:tc>
-                <a:tc>
-                  <a:txBody>
-                    <a:bodyPr/>
-                    <a:lstStyle/>
-                    <a:p>
-                      <a:pPr algn="ctr" latinLnBrk="1"/>
-                      <a:endParaRPr lang="ko-KR" altLang="en-US" sz="3900" dirty="0">
-                        <a:solidFill>
-                          <a:schemeClr val="tx1"/>
-                        </a:solidFill>
-                        <a:latin typeface="배달의민족 한나체 Pro" panose="020B0600000101010101" pitchFamily="50" charset="-127"/>
-                        <a:ea typeface="배달의민족 한나체 Pro" panose="020B0600000101010101" pitchFamily="50" charset="-127"/>
-                      </a:endParaRPr>
-                    </a:p>
-                  </a:txBody>
-                  <a:tcPr marL="299444" marR="299444" marT="149722" marB="149722" anchor="ctr">
-                    <a:lnL w="12700" cap="flat" cmpd="sng" algn="ctr">
-                      <a:solidFill>
-                        <a:schemeClr val="tx1"/>
-                      </a:solidFill>
-                      <a:prstDash val="solid"/>
-                      <a:round/>
-                      <a:headEnd type="none" w="med" len="med"/>
-                      <a:tailEnd type="none" w="med" len="med"/>
-                    </a:lnL>
-                    <a:lnR w="12700" cap="flat" cmpd="sng" algn="ctr">
-                      <a:solidFill>
-                        <a:schemeClr val="tx1"/>
-                      </a:solidFill>
-                      <a:prstDash val="solid"/>
-                      <a:round/>
-                      <a:headEnd type="none" w="med" len="med"/>
-                      <a:tailEnd type="none" w="med" len="med"/>
-                    </a:lnR>
-                    <a:lnT w="12700" cap="flat" cmpd="sng" algn="ctr">
-                      <a:solidFill>
-                        <a:schemeClr val="tx1"/>
-                      </a:solidFill>
-                      <a:prstDash val="solid"/>
-                      <a:round/>
-                      <a:headEnd type="none" w="med" len="med"/>
-                      <a:tailEnd type="none" w="med" len="med"/>
-                    </a:lnT>
-                    <a:lnB w="12700" cap="flat" cmpd="sng" algn="ctr">
-                      <a:solidFill>
-                        <a:schemeClr val="tx1"/>
-                      </a:solidFill>
-                      <a:prstDash val="solid"/>
-                      <a:round/>
-                      <a:headEnd type="none" w="med" len="med"/>
-                      <a:tailEnd type="none" w="med" len="med"/>
-                    </a:lnB>
-                  </a:tcPr>
-                </a:tc>
-                <a:tc>
-                  <a:txBody>
-                    <a:bodyPr/>
-                    <a:lstStyle/>
-                    <a:p>
-                      <a:pPr algn="ctr" latinLnBrk="1"/>
-                      <a:endParaRPr lang="ko-KR" altLang="en-US" sz="3900" dirty="0">
-                        <a:solidFill>
-                          <a:schemeClr val="tx1"/>
-                        </a:solidFill>
-                        <a:latin typeface="배달의민족 한나체 Pro" panose="020B0600000101010101" pitchFamily="50" charset="-127"/>
-                        <a:ea typeface="배달의민족 한나체 Pro" panose="020B0600000101010101" pitchFamily="50" charset="-127"/>
-                      </a:endParaRPr>
-                    </a:p>
-                  </a:txBody>
-                  <a:tcPr marL="299444" marR="299444" marT="149722" marB="149722" anchor="ctr">
-                    <a:lnL w="12700" cap="flat" cmpd="sng" algn="ctr">
-                      <a:solidFill>
-                        <a:schemeClr val="tx1"/>
-                      </a:solidFill>
-                      <a:prstDash val="solid"/>
-                      <a:round/>
-                      <a:headEnd type="none" w="med" len="med"/>
-                      <a:tailEnd type="none" w="med" len="med"/>
-                    </a:lnL>
-                    <a:lnR w="12700" cap="flat" cmpd="sng" algn="ctr">
-                      <a:solidFill>
-                        <a:schemeClr val="tx1"/>
-                      </a:solidFill>
-                      <a:prstDash val="solid"/>
-                      <a:round/>
-                      <a:headEnd type="none" w="med" len="med"/>
-                      <a:tailEnd type="none" w="med" len="med"/>
-                    </a:lnR>
-                    <a:lnT w="12700" cap="flat" cmpd="sng" algn="ctr">
-                      <a:solidFill>
-                        <a:schemeClr val="tx1"/>
-                      </a:solidFill>
-                      <a:prstDash val="solid"/>
-                      <a:round/>
-                      <a:headEnd type="none" w="med" len="med"/>
-                      <a:tailEnd type="none" w="med" len="med"/>
-                    </a:lnT>
-                    <a:lnB w="12700" cap="flat" cmpd="sng" algn="ctr">
-                      <a:solidFill>
-                        <a:schemeClr val="tx1"/>
-                      </a:solidFill>
-                      <a:prstDash val="solid"/>
-                      <a:round/>
-                      <a:headEnd type="none" w="med" len="med"/>
-                      <a:tailEnd type="none" w="med" len="med"/>
-                    </a:lnB>
-                  </a:tcPr>
-                </a:tc>
-                <a:tc>
-                  <a:txBody>
-                    <a:bodyPr/>
-                    <a:lstStyle/>
-                    <a:p>
-                      <a:pPr algn="ctr" latinLnBrk="1"/>
-                      <a:endParaRPr lang="ko-KR" altLang="en-US" sz="3900" dirty="0">
-                        <a:solidFill>
-                          <a:schemeClr val="tx1"/>
-                        </a:solidFill>
-                        <a:latin typeface="배달의민족 한나체 Pro" panose="020B0600000101010101" pitchFamily="50" charset="-127"/>
-                        <a:ea typeface="배달의민족 한나체 Pro" panose="020B0600000101010101" pitchFamily="50" charset="-127"/>
-                      </a:endParaRPr>
-                    </a:p>
-                  </a:txBody>
-                  <a:tcPr marL="299444" marR="299444" marT="149722" marB="149722" anchor="ctr">
-                    <a:lnL w="12700" cap="flat" cmpd="sng" algn="ctr">
-                      <a:solidFill>
-                        <a:schemeClr val="tx1"/>
-                      </a:solidFill>
-                      <a:prstDash val="solid"/>
-                      <a:round/>
-                      <a:headEnd type="none" w="med" len="med"/>
-                      <a:tailEnd type="none" w="med" len="med"/>
-                    </a:lnL>
-                    <a:lnR w="12700" cap="flat" cmpd="sng" algn="ctr">
-                      <a:solidFill>
-                        <a:schemeClr val="tx1"/>
-                      </a:solidFill>
-                      <a:prstDash val="solid"/>
-                      <a:round/>
-                      <a:headEnd type="none" w="med" len="med"/>
-                      <a:tailEnd type="none" w="med" len="med"/>
-                    </a:lnR>
-                    <a:lnT w="12700" cap="flat" cmpd="sng" algn="ctr">
-                      <a:solidFill>
-                        <a:schemeClr val="tx1"/>
-                      </a:solidFill>
-                      <a:prstDash val="solid"/>
-                      <a:round/>
-                      <a:headEnd type="none" w="med" len="med"/>
-                      <a:tailEnd type="none" w="med" len="med"/>
-                    </a:lnT>
-                    <a:lnB w="12700" cap="flat" cmpd="sng" algn="ctr">
-                      <a:solidFill>
-                        <a:schemeClr val="tx1"/>
-                      </a:solidFill>
-                      <a:prstDash val="solid"/>
-                      <a:round/>
-                      <a:headEnd type="none" w="med" len="med"/>
-                      <a:tailEnd type="none" w="med" len="med"/>
-                    </a:lnB>
-                    <a:solidFill>
-                      <a:srgbClr val="00B0F0"/>
-                    </a:solidFill>
-                  </a:tcPr>
-                </a:tc>
-                <a:tc>
-                  <a:txBody>
-                    <a:bodyPr/>
-                    <a:lstStyle/>
-                    <a:p>
-                      <a:pPr algn="ctr" latinLnBrk="1"/>
-                      <a:endParaRPr lang="ko-KR" altLang="en-US" sz="3900" dirty="0">
-                        <a:solidFill>
-                          <a:schemeClr val="tx1"/>
-                        </a:solidFill>
-                        <a:latin typeface="배달의민족 한나체 Pro" panose="020B0600000101010101" pitchFamily="50" charset="-127"/>
-                        <a:ea typeface="배달의민족 한나체 Pro" panose="020B0600000101010101" pitchFamily="50" charset="-127"/>
-                      </a:endParaRPr>
-                    </a:p>
-                  </a:txBody>
-                  <a:tcPr marL="299444" marR="299444" marT="149722" marB="149722" anchor="ctr">
-                    <a:lnL w="12700" cap="flat" cmpd="sng" algn="ctr">
-                      <a:solidFill>
-                        <a:schemeClr val="tx1"/>
-                      </a:solidFill>
-                      <a:prstDash val="solid"/>
-                      <a:round/>
-                      <a:headEnd type="none" w="med" len="med"/>
-                      <a:tailEnd type="none" w="med" len="med"/>
-                    </a:lnL>
-                    <a:lnR w="12700" cap="flat" cmpd="sng" algn="ctr">
-                      <a:solidFill>
-                        <a:schemeClr val="tx1"/>
-                      </a:solidFill>
-                      <a:prstDash val="solid"/>
-                      <a:round/>
-                      <a:headEnd type="none" w="med" len="med"/>
-                      <a:tailEnd type="none" w="med" len="med"/>
-                    </a:lnR>
-                    <a:lnT w="12700" cap="flat" cmpd="sng" algn="ctr">
-                      <a:solidFill>
-                        <a:schemeClr val="tx1"/>
-                      </a:solidFill>
-                      <a:prstDash val="solid"/>
-                      <a:round/>
-                      <a:headEnd type="none" w="med" len="med"/>
-                      <a:tailEnd type="none" w="med" len="med"/>
-                    </a:lnT>
-                    <a:lnB w="12700" cap="flat" cmpd="sng" algn="ctr">
-                      <a:solidFill>
-                        <a:schemeClr val="tx1"/>
-                      </a:solidFill>
-                      <a:prstDash val="solid"/>
-                      <a:round/>
-                      <a:headEnd type="none" w="med" len="med"/>
-                      <a:tailEnd type="none" w="med" len="med"/>
-                    </a:lnB>
-                    <a:solidFill>
-                      <a:srgbClr val="00B0F0"/>
-                    </a:solidFill>
-                  </a:tcPr>
-                </a:tc>
-                <a:tc>
-                  <a:txBody>
-                    <a:bodyPr/>
-                    <a:lstStyle/>
-                    <a:p>
-                      <a:pPr algn="ctr" latinLnBrk="1"/>
-                      <a:endParaRPr lang="ko-KR" altLang="en-US" sz="3900" dirty="0">
-                        <a:solidFill>
-                          <a:schemeClr val="tx1"/>
-                        </a:solidFill>
-                        <a:latin typeface="배달의민족 한나체 Pro" panose="020B0600000101010101" pitchFamily="50" charset="-127"/>
-                        <a:ea typeface="배달의민족 한나체 Pro" panose="020B0600000101010101" pitchFamily="50" charset="-127"/>
-                      </a:endParaRPr>
-                    </a:p>
-                  </a:txBody>
-                  <a:tcPr marL="299444" marR="299444" marT="149722" marB="149722" anchor="ctr">
-                    <a:lnL w="12700" cap="flat" cmpd="sng" algn="ctr">
-                      <a:solidFill>
-                        <a:schemeClr val="tx1"/>
-                      </a:solidFill>
-                      <a:prstDash val="solid"/>
-                      <a:round/>
-                      <a:headEnd type="none" w="med" len="med"/>
-                      <a:tailEnd type="none" w="med" len="med"/>
-                    </a:lnL>
-                    <a:lnR w="12700" cap="flat" cmpd="sng" algn="ctr">
-                      <a:solidFill>
-                        <a:schemeClr val="tx1"/>
-                      </a:solidFill>
-                      <a:prstDash val="solid"/>
-                      <a:round/>
-                      <a:headEnd type="none" w="med" len="med"/>
-                      <a:tailEnd type="none" w="med" len="med"/>
-                    </a:lnR>
-                    <a:lnT w="12700" cap="flat" cmpd="sng" algn="ctr">
-                      <a:solidFill>
-                        <a:schemeClr val="tx1"/>
-                      </a:solidFill>
-                      <a:prstDash val="solid"/>
-                      <a:round/>
-                      <a:headEnd type="none" w="med" len="med"/>
-                      <a:tailEnd type="none" w="med" len="med"/>
-                    </a:lnT>
-                    <a:lnB w="12700" cap="flat" cmpd="sng" algn="ctr">
-                      <a:solidFill>
-                        <a:schemeClr val="tx1"/>
-                      </a:solidFill>
-                      <a:prstDash val="solid"/>
-                      <a:round/>
-                      <a:headEnd type="none" w="med" len="med"/>
-                      <a:tailEnd type="none" w="med" len="med"/>
-                    </a:lnB>
-                    <a:solidFill>
-                      <a:srgbClr val="00B0F0"/>
-                    </a:solidFill>
-                  </a:tcPr>
-                </a:tc>
-                <a:tc>
-                  <a:txBody>
-                    <a:bodyPr/>
-                    <a:lstStyle/>
-                    <a:p>
-                      <a:pPr algn="ctr" latinLnBrk="1"/>
-                      <a:endParaRPr lang="ko-KR" altLang="en-US" sz="3900" dirty="0">
-                        <a:solidFill>
-                          <a:schemeClr val="tx1"/>
-                        </a:solidFill>
-                        <a:latin typeface="배달의민족 한나체 Pro" panose="020B0600000101010101" pitchFamily="50" charset="-127"/>
-                        <a:ea typeface="배달의민족 한나체 Pro" panose="020B0600000101010101" pitchFamily="50" charset="-127"/>
-                      </a:endParaRPr>
-                    </a:p>
-                  </a:txBody>
-                  <a:tcPr marL="299444" marR="299444" marT="149722" marB="149722" anchor="ctr">
-                    <a:lnL w="12700" cap="flat" cmpd="sng" algn="ctr">
-                      <a:solidFill>
-                        <a:schemeClr val="tx1"/>
-                      </a:solidFill>
-                      <a:prstDash val="solid"/>
-                      <a:round/>
-                      <a:headEnd type="none" w="med" len="med"/>
-                      <a:tailEnd type="none" w="med" len="med"/>
-                    </a:lnL>
-                    <a:lnR w="12700" cap="flat" cmpd="sng" algn="ctr">
-                      <a:solidFill>
-                        <a:schemeClr val="tx1"/>
-                      </a:solidFill>
-                      <a:prstDash val="solid"/>
-                      <a:round/>
-                      <a:headEnd type="none" w="med" len="med"/>
-                      <a:tailEnd type="none" w="med" len="med"/>
-                    </a:lnR>
-                    <a:lnT w="12700" cap="flat" cmpd="sng" algn="ctr">
-                      <a:solidFill>
-                        <a:schemeClr val="tx1"/>
-                      </a:solidFill>
-                      <a:prstDash val="solid"/>
-                      <a:round/>
-                      <a:headEnd type="none" w="med" len="med"/>
-                      <a:tailEnd type="none" w="med" len="med"/>
-                    </a:lnT>
-                    <a:lnB w="12700" cap="flat" cmpd="sng" algn="ctr">
-                      <a:solidFill>
-                        <a:schemeClr val="tx1"/>
-                      </a:solidFill>
-                      <a:prstDash val="solid"/>
-                      <a:round/>
-                      <a:headEnd type="none" w="med" len="med"/>
-                      <a:tailEnd type="none" w="med" len="med"/>
-                    </a:lnB>
-                    <a:solidFill>
-                      <a:srgbClr val="00B0F0"/>
-                    </a:solidFill>
-                  </a:tcPr>
-                </a:tc>
-                <a:tc>
-                  <a:txBody>
-                    <a:bodyPr/>
-                    <a:lstStyle/>
-                    <a:p>
-                      <a:pPr algn="ctr" latinLnBrk="1"/>
-                      <a:endParaRPr lang="ko-KR" altLang="en-US" sz="3900" dirty="0">
-                        <a:solidFill>
-                          <a:schemeClr val="tx1"/>
-                        </a:solidFill>
-                        <a:latin typeface="배달의민족 한나체 Pro" panose="020B0600000101010101" pitchFamily="50" charset="-127"/>
-                        <a:ea typeface="배달의민족 한나체 Pro" panose="020B0600000101010101" pitchFamily="50" charset="-127"/>
-                      </a:endParaRPr>
-                    </a:p>
-                  </a:txBody>
-                  <a:tcPr marL="299444" marR="299444" marT="149722" marB="149722" anchor="ctr">
-                    <a:lnL w="12700" cap="flat" cmpd="sng" algn="ctr">
-                      <a:solidFill>
-                        <a:schemeClr val="tx1"/>
-                      </a:solidFill>
-                      <a:prstDash val="solid"/>
-                      <a:round/>
-                      <a:headEnd type="none" w="med" len="med"/>
-                      <a:tailEnd type="none" w="med" len="med"/>
-                    </a:lnL>
-                    <a:lnR w="12700" cap="flat" cmpd="sng" algn="ctr">
-                      <a:solidFill>
-                        <a:schemeClr val="tx1"/>
-                      </a:solidFill>
-                      <a:prstDash val="solid"/>
-                      <a:round/>
-                      <a:headEnd type="none" w="med" len="med"/>
-                      <a:tailEnd type="none" w="med" len="med"/>
-                    </a:lnR>
-                    <a:lnT w="12700" cap="flat" cmpd="sng" algn="ctr">
-                      <a:solidFill>
-                        <a:schemeClr val="tx1"/>
-                      </a:solidFill>
-                      <a:prstDash val="solid"/>
-                      <a:round/>
-                      <a:headEnd type="none" w="med" len="med"/>
-                      <a:tailEnd type="none" w="med" len="med"/>
-                    </a:lnT>
-                    <a:lnB w="12700" cap="flat" cmpd="sng" algn="ctr">
-                      <a:solidFill>
-                        <a:schemeClr val="tx1"/>
-                      </a:solidFill>
-                      <a:prstDash val="solid"/>
-                      <a:round/>
-                      <a:headEnd type="none" w="med" len="med"/>
-                      <a:tailEnd type="none" w="med" len="med"/>
-                    </a:lnB>
-                    <a:solidFill>
-                      <a:srgbClr val="00B0F0"/>
-                    </a:solidFill>
-                  </a:tcPr>
-                </a:tc>
-                <a:tc>
-                  <a:txBody>
-                    <a:bodyPr/>
-                    <a:lstStyle/>
-                    <a:p>
-                      <a:pPr algn="ctr" latinLnBrk="1"/>
-                      <a:endParaRPr lang="ko-KR" altLang="en-US" sz="3900" dirty="0">
-                        <a:solidFill>
-                          <a:schemeClr val="tx1"/>
-                        </a:solidFill>
-                        <a:latin typeface="배달의민족 한나체 Pro" panose="020B0600000101010101" pitchFamily="50" charset="-127"/>
-                        <a:ea typeface="배달의민족 한나체 Pro" panose="020B0600000101010101" pitchFamily="50" charset="-127"/>
-                      </a:endParaRPr>
-                    </a:p>
-                  </a:txBody>
-                  <a:tcPr marL="299444" marR="299444" marT="149722" marB="149722" anchor="ctr">
-                    <a:lnL w="12700" cap="flat" cmpd="sng" algn="ctr">
-                      <a:solidFill>
-                        <a:schemeClr val="tx1"/>
-                      </a:solidFill>
-                      <a:prstDash val="solid"/>
-                      <a:round/>
-                      <a:headEnd type="none" w="med" len="med"/>
-                      <a:tailEnd type="none" w="med" len="med"/>
-                    </a:lnL>
-                    <a:lnR w="12700" cap="flat" cmpd="sng" algn="ctr">
-                      <a:solidFill>
-                        <a:schemeClr val="tx1"/>
-                      </a:solidFill>
-                      <a:prstDash val="solid"/>
-                      <a:round/>
-                      <a:headEnd type="none" w="med" len="med"/>
-                      <a:tailEnd type="none" w="med" len="med"/>
-                    </a:lnR>
-                    <a:lnT w="12700" cap="flat" cmpd="sng" algn="ctr">
-                      <a:solidFill>
-                        <a:schemeClr val="tx1"/>
-                      </a:solidFill>
-                      <a:prstDash val="solid"/>
-                      <a:round/>
-                      <a:headEnd type="none" w="med" len="med"/>
-                      <a:tailEnd type="none" w="med" len="med"/>
-                    </a:lnT>
-                    <a:lnB w="12700" cap="flat" cmpd="sng" algn="ctr">
-                      <a:solidFill>
-                        <a:schemeClr val="tx1"/>
-                      </a:solidFill>
-                      <a:prstDash val="solid"/>
-                      <a:round/>
-                      <a:headEnd type="none" w="med" len="med"/>
-                      <a:tailEnd type="none" w="med" len="med"/>
-                    </a:lnB>
-                    <a:solidFill>
-                      <a:srgbClr val="00B0F0"/>
-                    </a:solidFill>
-                  </a:tcPr>
-                </a:tc>
-                <a:tc>
-                  <a:txBody>
-                    <a:bodyPr/>
-                    <a:lstStyle/>
-                    <a:p>
-                      <a:pPr algn="ctr" latinLnBrk="1"/>
-                      <a:endParaRPr lang="ko-KR" altLang="en-US" sz="3900" dirty="0">
-                        <a:solidFill>
-                          <a:schemeClr val="tx1"/>
-                        </a:solidFill>
-                        <a:latin typeface="배달의민족 한나체 Pro" panose="020B0600000101010101" pitchFamily="50" charset="-127"/>
-                        <a:ea typeface="배달의민족 한나체 Pro" panose="020B0600000101010101" pitchFamily="50" charset="-127"/>
-                      </a:endParaRPr>
-                    </a:p>
-                  </a:txBody>
-                  <a:tcPr marL="299444" marR="299444" marT="149722" marB="149722" anchor="ctr">
-                    <a:lnL w="12700" cap="flat" cmpd="sng" algn="ctr">
-                      <a:solidFill>
-                        <a:schemeClr val="tx1"/>
-                      </a:solidFill>
-                      <a:prstDash val="solid"/>
-                      <a:round/>
-                      <a:headEnd type="none" w="med" len="med"/>
-                      <a:tailEnd type="none" w="med" len="med"/>
-                    </a:lnL>
-                    <a:lnR w="12700" cap="flat" cmpd="sng" algn="ctr">
-                      <a:solidFill>
-                        <a:schemeClr val="tx1"/>
-                      </a:solidFill>
-                      <a:prstDash val="solid"/>
-                      <a:round/>
-                      <a:headEnd type="none" w="med" len="med"/>
-                      <a:tailEnd type="none" w="med" len="med"/>
-                    </a:lnR>
-                    <a:lnT w="12700" cap="flat" cmpd="sng" algn="ctr">
-                      <a:solidFill>
-                        <a:schemeClr val="tx1"/>
-                      </a:solidFill>
-                      <a:prstDash val="solid"/>
-                      <a:round/>
-                      <a:headEnd type="none" w="med" len="med"/>
-                      <a:tailEnd type="none" w="med" len="med"/>
-                    </a:lnT>
-                    <a:lnB w="12700" cap="flat" cmpd="sng" algn="ctr">
-                      <a:solidFill>
-                        <a:schemeClr val="tx1"/>
-                      </a:solidFill>
-                      <a:prstDash val="solid"/>
-                      <a:round/>
-                      <a:headEnd type="none" w="med" len="med"/>
-                      <a:tailEnd type="none" w="med" len="med"/>
-                    </a:lnB>
-                    <a:solidFill>
-                      <a:srgbClr val="00B0F0"/>
-                    </a:solidFill>
-                  </a:tcPr>
-                </a:tc>
-                <a:tc>
-                  <a:txBody>
-                    <a:bodyPr/>
-                    <a:lstStyle/>
-                    <a:p>
-                      <a:pPr algn="ctr" latinLnBrk="1"/>
-                      <a:endParaRPr lang="ko-KR" altLang="en-US" sz="3900" dirty="0">
-                        <a:solidFill>
-                          <a:schemeClr val="tx1"/>
-                        </a:solidFill>
-                        <a:latin typeface="배달의민족 한나체 Pro" panose="020B0600000101010101" pitchFamily="50" charset="-127"/>
-                        <a:ea typeface="배달의민족 한나체 Pro" panose="020B0600000101010101" pitchFamily="50" charset="-127"/>
-                      </a:endParaRPr>
-                    </a:p>
-                  </a:txBody>
-                  <a:tcPr marL="299444" marR="299444" marT="149722" marB="149722" anchor="ctr">
-                    <a:lnL w="12700" cap="flat" cmpd="sng" algn="ctr">
-                      <a:solidFill>
-                        <a:schemeClr val="tx1"/>
-                      </a:solidFill>
-                      <a:prstDash val="solid"/>
-                      <a:round/>
-                      <a:headEnd type="none" w="med" len="med"/>
-                      <a:tailEnd type="none" w="med" len="med"/>
-                    </a:lnL>
-                    <a:lnR w="12700" cap="flat" cmpd="sng" algn="ctr">
-                      <a:solidFill>
-                        <a:schemeClr val="tx1"/>
-                      </a:solidFill>
-                      <a:prstDash val="solid"/>
-                      <a:round/>
-                      <a:headEnd type="none" w="med" len="med"/>
-                      <a:tailEnd type="none" w="med" len="med"/>
-                    </a:lnR>
-                    <a:lnT w="12700" cap="flat" cmpd="sng" algn="ctr">
-                      <a:solidFill>
-                        <a:schemeClr val="tx1"/>
-                      </a:solidFill>
-                      <a:prstDash val="solid"/>
-                      <a:round/>
-                      <a:headEnd type="none" w="med" len="med"/>
-                      <a:tailEnd type="none" w="med" len="med"/>
-                    </a:lnT>
-                    <a:lnB w="12700" cap="flat" cmpd="sng" algn="ctr">
-                      <a:solidFill>
-                        <a:schemeClr val="tx1"/>
-                      </a:solidFill>
-                      <a:prstDash val="solid"/>
-                      <a:round/>
-                      <a:headEnd type="none" w="med" len="med"/>
-                      <a:tailEnd type="none" w="med" len="med"/>
-                    </a:lnB>
-                    <a:solidFill>
-                      <a:srgbClr val="00B0F0"/>
-                    </a:solidFill>
-                  </a:tcPr>
-                </a:tc>
-                <a:tc>
-                  <a:txBody>
-                    <a:bodyPr/>
-                    <a:lstStyle/>
-                    <a:p>
-                      <a:pPr algn="ctr" latinLnBrk="1"/>
-                      <a:endParaRPr lang="ko-KR" altLang="en-US" sz="3900" dirty="0">
-                        <a:solidFill>
-                          <a:schemeClr val="tx1"/>
-                        </a:solidFill>
-                        <a:latin typeface="배달의민족 한나체 Pro" panose="020B0600000101010101" pitchFamily="50" charset="-127"/>
-                        <a:ea typeface="배달의민족 한나체 Pro" panose="020B0600000101010101" pitchFamily="50" charset="-127"/>
-                      </a:endParaRPr>
-                    </a:p>
-                  </a:txBody>
-                  <a:tcPr marL="299444" marR="299444" marT="149722" marB="149722" anchor="ctr">
-                    <a:lnL w="12700" cap="flat" cmpd="sng" algn="ctr">
-                      <a:solidFill>
-                        <a:schemeClr val="tx1"/>
-                      </a:solidFill>
-                      <a:prstDash val="solid"/>
-                      <a:round/>
-                      <a:headEnd type="none" w="med" len="med"/>
-                      <a:tailEnd type="none" w="med" len="med"/>
-                    </a:lnL>
-                    <a:lnR w="12700" cap="flat" cmpd="sng" algn="ctr">
-                      <a:solidFill>
-                        <a:schemeClr val="tx1"/>
-                      </a:solidFill>
-                      <a:prstDash val="solid"/>
-                      <a:round/>
-                      <a:headEnd type="none" w="med" len="med"/>
-                      <a:tailEnd type="none" w="med" len="med"/>
-                    </a:lnR>
-                    <a:lnT w="12700" cap="flat" cmpd="sng" algn="ctr">
-                      <a:solidFill>
-                        <a:schemeClr val="tx1"/>
-                      </a:solidFill>
-                      <a:prstDash val="solid"/>
-                      <a:round/>
-                      <a:headEnd type="none" w="med" len="med"/>
-                      <a:tailEnd type="none" w="med" len="med"/>
-                    </a:lnT>
-                    <a:lnB w="12700" cap="flat" cmpd="sng" algn="ctr">
-                      <a:solidFill>
-                        <a:schemeClr val="tx1"/>
-                      </a:solidFill>
-                      <a:prstDash val="solid"/>
-                      <a:round/>
-                      <a:headEnd type="none" w="med" len="med"/>
-                      <a:tailEnd type="none" w="med" len="med"/>
-                    </a:lnB>
-                  </a:tcPr>
-                </a:tc>
-                <a:tc>
-                  <a:txBody>
-                    <a:bodyPr/>
-                    <a:lstStyle/>
-                    <a:p>
-                      <a:pPr algn="ctr" latinLnBrk="1"/>
-                      <a:endParaRPr lang="ko-KR" altLang="en-US" sz="3900" dirty="0">
-                        <a:solidFill>
-                          <a:schemeClr val="tx1"/>
-                        </a:solidFill>
-                        <a:latin typeface="배달의민족 한나체 Pro" panose="020B0600000101010101" pitchFamily="50" charset="-127"/>
-                        <a:ea typeface="배달의민족 한나체 Pro" panose="020B0600000101010101" pitchFamily="50" charset="-127"/>
-                      </a:endParaRPr>
-                    </a:p>
-                  </a:txBody>
-                  <a:tcPr marL="299444" marR="299444" marT="149722" marB="149722" anchor="ctr">
-                    <a:lnL w="12700" cap="flat" cmpd="sng" algn="ctr">
-                      <a:solidFill>
-                        <a:schemeClr val="tx1"/>
-                      </a:solidFill>
-                      <a:prstDash val="solid"/>
-                      <a:round/>
-                      <a:headEnd type="none" w="med" len="med"/>
-                      <a:tailEnd type="none" w="med" len="med"/>
-                    </a:lnL>
-                    <a:lnR w="12700" cap="flat" cmpd="sng" algn="ctr">
-                      <a:solidFill>
-                        <a:schemeClr val="tx1"/>
-                      </a:solidFill>
-                      <a:prstDash val="solid"/>
-                      <a:round/>
-                      <a:headEnd type="none" w="med" len="med"/>
-                      <a:tailEnd type="none" w="med" len="med"/>
-                    </a:lnR>
-                    <a:lnT w="12700" cap="flat" cmpd="sng" algn="ctr">
-                      <a:solidFill>
-                        <a:schemeClr val="tx1"/>
-                      </a:solidFill>
-                      <a:prstDash val="solid"/>
-                      <a:round/>
-                      <a:headEnd type="none" w="med" len="med"/>
-                      <a:tailEnd type="none" w="med" len="med"/>
-                    </a:lnT>
-                    <a:lnB w="12700" cap="flat" cmpd="sng" algn="ctr">
-                      <a:solidFill>
-                        <a:schemeClr val="tx1"/>
-                      </a:solidFill>
-                      <a:prstDash val="solid"/>
-                      <a:round/>
-                      <a:headEnd type="none" w="med" len="med"/>
-                      <a:tailEnd type="none" w="med" len="med"/>
-                    </a:lnB>
-                  </a:tcPr>
-                </a:tc>
-                <a:tc>
-                  <a:txBody>
-                    <a:bodyPr/>
-                    <a:lstStyle/>
-                    <a:p>
-                      <a:pPr algn="ctr" latinLnBrk="1"/>
-                      <a:endParaRPr lang="ko-KR" altLang="en-US" sz="3900" dirty="0">
-                        <a:solidFill>
-                          <a:schemeClr val="tx1"/>
-                        </a:solidFill>
-                        <a:latin typeface="배달의민족 한나체 Pro" panose="020B0600000101010101" pitchFamily="50" charset="-127"/>
-                        <a:ea typeface="배달의민족 한나체 Pro" panose="020B0600000101010101" pitchFamily="50" charset="-127"/>
-                      </a:endParaRPr>
-                    </a:p>
-                  </a:txBody>
-                  <a:tcPr marL="299444" marR="299444" marT="149722" marB="149722" anchor="ctr">
-                    <a:lnL w="12700" cap="flat" cmpd="sng" algn="ctr">
-                      <a:solidFill>
-                        <a:schemeClr val="tx1"/>
-                      </a:solidFill>
-                      <a:prstDash val="solid"/>
-                      <a:round/>
-                      <a:headEnd type="none" w="med" len="med"/>
-                      <a:tailEnd type="none" w="med" len="med"/>
-                    </a:lnL>
-                    <a:lnR w="12700" cap="flat" cmpd="sng" algn="ctr">
-                      <a:solidFill>
-                        <a:schemeClr val="tx1"/>
-                      </a:solidFill>
-                      <a:prstDash val="solid"/>
-                      <a:round/>
-                      <a:headEnd type="none" w="med" len="med"/>
-                      <a:tailEnd type="none" w="med" len="med"/>
-                    </a:lnR>
-                    <a:lnT w="12700" cap="flat" cmpd="sng" algn="ctr">
-                      <a:solidFill>
-                        <a:schemeClr val="tx1"/>
-                      </a:solidFill>
-                      <a:prstDash val="solid"/>
-                      <a:round/>
-                      <a:headEnd type="none" w="med" len="med"/>
-                      <a:tailEnd type="none" w="med" len="med"/>
-                    </a:lnT>
-                    <a:lnB w="12700" cap="flat" cmpd="sng" algn="ctr">
-                      <a:solidFill>
-                        <a:schemeClr val="tx1"/>
-                      </a:solidFill>
-                      <a:prstDash val="solid"/>
-                      <a:round/>
-                      <a:headEnd type="none" w="med" len="med"/>
-                      <a:tailEnd type="none" w="med" len="med"/>
-                    </a:lnB>
-                  </a:tcPr>
-                </a:tc>
-                <a:tc>
-                  <a:txBody>
-                    <a:bodyPr/>
-                    <a:lstStyle/>
-                    <a:p>
-                      <a:pPr algn="ctr" latinLnBrk="1"/>
-                      <a:endParaRPr lang="ko-KR" altLang="en-US" sz="3900" dirty="0">
-                        <a:solidFill>
-                          <a:schemeClr val="tx1"/>
-                        </a:solidFill>
-                        <a:latin typeface="배달의민족 한나체 Pro" panose="020B0600000101010101" pitchFamily="50" charset="-127"/>
-                        <a:ea typeface="배달의민족 한나체 Pro" panose="020B0600000101010101" pitchFamily="50" charset="-127"/>
-                      </a:endParaRPr>
-                    </a:p>
-                  </a:txBody>
-                  <a:tcPr marL="299444" marR="299444" marT="149722" marB="149722" anchor="ctr">
-                    <a:lnL w="12700" cap="flat" cmpd="sng" algn="ctr">
-                      <a:solidFill>
-                        <a:schemeClr val="tx1"/>
-                      </a:solidFill>
-                      <a:prstDash val="solid"/>
-                      <a:round/>
-                      <a:headEnd type="none" w="med" len="med"/>
-                      <a:tailEnd type="none" w="med" len="med"/>
-                    </a:lnL>
-                    <a:lnR w="12700" cap="flat" cmpd="sng" algn="ctr">
-                      <a:solidFill>
-                        <a:schemeClr val="tx1"/>
-                      </a:solidFill>
-                      <a:prstDash val="solid"/>
-                      <a:round/>
-                      <a:headEnd type="none" w="med" len="med"/>
-                      <a:tailEnd type="none" w="med" len="med"/>
-                    </a:lnR>
-                    <a:lnT w="12700" cap="flat" cmpd="sng" algn="ctr">
-                      <a:solidFill>
-                        <a:schemeClr val="tx1"/>
-                      </a:solidFill>
-                      <a:prstDash val="solid"/>
-                      <a:round/>
-                      <a:headEnd type="none" w="med" len="med"/>
-                      <a:tailEnd type="none" w="med" len="med"/>
-                    </a:lnT>
-                    <a:lnB w="12700" cap="flat" cmpd="sng" algn="ctr">
-                      <a:solidFill>
-                        <a:schemeClr val="tx1"/>
-                      </a:solidFill>
-                      <a:prstDash val="solid"/>
-                      <a:round/>
-                      <a:headEnd type="none" w="med" len="med"/>
-                      <a:tailEnd type="none" w="med" len="med"/>
-                    </a:lnB>
-                  </a:tcPr>
-                </a:tc>
-                <a:tc>
-                  <a:txBody>
-                    <a:bodyPr/>
-                    <a:lstStyle/>
-                    <a:p>
-                      <a:pPr algn="ctr" latinLnBrk="1"/>
-                      <a:endParaRPr lang="ko-KR" altLang="en-US" sz="3900" dirty="0">
-                        <a:solidFill>
-                          <a:schemeClr val="tx1"/>
-                        </a:solidFill>
-                        <a:latin typeface="배달의민족 한나체 Pro" panose="020B0600000101010101" pitchFamily="50" charset="-127"/>
-                        <a:ea typeface="배달의민족 한나체 Pro" panose="020B0600000101010101" pitchFamily="50" charset="-127"/>
-                      </a:endParaRPr>
-                    </a:p>
-                  </a:txBody>
-                  <a:tcPr marL="299444" marR="299444" marT="149722" marB="149722" anchor="ctr">
-                    <a:lnL w="12700" cap="flat" cmpd="sng" algn="ctr">
-                      <a:solidFill>
-                        <a:schemeClr val="tx1"/>
-                      </a:solidFill>
-                      <a:prstDash val="solid"/>
-                      <a:round/>
-                      <a:headEnd type="none" w="med" len="med"/>
-                      <a:tailEnd type="none" w="med" len="med"/>
-                    </a:lnL>
-                    <a:lnR w="12700" cap="flat" cmpd="sng" algn="ctr">
-                      <a:solidFill>
-                        <a:schemeClr val="tx1"/>
-                      </a:solidFill>
-                      <a:prstDash val="solid"/>
-                      <a:round/>
-                      <a:headEnd type="none" w="med" len="med"/>
-                      <a:tailEnd type="none" w="med" len="med"/>
-                    </a:lnR>
-                    <a:lnT w="12700" cap="flat" cmpd="sng" algn="ctr">
-                      <a:solidFill>
-                        <a:schemeClr val="tx1"/>
-                      </a:solidFill>
-                      <a:prstDash val="solid"/>
-                      <a:round/>
-                      <a:headEnd type="none" w="med" len="med"/>
-                      <a:tailEnd type="none" w="med" len="med"/>
-                    </a:lnT>
-                    <a:lnB w="12700" cap="flat" cmpd="sng" algn="ctr">
-                      <a:solidFill>
-                        <a:schemeClr val="tx1"/>
-                      </a:solidFill>
-                      <a:prstDash val="solid"/>
-                      <a:round/>
-                      <a:headEnd type="none" w="med" len="med"/>
-                      <a:tailEnd type="none" w="med" len="med"/>
-                    </a:lnB>
-                  </a:tcPr>
-                </a:tc>
-                <a:tc>
-                  <a:txBody>
-                    <a:bodyPr/>
-                    <a:lstStyle/>
-                    <a:p>
-                      <a:pPr algn="ctr" latinLnBrk="1"/>
-                      <a:endParaRPr lang="ko-KR" altLang="en-US" sz="3900" dirty="0">
-                        <a:solidFill>
-                          <a:schemeClr val="tx1"/>
-                        </a:solidFill>
-                        <a:latin typeface="배달의민족 한나체 Pro" panose="020B0600000101010101" pitchFamily="50" charset="-127"/>
-                        <a:ea typeface="배달의민족 한나체 Pro" panose="020B0600000101010101" pitchFamily="50" charset="-127"/>
-                      </a:endParaRPr>
-                    </a:p>
-                  </a:txBody>
-                  <a:tcPr marL="299444" marR="299444" marT="149722" marB="149722" anchor="ctr">
-                    <a:lnL w="12700" cap="flat" cmpd="sng" algn="ctr">
-                      <a:solidFill>
-                        <a:schemeClr val="tx1"/>
-                      </a:solidFill>
-                      <a:prstDash val="solid"/>
-                      <a:round/>
-                      <a:headEnd type="none" w="med" len="med"/>
-                      <a:tailEnd type="none" w="med" len="med"/>
-                    </a:lnL>
-                    <a:lnR w="12700" cap="flat" cmpd="sng" algn="ctr">
-                      <a:solidFill>
-                        <a:schemeClr val="tx1"/>
-                      </a:solidFill>
-                      <a:prstDash val="solid"/>
-                      <a:round/>
-                      <a:headEnd type="none" w="med" len="med"/>
-                      <a:tailEnd type="none" w="med" len="med"/>
-                    </a:lnR>
-                    <a:lnT w="12700" cap="flat" cmpd="sng" algn="ctr">
-                      <a:solidFill>
-                        <a:schemeClr val="tx1"/>
-                      </a:solidFill>
-                      <a:prstDash val="solid"/>
-                      <a:round/>
-                      <a:headEnd type="none" w="med" len="med"/>
-                      <a:tailEnd type="none" w="med" len="med"/>
-                    </a:lnT>
-                    <a:lnB w="12700" cap="flat" cmpd="sng" algn="ctr">
-                      <a:solidFill>
-                        <a:schemeClr val="tx1"/>
-                      </a:solidFill>
-                      <a:prstDash val="solid"/>
-                      <a:round/>
-                      <a:headEnd type="none" w="med" len="med"/>
-                      <a:tailEnd type="none" w="med" len="med"/>
-                    </a:lnB>
-                  </a:tcPr>
-                </a:tc>
-                <a:tc>
-                  <a:txBody>
-                    <a:bodyPr/>
-                    <a:lstStyle/>
-                    <a:p>
-                      <a:pPr algn="ctr" latinLnBrk="1"/>
-                      <a:endParaRPr lang="ko-KR" altLang="en-US" sz="3900" dirty="0">
-                        <a:solidFill>
-                          <a:schemeClr val="tx1"/>
-                        </a:solidFill>
-                        <a:latin typeface="배달의민족 한나체 Pro" panose="020B0600000101010101" pitchFamily="50" charset="-127"/>
-                        <a:ea typeface="배달의민족 한나체 Pro" panose="020B0600000101010101" pitchFamily="50" charset="-127"/>
-                      </a:endParaRPr>
-                    </a:p>
-                  </a:txBody>
-                  <a:tcPr marL="299444" marR="299444" marT="149722" marB="149722" anchor="ctr">
-                    <a:lnL w="12700" cap="flat" cmpd="sng" algn="ctr">
-                      <a:solidFill>
-                        <a:schemeClr val="tx1"/>
-                      </a:solidFill>
-                      <a:prstDash val="solid"/>
-                      <a:round/>
-                      <a:headEnd type="none" w="med" len="med"/>
-                      <a:tailEnd type="none" w="med" len="med"/>
-                    </a:lnL>
-                    <a:lnR w="12700" cap="flat" cmpd="sng" algn="ctr">
-                      <a:solidFill>
-                        <a:schemeClr val="tx1"/>
-                      </a:solidFill>
-                      <a:prstDash val="solid"/>
-                      <a:round/>
-                      <a:headEnd type="none" w="med" len="med"/>
-                      <a:tailEnd type="none" w="med" len="med"/>
-                    </a:lnR>
-                    <a:lnT w="12700" cap="flat" cmpd="sng" algn="ctr">
-                      <a:solidFill>
-                        <a:schemeClr val="tx1"/>
-                      </a:solidFill>
-                      <a:prstDash val="solid"/>
-                      <a:round/>
-                      <a:headEnd type="none" w="med" len="med"/>
-                      <a:tailEnd type="none" w="med" len="med"/>
-                    </a:lnT>
-                    <a:lnB w="12700" cap="flat" cmpd="sng" algn="ctr">
-                      <a:solidFill>
-                        <a:schemeClr val="tx1"/>
-                      </a:solidFill>
-                      <a:prstDash val="solid"/>
-                      <a:round/>
-                      <a:headEnd type="none" w="med" len="med"/>
-                      <a:tailEnd type="none" w="med" len="med"/>
-                    </a:lnB>
-                  </a:tcPr>
-                </a:tc>
-                <a:tc>
-                  <a:txBody>
-                    <a:bodyPr/>
-                    <a:lstStyle/>
-                    <a:p>
-                      <a:pPr algn="ctr" latinLnBrk="1"/>
-                      <a:endParaRPr lang="ko-KR" altLang="en-US" sz="3900" dirty="0">
-                        <a:solidFill>
-                          <a:schemeClr val="tx1"/>
-                        </a:solidFill>
-                        <a:latin typeface="배달의민족 한나체 Pro" panose="020B0600000101010101" pitchFamily="50" charset="-127"/>
-                        <a:ea typeface="배달의민족 한나체 Pro" panose="020B0600000101010101" pitchFamily="50" charset="-127"/>
-                      </a:endParaRPr>
-                    </a:p>
-                  </a:txBody>
-                  <a:tcPr marL="299444" marR="299444" marT="149722" marB="149722" anchor="ctr">
-                    <a:lnL w="12700" cap="flat" cmpd="sng" algn="ctr">
-                      <a:solidFill>
-                        <a:schemeClr val="tx1"/>
-                      </a:solidFill>
-                      <a:prstDash val="solid"/>
-                      <a:round/>
-                      <a:headEnd type="none" w="med" len="med"/>
-                      <a:tailEnd type="none" w="med" len="med"/>
-                    </a:lnL>
-                    <a:lnR w="12700" cap="flat" cmpd="sng" algn="ctr">
-                      <a:solidFill>
-                        <a:schemeClr val="tx1"/>
-                      </a:solidFill>
-                      <a:prstDash val="solid"/>
-                      <a:round/>
-                      <a:headEnd type="none" w="med" len="med"/>
-                      <a:tailEnd type="none" w="med" len="med"/>
-                    </a:lnR>
-                    <a:lnT w="12700" cap="flat" cmpd="sng" algn="ctr">
-                      <a:solidFill>
-                        <a:schemeClr val="tx1"/>
-                      </a:solidFill>
-                      <a:prstDash val="solid"/>
-                      <a:round/>
-                      <a:headEnd type="none" w="med" len="med"/>
-                      <a:tailEnd type="none" w="med" len="med"/>
-                    </a:lnT>
-                    <a:lnB w="12700" cap="flat" cmpd="sng" algn="ctr">
-                      <a:solidFill>
-                        <a:schemeClr val="tx1"/>
-                      </a:solidFill>
-                      <a:prstDash val="solid"/>
-                      <a:round/>
-                      <a:headEnd type="none" w="med" len="med"/>
-                      <a:tailEnd type="none" w="med" len="med"/>
-                    </a:lnB>
-                  </a:tcPr>
-                </a:tc>
-                <a:tc>
-                  <a:txBody>
-                    <a:bodyPr/>
-                    <a:lstStyle/>
-                    <a:p>
-                      <a:pPr algn="ctr" latinLnBrk="1"/>
-                      <a:endParaRPr lang="ko-KR" altLang="en-US" sz="3900" dirty="0">
-                        <a:solidFill>
-                          <a:schemeClr val="tx1"/>
-                        </a:solidFill>
-                        <a:latin typeface="배달의민족 한나체 Pro" panose="020B0600000101010101" pitchFamily="50" charset="-127"/>
-                        <a:ea typeface="배달의민족 한나체 Pro" panose="020B0600000101010101" pitchFamily="50" charset="-127"/>
-                      </a:endParaRPr>
-                    </a:p>
-                  </a:txBody>
-                  <a:tcPr marL="299444" marR="299444" marT="149722" marB="149722" anchor="ctr">
-                    <a:lnL w="12700" cap="flat" cmpd="sng" algn="ctr">
-                      <a:solidFill>
-                        <a:schemeClr val="tx1"/>
-                      </a:solidFill>
-                      <a:prstDash val="solid"/>
-                      <a:round/>
-                      <a:headEnd type="none" w="med" len="med"/>
-                      <a:tailEnd type="none" w="med" len="med"/>
-                    </a:lnL>
-                    <a:lnR w="12700" cap="flat" cmpd="sng" algn="ctr">
-                      <a:solidFill>
-                        <a:schemeClr val="tx1"/>
-                      </a:solidFill>
-                      <a:prstDash val="solid"/>
-                      <a:round/>
-                      <a:headEnd type="none" w="med" len="med"/>
-                      <a:tailEnd type="none" w="med" len="med"/>
-                    </a:lnR>
-                    <a:lnT w="12700" cap="flat" cmpd="sng" algn="ctr">
-                      <a:solidFill>
-                        <a:schemeClr val="tx1"/>
-                      </a:solidFill>
-                      <a:prstDash val="solid"/>
-                      <a:round/>
-                      <a:headEnd type="none" w="med" len="med"/>
-                      <a:tailEnd type="none" w="med" len="med"/>
-                    </a:lnT>
-                    <a:lnB w="12700" cap="flat" cmpd="sng" algn="ctr">
-                      <a:solidFill>
-                        <a:schemeClr val="tx1"/>
-                      </a:solidFill>
-                      <a:prstDash val="solid"/>
-                      <a:round/>
-                      <a:headEnd type="none" w="med" len="med"/>
-                      <a:tailEnd type="none" w="med" len="med"/>
-                    </a:lnB>
-                  </a:tcPr>
-                </a:tc>
-                <a:tc>
-                  <a:txBody>
-                    <a:bodyPr/>
-                    <a:lstStyle/>
-                    <a:p>
-                      <a:pPr algn="ctr" latinLnBrk="1"/>
-                      <a:endParaRPr lang="ko-KR" altLang="en-US" sz="3900" dirty="0">
-                        <a:solidFill>
-                          <a:schemeClr val="tx1"/>
-                        </a:solidFill>
-                        <a:latin typeface="배달의민족 한나체 Pro" panose="020B0600000101010101" pitchFamily="50" charset="-127"/>
-                        <a:ea typeface="배달의민족 한나체 Pro" panose="020B0600000101010101" pitchFamily="50" charset="-127"/>
-                      </a:endParaRPr>
-                    </a:p>
-                  </a:txBody>
-                  <a:tcPr marL="299444" marR="299444" marT="149722" marB="149722" anchor="ctr">
-                    <a:lnL w="12700" cap="flat" cmpd="sng" algn="ctr">
-                      <a:solidFill>
-                        <a:schemeClr val="tx1"/>
-                      </a:solidFill>
-                      <a:prstDash val="solid"/>
-                      <a:round/>
-                      <a:headEnd type="none" w="med" len="med"/>
-                      <a:tailEnd type="none" w="med" len="med"/>
-                    </a:lnL>
-                    <a:lnR w="12700" cap="flat" cmpd="sng" algn="ctr">
-                      <a:solidFill>
-                        <a:schemeClr val="tx1"/>
-                      </a:solidFill>
-                      <a:prstDash val="solid"/>
-                      <a:round/>
-                      <a:headEnd type="none" w="med" len="med"/>
-                      <a:tailEnd type="none" w="med" len="med"/>
-                    </a:lnR>
-                    <a:lnT w="12700" cap="flat" cmpd="sng" algn="ctr">
-                      <a:solidFill>
-                        <a:schemeClr val="tx1"/>
-                      </a:solidFill>
-                      <a:prstDash val="solid"/>
-                      <a:round/>
-                      <a:headEnd type="none" w="med" len="med"/>
-                      <a:tailEnd type="none" w="med" len="med"/>
-                    </a:lnT>
-                    <a:lnB w="12700" cap="flat" cmpd="sng" algn="ctr">
-                      <a:solidFill>
-                        <a:schemeClr val="tx1"/>
-                      </a:solidFill>
-                      <a:prstDash val="solid"/>
-                      <a:round/>
-                      <a:headEnd type="none" w="med" len="med"/>
-                      <a:tailEnd type="none" w="med" len="med"/>
-                    </a:lnB>
-                  </a:tcPr>
-                </a:tc>
-                <a:tc>
-                  <a:txBody>
-                    <a:bodyPr/>
-                    <a:lstStyle/>
-                    <a:p>
-                      <a:pPr algn="ctr" latinLnBrk="1"/>
-                      <a:endParaRPr lang="ko-KR" altLang="en-US" sz="3900" dirty="0">
-                        <a:solidFill>
-                          <a:schemeClr val="tx1"/>
-                        </a:solidFill>
-                        <a:latin typeface="배달의민족 한나체 Pro" panose="020B0600000101010101" pitchFamily="50" charset="-127"/>
-                        <a:ea typeface="배달의민족 한나체 Pro" panose="020B0600000101010101" pitchFamily="50" charset="-127"/>
-                      </a:endParaRPr>
-                    </a:p>
-                  </a:txBody>
-                  <a:tcPr marL="299444" marR="299444" marT="149722" marB="149722" anchor="ctr">
-                    <a:lnL w="12700" cap="flat" cmpd="sng" algn="ctr">
-                      <a:solidFill>
-                        <a:schemeClr val="tx1"/>
-                      </a:solidFill>
-                      <a:prstDash val="solid"/>
-                      <a:round/>
-                      <a:headEnd type="none" w="med" len="med"/>
-                      <a:tailEnd type="none" w="med" len="med"/>
-                    </a:lnL>
-                    <a:lnR w="12700" cap="flat" cmpd="sng" algn="ctr">
-                      <a:solidFill>
-                        <a:schemeClr val="tx1"/>
-                      </a:solidFill>
-                      <a:prstDash val="solid"/>
-                      <a:round/>
-                      <a:headEnd type="none" w="med" len="med"/>
-                      <a:tailEnd type="none" w="med" len="med"/>
-                    </a:lnR>
-                    <a:lnT w="12700" cap="flat" cmpd="sng" algn="ctr">
-                      <a:solidFill>
-                        <a:schemeClr val="tx1"/>
-                      </a:solidFill>
-                      <a:prstDash val="solid"/>
-                      <a:round/>
-                      <a:headEnd type="none" w="med" len="med"/>
-                      <a:tailEnd type="none" w="med" len="med"/>
-                    </a:lnT>
-                    <a:lnB w="12700" cap="flat" cmpd="sng" algn="ctr">
-                      <a:solidFill>
-                        <a:schemeClr val="tx1"/>
-                      </a:solidFill>
-                      <a:prstDash val="solid"/>
-                      <a:round/>
-                      <a:headEnd type="none" w="med" len="med"/>
-                      <a:tailEnd type="none" w="med" len="med"/>
-                    </a:lnB>
-                  </a:tcPr>
-                </a:tc>
-                <a:tc>
-                  <a:txBody>
-                    <a:bodyPr/>
-                    <a:lstStyle/>
-                    <a:p>
-                      <a:pPr algn="ctr" latinLnBrk="1"/>
-                      <a:endParaRPr lang="ko-KR" altLang="en-US" sz="3900" dirty="0">
-                        <a:solidFill>
-                          <a:schemeClr val="tx1"/>
-                        </a:solidFill>
-                        <a:latin typeface="배달의민족 한나체 Pro" panose="020B0600000101010101" pitchFamily="50" charset="-127"/>
-                        <a:ea typeface="배달의민족 한나체 Pro" panose="020B0600000101010101" pitchFamily="50" charset="-127"/>
-                      </a:endParaRPr>
-                    </a:p>
-                  </a:txBody>
-                  <a:tcPr marL="299444" marR="299444" marT="149722" marB="149722" anchor="ctr">
-                    <a:lnL w="12700" cap="flat" cmpd="sng" algn="ctr">
-                      <a:solidFill>
-                        <a:schemeClr val="tx1"/>
-                      </a:solidFill>
-                      <a:prstDash val="solid"/>
-                      <a:round/>
-                      <a:headEnd type="none" w="med" len="med"/>
-                      <a:tailEnd type="none" w="med" len="med"/>
-                    </a:lnL>
-                    <a:lnR w="12700" cap="flat" cmpd="sng" algn="ctr">
-                      <a:solidFill>
-                        <a:schemeClr val="tx1"/>
-                      </a:solidFill>
-                      <a:prstDash val="solid"/>
-                      <a:round/>
-                      <a:headEnd type="none" w="med" len="med"/>
-                      <a:tailEnd type="none" w="med" len="med"/>
-                    </a:lnR>
-                    <a:lnT w="12700" cap="flat" cmpd="sng" algn="ctr">
-                      <a:solidFill>
-                        <a:schemeClr val="tx1"/>
-                      </a:solidFill>
-                      <a:prstDash val="solid"/>
-                      <a:round/>
-                      <a:headEnd type="none" w="med" len="med"/>
-                      <a:tailEnd type="none" w="med" len="med"/>
-                    </a:lnT>
-                    <a:lnB w="12700" cap="flat" cmpd="sng" algn="ctr">
-                      <a:solidFill>
-                        <a:schemeClr val="tx1"/>
-                      </a:solidFill>
-                      <a:prstDash val="solid"/>
-                      <a:round/>
-                      <a:headEnd type="none" w="med" len="med"/>
-                      <a:tailEnd type="none" w="med" len="med"/>
-                    </a:lnB>
-                  </a:tcPr>
-                </a:tc>
-                <a:extLst>
-                  <a:ext uri="{0D108BD9-81ED-4DB2-BD59-A6C34878D82A}">
-                    <a16:rowId xmlns:a16="http://schemas.microsoft.com/office/drawing/2014/main" val="1634810891"/>
-                  </a:ext>
-                </a:extLst>
-              </a:tr>
-              <a:tr h="1448165">
-                <a:tc>
-                  <a:txBody>
-                    <a:bodyPr/>
-                    <a:lstStyle/>
                     <a:p>
                       <a:pPr algn="ctr" latinLnBrk="1"/>
                       <a:r>
@@ -32065,7 +32437,7 @@
                           <a:latin typeface="맑은 고딕" panose="020B0503020000020004" pitchFamily="50" charset="-127"/>
                           <a:ea typeface="맑은 고딕" panose="020B0503020000020004" pitchFamily="50" charset="-127"/>
                         </a:rPr>
-                        <a:t>스킬 및 이동 충돌처리</a:t>
+                        <a:t>동기화</a:t>
                       </a:r>
                     </a:p>
                   </a:txBody>
@@ -32546,7 +32918,7 @@
                     <a:lstStyle/>
                     <a:p>
                       <a:pPr algn="ctr" latinLnBrk="1"/>
-                      <a:endParaRPr lang="ko-KR" altLang="en-US" sz="3900">
+                      <a:endParaRPr lang="ko-KR" altLang="en-US" sz="3900" dirty="0">
                         <a:solidFill>
                           <a:schemeClr val="tx1"/>
                         </a:solidFill>
@@ -32592,6 +32964,9 @@
                       <a:headEnd type="none" w="med" len="med"/>
                       <a:tailEnd type="none" w="med" len="med"/>
                     </a:lnB>
+                    <a:solidFill>
+                      <a:srgbClr val="05B0EE"/>
+                    </a:solidFill>
                   </a:tcPr>
                 </a:tc>
                 <a:tc>
@@ -32646,6 +33021,237 @@
                       <a:headEnd type="none" w="med" len="med"/>
                       <a:tailEnd type="none" w="med" len="med"/>
                     </a:lnB>
+                    <a:solidFill>
+                      <a:srgbClr val="05B0EE"/>
+                    </a:solidFill>
+                  </a:tcPr>
+                </a:tc>
+                <a:tc>
+                  <a:txBody>
+                    <a:bodyPr/>
+                    <a:lstStyle/>
+                    <a:p>
+                      <a:pPr algn="ctr" latinLnBrk="1"/>
+                      <a:endParaRPr lang="ko-KR" altLang="en-US" sz="3900" dirty="0">
+                        <a:solidFill>
+                          <a:schemeClr val="tx1"/>
+                        </a:solidFill>
+                        <a:latin typeface="배달의민족 한나체 Pro" panose="020B0600000101010101" pitchFamily="50" charset="-127"/>
+                        <a:ea typeface="배달의민족 한나체 Pro" panose="020B0600000101010101" pitchFamily="50" charset="-127"/>
+                      </a:endParaRPr>
+                    </a:p>
+                  </a:txBody>
+                  <a:tcPr marL="299444" marR="299444" marT="149722" marB="149722" anchor="ctr">
+                    <a:lnL w="12700" cap="flat" cmpd="sng" algn="ctr">
+                      <a:solidFill>
+                        <a:schemeClr val="tx1"/>
+                      </a:solidFill>
+                      <a:prstDash val="solid"/>
+                      <a:round/>
+                      <a:headEnd type="none" w="med" len="med"/>
+                      <a:tailEnd type="none" w="med" len="med"/>
+                    </a:lnL>
+                    <a:lnR w="12700" cap="flat" cmpd="sng" algn="ctr">
+                      <a:solidFill>
+                        <a:schemeClr val="tx1"/>
+                      </a:solidFill>
+                      <a:prstDash val="solid"/>
+                      <a:round/>
+                      <a:headEnd type="none" w="med" len="med"/>
+                      <a:tailEnd type="none" w="med" len="med"/>
+                    </a:lnR>
+                    <a:lnT w="12700" cap="flat" cmpd="sng" algn="ctr">
+                      <a:solidFill>
+                        <a:schemeClr val="tx1"/>
+                      </a:solidFill>
+                      <a:prstDash val="solid"/>
+                      <a:round/>
+                      <a:headEnd type="none" w="med" len="med"/>
+                      <a:tailEnd type="none" w="med" len="med"/>
+                    </a:lnT>
+                    <a:lnB w="12700" cap="flat" cmpd="sng" algn="ctr">
+                      <a:solidFill>
+                        <a:schemeClr val="tx1"/>
+                      </a:solidFill>
+                      <a:prstDash val="solid"/>
+                      <a:round/>
+                      <a:headEnd type="none" w="med" len="med"/>
+                      <a:tailEnd type="none" w="med" len="med"/>
+                    </a:lnB>
+                    <a:solidFill>
+                      <a:srgbClr val="05B0EE"/>
+                    </a:solidFill>
+                  </a:tcPr>
+                </a:tc>
+                <a:tc>
+                  <a:txBody>
+                    <a:bodyPr/>
+                    <a:lstStyle/>
+                    <a:p>
+                      <a:pPr algn="ctr" latinLnBrk="1"/>
+                      <a:endParaRPr lang="ko-KR" altLang="en-US" sz="3900" dirty="0">
+                        <a:solidFill>
+                          <a:schemeClr val="tx1"/>
+                        </a:solidFill>
+                        <a:latin typeface="배달의민족 한나체 Pro" panose="020B0600000101010101" pitchFamily="50" charset="-127"/>
+                        <a:ea typeface="배달의민족 한나체 Pro" panose="020B0600000101010101" pitchFamily="50" charset="-127"/>
+                      </a:endParaRPr>
+                    </a:p>
+                  </a:txBody>
+                  <a:tcPr marL="299444" marR="299444" marT="149722" marB="149722" anchor="ctr">
+                    <a:lnL w="12700" cap="flat" cmpd="sng" algn="ctr">
+                      <a:solidFill>
+                        <a:schemeClr val="tx1"/>
+                      </a:solidFill>
+                      <a:prstDash val="solid"/>
+                      <a:round/>
+                      <a:headEnd type="none" w="med" len="med"/>
+                      <a:tailEnd type="none" w="med" len="med"/>
+                    </a:lnL>
+                    <a:lnR w="12700" cap="flat" cmpd="sng" algn="ctr">
+                      <a:solidFill>
+                        <a:schemeClr val="tx1"/>
+                      </a:solidFill>
+                      <a:prstDash val="solid"/>
+                      <a:round/>
+                      <a:headEnd type="none" w="med" len="med"/>
+                      <a:tailEnd type="none" w="med" len="med"/>
+                    </a:lnR>
+                    <a:lnT w="12700" cap="flat" cmpd="sng" algn="ctr">
+                      <a:solidFill>
+                        <a:schemeClr val="tx1"/>
+                      </a:solidFill>
+                      <a:prstDash val="solid"/>
+                      <a:round/>
+                      <a:headEnd type="none" w="med" len="med"/>
+                      <a:tailEnd type="none" w="med" len="med"/>
+                    </a:lnT>
+                    <a:lnB w="12700" cap="flat" cmpd="sng" algn="ctr">
+                      <a:solidFill>
+                        <a:schemeClr val="tx1"/>
+                      </a:solidFill>
+                      <a:prstDash val="solid"/>
+                      <a:round/>
+                      <a:headEnd type="none" w="med" len="med"/>
+                      <a:tailEnd type="none" w="med" len="med"/>
+                    </a:lnB>
+                    <a:solidFill>
+                      <a:srgbClr val="05B0EE"/>
+                    </a:solidFill>
+                  </a:tcPr>
+                </a:tc>
+                <a:tc>
+                  <a:txBody>
+                    <a:bodyPr/>
+                    <a:lstStyle/>
+                    <a:p>
+                      <a:pPr algn="ctr" latinLnBrk="1"/>
+                      <a:endParaRPr lang="ko-KR" altLang="en-US" sz="3900" dirty="0">
+                        <a:solidFill>
+                          <a:schemeClr val="tx1"/>
+                        </a:solidFill>
+                        <a:latin typeface="배달의민족 한나체 Pro" panose="020B0600000101010101" pitchFamily="50" charset="-127"/>
+                        <a:ea typeface="배달의민족 한나체 Pro" panose="020B0600000101010101" pitchFamily="50" charset="-127"/>
+                      </a:endParaRPr>
+                    </a:p>
+                  </a:txBody>
+                  <a:tcPr marL="299444" marR="299444" marT="149722" marB="149722" anchor="ctr">
+                    <a:lnL w="12700" cap="flat" cmpd="sng" algn="ctr">
+                      <a:solidFill>
+                        <a:schemeClr val="tx1"/>
+                      </a:solidFill>
+                      <a:prstDash val="solid"/>
+                      <a:round/>
+                      <a:headEnd type="none" w="med" len="med"/>
+                      <a:tailEnd type="none" w="med" len="med"/>
+                    </a:lnL>
+                    <a:lnR w="12700" cap="flat" cmpd="sng" algn="ctr">
+                      <a:solidFill>
+                        <a:schemeClr val="tx1"/>
+                      </a:solidFill>
+                      <a:prstDash val="solid"/>
+                      <a:round/>
+                      <a:headEnd type="none" w="med" len="med"/>
+                      <a:tailEnd type="none" w="med" len="med"/>
+                    </a:lnR>
+                    <a:lnT w="12700" cap="flat" cmpd="sng" algn="ctr">
+                      <a:solidFill>
+                        <a:schemeClr val="tx1"/>
+                      </a:solidFill>
+                      <a:prstDash val="solid"/>
+                      <a:round/>
+                      <a:headEnd type="none" w="med" len="med"/>
+                      <a:tailEnd type="none" w="med" len="med"/>
+                    </a:lnT>
+                    <a:lnB w="12700" cap="flat" cmpd="sng" algn="ctr">
+                      <a:solidFill>
+                        <a:schemeClr val="tx1"/>
+                      </a:solidFill>
+                      <a:prstDash val="solid"/>
+                      <a:round/>
+                      <a:headEnd type="none" w="med" len="med"/>
+                      <a:tailEnd type="none" w="med" len="med"/>
+                    </a:lnB>
+                    <a:solidFill>
+                      <a:srgbClr val="05B0EE"/>
+                    </a:solidFill>
+                  </a:tcPr>
+                </a:tc>
+                <a:tc>
+                  <a:txBody>
+                    <a:bodyPr/>
+                    <a:lstStyle/>
+                    <a:p>
+                      <a:pPr algn="ctr" latinLnBrk="1"/>
+                      <a:endParaRPr lang="ko-KR" altLang="en-US" sz="3900" dirty="0">
+                        <a:solidFill>
+                          <a:schemeClr val="tx1"/>
+                        </a:solidFill>
+                        <a:latin typeface="배달의민족 한나체 Pro" panose="020B0600000101010101" pitchFamily="50" charset="-127"/>
+                        <a:ea typeface="배달의민족 한나체 Pro" panose="020B0600000101010101" pitchFamily="50" charset="-127"/>
+                      </a:endParaRPr>
+                    </a:p>
+                  </a:txBody>
+                  <a:tcPr marL="299444" marR="299444" marT="149722" marB="149722" anchor="ctr">
+                    <a:lnL w="12700" cap="flat" cmpd="sng" algn="ctr">
+                      <a:solidFill>
+                        <a:schemeClr val="tx1"/>
+                      </a:solidFill>
+                      <a:prstDash val="solid"/>
+                      <a:round/>
+                      <a:headEnd type="none" w="med" len="med"/>
+                      <a:tailEnd type="none" w="med" len="med"/>
+                    </a:lnL>
+                    <a:lnR w="12700" cap="flat" cmpd="sng" algn="ctr">
+                      <a:solidFill>
+                        <a:schemeClr val="tx1"/>
+                      </a:solidFill>
+                      <a:prstDash val="solid"/>
+                      <a:round/>
+                      <a:headEnd type="none" w="med" len="med"/>
+                      <a:tailEnd type="none" w="med" len="med"/>
+                    </a:lnR>
+                    <a:lnT w="12700" cap="flat" cmpd="sng" algn="ctr">
+                      <a:solidFill>
+                        <a:schemeClr val="tx1"/>
+                      </a:solidFill>
+                      <a:prstDash val="solid"/>
+                      <a:round/>
+                      <a:headEnd type="none" w="med" len="med"/>
+                      <a:tailEnd type="none" w="med" len="med"/>
+                    </a:lnT>
+                    <a:lnB w="12700" cap="flat" cmpd="sng" algn="ctr">
+                      <a:solidFill>
+                        <a:schemeClr val="tx1"/>
+                      </a:solidFill>
+                      <a:prstDash val="solid"/>
+                      <a:round/>
+                      <a:headEnd type="none" w="med" len="med"/>
+                      <a:tailEnd type="none" w="med" len="med"/>
+                    </a:lnB>
+                    <a:solidFill>
+                      <a:srgbClr val="05B0EE"/>
+                    </a:solidFill>
                   </a:tcPr>
                 </a:tc>
                 <a:tc>
@@ -32700,6 +33306,9 @@
                       <a:headEnd type="none" w="med" len="med"/>
                       <a:tailEnd type="none" w="med" len="med"/>
                     </a:lnB>
+                    <a:solidFill>
+                      <a:srgbClr val="05B0EE"/>
+                    </a:solidFill>
                   </a:tcPr>
                 </a:tc>
                 <a:tc>
@@ -32754,6 +33363,9 @@
                       <a:headEnd type="none" w="med" len="med"/>
                       <a:tailEnd type="none" w="med" len="med"/>
                     </a:lnB>
+                    <a:solidFill>
+                      <a:srgbClr val="05B0EE"/>
+                    </a:solidFill>
                   </a:tcPr>
                 </a:tc>
                 <a:tc>
@@ -32808,114 +33420,9 @@
                       <a:headEnd type="none" w="med" len="med"/>
                       <a:tailEnd type="none" w="med" len="med"/>
                     </a:lnB>
-                  </a:tcPr>
-                </a:tc>
-                <a:tc>
-                  <a:txBody>
-                    <a:bodyPr/>
-                    <a:lstStyle/>
-                    <a:p>
-                      <a:pPr algn="ctr" latinLnBrk="1"/>
-                      <a:endParaRPr lang="ko-KR" altLang="en-US" sz="3900">
-                        <a:solidFill>
-                          <a:schemeClr val="tx1"/>
-                        </a:solidFill>
-                        <a:latin typeface="배달의민족 한나체 Pro" panose="020B0600000101010101" pitchFamily="50" charset="-127"/>
-                        <a:ea typeface="배달의민족 한나체 Pro" panose="020B0600000101010101" pitchFamily="50" charset="-127"/>
-                      </a:endParaRPr>
-                    </a:p>
-                  </a:txBody>
-                  <a:tcPr marL="299444" marR="299444" marT="149722" marB="149722" anchor="ctr">
-                    <a:lnL w="12700" cap="flat" cmpd="sng" algn="ctr">
-                      <a:solidFill>
-                        <a:schemeClr val="tx1"/>
-                      </a:solidFill>
-                      <a:prstDash val="solid"/>
-                      <a:round/>
-                      <a:headEnd type="none" w="med" len="med"/>
-                      <a:tailEnd type="none" w="med" len="med"/>
-                    </a:lnL>
-                    <a:lnR w="12700" cap="flat" cmpd="sng" algn="ctr">
-                      <a:solidFill>
-                        <a:schemeClr val="tx1"/>
-                      </a:solidFill>
-                      <a:prstDash val="solid"/>
-                      <a:round/>
-                      <a:headEnd type="none" w="med" len="med"/>
-                      <a:tailEnd type="none" w="med" len="med"/>
-                    </a:lnR>
-                    <a:lnT w="12700" cap="flat" cmpd="sng" algn="ctr">
-                      <a:solidFill>
-                        <a:schemeClr val="tx1"/>
-                      </a:solidFill>
-                      <a:prstDash val="solid"/>
-                      <a:round/>
-                      <a:headEnd type="none" w="med" len="med"/>
-                      <a:tailEnd type="none" w="med" len="med"/>
-                    </a:lnT>
-                    <a:lnB w="12700" cap="flat" cmpd="sng" algn="ctr">
-                      <a:solidFill>
-                        <a:schemeClr val="tx1"/>
-                      </a:solidFill>
-                      <a:prstDash val="solid"/>
-                      <a:round/>
-                      <a:headEnd type="none" w="med" len="med"/>
-                      <a:tailEnd type="none" w="med" len="med"/>
-                    </a:lnB>
-                  </a:tcPr>
-                </a:tc>
-                <a:tc>
-                  <a:txBody>
-                    <a:bodyPr/>
-                    <a:lstStyle/>
-                    <a:p>
-                      <a:pPr algn="ctr" latinLnBrk="1"/>
-                      <a:endParaRPr lang="ko-KR" altLang="en-US" sz="3900">
-                        <a:solidFill>
-                          <a:schemeClr val="tx1"/>
-                        </a:solidFill>
-                        <a:latin typeface="배달의민족 한나체 Pro" panose="020B0600000101010101" pitchFamily="50" charset="-127"/>
-                        <a:ea typeface="배달의민족 한나체 Pro" panose="020B0600000101010101" pitchFamily="50" charset="-127"/>
-                      </a:endParaRPr>
-                    </a:p>
-                  </a:txBody>
-                  <a:tcPr marL="299444" marR="299444" marT="149722" marB="149722" anchor="ctr">
-                    <a:lnL w="12700" cap="flat" cmpd="sng" algn="ctr">
-                      <a:solidFill>
-                        <a:schemeClr val="tx1"/>
-                      </a:solidFill>
-                      <a:prstDash val="solid"/>
-                      <a:round/>
-                      <a:headEnd type="none" w="med" len="med"/>
-                      <a:tailEnd type="none" w="med" len="med"/>
-                    </a:lnL>
-                    <a:lnR w="12700" cap="flat" cmpd="sng" algn="ctr">
-                      <a:solidFill>
-                        <a:schemeClr val="tx1"/>
-                      </a:solidFill>
-                      <a:prstDash val="solid"/>
-                      <a:round/>
-                      <a:headEnd type="none" w="med" len="med"/>
-                      <a:tailEnd type="none" w="med" len="med"/>
-                    </a:lnR>
-                    <a:lnT w="12700" cap="flat" cmpd="sng" algn="ctr">
-                      <a:solidFill>
-                        <a:schemeClr val="tx1"/>
-                      </a:solidFill>
-                      <a:prstDash val="solid"/>
-                      <a:round/>
-                      <a:headEnd type="none" w="med" len="med"/>
-                      <a:tailEnd type="none" w="med" len="med"/>
-                    </a:lnT>
-                    <a:lnB w="12700" cap="flat" cmpd="sng" algn="ctr">
-                      <a:solidFill>
-                        <a:schemeClr val="tx1"/>
-                      </a:solidFill>
-                      <a:prstDash val="solid"/>
-                      <a:round/>
-                      <a:headEnd type="none" w="med" len="med"/>
-                      <a:tailEnd type="none" w="med" len="med"/>
-                    </a:lnB>
+                    <a:solidFill>
+                      <a:srgbClr val="05B0EE"/>
+                    </a:solidFill>
                   </a:tcPr>
                 </a:tc>
                 <a:tc>
@@ -32970,60 +33477,9 @@
                       <a:headEnd type="none" w="med" len="med"/>
                       <a:tailEnd type="none" w="med" len="med"/>
                     </a:lnB>
-                  </a:tcPr>
-                </a:tc>
-                <a:tc>
-                  <a:txBody>
-                    <a:bodyPr/>
-                    <a:lstStyle/>
-                    <a:p>
-                      <a:pPr algn="ctr" latinLnBrk="1"/>
-                      <a:endParaRPr lang="ko-KR" altLang="en-US" sz="3900">
-                        <a:solidFill>
-                          <a:schemeClr val="tx1"/>
-                        </a:solidFill>
-                        <a:latin typeface="배달의민족 한나체 Pro" panose="020B0600000101010101" pitchFamily="50" charset="-127"/>
-                        <a:ea typeface="배달의민족 한나체 Pro" panose="020B0600000101010101" pitchFamily="50" charset="-127"/>
-                      </a:endParaRPr>
-                    </a:p>
-                  </a:txBody>
-                  <a:tcPr marL="299444" marR="299444" marT="149722" marB="149722" anchor="ctr">
-                    <a:lnL w="12700" cap="flat" cmpd="sng" algn="ctr">
-                      <a:solidFill>
-                        <a:schemeClr val="tx1"/>
-                      </a:solidFill>
-                      <a:prstDash val="solid"/>
-                      <a:round/>
-                      <a:headEnd type="none" w="med" len="med"/>
-                      <a:tailEnd type="none" w="med" len="med"/>
-                    </a:lnL>
-                    <a:lnR w="12700" cap="flat" cmpd="sng" algn="ctr">
-                      <a:solidFill>
-                        <a:schemeClr val="tx1"/>
-                      </a:solidFill>
-                      <a:prstDash val="solid"/>
-                      <a:round/>
-                      <a:headEnd type="none" w="med" len="med"/>
-                      <a:tailEnd type="none" w="med" len="med"/>
-                    </a:lnR>
-                    <a:lnT w="12700" cap="flat" cmpd="sng" algn="ctr">
-                      <a:solidFill>
-                        <a:schemeClr val="tx1"/>
-                      </a:solidFill>
-                      <a:prstDash val="solid"/>
-                      <a:round/>
-                      <a:headEnd type="none" w="med" len="med"/>
-                      <a:tailEnd type="none" w="med" len="med"/>
-                    </a:lnT>
-                    <a:lnB w="12700" cap="flat" cmpd="sng" algn="ctr">
-                      <a:solidFill>
-                        <a:schemeClr val="tx1"/>
-                      </a:solidFill>
-                      <a:prstDash val="solid"/>
-                      <a:round/>
-                      <a:headEnd type="none" w="med" len="med"/>
-                      <a:tailEnd type="none" w="med" len="med"/>
-                    </a:lnB>
+                    <a:solidFill>
+                      <a:srgbClr val="05B0EE"/>
+                    </a:solidFill>
                   </a:tcPr>
                 </a:tc>
                 <a:tc>
@@ -33078,6 +33534,9 @@
                       <a:headEnd type="none" w="med" len="med"/>
                       <a:tailEnd type="none" w="med" len="med"/>
                     </a:lnB>
+                    <a:solidFill>
+                      <a:srgbClr val="05B0EE"/>
+                    </a:solidFill>
                   </a:tcPr>
                 </a:tc>
                 <a:tc>
@@ -33132,6 +33591,9 @@
                       <a:headEnd type="none" w="med" len="med"/>
                       <a:tailEnd type="none" w="med" len="med"/>
                     </a:lnB>
+                    <a:solidFill>
+                      <a:srgbClr val="05B0EE"/>
+                    </a:solidFill>
                   </a:tcPr>
                 </a:tc>
                 <a:tc>
@@ -33186,6 +33648,9 @@
                       <a:headEnd type="none" w="med" len="med"/>
                       <a:tailEnd type="none" w="med" len="med"/>
                     </a:lnB>
+                    <a:solidFill>
+                      <a:srgbClr val="05B0EE"/>
+                    </a:solidFill>
                   </a:tcPr>
                 </a:tc>
                 <a:tc>
@@ -33240,6 +33705,9 @@
                       <a:headEnd type="none" w="med" len="med"/>
                       <a:tailEnd type="none" w="med" len="med"/>
                     </a:lnB>
+                    <a:solidFill>
+                      <a:srgbClr val="05B0EE"/>
+                    </a:solidFill>
                   </a:tcPr>
                 </a:tc>
                 <a:tc>
@@ -33294,6 +33762,9 @@
                       <a:headEnd type="none" w="med" len="med"/>
                       <a:tailEnd type="none" w="med" len="med"/>
                     </a:lnB>
+                    <a:solidFill>
+                      <a:srgbClr val="05B0EE"/>
+                    </a:solidFill>
                   </a:tcPr>
                 </a:tc>
                 <a:tc>
@@ -33348,6 +33819,9 @@
                       <a:headEnd type="none" w="med" len="med"/>
                       <a:tailEnd type="none" w="med" len="med"/>
                     </a:lnB>
+                    <a:solidFill>
+                      <a:srgbClr val="05B0EE"/>
+                    </a:solidFill>
                   </a:tcPr>
                 </a:tc>
                 <a:tc>
@@ -33402,6 +33876,11 @@
                       <a:headEnd type="none" w="med" len="med"/>
                       <a:tailEnd type="none" w="med" len="med"/>
                     </a:lnB>
+                    <a:solidFill>
+                      <a:srgbClr val="05B0EE">
+                        <a:alpha val="40000"/>
+                      </a:srgbClr>
+                    </a:solidFill>
                   </a:tcPr>
                 </a:tc>
                 <a:tc>
@@ -33457,7 +33936,9 @@
                       <a:tailEnd type="none" w="med" len="med"/>
                     </a:lnB>
                     <a:solidFill>
-                      <a:srgbClr val="00B0F0"/>
+                      <a:srgbClr val="05B0EE">
+                        <a:alpha val="40000"/>
+                      </a:srgbClr>
                     </a:solidFill>
                   </a:tcPr>
                 </a:tc>
@@ -33514,7 +33995,9 @@
                       <a:tailEnd type="none" w="med" len="med"/>
                     </a:lnB>
                     <a:solidFill>
-                      <a:srgbClr val="00B0F0"/>
+                      <a:srgbClr val="05B0EE">
+                        <a:alpha val="40000"/>
+                      </a:srgbClr>
                     </a:solidFill>
                   </a:tcPr>
                 </a:tc>
@@ -33571,7 +34054,9 @@
                       <a:tailEnd type="none" w="med" len="med"/>
                     </a:lnB>
                     <a:solidFill>
-                      <a:srgbClr val="00B0F0"/>
+                      <a:srgbClr val="05B0EE">
+                        <a:alpha val="40000"/>
+                      </a:srgbClr>
                     </a:solidFill>
                   </a:tcPr>
                 </a:tc>
@@ -33628,7 +34113,9 @@
                       <a:tailEnd type="none" w="med" len="med"/>
                     </a:lnB>
                     <a:solidFill>
-                      <a:srgbClr val="00B0F0"/>
+                      <a:srgbClr val="05B0EE">
+                        <a:alpha val="40000"/>
+                      </a:srgbClr>
                     </a:solidFill>
                   </a:tcPr>
                 </a:tc>
@@ -33685,7 +34172,9 @@
                       <a:tailEnd type="none" w="med" len="med"/>
                     </a:lnB>
                     <a:solidFill>
-                      <a:srgbClr val="00B0F0"/>
+                      <a:srgbClr val="05B0EE">
+                        <a:alpha val="40000"/>
+                      </a:srgbClr>
                     </a:solidFill>
                   </a:tcPr>
                 </a:tc>
@@ -33742,7 +34231,9 @@
                       <a:tailEnd type="none" w="med" len="med"/>
                     </a:lnB>
                     <a:solidFill>
-                      <a:srgbClr val="00B0F0"/>
+                      <a:srgbClr val="05B0EE">
+                        <a:alpha val="40000"/>
+                      </a:srgbClr>
                     </a:solidFill>
                   </a:tcPr>
                 </a:tc>
@@ -33799,7 +34290,9 @@
                       <a:tailEnd type="none" w="med" len="med"/>
                     </a:lnB>
                     <a:solidFill>
-                      <a:srgbClr val="00B0F0"/>
+                      <a:srgbClr val="05B0EE">
+                        <a:alpha val="40000"/>
+                      </a:srgbClr>
                     </a:solidFill>
                   </a:tcPr>
                 </a:tc>
@@ -33856,7 +34349,9 @@
                       <a:tailEnd type="none" w="med" len="med"/>
                     </a:lnB>
                     <a:solidFill>
-                      <a:srgbClr val="00B0F0"/>
+                      <a:srgbClr val="05B0EE">
+                        <a:alpha val="40000"/>
+                      </a:srgbClr>
                     </a:solidFill>
                   </a:tcPr>
                 </a:tc>
@@ -33913,7 +34408,9 @@
                       <a:tailEnd type="none" w="med" len="med"/>
                     </a:lnB>
                     <a:solidFill>
-                      <a:srgbClr val="00B0F0"/>
+                      <a:srgbClr val="05B0EE">
+                        <a:alpha val="40000"/>
+                      </a:srgbClr>
                     </a:solidFill>
                   </a:tcPr>
                 </a:tc>
@@ -33970,7 +34467,9 @@
                       <a:tailEnd type="none" w="med" len="med"/>
                     </a:lnB>
                     <a:solidFill>
-                      <a:srgbClr val="00B0F0"/>
+                      <a:srgbClr val="05B0EE">
+                        <a:alpha val="40000"/>
+                      </a:srgbClr>
                     </a:solidFill>
                   </a:tcPr>
                 </a:tc>
@@ -34027,2114 +34526,15 @@
                       <a:tailEnd type="none" w="med" len="med"/>
                     </a:lnB>
                     <a:solidFill>
-                      <a:srgbClr val="00B0F0"/>
-                    </a:solidFill>
-                  </a:tcPr>
-                </a:tc>
-                <a:tc>
-                  <a:txBody>
-                    <a:bodyPr/>
-                    <a:lstStyle/>
-                    <a:p>
-                      <a:pPr algn="ctr" latinLnBrk="1"/>
-                      <a:endParaRPr lang="ko-KR" altLang="en-US" sz="3900" dirty="0">
-                        <a:solidFill>
-                          <a:schemeClr val="tx1"/>
-                        </a:solidFill>
-                        <a:latin typeface="배달의민족 한나체 Pro" panose="020B0600000101010101" pitchFamily="50" charset="-127"/>
-                        <a:ea typeface="배달의민족 한나체 Pro" panose="020B0600000101010101" pitchFamily="50" charset="-127"/>
-                      </a:endParaRPr>
-                    </a:p>
-                  </a:txBody>
-                  <a:tcPr marL="299444" marR="299444" marT="149722" marB="149722" anchor="ctr">
-                    <a:lnL w="12700" cap="flat" cmpd="sng" algn="ctr">
-                      <a:solidFill>
-                        <a:schemeClr val="tx1"/>
-                      </a:solidFill>
-                      <a:prstDash val="solid"/>
-                      <a:round/>
-                      <a:headEnd type="none" w="med" len="med"/>
-                      <a:tailEnd type="none" w="med" len="med"/>
-                    </a:lnL>
-                    <a:lnR w="12700" cap="flat" cmpd="sng" algn="ctr">
-                      <a:solidFill>
-                        <a:schemeClr val="tx1"/>
-                      </a:solidFill>
-                      <a:prstDash val="solid"/>
-                      <a:round/>
-                      <a:headEnd type="none" w="med" len="med"/>
-                      <a:tailEnd type="none" w="med" len="med"/>
-                    </a:lnR>
-                    <a:lnT w="12700" cap="flat" cmpd="sng" algn="ctr">
-                      <a:solidFill>
-                        <a:schemeClr val="tx1"/>
-                      </a:solidFill>
-                      <a:prstDash val="solid"/>
-                      <a:round/>
-                      <a:headEnd type="none" w="med" len="med"/>
-                      <a:tailEnd type="none" w="med" len="med"/>
-                    </a:lnT>
-                    <a:lnB w="12700" cap="flat" cmpd="sng" algn="ctr">
-                      <a:solidFill>
-                        <a:schemeClr val="tx1"/>
-                      </a:solidFill>
-                      <a:prstDash val="solid"/>
-                      <a:round/>
-                      <a:headEnd type="none" w="med" len="med"/>
-                      <a:tailEnd type="none" w="med" len="med"/>
-                    </a:lnB>
-                    <a:solidFill>
-                      <a:srgbClr val="00B0F0"/>
+                      <a:srgbClr val="05B0EE">
+                        <a:alpha val="40000"/>
+                      </a:srgbClr>
                     </a:solidFill>
                   </a:tcPr>
                 </a:tc>
                 <a:extLst>
                   <a:ext uri="{0D108BD9-81ED-4DB2-BD59-A6C34878D82A}">
                     <a16:rowId xmlns:a16="http://schemas.microsoft.com/office/drawing/2014/main" val="2131371275"/>
-                  </a:ext>
-                </a:extLst>
-              </a:tr>
-              <a:tr h="1448165">
-                <a:tc>
-                  <a:txBody>
-                    <a:bodyPr/>
-                    <a:lstStyle/>
-                    <a:p>
-                      <a:pPr algn="ctr" latinLnBrk="1"/>
-                      <a:r>
-                        <a:rPr lang="ko-KR" altLang="en-US" sz="4400" dirty="0">
-                          <a:solidFill>
-                            <a:schemeClr val="tx1"/>
-                          </a:solidFill>
-                          <a:latin typeface="맑은 고딕" panose="020B0503020000020004" pitchFamily="50" charset="-127"/>
-                          <a:ea typeface="맑은 고딕" panose="020B0503020000020004" pitchFamily="50" charset="-127"/>
-                        </a:rPr>
-                        <a:t>디버깅 및 테스트</a:t>
-                      </a:r>
-                    </a:p>
-                  </a:txBody>
-                  <a:tcPr marL="299444" marR="299444" marT="149722" marB="149722" anchor="ctr">
-                    <a:lnL w="12700" cap="flat" cmpd="sng" algn="ctr">
-                      <a:solidFill>
-                        <a:schemeClr val="tx1"/>
-                      </a:solidFill>
-                      <a:prstDash val="solid"/>
-                      <a:round/>
-                      <a:headEnd type="none" w="med" len="med"/>
-                      <a:tailEnd type="none" w="med" len="med"/>
-                    </a:lnL>
-                    <a:lnR w="12700" cap="flat" cmpd="sng" algn="ctr">
-                      <a:solidFill>
-                        <a:schemeClr val="tx1"/>
-                      </a:solidFill>
-                      <a:prstDash val="solid"/>
-                      <a:round/>
-                      <a:headEnd type="none" w="med" len="med"/>
-                      <a:tailEnd type="none" w="med" len="med"/>
-                    </a:lnR>
-                    <a:lnT w="12700" cap="flat" cmpd="sng" algn="ctr">
-                      <a:solidFill>
-                        <a:schemeClr val="tx1"/>
-                      </a:solidFill>
-                      <a:prstDash val="solid"/>
-                      <a:round/>
-                      <a:headEnd type="none" w="med" len="med"/>
-                      <a:tailEnd type="none" w="med" len="med"/>
-                    </a:lnT>
-                    <a:lnB w="12700" cap="flat" cmpd="sng" algn="ctr">
-                      <a:solidFill>
-                        <a:schemeClr val="tx1"/>
-                      </a:solidFill>
-                      <a:prstDash val="solid"/>
-                      <a:round/>
-                      <a:headEnd type="none" w="med" len="med"/>
-                      <a:tailEnd type="none" w="med" len="med"/>
-                    </a:lnB>
-                  </a:tcPr>
-                </a:tc>
-                <a:tc>
-                  <a:txBody>
-                    <a:bodyPr/>
-                    <a:lstStyle/>
-                    <a:p>
-                      <a:pPr algn="ctr" latinLnBrk="1"/>
-                      <a:endParaRPr lang="ko-KR" altLang="en-US" sz="3900">
-                        <a:solidFill>
-                          <a:schemeClr val="tx1"/>
-                        </a:solidFill>
-                        <a:latin typeface="배달의민족 한나체 Pro" panose="020B0600000101010101" pitchFamily="50" charset="-127"/>
-                        <a:ea typeface="배달의민족 한나체 Pro" panose="020B0600000101010101" pitchFamily="50" charset="-127"/>
-                      </a:endParaRPr>
-                    </a:p>
-                  </a:txBody>
-                  <a:tcPr marL="299444" marR="299444" marT="149722" marB="149722" anchor="ctr">
-                    <a:lnL w="12700" cap="flat" cmpd="sng" algn="ctr">
-                      <a:solidFill>
-                        <a:schemeClr val="tx1"/>
-                      </a:solidFill>
-                      <a:prstDash val="solid"/>
-                      <a:round/>
-                      <a:headEnd type="none" w="med" len="med"/>
-                      <a:tailEnd type="none" w="med" len="med"/>
-                    </a:lnL>
-                    <a:lnR w="12700" cap="flat" cmpd="sng" algn="ctr">
-                      <a:solidFill>
-                        <a:schemeClr val="tx1"/>
-                      </a:solidFill>
-                      <a:prstDash val="solid"/>
-                      <a:round/>
-                      <a:headEnd type="none" w="med" len="med"/>
-                      <a:tailEnd type="none" w="med" len="med"/>
-                    </a:lnR>
-                    <a:lnT w="12700" cap="flat" cmpd="sng" algn="ctr">
-                      <a:solidFill>
-                        <a:schemeClr val="tx1"/>
-                      </a:solidFill>
-                      <a:prstDash val="solid"/>
-                      <a:round/>
-                      <a:headEnd type="none" w="med" len="med"/>
-                      <a:tailEnd type="none" w="med" len="med"/>
-                    </a:lnT>
-                    <a:lnB w="12700" cap="flat" cmpd="sng" algn="ctr">
-                      <a:solidFill>
-                        <a:schemeClr val="tx1"/>
-                      </a:solidFill>
-                      <a:prstDash val="solid"/>
-                      <a:round/>
-                      <a:headEnd type="none" w="med" len="med"/>
-                      <a:tailEnd type="none" w="med" len="med"/>
-                    </a:lnB>
-                  </a:tcPr>
-                </a:tc>
-                <a:tc>
-                  <a:txBody>
-                    <a:bodyPr/>
-                    <a:lstStyle/>
-                    <a:p>
-                      <a:pPr algn="ctr" latinLnBrk="1"/>
-                      <a:endParaRPr lang="ko-KR" altLang="en-US" sz="3900" dirty="0">
-                        <a:solidFill>
-                          <a:schemeClr val="tx1"/>
-                        </a:solidFill>
-                        <a:latin typeface="배달의민족 한나체 Pro" panose="020B0600000101010101" pitchFamily="50" charset="-127"/>
-                        <a:ea typeface="배달의민족 한나체 Pro" panose="020B0600000101010101" pitchFamily="50" charset="-127"/>
-                      </a:endParaRPr>
-                    </a:p>
-                  </a:txBody>
-                  <a:tcPr marL="299444" marR="299444" marT="149722" marB="149722" anchor="ctr">
-                    <a:lnL w="12700" cap="flat" cmpd="sng" algn="ctr">
-                      <a:solidFill>
-                        <a:schemeClr val="tx1"/>
-                      </a:solidFill>
-                      <a:prstDash val="solid"/>
-                      <a:round/>
-                      <a:headEnd type="none" w="med" len="med"/>
-                      <a:tailEnd type="none" w="med" len="med"/>
-                    </a:lnL>
-                    <a:lnR w="12700" cap="flat" cmpd="sng" algn="ctr">
-                      <a:solidFill>
-                        <a:schemeClr val="tx1"/>
-                      </a:solidFill>
-                      <a:prstDash val="solid"/>
-                      <a:round/>
-                      <a:headEnd type="none" w="med" len="med"/>
-                      <a:tailEnd type="none" w="med" len="med"/>
-                    </a:lnR>
-                    <a:lnT w="12700" cap="flat" cmpd="sng" algn="ctr">
-                      <a:solidFill>
-                        <a:schemeClr val="tx1"/>
-                      </a:solidFill>
-                      <a:prstDash val="solid"/>
-                      <a:round/>
-                      <a:headEnd type="none" w="med" len="med"/>
-                      <a:tailEnd type="none" w="med" len="med"/>
-                    </a:lnT>
-                    <a:lnB w="12700" cap="flat" cmpd="sng" algn="ctr">
-                      <a:solidFill>
-                        <a:schemeClr val="tx1"/>
-                      </a:solidFill>
-                      <a:prstDash val="solid"/>
-                      <a:round/>
-                      <a:headEnd type="none" w="med" len="med"/>
-                      <a:tailEnd type="none" w="med" len="med"/>
-                    </a:lnB>
-                  </a:tcPr>
-                </a:tc>
-                <a:tc>
-                  <a:txBody>
-                    <a:bodyPr/>
-                    <a:lstStyle/>
-                    <a:p>
-                      <a:pPr algn="ctr" latinLnBrk="1"/>
-                      <a:endParaRPr lang="ko-KR" altLang="en-US" sz="3900">
-                        <a:solidFill>
-                          <a:schemeClr val="tx1"/>
-                        </a:solidFill>
-                        <a:latin typeface="배달의민족 한나체 Pro" panose="020B0600000101010101" pitchFamily="50" charset="-127"/>
-                        <a:ea typeface="배달의민족 한나체 Pro" panose="020B0600000101010101" pitchFamily="50" charset="-127"/>
-                      </a:endParaRPr>
-                    </a:p>
-                  </a:txBody>
-                  <a:tcPr marL="299444" marR="299444" marT="149722" marB="149722" anchor="ctr">
-                    <a:lnL w="12700" cap="flat" cmpd="sng" algn="ctr">
-                      <a:solidFill>
-                        <a:schemeClr val="tx1"/>
-                      </a:solidFill>
-                      <a:prstDash val="solid"/>
-                      <a:round/>
-                      <a:headEnd type="none" w="med" len="med"/>
-                      <a:tailEnd type="none" w="med" len="med"/>
-                    </a:lnL>
-                    <a:lnR w="12700" cap="flat" cmpd="sng" algn="ctr">
-                      <a:solidFill>
-                        <a:schemeClr val="tx1"/>
-                      </a:solidFill>
-                      <a:prstDash val="solid"/>
-                      <a:round/>
-                      <a:headEnd type="none" w="med" len="med"/>
-                      <a:tailEnd type="none" w="med" len="med"/>
-                    </a:lnR>
-                    <a:lnT w="12700" cap="flat" cmpd="sng" algn="ctr">
-                      <a:solidFill>
-                        <a:schemeClr val="tx1"/>
-                      </a:solidFill>
-                      <a:prstDash val="solid"/>
-                      <a:round/>
-                      <a:headEnd type="none" w="med" len="med"/>
-                      <a:tailEnd type="none" w="med" len="med"/>
-                    </a:lnT>
-                    <a:lnB w="12700" cap="flat" cmpd="sng" algn="ctr">
-                      <a:solidFill>
-                        <a:schemeClr val="tx1"/>
-                      </a:solidFill>
-                      <a:prstDash val="solid"/>
-                      <a:round/>
-                      <a:headEnd type="none" w="med" len="med"/>
-                      <a:tailEnd type="none" w="med" len="med"/>
-                    </a:lnB>
-                  </a:tcPr>
-                </a:tc>
-                <a:tc>
-                  <a:txBody>
-                    <a:bodyPr/>
-                    <a:lstStyle/>
-                    <a:p>
-                      <a:pPr algn="ctr" latinLnBrk="1"/>
-                      <a:endParaRPr lang="ko-KR" altLang="en-US" sz="3900" dirty="0">
-                        <a:solidFill>
-                          <a:schemeClr val="tx1"/>
-                        </a:solidFill>
-                        <a:latin typeface="배달의민족 한나체 Pro" panose="020B0600000101010101" pitchFamily="50" charset="-127"/>
-                        <a:ea typeface="배달의민족 한나체 Pro" panose="020B0600000101010101" pitchFamily="50" charset="-127"/>
-                      </a:endParaRPr>
-                    </a:p>
-                  </a:txBody>
-                  <a:tcPr marL="299444" marR="299444" marT="149722" marB="149722" anchor="ctr">
-                    <a:lnL w="12700" cap="flat" cmpd="sng" algn="ctr">
-                      <a:solidFill>
-                        <a:schemeClr val="tx1"/>
-                      </a:solidFill>
-                      <a:prstDash val="solid"/>
-                      <a:round/>
-                      <a:headEnd type="none" w="med" len="med"/>
-                      <a:tailEnd type="none" w="med" len="med"/>
-                    </a:lnL>
-                    <a:lnR w="12700" cap="flat" cmpd="sng" algn="ctr">
-                      <a:solidFill>
-                        <a:schemeClr val="tx1"/>
-                      </a:solidFill>
-                      <a:prstDash val="solid"/>
-                      <a:round/>
-                      <a:headEnd type="none" w="med" len="med"/>
-                      <a:tailEnd type="none" w="med" len="med"/>
-                    </a:lnR>
-                    <a:lnT w="12700" cap="flat" cmpd="sng" algn="ctr">
-                      <a:solidFill>
-                        <a:schemeClr val="tx1"/>
-                      </a:solidFill>
-                      <a:prstDash val="solid"/>
-                      <a:round/>
-                      <a:headEnd type="none" w="med" len="med"/>
-                      <a:tailEnd type="none" w="med" len="med"/>
-                    </a:lnT>
-                    <a:lnB w="12700" cap="flat" cmpd="sng" algn="ctr">
-                      <a:solidFill>
-                        <a:schemeClr val="tx1"/>
-                      </a:solidFill>
-                      <a:prstDash val="solid"/>
-                      <a:round/>
-                      <a:headEnd type="none" w="med" len="med"/>
-                      <a:tailEnd type="none" w="med" len="med"/>
-                    </a:lnB>
-                  </a:tcPr>
-                </a:tc>
-                <a:tc>
-                  <a:txBody>
-                    <a:bodyPr/>
-                    <a:lstStyle/>
-                    <a:p>
-                      <a:pPr algn="ctr" latinLnBrk="1"/>
-                      <a:endParaRPr lang="ko-KR" altLang="en-US" sz="3900">
-                        <a:solidFill>
-                          <a:schemeClr val="tx1"/>
-                        </a:solidFill>
-                        <a:latin typeface="배달의민족 한나체 Pro" panose="020B0600000101010101" pitchFamily="50" charset="-127"/>
-                        <a:ea typeface="배달의민족 한나체 Pro" panose="020B0600000101010101" pitchFamily="50" charset="-127"/>
-                      </a:endParaRPr>
-                    </a:p>
-                  </a:txBody>
-                  <a:tcPr marL="299444" marR="299444" marT="149722" marB="149722" anchor="ctr">
-                    <a:lnL w="12700" cap="flat" cmpd="sng" algn="ctr">
-                      <a:solidFill>
-                        <a:schemeClr val="tx1"/>
-                      </a:solidFill>
-                      <a:prstDash val="solid"/>
-                      <a:round/>
-                      <a:headEnd type="none" w="med" len="med"/>
-                      <a:tailEnd type="none" w="med" len="med"/>
-                    </a:lnL>
-                    <a:lnR w="12700" cap="flat" cmpd="sng" algn="ctr">
-                      <a:solidFill>
-                        <a:schemeClr val="tx1"/>
-                      </a:solidFill>
-                      <a:prstDash val="solid"/>
-                      <a:round/>
-                      <a:headEnd type="none" w="med" len="med"/>
-                      <a:tailEnd type="none" w="med" len="med"/>
-                    </a:lnR>
-                    <a:lnT w="12700" cap="flat" cmpd="sng" algn="ctr">
-                      <a:solidFill>
-                        <a:schemeClr val="tx1"/>
-                      </a:solidFill>
-                      <a:prstDash val="solid"/>
-                      <a:round/>
-                      <a:headEnd type="none" w="med" len="med"/>
-                      <a:tailEnd type="none" w="med" len="med"/>
-                    </a:lnT>
-                    <a:lnB w="12700" cap="flat" cmpd="sng" algn="ctr">
-                      <a:solidFill>
-                        <a:schemeClr val="tx1"/>
-                      </a:solidFill>
-                      <a:prstDash val="solid"/>
-                      <a:round/>
-                      <a:headEnd type="none" w="med" len="med"/>
-                      <a:tailEnd type="none" w="med" len="med"/>
-                    </a:lnB>
-                  </a:tcPr>
-                </a:tc>
-                <a:tc>
-                  <a:txBody>
-                    <a:bodyPr/>
-                    <a:lstStyle/>
-                    <a:p>
-                      <a:pPr algn="ctr" latinLnBrk="1"/>
-                      <a:endParaRPr lang="ko-KR" altLang="en-US" sz="3900" dirty="0">
-                        <a:solidFill>
-                          <a:schemeClr val="tx1"/>
-                        </a:solidFill>
-                        <a:latin typeface="배달의민족 한나체 Pro" panose="020B0600000101010101" pitchFamily="50" charset="-127"/>
-                        <a:ea typeface="배달의민족 한나체 Pro" panose="020B0600000101010101" pitchFamily="50" charset="-127"/>
-                      </a:endParaRPr>
-                    </a:p>
-                  </a:txBody>
-                  <a:tcPr marL="299444" marR="299444" marT="149722" marB="149722" anchor="ctr">
-                    <a:lnL w="12700" cap="flat" cmpd="sng" algn="ctr">
-                      <a:solidFill>
-                        <a:schemeClr val="tx1"/>
-                      </a:solidFill>
-                      <a:prstDash val="solid"/>
-                      <a:round/>
-                      <a:headEnd type="none" w="med" len="med"/>
-                      <a:tailEnd type="none" w="med" len="med"/>
-                    </a:lnL>
-                    <a:lnR w="12700" cap="flat" cmpd="sng" algn="ctr">
-                      <a:solidFill>
-                        <a:schemeClr val="tx1"/>
-                      </a:solidFill>
-                      <a:prstDash val="solid"/>
-                      <a:round/>
-                      <a:headEnd type="none" w="med" len="med"/>
-                      <a:tailEnd type="none" w="med" len="med"/>
-                    </a:lnR>
-                    <a:lnT w="12700" cap="flat" cmpd="sng" algn="ctr">
-                      <a:solidFill>
-                        <a:schemeClr val="tx1"/>
-                      </a:solidFill>
-                      <a:prstDash val="solid"/>
-                      <a:round/>
-                      <a:headEnd type="none" w="med" len="med"/>
-                      <a:tailEnd type="none" w="med" len="med"/>
-                    </a:lnT>
-                    <a:lnB w="12700" cap="flat" cmpd="sng" algn="ctr">
-                      <a:solidFill>
-                        <a:schemeClr val="tx1"/>
-                      </a:solidFill>
-                      <a:prstDash val="solid"/>
-                      <a:round/>
-                      <a:headEnd type="none" w="med" len="med"/>
-                      <a:tailEnd type="none" w="med" len="med"/>
-                    </a:lnB>
-                  </a:tcPr>
-                </a:tc>
-                <a:tc>
-                  <a:txBody>
-                    <a:bodyPr/>
-                    <a:lstStyle/>
-                    <a:p>
-                      <a:pPr algn="ctr" latinLnBrk="1"/>
-                      <a:endParaRPr lang="ko-KR" altLang="en-US" sz="3900">
-                        <a:solidFill>
-                          <a:schemeClr val="tx1"/>
-                        </a:solidFill>
-                        <a:latin typeface="배달의민족 한나체 Pro" panose="020B0600000101010101" pitchFamily="50" charset="-127"/>
-                        <a:ea typeface="배달의민족 한나체 Pro" panose="020B0600000101010101" pitchFamily="50" charset="-127"/>
-                      </a:endParaRPr>
-                    </a:p>
-                  </a:txBody>
-                  <a:tcPr marL="299444" marR="299444" marT="149722" marB="149722" anchor="ctr">
-                    <a:lnL w="12700" cap="flat" cmpd="sng" algn="ctr">
-                      <a:solidFill>
-                        <a:schemeClr val="tx1"/>
-                      </a:solidFill>
-                      <a:prstDash val="solid"/>
-                      <a:round/>
-                      <a:headEnd type="none" w="med" len="med"/>
-                      <a:tailEnd type="none" w="med" len="med"/>
-                    </a:lnL>
-                    <a:lnR w="12700" cap="flat" cmpd="sng" algn="ctr">
-                      <a:solidFill>
-                        <a:schemeClr val="tx1"/>
-                      </a:solidFill>
-                      <a:prstDash val="solid"/>
-                      <a:round/>
-                      <a:headEnd type="none" w="med" len="med"/>
-                      <a:tailEnd type="none" w="med" len="med"/>
-                    </a:lnR>
-                    <a:lnT w="12700" cap="flat" cmpd="sng" algn="ctr">
-                      <a:solidFill>
-                        <a:schemeClr val="tx1"/>
-                      </a:solidFill>
-                      <a:prstDash val="solid"/>
-                      <a:round/>
-                      <a:headEnd type="none" w="med" len="med"/>
-                      <a:tailEnd type="none" w="med" len="med"/>
-                    </a:lnT>
-                    <a:lnB w="12700" cap="flat" cmpd="sng" algn="ctr">
-                      <a:solidFill>
-                        <a:schemeClr val="tx1"/>
-                      </a:solidFill>
-                      <a:prstDash val="solid"/>
-                      <a:round/>
-                      <a:headEnd type="none" w="med" len="med"/>
-                      <a:tailEnd type="none" w="med" len="med"/>
-                    </a:lnB>
-                  </a:tcPr>
-                </a:tc>
-                <a:tc>
-                  <a:txBody>
-                    <a:bodyPr/>
-                    <a:lstStyle/>
-                    <a:p>
-                      <a:pPr algn="ctr" latinLnBrk="1"/>
-                      <a:endParaRPr lang="ko-KR" altLang="en-US" sz="3900" dirty="0">
-                        <a:solidFill>
-                          <a:schemeClr val="tx1"/>
-                        </a:solidFill>
-                        <a:latin typeface="배달의민족 한나체 Pro" panose="020B0600000101010101" pitchFamily="50" charset="-127"/>
-                        <a:ea typeface="배달의민족 한나체 Pro" panose="020B0600000101010101" pitchFamily="50" charset="-127"/>
-                      </a:endParaRPr>
-                    </a:p>
-                  </a:txBody>
-                  <a:tcPr marL="299444" marR="299444" marT="149722" marB="149722" anchor="ctr">
-                    <a:lnL w="12700" cap="flat" cmpd="sng" algn="ctr">
-                      <a:solidFill>
-                        <a:schemeClr val="tx1"/>
-                      </a:solidFill>
-                      <a:prstDash val="solid"/>
-                      <a:round/>
-                      <a:headEnd type="none" w="med" len="med"/>
-                      <a:tailEnd type="none" w="med" len="med"/>
-                    </a:lnL>
-                    <a:lnR w="12700" cap="flat" cmpd="sng" algn="ctr">
-                      <a:solidFill>
-                        <a:schemeClr val="tx1"/>
-                      </a:solidFill>
-                      <a:prstDash val="solid"/>
-                      <a:round/>
-                      <a:headEnd type="none" w="med" len="med"/>
-                      <a:tailEnd type="none" w="med" len="med"/>
-                    </a:lnR>
-                    <a:lnT w="12700" cap="flat" cmpd="sng" algn="ctr">
-                      <a:solidFill>
-                        <a:schemeClr val="tx1"/>
-                      </a:solidFill>
-                      <a:prstDash val="solid"/>
-                      <a:round/>
-                      <a:headEnd type="none" w="med" len="med"/>
-                      <a:tailEnd type="none" w="med" len="med"/>
-                    </a:lnT>
-                    <a:lnB w="12700" cap="flat" cmpd="sng" algn="ctr">
-                      <a:solidFill>
-                        <a:schemeClr val="tx1"/>
-                      </a:solidFill>
-                      <a:prstDash val="solid"/>
-                      <a:round/>
-                      <a:headEnd type="none" w="med" len="med"/>
-                      <a:tailEnd type="none" w="med" len="med"/>
-                    </a:lnB>
-                  </a:tcPr>
-                </a:tc>
-                <a:tc>
-                  <a:txBody>
-                    <a:bodyPr/>
-                    <a:lstStyle/>
-                    <a:p>
-                      <a:pPr algn="ctr" latinLnBrk="1"/>
-                      <a:endParaRPr lang="ko-KR" altLang="en-US" sz="3900" dirty="0">
-                        <a:solidFill>
-                          <a:schemeClr val="tx1"/>
-                        </a:solidFill>
-                        <a:latin typeface="배달의민족 한나체 Pro" panose="020B0600000101010101" pitchFamily="50" charset="-127"/>
-                        <a:ea typeface="배달의민족 한나체 Pro" panose="020B0600000101010101" pitchFamily="50" charset="-127"/>
-                      </a:endParaRPr>
-                    </a:p>
-                  </a:txBody>
-                  <a:tcPr marL="299444" marR="299444" marT="149722" marB="149722" anchor="ctr">
-                    <a:lnL w="12700" cap="flat" cmpd="sng" algn="ctr">
-                      <a:solidFill>
-                        <a:schemeClr val="tx1"/>
-                      </a:solidFill>
-                      <a:prstDash val="solid"/>
-                      <a:round/>
-                      <a:headEnd type="none" w="med" len="med"/>
-                      <a:tailEnd type="none" w="med" len="med"/>
-                    </a:lnL>
-                    <a:lnR w="12700" cap="flat" cmpd="sng" algn="ctr">
-                      <a:solidFill>
-                        <a:schemeClr val="tx1"/>
-                      </a:solidFill>
-                      <a:prstDash val="solid"/>
-                      <a:round/>
-                      <a:headEnd type="none" w="med" len="med"/>
-                      <a:tailEnd type="none" w="med" len="med"/>
-                    </a:lnR>
-                    <a:lnT w="12700" cap="flat" cmpd="sng" algn="ctr">
-                      <a:solidFill>
-                        <a:schemeClr val="tx1"/>
-                      </a:solidFill>
-                      <a:prstDash val="solid"/>
-                      <a:round/>
-                      <a:headEnd type="none" w="med" len="med"/>
-                      <a:tailEnd type="none" w="med" len="med"/>
-                    </a:lnT>
-                    <a:lnB w="12700" cap="flat" cmpd="sng" algn="ctr">
-                      <a:solidFill>
-                        <a:schemeClr val="tx1"/>
-                      </a:solidFill>
-                      <a:prstDash val="solid"/>
-                      <a:round/>
-                      <a:headEnd type="none" w="med" len="med"/>
-                      <a:tailEnd type="none" w="med" len="med"/>
-                    </a:lnB>
-                  </a:tcPr>
-                </a:tc>
-                <a:tc>
-                  <a:txBody>
-                    <a:bodyPr/>
-                    <a:lstStyle/>
-                    <a:p>
-                      <a:pPr algn="ctr" latinLnBrk="1"/>
-                      <a:endParaRPr lang="ko-KR" altLang="en-US" sz="3900" dirty="0">
-                        <a:solidFill>
-                          <a:schemeClr val="tx1"/>
-                        </a:solidFill>
-                        <a:latin typeface="배달의민족 한나체 Pro" panose="020B0600000101010101" pitchFamily="50" charset="-127"/>
-                        <a:ea typeface="배달의민족 한나체 Pro" panose="020B0600000101010101" pitchFamily="50" charset="-127"/>
-                      </a:endParaRPr>
-                    </a:p>
-                  </a:txBody>
-                  <a:tcPr marL="299444" marR="299444" marT="149722" marB="149722" anchor="ctr">
-                    <a:lnL w="12700" cap="flat" cmpd="sng" algn="ctr">
-                      <a:solidFill>
-                        <a:schemeClr val="tx1"/>
-                      </a:solidFill>
-                      <a:prstDash val="solid"/>
-                      <a:round/>
-                      <a:headEnd type="none" w="med" len="med"/>
-                      <a:tailEnd type="none" w="med" len="med"/>
-                    </a:lnL>
-                    <a:lnR w="12700" cap="flat" cmpd="sng" algn="ctr">
-                      <a:solidFill>
-                        <a:schemeClr val="tx1"/>
-                      </a:solidFill>
-                      <a:prstDash val="solid"/>
-                      <a:round/>
-                      <a:headEnd type="none" w="med" len="med"/>
-                      <a:tailEnd type="none" w="med" len="med"/>
-                    </a:lnR>
-                    <a:lnT w="12700" cap="flat" cmpd="sng" algn="ctr">
-                      <a:solidFill>
-                        <a:schemeClr val="tx1"/>
-                      </a:solidFill>
-                      <a:prstDash val="solid"/>
-                      <a:round/>
-                      <a:headEnd type="none" w="med" len="med"/>
-                      <a:tailEnd type="none" w="med" len="med"/>
-                    </a:lnT>
-                    <a:lnB w="12700" cap="flat" cmpd="sng" algn="ctr">
-                      <a:solidFill>
-                        <a:schemeClr val="tx1"/>
-                      </a:solidFill>
-                      <a:prstDash val="solid"/>
-                      <a:round/>
-                      <a:headEnd type="none" w="med" len="med"/>
-                      <a:tailEnd type="none" w="med" len="med"/>
-                    </a:lnB>
-                  </a:tcPr>
-                </a:tc>
-                <a:tc>
-                  <a:txBody>
-                    <a:bodyPr/>
-                    <a:lstStyle/>
-                    <a:p>
-                      <a:pPr algn="ctr" latinLnBrk="1"/>
-                      <a:endParaRPr lang="ko-KR" altLang="en-US" sz="3900" dirty="0">
-                        <a:solidFill>
-                          <a:schemeClr val="tx1"/>
-                        </a:solidFill>
-                        <a:latin typeface="배달의민족 한나체 Pro" panose="020B0600000101010101" pitchFamily="50" charset="-127"/>
-                        <a:ea typeface="배달의민족 한나체 Pro" panose="020B0600000101010101" pitchFamily="50" charset="-127"/>
-                      </a:endParaRPr>
-                    </a:p>
-                  </a:txBody>
-                  <a:tcPr marL="299444" marR="299444" marT="149722" marB="149722" anchor="ctr">
-                    <a:lnL w="12700" cap="flat" cmpd="sng" algn="ctr">
-                      <a:solidFill>
-                        <a:schemeClr val="tx1"/>
-                      </a:solidFill>
-                      <a:prstDash val="solid"/>
-                      <a:round/>
-                      <a:headEnd type="none" w="med" len="med"/>
-                      <a:tailEnd type="none" w="med" len="med"/>
-                    </a:lnL>
-                    <a:lnR w="12700" cap="flat" cmpd="sng" algn="ctr">
-                      <a:solidFill>
-                        <a:schemeClr val="tx1"/>
-                      </a:solidFill>
-                      <a:prstDash val="solid"/>
-                      <a:round/>
-                      <a:headEnd type="none" w="med" len="med"/>
-                      <a:tailEnd type="none" w="med" len="med"/>
-                    </a:lnR>
-                    <a:lnT w="12700" cap="flat" cmpd="sng" algn="ctr">
-                      <a:solidFill>
-                        <a:schemeClr val="tx1"/>
-                      </a:solidFill>
-                      <a:prstDash val="solid"/>
-                      <a:round/>
-                      <a:headEnd type="none" w="med" len="med"/>
-                      <a:tailEnd type="none" w="med" len="med"/>
-                    </a:lnT>
-                    <a:lnB w="12700" cap="flat" cmpd="sng" algn="ctr">
-                      <a:solidFill>
-                        <a:schemeClr val="tx1"/>
-                      </a:solidFill>
-                      <a:prstDash val="solid"/>
-                      <a:round/>
-                      <a:headEnd type="none" w="med" len="med"/>
-                      <a:tailEnd type="none" w="med" len="med"/>
-                    </a:lnB>
-                  </a:tcPr>
-                </a:tc>
-                <a:tc>
-                  <a:txBody>
-                    <a:bodyPr/>
-                    <a:lstStyle/>
-                    <a:p>
-                      <a:pPr algn="ctr" latinLnBrk="1"/>
-                      <a:endParaRPr lang="ko-KR" altLang="en-US" sz="3900" dirty="0">
-                        <a:solidFill>
-                          <a:schemeClr val="tx1"/>
-                        </a:solidFill>
-                        <a:latin typeface="배달의민족 한나체 Pro" panose="020B0600000101010101" pitchFamily="50" charset="-127"/>
-                        <a:ea typeface="배달의민족 한나체 Pro" panose="020B0600000101010101" pitchFamily="50" charset="-127"/>
-                      </a:endParaRPr>
-                    </a:p>
-                  </a:txBody>
-                  <a:tcPr marL="299444" marR="299444" marT="149722" marB="149722" anchor="ctr">
-                    <a:lnL w="12700" cap="flat" cmpd="sng" algn="ctr">
-                      <a:solidFill>
-                        <a:schemeClr val="tx1"/>
-                      </a:solidFill>
-                      <a:prstDash val="solid"/>
-                      <a:round/>
-                      <a:headEnd type="none" w="med" len="med"/>
-                      <a:tailEnd type="none" w="med" len="med"/>
-                    </a:lnL>
-                    <a:lnR w="12700" cap="flat" cmpd="sng" algn="ctr">
-                      <a:solidFill>
-                        <a:schemeClr val="tx1"/>
-                      </a:solidFill>
-                      <a:prstDash val="solid"/>
-                      <a:round/>
-                      <a:headEnd type="none" w="med" len="med"/>
-                      <a:tailEnd type="none" w="med" len="med"/>
-                    </a:lnR>
-                    <a:lnT w="12700" cap="flat" cmpd="sng" algn="ctr">
-                      <a:solidFill>
-                        <a:schemeClr val="tx1"/>
-                      </a:solidFill>
-                      <a:prstDash val="solid"/>
-                      <a:round/>
-                      <a:headEnd type="none" w="med" len="med"/>
-                      <a:tailEnd type="none" w="med" len="med"/>
-                    </a:lnT>
-                    <a:lnB w="12700" cap="flat" cmpd="sng" algn="ctr">
-                      <a:solidFill>
-                        <a:schemeClr val="tx1"/>
-                      </a:solidFill>
-                      <a:prstDash val="solid"/>
-                      <a:round/>
-                      <a:headEnd type="none" w="med" len="med"/>
-                      <a:tailEnd type="none" w="med" len="med"/>
-                    </a:lnB>
-                  </a:tcPr>
-                </a:tc>
-                <a:tc>
-                  <a:txBody>
-                    <a:bodyPr/>
-                    <a:lstStyle/>
-                    <a:p>
-                      <a:pPr algn="ctr" latinLnBrk="1"/>
-                      <a:endParaRPr lang="ko-KR" altLang="en-US" sz="3900" dirty="0">
-                        <a:solidFill>
-                          <a:schemeClr val="tx1"/>
-                        </a:solidFill>
-                        <a:latin typeface="배달의민족 한나체 Pro" panose="020B0600000101010101" pitchFamily="50" charset="-127"/>
-                        <a:ea typeface="배달의민족 한나체 Pro" panose="020B0600000101010101" pitchFamily="50" charset="-127"/>
-                      </a:endParaRPr>
-                    </a:p>
-                  </a:txBody>
-                  <a:tcPr marL="299444" marR="299444" marT="149722" marB="149722" anchor="ctr">
-                    <a:lnL w="12700" cap="flat" cmpd="sng" algn="ctr">
-                      <a:solidFill>
-                        <a:schemeClr val="tx1"/>
-                      </a:solidFill>
-                      <a:prstDash val="solid"/>
-                      <a:round/>
-                      <a:headEnd type="none" w="med" len="med"/>
-                      <a:tailEnd type="none" w="med" len="med"/>
-                    </a:lnL>
-                    <a:lnR w="12700" cap="flat" cmpd="sng" algn="ctr">
-                      <a:solidFill>
-                        <a:schemeClr val="tx1"/>
-                      </a:solidFill>
-                      <a:prstDash val="solid"/>
-                      <a:round/>
-                      <a:headEnd type="none" w="med" len="med"/>
-                      <a:tailEnd type="none" w="med" len="med"/>
-                    </a:lnR>
-                    <a:lnT w="12700" cap="flat" cmpd="sng" algn="ctr">
-                      <a:solidFill>
-                        <a:schemeClr val="tx1"/>
-                      </a:solidFill>
-                      <a:prstDash val="solid"/>
-                      <a:round/>
-                      <a:headEnd type="none" w="med" len="med"/>
-                      <a:tailEnd type="none" w="med" len="med"/>
-                    </a:lnT>
-                    <a:lnB w="12700" cap="flat" cmpd="sng" algn="ctr">
-                      <a:solidFill>
-                        <a:schemeClr val="tx1"/>
-                      </a:solidFill>
-                      <a:prstDash val="solid"/>
-                      <a:round/>
-                      <a:headEnd type="none" w="med" len="med"/>
-                      <a:tailEnd type="none" w="med" len="med"/>
-                    </a:lnB>
-                  </a:tcPr>
-                </a:tc>
-                <a:tc>
-                  <a:txBody>
-                    <a:bodyPr/>
-                    <a:lstStyle/>
-                    <a:p>
-                      <a:pPr algn="ctr" latinLnBrk="1"/>
-                      <a:endParaRPr lang="ko-KR" altLang="en-US" sz="3900" dirty="0">
-                        <a:solidFill>
-                          <a:schemeClr val="tx1"/>
-                        </a:solidFill>
-                        <a:latin typeface="배달의민족 한나체 Pro" panose="020B0600000101010101" pitchFamily="50" charset="-127"/>
-                        <a:ea typeface="배달의민족 한나체 Pro" panose="020B0600000101010101" pitchFamily="50" charset="-127"/>
-                      </a:endParaRPr>
-                    </a:p>
-                  </a:txBody>
-                  <a:tcPr marL="299444" marR="299444" marT="149722" marB="149722" anchor="ctr">
-                    <a:lnL w="12700" cap="flat" cmpd="sng" algn="ctr">
-                      <a:solidFill>
-                        <a:schemeClr val="tx1"/>
-                      </a:solidFill>
-                      <a:prstDash val="solid"/>
-                      <a:round/>
-                      <a:headEnd type="none" w="med" len="med"/>
-                      <a:tailEnd type="none" w="med" len="med"/>
-                    </a:lnL>
-                    <a:lnR w="12700" cap="flat" cmpd="sng" algn="ctr">
-                      <a:solidFill>
-                        <a:schemeClr val="tx1"/>
-                      </a:solidFill>
-                      <a:prstDash val="solid"/>
-                      <a:round/>
-                      <a:headEnd type="none" w="med" len="med"/>
-                      <a:tailEnd type="none" w="med" len="med"/>
-                    </a:lnR>
-                    <a:lnT w="12700" cap="flat" cmpd="sng" algn="ctr">
-                      <a:solidFill>
-                        <a:schemeClr val="tx1"/>
-                      </a:solidFill>
-                      <a:prstDash val="solid"/>
-                      <a:round/>
-                      <a:headEnd type="none" w="med" len="med"/>
-                      <a:tailEnd type="none" w="med" len="med"/>
-                    </a:lnT>
-                    <a:lnB w="12700" cap="flat" cmpd="sng" algn="ctr">
-                      <a:solidFill>
-                        <a:schemeClr val="tx1"/>
-                      </a:solidFill>
-                      <a:prstDash val="solid"/>
-                      <a:round/>
-                      <a:headEnd type="none" w="med" len="med"/>
-                      <a:tailEnd type="none" w="med" len="med"/>
-                    </a:lnB>
-                  </a:tcPr>
-                </a:tc>
-                <a:tc>
-                  <a:txBody>
-                    <a:bodyPr/>
-                    <a:lstStyle/>
-                    <a:p>
-                      <a:pPr algn="ctr" latinLnBrk="1"/>
-                      <a:endParaRPr lang="ko-KR" altLang="en-US" sz="3900">
-                        <a:solidFill>
-                          <a:schemeClr val="tx1"/>
-                        </a:solidFill>
-                        <a:latin typeface="배달의민족 한나체 Pro" panose="020B0600000101010101" pitchFamily="50" charset="-127"/>
-                        <a:ea typeface="배달의민족 한나체 Pro" panose="020B0600000101010101" pitchFamily="50" charset="-127"/>
-                      </a:endParaRPr>
-                    </a:p>
-                  </a:txBody>
-                  <a:tcPr marL="299444" marR="299444" marT="149722" marB="149722" anchor="ctr">
-                    <a:lnL w="12700" cap="flat" cmpd="sng" algn="ctr">
-                      <a:solidFill>
-                        <a:schemeClr val="tx1"/>
-                      </a:solidFill>
-                      <a:prstDash val="solid"/>
-                      <a:round/>
-                      <a:headEnd type="none" w="med" len="med"/>
-                      <a:tailEnd type="none" w="med" len="med"/>
-                    </a:lnL>
-                    <a:lnR w="12700" cap="flat" cmpd="sng" algn="ctr">
-                      <a:solidFill>
-                        <a:schemeClr val="tx1"/>
-                      </a:solidFill>
-                      <a:prstDash val="solid"/>
-                      <a:round/>
-                      <a:headEnd type="none" w="med" len="med"/>
-                      <a:tailEnd type="none" w="med" len="med"/>
-                    </a:lnR>
-                    <a:lnT w="12700" cap="flat" cmpd="sng" algn="ctr">
-                      <a:solidFill>
-                        <a:schemeClr val="tx1"/>
-                      </a:solidFill>
-                      <a:prstDash val="solid"/>
-                      <a:round/>
-                      <a:headEnd type="none" w="med" len="med"/>
-                      <a:tailEnd type="none" w="med" len="med"/>
-                    </a:lnT>
-                    <a:lnB w="12700" cap="flat" cmpd="sng" algn="ctr">
-                      <a:solidFill>
-                        <a:schemeClr val="tx1"/>
-                      </a:solidFill>
-                      <a:prstDash val="solid"/>
-                      <a:round/>
-                      <a:headEnd type="none" w="med" len="med"/>
-                      <a:tailEnd type="none" w="med" len="med"/>
-                    </a:lnB>
-                  </a:tcPr>
-                </a:tc>
-                <a:tc>
-                  <a:txBody>
-                    <a:bodyPr/>
-                    <a:lstStyle/>
-                    <a:p>
-                      <a:pPr algn="ctr" latinLnBrk="1"/>
-                      <a:endParaRPr lang="ko-KR" altLang="en-US" sz="3900" dirty="0">
-                        <a:solidFill>
-                          <a:schemeClr val="tx1"/>
-                        </a:solidFill>
-                        <a:latin typeface="배달의민족 한나체 Pro" panose="020B0600000101010101" pitchFamily="50" charset="-127"/>
-                        <a:ea typeface="배달의민족 한나체 Pro" panose="020B0600000101010101" pitchFamily="50" charset="-127"/>
-                      </a:endParaRPr>
-                    </a:p>
-                  </a:txBody>
-                  <a:tcPr marL="299444" marR="299444" marT="149722" marB="149722" anchor="ctr">
-                    <a:lnL w="12700" cap="flat" cmpd="sng" algn="ctr">
-                      <a:solidFill>
-                        <a:schemeClr val="tx1"/>
-                      </a:solidFill>
-                      <a:prstDash val="solid"/>
-                      <a:round/>
-                      <a:headEnd type="none" w="med" len="med"/>
-                      <a:tailEnd type="none" w="med" len="med"/>
-                    </a:lnL>
-                    <a:lnR w="12700" cap="flat" cmpd="sng" algn="ctr">
-                      <a:solidFill>
-                        <a:schemeClr val="tx1"/>
-                      </a:solidFill>
-                      <a:prstDash val="solid"/>
-                      <a:round/>
-                      <a:headEnd type="none" w="med" len="med"/>
-                      <a:tailEnd type="none" w="med" len="med"/>
-                    </a:lnR>
-                    <a:lnT w="12700" cap="flat" cmpd="sng" algn="ctr">
-                      <a:solidFill>
-                        <a:schemeClr val="tx1"/>
-                      </a:solidFill>
-                      <a:prstDash val="solid"/>
-                      <a:round/>
-                      <a:headEnd type="none" w="med" len="med"/>
-                      <a:tailEnd type="none" w="med" len="med"/>
-                    </a:lnT>
-                    <a:lnB w="12700" cap="flat" cmpd="sng" algn="ctr">
-                      <a:solidFill>
-                        <a:schemeClr val="tx1"/>
-                      </a:solidFill>
-                      <a:prstDash val="solid"/>
-                      <a:round/>
-                      <a:headEnd type="none" w="med" len="med"/>
-                      <a:tailEnd type="none" w="med" len="med"/>
-                    </a:lnB>
-                  </a:tcPr>
-                </a:tc>
-                <a:tc>
-                  <a:txBody>
-                    <a:bodyPr/>
-                    <a:lstStyle/>
-                    <a:p>
-                      <a:pPr algn="ctr" latinLnBrk="1"/>
-                      <a:endParaRPr lang="ko-KR" altLang="en-US" sz="3900" dirty="0">
-                        <a:solidFill>
-                          <a:schemeClr val="tx1"/>
-                        </a:solidFill>
-                        <a:latin typeface="배달의민족 한나체 Pro" panose="020B0600000101010101" pitchFamily="50" charset="-127"/>
-                        <a:ea typeface="배달의민족 한나체 Pro" panose="020B0600000101010101" pitchFamily="50" charset="-127"/>
-                      </a:endParaRPr>
-                    </a:p>
-                  </a:txBody>
-                  <a:tcPr marL="299444" marR="299444" marT="149722" marB="149722" anchor="ctr">
-                    <a:lnL w="12700" cap="flat" cmpd="sng" algn="ctr">
-                      <a:solidFill>
-                        <a:schemeClr val="tx1"/>
-                      </a:solidFill>
-                      <a:prstDash val="solid"/>
-                      <a:round/>
-                      <a:headEnd type="none" w="med" len="med"/>
-                      <a:tailEnd type="none" w="med" len="med"/>
-                    </a:lnL>
-                    <a:lnR w="12700" cap="flat" cmpd="sng" algn="ctr">
-                      <a:solidFill>
-                        <a:schemeClr val="tx1"/>
-                      </a:solidFill>
-                      <a:prstDash val="solid"/>
-                      <a:round/>
-                      <a:headEnd type="none" w="med" len="med"/>
-                      <a:tailEnd type="none" w="med" len="med"/>
-                    </a:lnR>
-                    <a:lnT w="12700" cap="flat" cmpd="sng" algn="ctr">
-                      <a:solidFill>
-                        <a:schemeClr val="tx1"/>
-                      </a:solidFill>
-                      <a:prstDash val="solid"/>
-                      <a:round/>
-                      <a:headEnd type="none" w="med" len="med"/>
-                      <a:tailEnd type="none" w="med" len="med"/>
-                    </a:lnT>
-                    <a:lnB w="12700" cap="flat" cmpd="sng" algn="ctr">
-                      <a:solidFill>
-                        <a:schemeClr val="tx1"/>
-                      </a:solidFill>
-                      <a:prstDash val="solid"/>
-                      <a:round/>
-                      <a:headEnd type="none" w="med" len="med"/>
-                      <a:tailEnd type="none" w="med" len="med"/>
-                    </a:lnB>
-                  </a:tcPr>
-                </a:tc>
-                <a:tc>
-                  <a:txBody>
-                    <a:bodyPr/>
-                    <a:lstStyle/>
-                    <a:p>
-                      <a:pPr algn="ctr" latinLnBrk="1"/>
-                      <a:endParaRPr lang="ko-KR" altLang="en-US" sz="3900">
-                        <a:solidFill>
-                          <a:schemeClr val="tx1"/>
-                        </a:solidFill>
-                        <a:latin typeface="배달의민족 한나체 Pro" panose="020B0600000101010101" pitchFamily="50" charset="-127"/>
-                        <a:ea typeface="배달의민족 한나체 Pro" panose="020B0600000101010101" pitchFamily="50" charset="-127"/>
-                      </a:endParaRPr>
-                    </a:p>
-                  </a:txBody>
-                  <a:tcPr marL="299444" marR="299444" marT="149722" marB="149722" anchor="ctr">
-                    <a:lnL w="12700" cap="flat" cmpd="sng" algn="ctr">
-                      <a:solidFill>
-                        <a:schemeClr val="tx1"/>
-                      </a:solidFill>
-                      <a:prstDash val="solid"/>
-                      <a:round/>
-                      <a:headEnd type="none" w="med" len="med"/>
-                      <a:tailEnd type="none" w="med" len="med"/>
-                    </a:lnL>
-                    <a:lnR w="12700" cap="flat" cmpd="sng" algn="ctr">
-                      <a:solidFill>
-                        <a:schemeClr val="tx1"/>
-                      </a:solidFill>
-                      <a:prstDash val="solid"/>
-                      <a:round/>
-                      <a:headEnd type="none" w="med" len="med"/>
-                      <a:tailEnd type="none" w="med" len="med"/>
-                    </a:lnR>
-                    <a:lnT w="12700" cap="flat" cmpd="sng" algn="ctr">
-                      <a:solidFill>
-                        <a:schemeClr val="tx1"/>
-                      </a:solidFill>
-                      <a:prstDash val="solid"/>
-                      <a:round/>
-                      <a:headEnd type="none" w="med" len="med"/>
-                      <a:tailEnd type="none" w="med" len="med"/>
-                    </a:lnT>
-                    <a:lnB w="12700" cap="flat" cmpd="sng" algn="ctr">
-                      <a:solidFill>
-                        <a:schemeClr val="tx1"/>
-                      </a:solidFill>
-                      <a:prstDash val="solid"/>
-                      <a:round/>
-                      <a:headEnd type="none" w="med" len="med"/>
-                      <a:tailEnd type="none" w="med" len="med"/>
-                    </a:lnB>
-                  </a:tcPr>
-                </a:tc>
-                <a:tc>
-                  <a:txBody>
-                    <a:bodyPr/>
-                    <a:lstStyle/>
-                    <a:p>
-                      <a:pPr algn="ctr" latinLnBrk="1"/>
-                      <a:endParaRPr lang="ko-KR" altLang="en-US" sz="3900" dirty="0">
-                        <a:solidFill>
-                          <a:schemeClr val="tx1"/>
-                        </a:solidFill>
-                        <a:latin typeface="배달의민족 한나체 Pro" panose="020B0600000101010101" pitchFamily="50" charset="-127"/>
-                        <a:ea typeface="배달의민족 한나체 Pro" panose="020B0600000101010101" pitchFamily="50" charset="-127"/>
-                      </a:endParaRPr>
-                    </a:p>
-                  </a:txBody>
-                  <a:tcPr marL="299444" marR="299444" marT="149722" marB="149722" anchor="ctr">
-                    <a:lnL w="12700" cap="flat" cmpd="sng" algn="ctr">
-                      <a:solidFill>
-                        <a:schemeClr val="tx1"/>
-                      </a:solidFill>
-                      <a:prstDash val="solid"/>
-                      <a:round/>
-                      <a:headEnd type="none" w="med" len="med"/>
-                      <a:tailEnd type="none" w="med" len="med"/>
-                    </a:lnL>
-                    <a:lnR w="12700" cap="flat" cmpd="sng" algn="ctr">
-                      <a:solidFill>
-                        <a:schemeClr val="tx1"/>
-                      </a:solidFill>
-                      <a:prstDash val="solid"/>
-                      <a:round/>
-                      <a:headEnd type="none" w="med" len="med"/>
-                      <a:tailEnd type="none" w="med" len="med"/>
-                    </a:lnR>
-                    <a:lnT w="12700" cap="flat" cmpd="sng" algn="ctr">
-                      <a:solidFill>
-                        <a:schemeClr val="tx1"/>
-                      </a:solidFill>
-                      <a:prstDash val="solid"/>
-                      <a:round/>
-                      <a:headEnd type="none" w="med" len="med"/>
-                      <a:tailEnd type="none" w="med" len="med"/>
-                    </a:lnT>
-                    <a:lnB w="12700" cap="flat" cmpd="sng" algn="ctr">
-                      <a:solidFill>
-                        <a:schemeClr val="tx1"/>
-                      </a:solidFill>
-                      <a:prstDash val="solid"/>
-                      <a:round/>
-                      <a:headEnd type="none" w="med" len="med"/>
-                      <a:tailEnd type="none" w="med" len="med"/>
-                    </a:lnB>
-                  </a:tcPr>
-                </a:tc>
-                <a:tc>
-                  <a:txBody>
-                    <a:bodyPr/>
-                    <a:lstStyle/>
-                    <a:p>
-                      <a:pPr algn="ctr" latinLnBrk="1"/>
-                      <a:endParaRPr lang="ko-KR" altLang="en-US" sz="3900" dirty="0">
-                        <a:solidFill>
-                          <a:schemeClr val="tx1"/>
-                        </a:solidFill>
-                        <a:latin typeface="배달의민족 한나체 Pro" panose="020B0600000101010101" pitchFamily="50" charset="-127"/>
-                        <a:ea typeface="배달의민족 한나체 Pro" panose="020B0600000101010101" pitchFamily="50" charset="-127"/>
-                      </a:endParaRPr>
-                    </a:p>
-                  </a:txBody>
-                  <a:tcPr marL="299444" marR="299444" marT="149722" marB="149722" anchor="ctr">
-                    <a:lnL w="12700" cap="flat" cmpd="sng" algn="ctr">
-                      <a:solidFill>
-                        <a:schemeClr val="tx1"/>
-                      </a:solidFill>
-                      <a:prstDash val="solid"/>
-                      <a:round/>
-                      <a:headEnd type="none" w="med" len="med"/>
-                      <a:tailEnd type="none" w="med" len="med"/>
-                    </a:lnL>
-                    <a:lnR w="12700" cap="flat" cmpd="sng" algn="ctr">
-                      <a:solidFill>
-                        <a:schemeClr val="tx1"/>
-                      </a:solidFill>
-                      <a:prstDash val="solid"/>
-                      <a:round/>
-                      <a:headEnd type="none" w="med" len="med"/>
-                      <a:tailEnd type="none" w="med" len="med"/>
-                    </a:lnR>
-                    <a:lnT w="12700" cap="flat" cmpd="sng" algn="ctr">
-                      <a:solidFill>
-                        <a:schemeClr val="tx1"/>
-                      </a:solidFill>
-                      <a:prstDash val="solid"/>
-                      <a:round/>
-                      <a:headEnd type="none" w="med" len="med"/>
-                      <a:tailEnd type="none" w="med" len="med"/>
-                    </a:lnT>
-                    <a:lnB w="12700" cap="flat" cmpd="sng" algn="ctr">
-                      <a:solidFill>
-                        <a:schemeClr val="tx1"/>
-                      </a:solidFill>
-                      <a:prstDash val="solid"/>
-                      <a:round/>
-                      <a:headEnd type="none" w="med" len="med"/>
-                      <a:tailEnd type="none" w="med" len="med"/>
-                    </a:lnB>
-                  </a:tcPr>
-                </a:tc>
-                <a:tc>
-                  <a:txBody>
-                    <a:bodyPr/>
-                    <a:lstStyle/>
-                    <a:p>
-                      <a:pPr algn="ctr" latinLnBrk="1"/>
-                      <a:endParaRPr lang="ko-KR" altLang="en-US" sz="3900" dirty="0">
-                        <a:solidFill>
-                          <a:schemeClr val="tx1"/>
-                        </a:solidFill>
-                        <a:latin typeface="배달의민족 한나체 Pro" panose="020B0600000101010101" pitchFamily="50" charset="-127"/>
-                        <a:ea typeface="배달의민족 한나체 Pro" panose="020B0600000101010101" pitchFamily="50" charset="-127"/>
-                      </a:endParaRPr>
-                    </a:p>
-                  </a:txBody>
-                  <a:tcPr marL="299444" marR="299444" marT="149722" marB="149722" anchor="ctr">
-                    <a:lnL w="12700" cap="flat" cmpd="sng" algn="ctr">
-                      <a:solidFill>
-                        <a:schemeClr val="tx1"/>
-                      </a:solidFill>
-                      <a:prstDash val="solid"/>
-                      <a:round/>
-                      <a:headEnd type="none" w="med" len="med"/>
-                      <a:tailEnd type="none" w="med" len="med"/>
-                    </a:lnL>
-                    <a:lnR w="12700" cap="flat" cmpd="sng" algn="ctr">
-                      <a:solidFill>
-                        <a:schemeClr val="tx1"/>
-                      </a:solidFill>
-                      <a:prstDash val="solid"/>
-                      <a:round/>
-                      <a:headEnd type="none" w="med" len="med"/>
-                      <a:tailEnd type="none" w="med" len="med"/>
-                    </a:lnR>
-                    <a:lnT w="12700" cap="flat" cmpd="sng" algn="ctr">
-                      <a:solidFill>
-                        <a:schemeClr val="tx1"/>
-                      </a:solidFill>
-                      <a:prstDash val="solid"/>
-                      <a:round/>
-                      <a:headEnd type="none" w="med" len="med"/>
-                      <a:tailEnd type="none" w="med" len="med"/>
-                    </a:lnT>
-                    <a:lnB w="12700" cap="flat" cmpd="sng" algn="ctr">
-                      <a:solidFill>
-                        <a:schemeClr val="tx1"/>
-                      </a:solidFill>
-                      <a:prstDash val="solid"/>
-                      <a:round/>
-                      <a:headEnd type="none" w="med" len="med"/>
-                      <a:tailEnd type="none" w="med" len="med"/>
-                    </a:lnB>
-                  </a:tcPr>
-                </a:tc>
-                <a:tc>
-                  <a:txBody>
-                    <a:bodyPr/>
-                    <a:lstStyle/>
-                    <a:p>
-                      <a:pPr algn="ctr" latinLnBrk="1"/>
-                      <a:endParaRPr lang="ko-KR" altLang="en-US" sz="3900">
-                        <a:solidFill>
-                          <a:schemeClr val="tx1"/>
-                        </a:solidFill>
-                        <a:latin typeface="배달의민족 한나체 Pro" panose="020B0600000101010101" pitchFamily="50" charset="-127"/>
-                        <a:ea typeface="배달의민족 한나체 Pro" panose="020B0600000101010101" pitchFamily="50" charset="-127"/>
-                      </a:endParaRPr>
-                    </a:p>
-                  </a:txBody>
-                  <a:tcPr marL="299444" marR="299444" marT="149722" marB="149722" anchor="ctr">
-                    <a:lnL w="12700" cap="flat" cmpd="sng" algn="ctr">
-                      <a:solidFill>
-                        <a:schemeClr val="tx1"/>
-                      </a:solidFill>
-                      <a:prstDash val="solid"/>
-                      <a:round/>
-                      <a:headEnd type="none" w="med" len="med"/>
-                      <a:tailEnd type="none" w="med" len="med"/>
-                    </a:lnL>
-                    <a:lnR w="12700" cap="flat" cmpd="sng" algn="ctr">
-                      <a:solidFill>
-                        <a:schemeClr val="tx1"/>
-                      </a:solidFill>
-                      <a:prstDash val="solid"/>
-                      <a:round/>
-                      <a:headEnd type="none" w="med" len="med"/>
-                      <a:tailEnd type="none" w="med" len="med"/>
-                    </a:lnR>
-                    <a:lnT w="12700" cap="flat" cmpd="sng" algn="ctr">
-                      <a:solidFill>
-                        <a:schemeClr val="tx1"/>
-                      </a:solidFill>
-                      <a:prstDash val="solid"/>
-                      <a:round/>
-                      <a:headEnd type="none" w="med" len="med"/>
-                      <a:tailEnd type="none" w="med" len="med"/>
-                    </a:lnT>
-                    <a:lnB w="12700" cap="flat" cmpd="sng" algn="ctr">
-                      <a:solidFill>
-                        <a:schemeClr val="tx1"/>
-                      </a:solidFill>
-                      <a:prstDash val="solid"/>
-                      <a:round/>
-                      <a:headEnd type="none" w="med" len="med"/>
-                      <a:tailEnd type="none" w="med" len="med"/>
-                    </a:lnB>
-                  </a:tcPr>
-                </a:tc>
-                <a:tc>
-                  <a:txBody>
-                    <a:bodyPr/>
-                    <a:lstStyle/>
-                    <a:p>
-                      <a:pPr algn="ctr" latinLnBrk="1"/>
-                      <a:endParaRPr lang="ko-KR" altLang="en-US" sz="3900" dirty="0">
-                        <a:solidFill>
-                          <a:schemeClr val="tx1"/>
-                        </a:solidFill>
-                        <a:latin typeface="배달의민족 한나체 Pro" panose="020B0600000101010101" pitchFamily="50" charset="-127"/>
-                        <a:ea typeface="배달의민족 한나체 Pro" panose="020B0600000101010101" pitchFamily="50" charset="-127"/>
-                      </a:endParaRPr>
-                    </a:p>
-                  </a:txBody>
-                  <a:tcPr marL="299444" marR="299444" marT="149722" marB="149722" anchor="ctr">
-                    <a:lnL w="12700" cap="flat" cmpd="sng" algn="ctr">
-                      <a:solidFill>
-                        <a:schemeClr val="tx1"/>
-                      </a:solidFill>
-                      <a:prstDash val="solid"/>
-                      <a:round/>
-                      <a:headEnd type="none" w="med" len="med"/>
-                      <a:tailEnd type="none" w="med" len="med"/>
-                    </a:lnL>
-                    <a:lnR w="12700" cap="flat" cmpd="sng" algn="ctr">
-                      <a:solidFill>
-                        <a:schemeClr val="tx1"/>
-                      </a:solidFill>
-                      <a:prstDash val="solid"/>
-                      <a:round/>
-                      <a:headEnd type="none" w="med" len="med"/>
-                      <a:tailEnd type="none" w="med" len="med"/>
-                    </a:lnR>
-                    <a:lnT w="12700" cap="flat" cmpd="sng" algn="ctr">
-                      <a:solidFill>
-                        <a:schemeClr val="tx1"/>
-                      </a:solidFill>
-                      <a:prstDash val="solid"/>
-                      <a:round/>
-                      <a:headEnd type="none" w="med" len="med"/>
-                      <a:tailEnd type="none" w="med" len="med"/>
-                    </a:lnT>
-                    <a:lnB w="12700" cap="flat" cmpd="sng" algn="ctr">
-                      <a:solidFill>
-                        <a:schemeClr val="tx1"/>
-                      </a:solidFill>
-                      <a:prstDash val="solid"/>
-                      <a:round/>
-                      <a:headEnd type="none" w="med" len="med"/>
-                      <a:tailEnd type="none" w="med" len="med"/>
-                    </a:lnB>
-                  </a:tcPr>
-                </a:tc>
-                <a:tc>
-                  <a:txBody>
-                    <a:bodyPr/>
-                    <a:lstStyle/>
-                    <a:p>
-                      <a:pPr algn="ctr" latinLnBrk="1"/>
-                      <a:endParaRPr lang="ko-KR" altLang="en-US" sz="3900" dirty="0">
-                        <a:solidFill>
-                          <a:schemeClr val="tx1"/>
-                        </a:solidFill>
-                        <a:latin typeface="배달의민족 한나체 Pro" panose="020B0600000101010101" pitchFamily="50" charset="-127"/>
-                        <a:ea typeface="배달의민족 한나체 Pro" panose="020B0600000101010101" pitchFamily="50" charset="-127"/>
-                      </a:endParaRPr>
-                    </a:p>
-                  </a:txBody>
-                  <a:tcPr marL="299444" marR="299444" marT="149722" marB="149722" anchor="ctr">
-                    <a:lnL w="12700" cap="flat" cmpd="sng" algn="ctr">
-                      <a:solidFill>
-                        <a:schemeClr val="tx1"/>
-                      </a:solidFill>
-                      <a:prstDash val="solid"/>
-                      <a:round/>
-                      <a:headEnd type="none" w="med" len="med"/>
-                      <a:tailEnd type="none" w="med" len="med"/>
-                    </a:lnL>
-                    <a:lnR w="12700" cap="flat" cmpd="sng" algn="ctr">
-                      <a:solidFill>
-                        <a:schemeClr val="tx1"/>
-                      </a:solidFill>
-                      <a:prstDash val="solid"/>
-                      <a:round/>
-                      <a:headEnd type="none" w="med" len="med"/>
-                      <a:tailEnd type="none" w="med" len="med"/>
-                    </a:lnR>
-                    <a:lnT w="12700" cap="flat" cmpd="sng" algn="ctr">
-                      <a:solidFill>
-                        <a:schemeClr val="tx1"/>
-                      </a:solidFill>
-                      <a:prstDash val="solid"/>
-                      <a:round/>
-                      <a:headEnd type="none" w="med" len="med"/>
-                      <a:tailEnd type="none" w="med" len="med"/>
-                    </a:lnT>
-                    <a:lnB w="12700" cap="flat" cmpd="sng" algn="ctr">
-                      <a:solidFill>
-                        <a:schemeClr val="tx1"/>
-                      </a:solidFill>
-                      <a:prstDash val="solid"/>
-                      <a:round/>
-                      <a:headEnd type="none" w="med" len="med"/>
-                      <a:tailEnd type="none" w="med" len="med"/>
-                    </a:lnB>
-                  </a:tcPr>
-                </a:tc>
-                <a:tc>
-                  <a:txBody>
-                    <a:bodyPr/>
-                    <a:lstStyle/>
-                    <a:p>
-                      <a:pPr algn="ctr" latinLnBrk="1"/>
-                      <a:endParaRPr lang="ko-KR" altLang="en-US" sz="3900" dirty="0">
-                        <a:solidFill>
-                          <a:schemeClr val="tx1"/>
-                        </a:solidFill>
-                        <a:latin typeface="배달의민족 한나체 Pro" panose="020B0600000101010101" pitchFamily="50" charset="-127"/>
-                        <a:ea typeface="배달의민족 한나체 Pro" panose="020B0600000101010101" pitchFamily="50" charset="-127"/>
-                      </a:endParaRPr>
-                    </a:p>
-                  </a:txBody>
-                  <a:tcPr marL="299444" marR="299444" marT="149722" marB="149722" anchor="ctr">
-                    <a:lnL w="12700" cap="flat" cmpd="sng" algn="ctr">
-                      <a:solidFill>
-                        <a:schemeClr val="tx1"/>
-                      </a:solidFill>
-                      <a:prstDash val="solid"/>
-                      <a:round/>
-                      <a:headEnd type="none" w="med" len="med"/>
-                      <a:tailEnd type="none" w="med" len="med"/>
-                    </a:lnL>
-                    <a:lnR w="12700" cap="flat" cmpd="sng" algn="ctr">
-                      <a:solidFill>
-                        <a:schemeClr val="tx1"/>
-                      </a:solidFill>
-                      <a:prstDash val="solid"/>
-                      <a:round/>
-                      <a:headEnd type="none" w="med" len="med"/>
-                      <a:tailEnd type="none" w="med" len="med"/>
-                    </a:lnR>
-                    <a:lnT w="12700" cap="flat" cmpd="sng" algn="ctr">
-                      <a:solidFill>
-                        <a:schemeClr val="tx1"/>
-                      </a:solidFill>
-                      <a:prstDash val="solid"/>
-                      <a:round/>
-                      <a:headEnd type="none" w="med" len="med"/>
-                      <a:tailEnd type="none" w="med" len="med"/>
-                    </a:lnT>
-                    <a:lnB w="12700" cap="flat" cmpd="sng" algn="ctr">
-                      <a:solidFill>
-                        <a:schemeClr val="tx1"/>
-                      </a:solidFill>
-                      <a:prstDash val="solid"/>
-                      <a:round/>
-                      <a:headEnd type="none" w="med" len="med"/>
-                      <a:tailEnd type="none" w="med" len="med"/>
-                    </a:lnB>
-                    <a:solidFill>
-                      <a:srgbClr val="00B0F0"/>
-                    </a:solidFill>
-                  </a:tcPr>
-                </a:tc>
-                <a:tc>
-                  <a:txBody>
-                    <a:bodyPr/>
-                    <a:lstStyle/>
-                    <a:p>
-                      <a:pPr algn="ctr" latinLnBrk="1"/>
-                      <a:endParaRPr lang="ko-KR" altLang="en-US" sz="3900" dirty="0">
-                        <a:solidFill>
-                          <a:schemeClr val="tx1"/>
-                        </a:solidFill>
-                        <a:latin typeface="배달의민족 한나체 Pro" panose="020B0600000101010101" pitchFamily="50" charset="-127"/>
-                        <a:ea typeface="배달의민족 한나체 Pro" panose="020B0600000101010101" pitchFamily="50" charset="-127"/>
-                      </a:endParaRPr>
-                    </a:p>
-                  </a:txBody>
-                  <a:tcPr marL="299444" marR="299444" marT="149722" marB="149722" anchor="ctr">
-                    <a:lnL w="12700" cap="flat" cmpd="sng" algn="ctr">
-                      <a:solidFill>
-                        <a:schemeClr val="tx1"/>
-                      </a:solidFill>
-                      <a:prstDash val="solid"/>
-                      <a:round/>
-                      <a:headEnd type="none" w="med" len="med"/>
-                      <a:tailEnd type="none" w="med" len="med"/>
-                    </a:lnL>
-                    <a:lnR w="12700" cap="flat" cmpd="sng" algn="ctr">
-                      <a:solidFill>
-                        <a:schemeClr val="tx1"/>
-                      </a:solidFill>
-                      <a:prstDash val="solid"/>
-                      <a:round/>
-                      <a:headEnd type="none" w="med" len="med"/>
-                      <a:tailEnd type="none" w="med" len="med"/>
-                    </a:lnR>
-                    <a:lnT w="12700" cap="flat" cmpd="sng" algn="ctr">
-                      <a:solidFill>
-                        <a:schemeClr val="tx1"/>
-                      </a:solidFill>
-                      <a:prstDash val="solid"/>
-                      <a:round/>
-                      <a:headEnd type="none" w="med" len="med"/>
-                      <a:tailEnd type="none" w="med" len="med"/>
-                    </a:lnT>
-                    <a:lnB w="12700" cap="flat" cmpd="sng" algn="ctr">
-                      <a:solidFill>
-                        <a:schemeClr val="tx1"/>
-                      </a:solidFill>
-                      <a:prstDash val="solid"/>
-                      <a:round/>
-                      <a:headEnd type="none" w="med" len="med"/>
-                      <a:tailEnd type="none" w="med" len="med"/>
-                    </a:lnB>
-                    <a:solidFill>
-                      <a:srgbClr val="00B0F0"/>
-                    </a:solidFill>
-                  </a:tcPr>
-                </a:tc>
-                <a:tc>
-                  <a:txBody>
-                    <a:bodyPr/>
-                    <a:lstStyle/>
-                    <a:p>
-                      <a:pPr algn="ctr" latinLnBrk="1"/>
-                      <a:endParaRPr lang="ko-KR" altLang="en-US" sz="3900" dirty="0">
-                        <a:solidFill>
-                          <a:schemeClr val="tx1"/>
-                        </a:solidFill>
-                        <a:latin typeface="배달의민족 한나체 Pro" panose="020B0600000101010101" pitchFamily="50" charset="-127"/>
-                        <a:ea typeface="배달의민족 한나체 Pro" panose="020B0600000101010101" pitchFamily="50" charset="-127"/>
-                      </a:endParaRPr>
-                    </a:p>
-                  </a:txBody>
-                  <a:tcPr marL="299444" marR="299444" marT="149722" marB="149722" anchor="ctr">
-                    <a:lnL w="12700" cap="flat" cmpd="sng" algn="ctr">
-                      <a:solidFill>
-                        <a:schemeClr val="tx1"/>
-                      </a:solidFill>
-                      <a:prstDash val="solid"/>
-                      <a:round/>
-                      <a:headEnd type="none" w="med" len="med"/>
-                      <a:tailEnd type="none" w="med" len="med"/>
-                    </a:lnL>
-                    <a:lnR w="12700" cap="flat" cmpd="sng" algn="ctr">
-                      <a:solidFill>
-                        <a:schemeClr val="tx1"/>
-                      </a:solidFill>
-                      <a:prstDash val="solid"/>
-                      <a:round/>
-                      <a:headEnd type="none" w="med" len="med"/>
-                      <a:tailEnd type="none" w="med" len="med"/>
-                    </a:lnR>
-                    <a:lnT w="12700" cap="flat" cmpd="sng" algn="ctr">
-                      <a:solidFill>
-                        <a:schemeClr val="tx1"/>
-                      </a:solidFill>
-                      <a:prstDash val="solid"/>
-                      <a:round/>
-                      <a:headEnd type="none" w="med" len="med"/>
-                      <a:tailEnd type="none" w="med" len="med"/>
-                    </a:lnT>
-                    <a:lnB w="12700" cap="flat" cmpd="sng" algn="ctr">
-                      <a:solidFill>
-                        <a:schemeClr val="tx1"/>
-                      </a:solidFill>
-                      <a:prstDash val="solid"/>
-                      <a:round/>
-                      <a:headEnd type="none" w="med" len="med"/>
-                      <a:tailEnd type="none" w="med" len="med"/>
-                    </a:lnB>
-                    <a:solidFill>
-                      <a:srgbClr val="00B0F0"/>
-                    </a:solidFill>
-                  </a:tcPr>
-                </a:tc>
-                <a:tc>
-                  <a:txBody>
-                    <a:bodyPr/>
-                    <a:lstStyle/>
-                    <a:p>
-                      <a:pPr algn="ctr" latinLnBrk="1"/>
-                      <a:endParaRPr lang="ko-KR" altLang="en-US" sz="3900" dirty="0">
-                        <a:solidFill>
-                          <a:schemeClr val="tx1"/>
-                        </a:solidFill>
-                        <a:latin typeface="배달의민족 한나체 Pro" panose="020B0600000101010101" pitchFamily="50" charset="-127"/>
-                        <a:ea typeface="배달의민족 한나체 Pro" panose="020B0600000101010101" pitchFamily="50" charset="-127"/>
-                      </a:endParaRPr>
-                    </a:p>
-                  </a:txBody>
-                  <a:tcPr marL="299444" marR="299444" marT="149722" marB="149722" anchor="ctr">
-                    <a:lnL w="12700" cap="flat" cmpd="sng" algn="ctr">
-                      <a:solidFill>
-                        <a:schemeClr val="tx1"/>
-                      </a:solidFill>
-                      <a:prstDash val="solid"/>
-                      <a:round/>
-                      <a:headEnd type="none" w="med" len="med"/>
-                      <a:tailEnd type="none" w="med" len="med"/>
-                    </a:lnL>
-                    <a:lnR w="12700" cap="flat" cmpd="sng" algn="ctr">
-                      <a:solidFill>
-                        <a:schemeClr val="tx1"/>
-                      </a:solidFill>
-                      <a:prstDash val="solid"/>
-                      <a:round/>
-                      <a:headEnd type="none" w="med" len="med"/>
-                      <a:tailEnd type="none" w="med" len="med"/>
-                    </a:lnR>
-                    <a:lnT w="12700" cap="flat" cmpd="sng" algn="ctr">
-                      <a:solidFill>
-                        <a:schemeClr val="tx1"/>
-                      </a:solidFill>
-                      <a:prstDash val="solid"/>
-                      <a:round/>
-                      <a:headEnd type="none" w="med" len="med"/>
-                      <a:tailEnd type="none" w="med" len="med"/>
-                    </a:lnT>
-                    <a:lnB w="12700" cap="flat" cmpd="sng" algn="ctr">
-                      <a:solidFill>
-                        <a:schemeClr val="tx1"/>
-                      </a:solidFill>
-                      <a:prstDash val="solid"/>
-                      <a:round/>
-                      <a:headEnd type="none" w="med" len="med"/>
-                      <a:tailEnd type="none" w="med" len="med"/>
-                    </a:lnB>
-                    <a:solidFill>
-                      <a:srgbClr val="00B0F0"/>
-                    </a:solidFill>
-                  </a:tcPr>
-                </a:tc>
-                <a:tc>
-                  <a:txBody>
-                    <a:bodyPr/>
-                    <a:lstStyle/>
-                    <a:p>
-                      <a:pPr algn="ctr" latinLnBrk="1"/>
-                      <a:endParaRPr lang="ko-KR" altLang="en-US" sz="3900" dirty="0">
-                        <a:solidFill>
-                          <a:schemeClr val="tx1"/>
-                        </a:solidFill>
-                        <a:latin typeface="배달의민족 한나체 Pro" panose="020B0600000101010101" pitchFamily="50" charset="-127"/>
-                        <a:ea typeface="배달의민족 한나체 Pro" panose="020B0600000101010101" pitchFamily="50" charset="-127"/>
-                      </a:endParaRPr>
-                    </a:p>
-                  </a:txBody>
-                  <a:tcPr marL="299444" marR="299444" marT="149722" marB="149722" anchor="ctr">
-                    <a:lnL w="12700" cap="flat" cmpd="sng" algn="ctr">
-                      <a:solidFill>
-                        <a:schemeClr val="tx1"/>
-                      </a:solidFill>
-                      <a:prstDash val="solid"/>
-                      <a:round/>
-                      <a:headEnd type="none" w="med" len="med"/>
-                      <a:tailEnd type="none" w="med" len="med"/>
-                    </a:lnL>
-                    <a:lnR w="12700" cap="flat" cmpd="sng" algn="ctr">
-                      <a:solidFill>
-                        <a:schemeClr val="tx1"/>
-                      </a:solidFill>
-                      <a:prstDash val="solid"/>
-                      <a:round/>
-                      <a:headEnd type="none" w="med" len="med"/>
-                      <a:tailEnd type="none" w="med" len="med"/>
-                    </a:lnR>
-                    <a:lnT w="12700" cap="flat" cmpd="sng" algn="ctr">
-                      <a:solidFill>
-                        <a:schemeClr val="tx1"/>
-                      </a:solidFill>
-                      <a:prstDash val="solid"/>
-                      <a:round/>
-                      <a:headEnd type="none" w="med" len="med"/>
-                      <a:tailEnd type="none" w="med" len="med"/>
-                    </a:lnT>
-                    <a:lnB w="12700" cap="flat" cmpd="sng" algn="ctr">
-                      <a:solidFill>
-                        <a:schemeClr val="tx1"/>
-                      </a:solidFill>
-                      <a:prstDash val="solid"/>
-                      <a:round/>
-                      <a:headEnd type="none" w="med" len="med"/>
-                      <a:tailEnd type="none" w="med" len="med"/>
-                    </a:lnB>
-                    <a:solidFill>
-                      <a:srgbClr val="00B0F0"/>
-                    </a:solidFill>
-                  </a:tcPr>
-                </a:tc>
-                <a:tc>
-                  <a:txBody>
-                    <a:bodyPr/>
-                    <a:lstStyle/>
-                    <a:p>
-                      <a:pPr algn="ctr" latinLnBrk="1"/>
-                      <a:endParaRPr lang="ko-KR" altLang="en-US" sz="3900" dirty="0">
-                        <a:solidFill>
-                          <a:schemeClr val="tx1"/>
-                        </a:solidFill>
-                        <a:latin typeface="배달의민족 한나체 Pro" panose="020B0600000101010101" pitchFamily="50" charset="-127"/>
-                        <a:ea typeface="배달의민족 한나체 Pro" panose="020B0600000101010101" pitchFamily="50" charset="-127"/>
-                      </a:endParaRPr>
-                    </a:p>
-                  </a:txBody>
-                  <a:tcPr marL="299444" marR="299444" marT="149722" marB="149722" anchor="ctr">
-                    <a:lnL w="12700" cap="flat" cmpd="sng" algn="ctr">
-                      <a:solidFill>
-                        <a:schemeClr val="tx1"/>
-                      </a:solidFill>
-                      <a:prstDash val="solid"/>
-                      <a:round/>
-                      <a:headEnd type="none" w="med" len="med"/>
-                      <a:tailEnd type="none" w="med" len="med"/>
-                    </a:lnL>
-                    <a:lnR w="12700" cap="flat" cmpd="sng" algn="ctr">
-                      <a:solidFill>
-                        <a:schemeClr val="tx1"/>
-                      </a:solidFill>
-                      <a:prstDash val="solid"/>
-                      <a:round/>
-                      <a:headEnd type="none" w="med" len="med"/>
-                      <a:tailEnd type="none" w="med" len="med"/>
-                    </a:lnR>
-                    <a:lnT w="12700" cap="flat" cmpd="sng" algn="ctr">
-                      <a:solidFill>
-                        <a:schemeClr val="tx1"/>
-                      </a:solidFill>
-                      <a:prstDash val="solid"/>
-                      <a:round/>
-                      <a:headEnd type="none" w="med" len="med"/>
-                      <a:tailEnd type="none" w="med" len="med"/>
-                    </a:lnT>
-                    <a:lnB w="12700" cap="flat" cmpd="sng" algn="ctr">
-                      <a:solidFill>
-                        <a:schemeClr val="tx1"/>
-                      </a:solidFill>
-                      <a:prstDash val="solid"/>
-                      <a:round/>
-                      <a:headEnd type="none" w="med" len="med"/>
-                      <a:tailEnd type="none" w="med" len="med"/>
-                    </a:lnB>
-                    <a:solidFill>
-                      <a:srgbClr val="00B0F0"/>
-                    </a:solidFill>
-                  </a:tcPr>
-                </a:tc>
-                <a:tc>
-                  <a:txBody>
-                    <a:bodyPr/>
-                    <a:lstStyle/>
-                    <a:p>
-                      <a:pPr algn="ctr" latinLnBrk="1"/>
-                      <a:endParaRPr lang="ko-KR" altLang="en-US" sz="3900" dirty="0">
-                        <a:solidFill>
-                          <a:schemeClr val="tx1"/>
-                        </a:solidFill>
-                        <a:latin typeface="배달의민족 한나체 Pro" panose="020B0600000101010101" pitchFamily="50" charset="-127"/>
-                        <a:ea typeface="배달의민족 한나체 Pro" panose="020B0600000101010101" pitchFamily="50" charset="-127"/>
-                      </a:endParaRPr>
-                    </a:p>
-                  </a:txBody>
-                  <a:tcPr marL="299444" marR="299444" marT="149722" marB="149722" anchor="ctr">
-                    <a:lnL w="12700" cap="flat" cmpd="sng" algn="ctr">
-                      <a:solidFill>
-                        <a:schemeClr val="tx1"/>
-                      </a:solidFill>
-                      <a:prstDash val="solid"/>
-                      <a:round/>
-                      <a:headEnd type="none" w="med" len="med"/>
-                      <a:tailEnd type="none" w="med" len="med"/>
-                    </a:lnL>
-                    <a:lnR w="12700" cap="flat" cmpd="sng" algn="ctr">
-                      <a:solidFill>
-                        <a:schemeClr val="tx1"/>
-                      </a:solidFill>
-                      <a:prstDash val="solid"/>
-                      <a:round/>
-                      <a:headEnd type="none" w="med" len="med"/>
-                      <a:tailEnd type="none" w="med" len="med"/>
-                    </a:lnR>
-                    <a:lnT w="12700" cap="flat" cmpd="sng" algn="ctr">
-                      <a:solidFill>
-                        <a:schemeClr val="tx1"/>
-                      </a:solidFill>
-                      <a:prstDash val="solid"/>
-                      <a:round/>
-                      <a:headEnd type="none" w="med" len="med"/>
-                      <a:tailEnd type="none" w="med" len="med"/>
-                    </a:lnT>
-                    <a:lnB w="12700" cap="flat" cmpd="sng" algn="ctr">
-                      <a:solidFill>
-                        <a:schemeClr val="tx1"/>
-                      </a:solidFill>
-                      <a:prstDash val="solid"/>
-                      <a:round/>
-                      <a:headEnd type="none" w="med" len="med"/>
-                      <a:tailEnd type="none" w="med" len="med"/>
-                    </a:lnB>
-                    <a:solidFill>
-                      <a:srgbClr val="00B0F0"/>
-                    </a:solidFill>
-                  </a:tcPr>
-                </a:tc>
-                <a:tc>
-                  <a:txBody>
-                    <a:bodyPr/>
-                    <a:lstStyle/>
-                    <a:p>
-                      <a:pPr algn="ctr" latinLnBrk="1"/>
-                      <a:endParaRPr lang="ko-KR" altLang="en-US" sz="3900" dirty="0">
-                        <a:solidFill>
-                          <a:schemeClr val="tx1"/>
-                        </a:solidFill>
-                        <a:latin typeface="배달의민족 한나체 Pro" panose="020B0600000101010101" pitchFamily="50" charset="-127"/>
-                        <a:ea typeface="배달의민족 한나체 Pro" panose="020B0600000101010101" pitchFamily="50" charset="-127"/>
-                      </a:endParaRPr>
-                    </a:p>
-                  </a:txBody>
-                  <a:tcPr marL="299444" marR="299444" marT="149722" marB="149722" anchor="ctr">
-                    <a:lnL w="12700" cap="flat" cmpd="sng" algn="ctr">
-                      <a:solidFill>
-                        <a:schemeClr val="tx1"/>
-                      </a:solidFill>
-                      <a:prstDash val="solid"/>
-                      <a:round/>
-                      <a:headEnd type="none" w="med" len="med"/>
-                      <a:tailEnd type="none" w="med" len="med"/>
-                    </a:lnL>
-                    <a:lnR w="12700" cap="flat" cmpd="sng" algn="ctr">
-                      <a:solidFill>
-                        <a:schemeClr val="tx1"/>
-                      </a:solidFill>
-                      <a:prstDash val="solid"/>
-                      <a:round/>
-                      <a:headEnd type="none" w="med" len="med"/>
-                      <a:tailEnd type="none" w="med" len="med"/>
-                    </a:lnR>
-                    <a:lnT w="12700" cap="flat" cmpd="sng" algn="ctr">
-                      <a:solidFill>
-                        <a:schemeClr val="tx1"/>
-                      </a:solidFill>
-                      <a:prstDash val="solid"/>
-                      <a:round/>
-                      <a:headEnd type="none" w="med" len="med"/>
-                      <a:tailEnd type="none" w="med" len="med"/>
-                    </a:lnT>
-                    <a:lnB w="12700" cap="flat" cmpd="sng" algn="ctr">
-                      <a:solidFill>
-                        <a:schemeClr val="tx1"/>
-                      </a:solidFill>
-                      <a:prstDash val="solid"/>
-                      <a:round/>
-                      <a:headEnd type="none" w="med" len="med"/>
-                      <a:tailEnd type="none" w="med" len="med"/>
-                    </a:lnB>
-                    <a:solidFill>
-                      <a:srgbClr val="00B0F0"/>
-                    </a:solidFill>
-                  </a:tcPr>
-                </a:tc>
-                <a:tc>
-                  <a:txBody>
-                    <a:bodyPr/>
-                    <a:lstStyle/>
-                    <a:p>
-                      <a:pPr algn="ctr" latinLnBrk="1"/>
-                      <a:endParaRPr lang="ko-KR" altLang="en-US" sz="3900" dirty="0">
-                        <a:solidFill>
-                          <a:schemeClr val="tx1"/>
-                        </a:solidFill>
-                        <a:latin typeface="배달의민족 한나체 Pro" panose="020B0600000101010101" pitchFamily="50" charset="-127"/>
-                        <a:ea typeface="배달의민족 한나체 Pro" panose="020B0600000101010101" pitchFamily="50" charset="-127"/>
-                      </a:endParaRPr>
-                    </a:p>
-                  </a:txBody>
-                  <a:tcPr marL="299444" marR="299444" marT="149722" marB="149722" anchor="ctr">
-                    <a:lnL w="12700" cap="flat" cmpd="sng" algn="ctr">
-                      <a:solidFill>
-                        <a:schemeClr val="tx1"/>
-                      </a:solidFill>
-                      <a:prstDash val="solid"/>
-                      <a:round/>
-                      <a:headEnd type="none" w="med" len="med"/>
-                      <a:tailEnd type="none" w="med" len="med"/>
-                    </a:lnL>
-                    <a:lnR w="12700" cap="flat" cmpd="sng" algn="ctr">
-                      <a:solidFill>
-                        <a:schemeClr val="tx1"/>
-                      </a:solidFill>
-                      <a:prstDash val="solid"/>
-                      <a:round/>
-                      <a:headEnd type="none" w="med" len="med"/>
-                      <a:tailEnd type="none" w="med" len="med"/>
-                    </a:lnR>
-                    <a:lnT w="12700" cap="flat" cmpd="sng" algn="ctr">
-                      <a:solidFill>
-                        <a:schemeClr val="tx1"/>
-                      </a:solidFill>
-                      <a:prstDash val="solid"/>
-                      <a:round/>
-                      <a:headEnd type="none" w="med" len="med"/>
-                      <a:tailEnd type="none" w="med" len="med"/>
-                    </a:lnT>
-                    <a:lnB w="12700" cap="flat" cmpd="sng" algn="ctr">
-                      <a:solidFill>
-                        <a:schemeClr val="tx1"/>
-                      </a:solidFill>
-                      <a:prstDash val="solid"/>
-                      <a:round/>
-                      <a:headEnd type="none" w="med" len="med"/>
-                      <a:tailEnd type="none" w="med" len="med"/>
-                    </a:lnB>
-                    <a:solidFill>
-                      <a:srgbClr val="00B0F0"/>
-                    </a:solidFill>
-                  </a:tcPr>
-                </a:tc>
-                <a:tc>
-                  <a:txBody>
-                    <a:bodyPr/>
-                    <a:lstStyle/>
-                    <a:p>
-                      <a:pPr algn="ctr" latinLnBrk="1"/>
-                      <a:endParaRPr lang="ko-KR" altLang="en-US" sz="3900" dirty="0">
-                        <a:solidFill>
-                          <a:schemeClr val="tx1"/>
-                        </a:solidFill>
-                        <a:latin typeface="배달의민족 한나체 Pro" panose="020B0600000101010101" pitchFamily="50" charset="-127"/>
-                        <a:ea typeface="배달의민족 한나체 Pro" panose="020B0600000101010101" pitchFamily="50" charset="-127"/>
-                      </a:endParaRPr>
-                    </a:p>
-                  </a:txBody>
-                  <a:tcPr marL="299444" marR="299444" marT="149722" marB="149722" anchor="ctr">
-                    <a:lnL w="12700" cap="flat" cmpd="sng" algn="ctr">
-                      <a:solidFill>
-                        <a:schemeClr val="tx1"/>
-                      </a:solidFill>
-                      <a:prstDash val="solid"/>
-                      <a:round/>
-                      <a:headEnd type="none" w="med" len="med"/>
-                      <a:tailEnd type="none" w="med" len="med"/>
-                    </a:lnL>
-                    <a:lnR w="12700" cap="flat" cmpd="sng" algn="ctr">
-                      <a:solidFill>
-                        <a:schemeClr val="tx1"/>
-                      </a:solidFill>
-                      <a:prstDash val="solid"/>
-                      <a:round/>
-                      <a:headEnd type="none" w="med" len="med"/>
-                      <a:tailEnd type="none" w="med" len="med"/>
-                    </a:lnR>
-                    <a:lnT w="12700" cap="flat" cmpd="sng" algn="ctr">
-                      <a:solidFill>
-                        <a:schemeClr val="tx1"/>
-                      </a:solidFill>
-                      <a:prstDash val="solid"/>
-                      <a:round/>
-                      <a:headEnd type="none" w="med" len="med"/>
-                      <a:tailEnd type="none" w="med" len="med"/>
-                    </a:lnT>
-                    <a:lnB w="12700" cap="flat" cmpd="sng" algn="ctr">
-                      <a:solidFill>
-                        <a:schemeClr val="tx1"/>
-                      </a:solidFill>
-                      <a:prstDash val="solid"/>
-                      <a:round/>
-                      <a:headEnd type="none" w="med" len="med"/>
-                      <a:tailEnd type="none" w="med" len="med"/>
-                    </a:lnB>
-                    <a:solidFill>
-                      <a:srgbClr val="00B0F0"/>
-                    </a:solidFill>
-                  </a:tcPr>
-                </a:tc>
-                <a:tc>
-                  <a:txBody>
-                    <a:bodyPr/>
-                    <a:lstStyle/>
-                    <a:p>
-                      <a:pPr algn="ctr" latinLnBrk="1"/>
-                      <a:endParaRPr lang="ko-KR" altLang="en-US" sz="3900" dirty="0">
-                        <a:solidFill>
-                          <a:schemeClr val="tx1"/>
-                        </a:solidFill>
-                        <a:latin typeface="배달의민족 한나체 Pro" panose="020B0600000101010101" pitchFamily="50" charset="-127"/>
-                        <a:ea typeface="배달의민족 한나체 Pro" panose="020B0600000101010101" pitchFamily="50" charset="-127"/>
-                      </a:endParaRPr>
-                    </a:p>
-                  </a:txBody>
-                  <a:tcPr marL="299444" marR="299444" marT="149722" marB="149722" anchor="ctr">
-                    <a:lnL w="12700" cap="flat" cmpd="sng" algn="ctr">
-                      <a:solidFill>
-                        <a:schemeClr val="tx1"/>
-                      </a:solidFill>
-                      <a:prstDash val="solid"/>
-                      <a:round/>
-                      <a:headEnd type="none" w="med" len="med"/>
-                      <a:tailEnd type="none" w="med" len="med"/>
-                    </a:lnL>
-                    <a:lnR w="12700" cap="flat" cmpd="sng" algn="ctr">
-                      <a:solidFill>
-                        <a:schemeClr val="tx1"/>
-                      </a:solidFill>
-                      <a:prstDash val="solid"/>
-                      <a:round/>
-                      <a:headEnd type="none" w="med" len="med"/>
-                      <a:tailEnd type="none" w="med" len="med"/>
-                    </a:lnR>
-                    <a:lnT w="12700" cap="flat" cmpd="sng" algn="ctr">
-                      <a:solidFill>
-                        <a:schemeClr val="tx1"/>
-                      </a:solidFill>
-                      <a:prstDash val="solid"/>
-                      <a:round/>
-                      <a:headEnd type="none" w="med" len="med"/>
-                      <a:tailEnd type="none" w="med" len="med"/>
-                    </a:lnT>
-                    <a:lnB w="12700" cap="flat" cmpd="sng" algn="ctr">
-                      <a:solidFill>
-                        <a:schemeClr val="tx1"/>
-                      </a:solidFill>
-                      <a:prstDash val="solid"/>
-                      <a:round/>
-                      <a:headEnd type="none" w="med" len="med"/>
-                      <a:tailEnd type="none" w="med" len="med"/>
-                    </a:lnB>
-                    <a:solidFill>
-                      <a:srgbClr val="00B0F0"/>
-                    </a:solidFill>
-                  </a:tcPr>
-                </a:tc>
-                <a:tc>
-                  <a:txBody>
-                    <a:bodyPr/>
-                    <a:lstStyle/>
-                    <a:p>
-                      <a:pPr algn="ctr" latinLnBrk="1"/>
-                      <a:endParaRPr lang="ko-KR" altLang="en-US" sz="3900" dirty="0">
-                        <a:solidFill>
-                          <a:schemeClr val="tx1"/>
-                        </a:solidFill>
-                        <a:latin typeface="배달의민족 한나체 Pro" panose="020B0600000101010101" pitchFamily="50" charset="-127"/>
-                        <a:ea typeface="배달의민족 한나체 Pro" panose="020B0600000101010101" pitchFamily="50" charset="-127"/>
-                      </a:endParaRPr>
-                    </a:p>
-                  </a:txBody>
-                  <a:tcPr marL="299444" marR="299444" marT="149722" marB="149722" anchor="ctr">
-                    <a:lnL w="12700" cap="flat" cmpd="sng" algn="ctr">
-                      <a:solidFill>
-                        <a:schemeClr val="tx1"/>
-                      </a:solidFill>
-                      <a:prstDash val="solid"/>
-                      <a:round/>
-                      <a:headEnd type="none" w="med" len="med"/>
-                      <a:tailEnd type="none" w="med" len="med"/>
-                    </a:lnL>
-                    <a:lnR w="12700" cap="flat" cmpd="sng" algn="ctr">
-                      <a:solidFill>
-                        <a:schemeClr val="tx1"/>
-                      </a:solidFill>
-                      <a:prstDash val="solid"/>
-                      <a:round/>
-                      <a:headEnd type="none" w="med" len="med"/>
-                      <a:tailEnd type="none" w="med" len="med"/>
-                    </a:lnR>
-                    <a:lnT w="12700" cap="flat" cmpd="sng" algn="ctr">
-                      <a:solidFill>
-                        <a:schemeClr val="tx1"/>
-                      </a:solidFill>
-                      <a:prstDash val="solid"/>
-                      <a:round/>
-                      <a:headEnd type="none" w="med" len="med"/>
-                      <a:tailEnd type="none" w="med" len="med"/>
-                    </a:lnT>
-                    <a:lnB w="12700" cap="flat" cmpd="sng" algn="ctr">
-                      <a:solidFill>
-                        <a:schemeClr val="tx1"/>
-                      </a:solidFill>
-                      <a:prstDash val="solid"/>
-                      <a:round/>
-                      <a:headEnd type="none" w="med" len="med"/>
-                      <a:tailEnd type="none" w="med" len="med"/>
-                    </a:lnB>
-                    <a:solidFill>
-                      <a:srgbClr val="00B0F0"/>
-                    </a:solidFill>
-                  </a:tcPr>
-                </a:tc>
-                <a:extLst>
-                  <a:ext uri="{0D108BD9-81ED-4DB2-BD59-A6C34878D82A}">
-                    <a16:rowId xmlns:a16="http://schemas.microsoft.com/office/drawing/2014/main" val="2392690982"/>
                   </a:ext>
                 </a:extLst>
               </a:tr>
@@ -36225,6 +34625,109 @@
                 <a:ea typeface="배달의민족 한나체 Pro" panose="020B0600000101010101" pitchFamily="50" charset="-127"/>
               </a:rPr>
               <a:t>최현욱</a:t>
+            </a:r>
+          </a:p>
+        </p:txBody>
+      </p:sp>
+      <p:sp>
+        <p:nvSpPr>
+          <p:cNvPr id="12" name="직사각형 11">
+            <a:extLst>
+              <a:ext uri="{FF2B5EF4-FFF2-40B4-BE49-F238E27FC236}">
+                <a16:creationId xmlns:a16="http://schemas.microsoft.com/office/drawing/2014/main" id="{8C16EAA8-18B3-491A-9393-10C019590F67}"/>
+              </a:ext>
+            </a:extLst>
+          </p:cNvPr>
+          <p:cNvSpPr/>
+          <p:nvPr/>
+        </p:nvSpPr>
+        <p:spPr>
+          <a:xfrm>
+            <a:off x="40601740" y="16156578"/>
+            <a:ext cx="1447800" cy="1405839"/>
+          </a:xfrm>
+          <a:prstGeom prst="rect">
+            <a:avLst/>
+          </a:prstGeom>
+          <a:solidFill>
+            <a:srgbClr val="05B0EE">
+              <a:alpha val="40000"/>
+            </a:srgbClr>
+          </a:solidFill>
+        </p:spPr>
+        <p:style>
+          <a:lnRef idx="2">
+            <a:schemeClr val="accent1">
+              <a:shade val="50000"/>
+            </a:schemeClr>
+          </a:lnRef>
+          <a:fillRef idx="1">
+            <a:schemeClr val="accent1"/>
+          </a:fillRef>
+          <a:effectRef idx="0">
+            <a:schemeClr val="accent1"/>
+          </a:effectRef>
+          <a:fontRef idx="minor">
+            <a:schemeClr val="lt1"/>
+          </a:fontRef>
+        </p:style>
+        <p:txBody>
+          <a:bodyPr rtlCol="0" anchor="ctr"/>
+          <a:lstStyle/>
+          <a:p>
+            <a:pPr algn="ctr"/>
+            <a:endParaRPr lang="ko-KR" altLang="en-US"/>
+          </a:p>
+        </p:txBody>
+      </p:sp>
+      <p:sp>
+        <p:nvSpPr>
+          <p:cNvPr id="9" name="TextBox 8">
+            <a:extLst>
+              <a:ext uri="{FF2B5EF4-FFF2-40B4-BE49-F238E27FC236}">
+                <a16:creationId xmlns:a16="http://schemas.microsoft.com/office/drawing/2014/main" id="{7426DAB1-194F-4C4E-AAB4-24E41E336E5A}"/>
+              </a:ext>
+            </a:extLst>
+          </p:cNvPr>
+          <p:cNvSpPr txBox="1"/>
+          <p:nvPr/>
+        </p:nvSpPr>
+        <p:spPr>
+          <a:xfrm>
+            <a:off x="42762473" y="16281486"/>
+            <a:ext cx="4395335" cy="1156022"/>
+          </a:xfrm>
+          <a:prstGeom prst="rect">
+            <a:avLst/>
+          </a:prstGeom>
+          <a:noFill/>
+        </p:spPr>
+        <p:txBody>
+          <a:bodyPr wrap="square" rtlCol="0">
+            <a:spAutoFit/>
+          </a:bodyPr>
+          <a:lstStyle/>
+          <a:p>
+            <a:r>
+              <a:rPr lang="ko-KR" altLang="en-US" dirty="0">
+                <a:latin typeface="배달의민족 한나체 Pro" panose="020B0600000101010101" pitchFamily="50" charset="-127"/>
+                <a:ea typeface="배달의민족 한나체 Pro" panose="020B0600000101010101" pitchFamily="50" charset="-127"/>
+              </a:rPr>
+              <a:t>수정</a:t>
+            </a:r>
+            <a:r>
+              <a:rPr lang="en-US" altLang="ko-KR" dirty="0">
+                <a:latin typeface="배달의민족 한나체 Pro" panose="020B0600000101010101" pitchFamily="50" charset="-127"/>
+                <a:ea typeface="배달의민족 한나체 Pro" panose="020B0600000101010101" pitchFamily="50" charset="-127"/>
+              </a:rPr>
+              <a:t>/</a:t>
+            </a:r>
+            <a:r>
+              <a:rPr lang="ko-KR" altLang="en-US" dirty="0">
+                <a:latin typeface="배달의민족 한나체 Pro" panose="020B0600000101010101" pitchFamily="50" charset="-127"/>
+                <a:ea typeface="배달의민족 한나체 Pro" panose="020B0600000101010101" pitchFamily="50" charset="-127"/>
+              </a:rPr>
+              <a:t>보완</a:t>
             </a:r>
           </a:p>
         </p:txBody>
